--- a/LinuxTools/Checkpointing/checkpointing.pptx
+++ b/LinuxTools/Checkpointing/checkpointing.pptx
@@ -4,15 +4,31 @@
   <p:sldMasterIdLst>
     <p:sldMasterId id="2147483648" r:id="rId1"/>
   </p:sldMasterIdLst>
+  <p:notesMasterIdLst>
+    <p:notesMasterId r:id="rId23"/>
+  </p:notesMasterIdLst>
   <p:sldIdLst>
     <p:sldId id="256" r:id="rId2"/>
     <p:sldId id="257" r:id="rId3"/>
     <p:sldId id="258" r:id="rId4"/>
     <p:sldId id="259" r:id="rId5"/>
     <p:sldId id="260" r:id="rId6"/>
-    <p:sldId id="261" r:id="rId7"/>
-    <p:sldId id="262" r:id="rId8"/>
-    <p:sldId id="263" r:id="rId9"/>
+    <p:sldId id="268" r:id="rId7"/>
+    <p:sldId id="261" r:id="rId8"/>
+    <p:sldId id="262" r:id="rId9"/>
+    <p:sldId id="263" r:id="rId10"/>
+    <p:sldId id="264" r:id="rId11"/>
+    <p:sldId id="266" r:id="rId12"/>
+    <p:sldId id="265" r:id="rId13"/>
+    <p:sldId id="267" r:id="rId14"/>
+    <p:sldId id="269" r:id="rId15"/>
+    <p:sldId id="270" r:id="rId16"/>
+    <p:sldId id="271" r:id="rId17"/>
+    <p:sldId id="272" r:id="rId18"/>
+    <p:sldId id="273" r:id="rId19"/>
+    <p:sldId id="274" r:id="rId20"/>
+    <p:sldId id="275" r:id="rId21"/>
+    <p:sldId id="276" r:id="rId22"/>
   </p:sldIdLst>
   <p:sldSz cx="9144000" cy="6858000" type="screen4x3"/>
   <p:notesSz cx="6858000" cy="9144000"/>
@@ -111,7 +127,446 @@
       </a:defRPr>
     </a:lvl9pPr>
   </p:defaultTextStyle>
+  <p:extLst>
+    <p:ext uri="{EFAFB233-063F-42B5-8137-9DF3F51BA10A}">
+      <p15:sldGuideLst xmlns:p15="http://schemas.microsoft.com/office/powerpoint/2012/main"/>
+    </p:ext>
+  </p:extLst>
 </p:presentation>
+</file>
+
+<file path=ppt/notesMasters/notesMaster1.xml><?xml version="1.0" encoding="utf-8"?>
+<p:notesMaster xmlns:a="http://schemas.openxmlformats.org/drawingml/2006/main" xmlns:r="http://schemas.openxmlformats.org/officeDocument/2006/relationships" xmlns:p="http://schemas.openxmlformats.org/presentationml/2006/main">
+  <p:cSld>
+    <p:bg>
+      <p:bgRef idx="1001">
+        <a:schemeClr val="bg1"/>
+      </p:bgRef>
+    </p:bg>
+    <p:spTree>
+      <p:nvGrpSpPr>
+        <p:cNvPr id="1" name=""/>
+        <p:cNvGrpSpPr/>
+        <p:nvPr/>
+      </p:nvGrpSpPr>
+      <p:grpSpPr>
+        <a:xfrm>
+          <a:off x="0" y="0"/>
+          <a:ext cx="0" cy="0"/>
+          <a:chOff x="0" y="0"/>
+          <a:chExt cx="0" cy="0"/>
+        </a:xfrm>
+      </p:grpSpPr>
+      <p:sp>
+        <p:nvSpPr>
+          <p:cNvPr id="2" name="Header Placeholder 1"/>
+          <p:cNvSpPr>
+            <a:spLocks noGrp="1"/>
+          </p:cNvSpPr>
+          <p:nvPr>
+            <p:ph type="hdr" sz="quarter"/>
+          </p:nvPr>
+        </p:nvSpPr>
+        <p:spPr>
+          <a:xfrm>
+            <a:off x="0" y="0"/>
+            <a:ext cx="2971800" cy="458788"/>
+          </a:xfrm>
+          <a:prstGeom prst="rect">
+            <a:avLst/>
+          </a:prstGeom>
+        </p:spPr>
+        <p:txBody>
+          <a:bodyPr vert="horz" lIns="91440" tIns="45720" rIns="91440" bIns="45720" rtlCol="0"/>
+          <a:lstStyle>
+            <a:lvl1pPr algn="l">
+              <a:defRPr sz="1200"/>
+            </a:lvl1pPr>
+          </a:lstStyle>
+          <a:p>
+            <a:endParaRPr lang="nl-BE"/>
+          </a:p>
+        </p:txBody>
+      </p:sp>
+      <p:sp>
+        <p:nvSpPr>
+          <p:cNvPr id="3" name="Date Placeholder 2"/>
+          <p:cNvSpPr>
+            <a:spLocks noGrp="1"/>
+          </p:cNvSpPr>
+          <p:nvPr>
+            <p:ph type="dt" idx="1"/>
+          </p:nvPr>
+        </p:nvSpPr>
+        <p:spPr>
+          <a:xfrm>
+            <a:off x="3884613" y="0"/>
+            <a:ext cx="2971800" cy="458788"/>
+          </a:xfrm>
+          <a:prstGeom prst="rect">
+            <a:avLst/>
+          </a:prstGeom>
+        </p:spPr>
+        <p:txBody>
+          <a:bodyPr vert="horz" lIns="91440" tIns="45720" rIns="91440" bIns="45720" rtlCol="0"/>
+          <a:lstStyle>
+            <a:lvl1pPr algn="r">
+              <a:defRPr sz="1200"/>
+            </a:lvl1pPr>
+          </a:lstStyle>
+          <a:p>
+            <a:fld id="{6E701E40-F6BA-46ED-B660-6F2F89D811A2}" type="datetimeFigureOut">
+              <a:rPr lang="nl-BE" smtClean="0"/>
+              <a:t>2017-01-09</a:t>
+            </a:fld>
+            <a:endParaRPr lang="nl-BE"/>
+          </a:p>
+        </p:txBody>
+      </p:sp>
+      <p:sp>
+        <p:nvSpPr>
+          <p:cNvPr id="4" name="Slide Image Placeholder 3"/>
+          <p:cNvSpPr>
+            <a:spLocks noGrp="1" noRot="1" noChangeAspect="1"/>
+          </p:cNvSpPr>
+          <p:nvPr>
+            <p:ph type="sldImg" idx="2"/>
+          </p:nvPr>
+        </p:nvSpPr>
+        <p:spPr>
+          <a:xfrm>
+            <a:off x="1371600" y="1143000"/>
+            <a:ext cx="4114800" cy="3086100"/>
+          </a:xfrm>
+          <a:prstGeom prst="rect">
+            <a:avLst/>
+          </a:prstGeom>
+          <a:noFill/>
+          <a:ln w="12700">
+            <a:solidFill>
+              <a:prstClr val="black"/>
+            </a:solidFill>
+          </a:ln>
+        </p:spPr>
+        <p:txBody>
+          <a:bodyPr vert="horz" lIns="91440" tIns="45720" rIns="91440" bIns="45720" rtlCol="0" anchor="ctr"/>
+          <a:lstStyle/>
+          <a:p>
+            <a:endParaRPr lang="nl-BE"/>
+          </a:p>
+        </p:txBody>
+      </p:sp>
+      <p:sp>
+        <p:nvSpPr>
+          <p:cNvPr id="5" name="Notes Placeholder 4"/>
+          <p:cNvSpPr>
+            <a:spLocks noGrp="1"/>
+          </p:cNvSpPr>
+          <p:nvPr>
+            <p:ph type="body" sz="quarter" idx="3"/>
+          </p:nvPr>
+        </p:nvSpPr>
+        <p:spPr>
+          <a:xfrm>
+            <a:off x="685800" y="4400550"/>
+            <a:ext cx="5486400" cy="3600450"/>
+          </a:xfrm>
+          <a:prstGeom prst="rect">
+            <a:avLst/>
+          </a:prstGeom>
+        </p:spPr>
+        <p:txBody>
+          <a:bodyPr vert="horz" lIns="91440" tIns="45720" rIns="91440" bIns="45720" rtlCol="0"/>
+          <a:lstStyle/>
+          <a:p>
+            <a:pPr lvl="0"/>
+            <a:r>
+              <a:rPr lang="en-US" smtClean="0"/>
+              <a:t>Click to edit Master text styles</a:t>
+            </a:r>
+          </a:p>
+          <a:p>
+            <a:pPr lvl="1"/>
+            <a:r>
+              <a:rPr lang="en-US" smtClean="0"/>
+              <a:t>Second level</a:t>
+            </a:r>
+          </a:p>
+          <a:p>
+            <a:pPr lvl="2"/>
+            <a:r>
+              <a:rPr lang="en-US" smtClean="0"/>
+              <a:t>Third level</a:t>
+            </a:r>
+          </a:p>
+          <a:p>
+            <a:pPr lvl="3"/>
+            <a:r>
+              <a:rPr lang="en-US" smtClean="0"/>
+              <a:t>Fourth level</a:t>
+            </a:r>
+          </a:p>
+          <a:p>
+            <a:pPr lvl="4"/>
+            <a:r>
+              <a:rPr lang="en-US" smtClean="0"/>
+              <a:t>Fifth level</a:t>
+            </a:r>
+            <a:endParaRPr lang="nl-BE"/>
+          </a:p>
+        </p:txBody>
+      </p:sp>
+      <p:sp>
+        <p:nvSpPr>
+          <p:cNvPr id="6" name="Footer Placeholder 5"/>
+          <p:cNvSpPr>
+            <a:spLocks noGrp="1"/>
+          </p:cNvSpPr>
+          <p:nvPr>
+            <p:ph type="ftr" sz="quarter" idx="4"/>
+          </p:nvPr>
+        </p:nvSpPr>
+        <p:spPr>
+          <a:xfrm>
+            <a:off x="0" y="8685213"/>
+            <a:ext cx="2971800" cy="458787"/>
+          </a:xfrm>
+          <a:prstGeom prst="rect">
+            <a:avLst/>
+          </a:prstGeom>
+        </p:spPr>
+        <p:txBody>
+          <a:bodyPr vert="horz" lIns="91440" tIns="45720" rIns="91440" bIns="45720" rtlCol="0" anchor="b"/>
+          <a:lstStyle>
+            <a:lvl1pPr algn="l">
+              <a:defRPr sz="1200"/>
+            </a:lvl1pPr>
+          </a:lstStyle>
+          <a:p>
+            <a:endParaRPr lang="nl-BE"/>
+          </a:p>
+        </p:txBody>
+      </p:sp>
+      <p:sp>
+        <p:nvSpPr>
+          <p:cNvPr id="7" name="Slide Number Placeholder 6"/>
+          <p:cNvSpPr>
+            <a:spLocks noGrp="1"/>
+          </p:cNvSpPr>
+          <p:nvPr>
+            <p:ph type="sldNum" sz="quarter" idx="5"/>
+          </p:nvPr>
+        </p:nvSpPr>
+        <p:spPr>
+          <a:xfrm>
+            <a:off x="3884613" y="8685213"/>
+            <a:ext cx="2971800" cy="458787"/>
+          </a:xfrm>
+          <a:prstGeom prst="rect">
+            <a:avLst/>
+          </a:prstGeom>
+        </p:spPr>
+        <p:txBody>
+          <a:bodyPr vert="horz" lIns="91440" tIns="45720" rIns="91440" bIns="45720" rtlCol="0" anchor="b"/>
+          <a:lstStyle>
+            <a:lvl1pPr algn="r">
+              <a:defRPr sz="1200"/>
+            </a:lvl1pPr>
+          </a:lstStyle>
+          <a:p>
+            <a:fld id="{67F19E59-ADD9-471C-B093-D91819159ABC}" type="slidenum">
+              <a:rPr lang="nl-BE" smtClean="0"/>
+              <a:t>‹#›</a:t>
+            </a:fld>
+            <a:endParaRPr lang="nl-BE"/>
+          </a:p>
+        </p:txBody>
+      </p:sp>
+    </p:spTree>
+    <p:extLst>
+      <p:ext uri="{BB962C8B-B14F-4D97-AF65-F5344CB8AC3E}">
+        <p14:creationId xmlns:p14="http://schemas.microsoft.com/office/powerpoint/2010/main" val="1495709043"/>
+      </p:ext>
+    </p:extLst>
+  </p:cSld>
+  <p:clrMap bg1="lt1" tx1="dk1" bg2="lt2" tx2="dk2" accent1="accent1" accent2="accent2" accent3="accent3" accent4="accent4" accent5="accent5" accent6="accent6" hlink="hlink" folHlink="folHlink"/>
+  <p:notesStyle>
+    <a:lvl1pPr marL="0" algn="l" defTabSz="914400" rtl="0" eaLnBrk="1" latinLnBrk="0" hangingPunct="1">
+      <a:defRPr sz="1200" kern="1200">
+        <a:solidFill>
+          <a:schemeClr val="tx1"/>
+        </a:solidFill>
+        <a:latin typeface="+mn-lt"/>
+        <a:ea typeface="+mn-ea"/>
+        <a:cs typeface="+mn-cs"/>
+      </a:defRPr>
+    </a:lvl1pPr>
+    <a:lvl2pPr marL="457200" algn="l" defTabSz="914400" rtl="0" eaLnBrk="1" latinLnBrk="0" hangingPunct="1">
+      <a:defRPr sz="1200" kern="1200">
+        <a:solidFill>
+          <a:schemeClr val="tx1"/>
+        </a:solidFill>
+        <a:latin typeface="+mn-lt"/>
+        <a:ea typeface="+mn-ea"/>
+        <a:cs typeface="+mn-cs"/>
+      </a:defRPr>
+    </a:lvl2pPr>
+    <a:lvl3pPr marL="914400" algn="l" defTabSz="914400" rtl="0" eaLnBrk="1" latinLnBrk="0" hangingPunct="1">
+      <a:defRPr sz="1200" kern="1200">
+        <a:solidFill>
+          <a:schemeClr val="tx1"/>
+        </a:solidFill>
+        <a:latin typeface="+mn-lt"/>
+        <a:ea typeface="+mn-ea"/>
+        <a:cs typeface="+mn-cs"/>
+      </a:defRPr>
+    </a:lvl3pPr>
+    <a:lvl4pPr marL="1371600" algn="l" defTabSz="914400" rtl="0" eaLnBrk="1" latinLnBrk="0" hangingPunct="1">
+      <a:defRPr sz="1200" kern="1200">
+        <a:solidFill>
+          <a:schemeClr val="tx1"/>
+        </a:solidFill>
+        <a:latin typeface="+mn-lt"/>
+        <a:ea typeface="+mn-ea"/>
+        <a:cs typeface="+mn-cs"/>
+      </a:defRPr>
+    </a:lvl4pPr>
+    <a:lvl5pPr marL="1828800" algn="l" defTabSz="914400" rtl="0" eaLnBrk="1" latinLnBrk="0" hangingPunct="1">
+      <a:defRPr sz="1200" kern="1200">
+        <a:solidFill>
+          <a:schemeClr val="tx1"/>
+        </a:solidFill>
+        <a:latin typeface="+mn-lt"/>
+        <a:ea typeface="+mn-ea"/>
+        <a:cs typeface="+mn-cs"/>
+      </a:defRPr>
+    </a:lvl5pPr>
+    <a:lvl6pPr marL="2286000" algn="l" defTabSz="914400" rtl="0" eaLnBrk="1" latinLnBrk="0" hangingPunct="1">
+      <a:defRPr sz="1200" kern="1200">
+        <a:solidFill>
+          <a:schemeClr val="tx1"/>
+        </a:solidFill>
+        <a:latin typeface="+mn-lt"/>
+        <a:ea typeface="+mn-ea"/>
+        <a:cs typeface="+mn-cs"/>
+      </a:defRPr>
+    </a:lvl6pPr>
+    <a:lvl7pPr marL="2743200" algn="l" defTabSz="914400" rtl="0" eaLnBrk="1" latinLnBrk="0" hangingPunct="1">
+      <a:defRPr sz="1200" kern="1200">
+        <a:solidFill>
+          <a:schemeClr val="tx1"/>
+        </a:solidFill>
+        <a:latin typeface="+mn-lt"/>
+        <a:ea typeface="+mn-ea"/>
+        <a:cs typeface="+mn-cs"/>
+      </a:defRPr>
+    </a:lvl7pPr>
+    <a:lvl8pPr marL="3200400" algn="l" defTabSz="914400" rtl="0" eaLnBrk="1" latinLnBrk="0" hangingPunct="1">
+      <a:defRPr sz="1200" kern="1200">
+        <a:solidFill>
+          <a:schemeClr val="tx1"/>
+        </a:solidFill>
+        <a:latin typeface="+mn-lt"/>
+        <a:ea typeface="+mn-ea"/>
+        <a:cs typeface="+mn-cs"/>
+      </a:defRPr>
+    </a:lvl8pPr>
+    <a:lvl9pPr marL="3657600" algn="l" defTabSz="914400" rtl="0" eaLnBrk="1" latinLnBrk="0" hangingPunct="1">
+      <a:defRPr sz="1200" kern="1200">
+        <a:solidFill>
+          <a:schemeClr val="tx1"/>
+        </a:solidFill>
+        <a:latin typeface="+mn-lt"/>
+        <a:ea typeface="+mn-ea"/>
+        <a:cs typeface="+mn-cs"/>
+      </a:defRPr>
+    </a:lvl9pPr>
+  </p:notesStyle>
+</p:notesMaster>
+</file>
+
+<file path=ppt/notesSlides/notesSlide1.xml><?xml version="1.0" encoding="utf-8"?>
+<p:notes xmlns:a="http://schemas.openxmlformats.org/drawingml/2006/main" xmlns:r="http://schemas.openxmlformats.org/officeDocument/2006/relationships" xmlns:p="http://schemas.openxmlformats.org/presentationml/2006/main">
+  <p:cSld>
+    <p:spTree>
+      <p:nvGrpSpPr>
+        <p:cNvPr id="1" name=""/>
+        <p:cNvGrpSpPr/>
+        <p:nvPr/>
+      </p:nvGrpSpPr>
+      <p:grpSpPr>
+        <a:xfrm>
+          <a:off x="0" y="0"/>
+          <a:ext cx="0" cy="0"/>
+          <a:chOff x="0" y="0"/>
+          <a:chExt cx="0" cy="0"/>
+        </a:xfrm>
+      </p:grpSpPr>
+      <p:sp>
+        <p:nvSpPr>
+          <p:cNvPr id="2" name="Slide Image Placeholder 1"/>
+          <p:cNvSpPr>
+            <a:spLocks noGrp="1" noRot="1" noChangeAspect="1"/>
+          </p:cNvSpPr>
+          <p:nvPr>
+            <p:ph type="sldImg"/>
+          </p:nvPr>
+        </p:nvSpPr>
+        <p:spPr/>
+      </p:sp>
+      <p:sp>
+        <p:nvSpPr>
+          <p:cNvPr id="3" name="Notes Placeholder 2"/>
+          <p:cNvSpPr>
+            <a:spLocks noGrp="1"/>
+          </p:cNvSpPr>
+          <p:nvPr>
+            <p:ph type="body" idx="1"/>
+          </p:nvPr>
+        </p:nvSpPr>
+        <p:spPr/>
+        <p:txBody>
+          <a:bodyPr/>
+          <a:lstStyle/>
+          <a:p>
+            <a:endParaRPr lang="nl-BE"/>
+          </a:p>
+        </p:txBody>
+      </p:sp>
+      <p:sp>
+        <p:nvSpPr>
+          <p:cNvPr id="4" name="Slide Number Placeholder 3"/>
+          <p:cNvSpPr>
+            <a:spLocks noGrp="1"/>
+          </p:cNvSpPr>
+          <p:nvPr>
+            <p:ph type="sldNum" sz="quarter" idx="10"/>
+          </p:nvPr>
+        </p:nvSpPr>
+        <p:spPr/>
+        <p:txBody>
+          <a:bodyPr/>
+          <a:lstStyle/>
+          <a:p>
+            <a:fld id="{67F19E59-ADD9-471C-B093-D91819159ABC}" type="slidenum">
+              <a:rPr lang="nl-BE" smtClean="0"/>
+              <a:t>7</a:t>
+            </a:fld>
+            <a:endParaRPr lang="nl-BE"/>
+          </a:p>
+        </p:txBody>
+      </p:sp>
+    </p:spTree>
+    <p:extLst>
+      <p:ext uri="{BB962C8B-B14F-4D97-AF65-F5344CB8AC3E}">
+        <p14:creationId xmlns:p14="http://schemas.microsoft.com/office/powerpoint/2010/main" val="1510681741"/>
+      </p:ext>
+    </p:extLst>
+  </p:cSld>
+  <p:clrMapOvr>
+    <a:masterClrMapping/>
+  </p:clrMapOvr>
+</p:notes>
 </file>
 
 <file path=ppt/slideLayouts/slideLayout1.xml><?xml version="1.0" encoding="utf-8"?>
@@ -243,7 +698,7 @@
           <a:bodyPr/>
           <a:lstStyle/>
           <a:p>
-            <a:fld id="{8AA8C310-674C-464D-A102-8D298D64F2FB}" type="datetimeFigureOut">
+            <a:fld id="{A287BB98-A89C-4C03-80F2-740225F5832C}" type="datetime1">
               <a:rPr lang="nl-BE" smtClean="0"/>
               <a:t>2017-01-09</a:t>
             </a:fld>
@@ -413,7 +868,7 @@
           <a:bodyPr/>
           <a:lstStyle/>
           <a:p>
-            <a:fld id="{8AA8C310-674C-464D-A102-8D298D64F2FB}" type="datetimeFigureOut">
+            <a:fld id="{737C6972-E9CE-4E73-AF9E-95B5E586C978}" type="datetime1">
               <a:rPr lang="nl-BE" smtClean="0"/>
               <a:t>2017-01-09</a:t>
             </a:fld>
@@ -593,7 +1048,7 @@
           <a:bodyPr/>
           <a:lstStyle/>
           <a:p>
-            <a:fld id="{8AA8C310-674C-464D-A102-8D298D64F2FB}" type="datetimeFigureOut">
+            <a:fld id="{E76A7134-DD41-4476-8EAA-3B730437DDBA}" type="datetime1">
               <a:rPr lang="nl-BE" smtClean="0"/>
               <a:t>2017-01-09</a:t>
             </a:fld>
@@ -763,7 +1218,7 @@
           <a:bodyPr/>
           <a:lstStyle/>
           <a:p>
-            <a:fld id="{8AA8C310-674C-464D-A102-8D298D64F2FB}" type="datetimeFigureOut">
+            <a:fld id="{6A712DDC-5823-4684-B9AB-13238133037F}" type="datetime1">
               <a:rPr lang="nl-BE" smtClean="0"/>
               <a:t>2017-01-09</a:t>
             </a:fld>
@@ -1009,7 +1464,7 @@
           <a:bodyPr/>
           <a:lstStyle/>
           <a:p>
-            <a:fld id="{8AA8C310-674C-464D-A102-8D298D64F2FB}" type="datetimeFigureOut">
+            <a:fld id="{25C98E6C-43F2-48C1-A878-60E399ADAF2F}" type="datetime1">
               <a:rPr lang="nl-BE" smtClean="0"/>
               <a:t>2017-01-09</a:t>
             </a:fld>
@@ -1241,7 +1696,7 @@
           <a:bodyPr/>
           <a:lstStyle/>
           <a:p>
-            <a:fld id="{8AA8C310-674C-464D-A102-8D298D64F2FB}" type="datetimeFigureOut">
+            <a:fld id="{68842D03-A048-445C-9971-C2AB088B80A8}" type="datetime1">
               <a:rPr lang="nl-BE" smtClean="0"/>
               <a:t>2017-01-09</a:t>
             </a:fld>
@@ -1608,7 +2063,7 @@
           <a:bodyPr/>
           <a:lstStyle/>
           <a:p>
-            <a:fld id="{8AA8C310-674C-464D-A102-8D298D64F2FB}" type="datetimeFigureOut">
+            <a:fld id="{0ABF26F5-8313-46CF-9E1C-E4A5B1A405D5}" type="datetime1">
               <a:rPr lang="nl-BE" smtClean="0"/>
               <a:t>2017-01-09</a:t>
             </a:fld>
@@ -1726,7 +2181,7 @@
           <a:bodyPr/>
           <a:lstStyle/>
           <a:p>
-            <a:fld id="{8AA8C310-674C-464D-A102-8D298D64F2FB}" type="datetimeFigureOut">
+            <a:fld id="{3CD87042-D51F-46CD-A77A-D047938A78D4}" type="datetime1">
               <a:rPr lang="nl-BE" smtClean="0"/>
               <a:t>2017-01-09</a:t>
             </a:fld>
@@ -1821,7 +2276,7 @@
           <a:bodyPr/>
           <a:lstStyle/>
           <a:p>
-            <a:fld id="{8AA8C310-674C-464D-A102-8D298D64F2FB}" type="datetimeFigureOut">
+            <a:fld id="{DC7432F5-E9F5-4C1F-9A3F-E7415A274E50}" type="datetime1">
               <a:rPr lang="nl-BE" smtClean="0"/>
               <a:t>2017-01-09</a:t>
             </a:fld>
@@ -2098,7 +2553,7 @@
           <a:bodyPr/>
           <a:lstStyle/>
           <a:p>
-            <a:fld id="{8AA8C310-674C-464D-A102-8D298D64F2FB}" type="datetimeFigureOut">
+            <a:fld id="{A8E1E92E-52FD-4A10-B7BB-621FA570F8E7}" type="datetime1">
               <a:rPr lang="nl-BE" smtClean="0"/>
               <a:t>2017-01-09</a:t>
             </a:fld>
@@ -2351,7 +2806,7 @@
           <a:bodyPr/>
           <a:lstStyle/>
           <a:p>
-            <a:fld id="{8AA8C310-674C-464D-A102-8D298D64F2FB}" type="datetimeFigureOut">
+            <a:fld id="{7D9E8458-F8C2-496F-A560-F1929A927ED8}" type="datetime1">
               <a:rPr lang="nl-BE" smtClean="0"/>
               <a:t>2017-01-09</a:t>
             </a:fld>
@@ -2564,7 +3019,7 @@
             </a:lvl1pPr>
           </a:lstStyle>
           <a:p>
-            <a:fld id="{8AA8C310-674C-464D-A102-8D298D64F2FB}" type="datetimeFigureOut">
+            <a:fld id="{ABA2E406-D30D-4CBF-B51D-3D815C4F7FD2}" type="datetime1">
               <a:rPr lang="nl-BE" smtClean="0"/>
               <a:t>2017-01-09</a:t>
             </a:fld>
@@ -2671,6 +3126,7 @@
     <p:sldLayoutId id="2147483658" r:id="rId10"/>
     <p:sldLayoutId id="2147483659" r:id="rId11"/>
   </p:sldLayoutIdLst>
+  <p:hf hdr="0" ftr="0" dt="0"/>
   <p:txStyles>
     <p:titleStyle>
       <a:lvl1pPr algn="l" defTabSz="914400" rtl="0" eaLnBrk="1" latinLnBrk="0" hangingPunct="1">
@@ -3086,6 +3542,29 @@
           </a:p>
         </p:txBody>
       </p:sp>
+      <p:sp>
+        <p:nvSpPr>
+          <p:cNvPr id="5" name="Slide Number Placeholder 4"/>
+          <p:cNvSpPr>
+            <a:spLocks noGrp="1"/>
+          </p:cNvSpPr>
+          <p:nvPr>
+            <p:ph type="sldNum" sz="quarter" idx="12"/>
+          </p:nvPr>
+        </p:nvSpPr>
+        <p:spPr/>
+        <p:txBody>
+          <a:bodyPr/>
+          <a:lstStyle/>
+          <a:p>
+            <a:fld id="{0E10C2AD-1307-4F27-A6A5-469AD3C2F368}" type="slidenum">
+              <a:rPr lang="nl-BE" smtClean="0"/>
+              <a:t>1</a:t>
+            </a:fld>
+            <a:endParaRPr lang="nl-BE"/>
+          </a:p>
+        </p:txBody>
+      </p:sp>
     </p:spTree>
     <p:extLst>
       <p:ext uri="{BB962C8B-B14F-4D97-AF65-F5344CB8AC3E}">
@@ -3100,6 +3579,4769 @@
     <p:tnLst>
       <p:par>
         <p:cTn id="1" dur="indefinite" restart="never" nodeType="tmRoot"/>
+      </p:par>
+    </p:tnLst>
+  </p:timing>
+</p:sld>
+</file>
+
+<file path=ppt/slides/slide10.xml><?xml version="1.0" encoding="utf-8"?>
+<p:sld xmlns:a="http://schemas.openxmlformats.org/drawingml/2006/main" xmlns:r="http://schemas.openxmlformats.org/officeDocument/2006/relationships" xmlns:p="http://schemas.openxmlformats.org/presentationml/2006/main">
+  <p:cSld>
+    <p:spTree>
+      <p:nvGrpSpPr>
+        <p:cNvPr id="1" name=""/>
+        <p:cNvGrpSpPr/>
+        <p:nvPr/>
+      </p:nvGrpSpPr>
+      <p:grpSpPr>
+        <a:xfrm>
+          <a:off x="0" y="0"/>
+          <a:ext cx="0" cy="0"/>
+          <a:chOff x="0" y="0"/>
+          <a:chExt cx="0" cy="0"/>
+        </a:xfrm>
+      </p:grpSpPr>
+      <p:sp>
+        <p:nvSpPr>
+          <p:cNvPr id="2" name="Title 1"/>
+          <p:cNvSpPr>
+            <a:spLocks noGrp="1"/>
+          </p:cNvSpPr>
+          <p:nvPr>
+            <p:ph type="title"/>
+          </p:nvPr>
+        </p:nvSpPr>
+        <p:spPr/>
+        <p:txBody>
+          <a:bodyPr/>
+          <a:lstStyle/>
+          <a:p>
+            <a:r>
+              <a:rPr lang="en-US" dirty="0" smtClean="0"/>
+              <a:t>Launch application</a:t>
+            </a:r>
+            <a:endParaRPr lang="nl-BE" dirty="0"/>
+          </a:p>
+        </p:txBody>
+      </p:sp>
+      <p:sp>
+        <p:nvSpPr>
+          <p:cNvPr id="3" name="Content Placeholder 2"/>
+          <p:cNvSpPr>
+            <a:spLocks noGrp="1"/>
+          </p:cNvSpPr>
+          <p:nvPr>
+            <p:ph idx="1"/>
+          </p:nvPr>
+        </p:nvSpPr>
+        <p:spPr/>
+        <p:txBody>
+          <a:bodyPr/>
+          <a:lstStyle/>
+          <a:p>
+            <a:r>
+              <a:rPr lang="en-US" dirty="0" smtClean="0"/>
+              <a:t>Run application under control of coordinator</a:t>
+            </a:r>
+          </a:p>
+          <a:p>
+            <a:endParaRPr lang="en-US" dirty="0"/>
+          </a:p>
+          <a:p>
+            <a:endParaRPr lang="en-US" dirty="0" smtClean="0"/>
+          </a:p>
+          <a:p>
+            <a:r>
+              <a:rPr lang="en-US" dirty="0" smtClean="0"/>
+              <a:t>When application is done, daemon quits</a:t>
+            </a:r>
+            <a:endParaRPr lang="nl-BE" dirty="0"/>
+          </a:p>
+        </p:txBody>
+      </p:sp>
+      <p:sp>
+        <p:nvSpPr>
+          <p:cNvPr id="4" name="Rectangle 3"/>
+          <p:cNvSpPr/>
+          <p:nvPr/>
+        </p:nvSpPr>
+        <p:spPr>
+          <a:xfrm>
+            <a:off x="749420" y="2398054"/>
+            <a:ext cx="8187551" cy="369332"/>
+          </a:xfrm>
+          <a:prstGeom prst="rect">
+            <a:avLst/>
+          </a:prstGeom>
+          <a:solidFill>
+            <a:schemeClr val="bg1">
+              <a:lumMod val="85000"/>
+            </a:schemeClr>
+          </a:solidFill>
+          <a:ln>
+            <a:solidFill>
+              <a:schemeClr val="tx1"/>
+            </a:solidFill>
+          </a:ln>
+        </p:spPr>
+        <p:txBody>
+          <a:bodyPr wrap="square">
+            <a:spAutoFit/>
+          </a:bodyPr>
+          <a:lstStyle/>
+          <a:p>
+            <a:r>
+              <a:rPr lang="nl-BE" dirty="0" err="1" smtClean="0">
+                <a:latin typeface="Courier New" panose="02070309020205020404" pitchFamily="49" charset="0"/>
+                <a:cs typeface="Courier New" panose="02070309020205020404" pitchFamily="49" charset="0"/>
+              </a:rPr>
+              <a:t>dmtcp_launch</a:t>
+            </a:r>
+            <a:r>
+              <a:rPr lang="nl-BE" dirty="0" smtClean="0">
+                <a:latin typeface="Courier New" panose="02070309020205020404" pitchFamily="49" charset="0"/>
+                <a:cs typeface="Courier New" panose="02070309020205020404" pitchFamily="49" charset="0"/>
+              </a:rPr>
+              <a:t>  ./</a:t>
+            </a:r>
+            <a:r>
+              <a:rPr lang="nl-BE" dirty="0" smtClean="0">
+                <a:latin typeface="Courier New" panose="02070309020205020404" pitchFamily="49" charset="0"/>
+                <a:cs typeface="Courier New" panose="02070309020205020404" pitchFamily="49" charset="0"/>
+              </a:rPr>
+              <a:t>file_io.exe  </a:t>
+            </a:r>
+            <a:r>
+              <a:rPr lang="nl-BE" dirty="0" smtClean="0">
+                <a:latin typeface="Courier New" panose="02070309020205020404" pitchFamily="49" charset="0"/>
+                <a:cs typeface="Courier New" panose="02070309020205020404" pitchFamily="49" charset="0"/>
+              </a:rPr>
+              <a:t>dump.txt  </a:t>
+            </a:r>
+            <a:r>
+              <a:rPr lang="nl-BE" dirty="0" smtClean="0">
+                <a:latin typeface="Courier New" panose="02070309020205020404" pitchFamily="49" charset="0"/>
+                <a:cs typeface="Courier New" panose="02070309020205020404" pitchFamily="49" charset="0"/>
+              </a:rPr>
+              <a:t>$(( 12*60*100 ))  </a:t>
+            </a:r>
+            <a:r>
+              <a:rPr lang="nl-BE" dirty="0" smtClean="0">
+                <a:latin typeface="Courier New" panose="02070309020205020404" pitchFamily="49" charset="0"/>
+                <a:cs typeface="Courier New" panose="02070309020205020404" pitchFamily="49" charset="0"/>
+              </a:rPr>
+              <a:t>1</a:t>
+            </a:r>
+            <a:endParaRPr lang="nl-BE" dirty="0">
+              <a:latin typeface="Courier New" panose="02070309020205020404" pitchFamily="49" charset="0"/>
+              <a:cs typeface="Courier New" panose="02070309020205020404" pitchFamily="49" charset="0"/>
+            </a:endParaRPr>
+          </a:p>
+        </p:txBody>
+      </p:sp>
+      <p:sp>
+        <p:nvSpPr>
+          <p:cNvPr id="5" name="Rectangle 4"/>
+          <p:cNvSpPr/>
+          <p:nvPr/>
+        </p:nvSpPr>
+        <p:spPr>
+          <a:xfrm>
+            <a:off x="749420" y="3990927"/>
+            <a:ext cx="1605597" cy="369332"/>
+          </a:xfrm>
+          <a:prstGeom prst="rect">
+            <a:avLst/>
+          </a:prstGeom>
+          <a:solidFill>
+            <a:schemeClr val="bg1">
+              <a:lumMod val="85000"/>
+            </a:schemeClr>
+          </a:solidFill>
+          <a:ln>
+            <a:solidFill>
+              <a:schemeClr val="tx1"/>
+            </a:solidFill>
+          </a:ln>
+        </p:spPr>
+        <p:txBody>
+          <a:bodyPr wrap="square">
+            <a:spAutoFit/>
+          </a:bodyPr>
+          <a:lstStyle/>
+          <a:p>
+            <a:r>
+              <a:rPr lang="nl-BE" dirty="0" err="1" smtClean="0">
+                <a:latin typeface="Courier New" panose="02070309020205020404" pitchFamily="49" charset="0"/>
+                <a:cs typeface="Courier New" panose="02070309020205020404" pitchFamily="49" charset="0"/>
+              </a:rPr>
+              <a:t>wait</a:t>
+            </a:r>
+            <a:endParaRPr lang="nl-BE" dirty="0">
+              <a:latin typeface="Courier New" panose="02070309020205020404" pitchFamily="49" charset="0"/>
+              <a:cs typeface="Courier New" panose="02070309020205020404" pitchFamily="49" charset="0"/>
+            </a:endParaRPr>
+          </a:p>
+        </p:txBody>
+      </p:sp>
+      <p:grpSp>
+        <p:nvGrpSpPr>
+          <p:cNvPr id="6" name="Group 5"/>
+          <p:cNvGrpSpPr/>
+          <p:nvPr/>
+        </p:nvGrpSpPr>
+        <p:grpSpPr>
+          <a:xfrm>
+            <a:off x="1193249" y="4278705"/>
+            <a:ext cx="6492611" cy="1157320"/>
+            <a:chOff x="810883" y="3974290"/>
+            <a:chExt cx="6492611" cy="1157320"/>
+          </a:xfrm>
+        </p:grpSpPr>
+        <p:sp>
+          <p:nvSpPr>
+            <p:cNvPr id="7" name="TextBox 6"/>
+            <p:cNvSpPr txBox="1"/>
+            <p:nvPr/>
+          </p:nvSpPr>
+          <p:spPr>
+            <a:xfrm>
+              <a:off x="810883" y="4762278"/>
+              <a:ext cx="6492611" cy="369332"/>
+            </a:xfrm>
+            <a:prstGeom prst="rect">
+              <a:avLst/>
+            </a:prstGeom>
+            <a:noFill/>
+            <a:ln>
+              <a:solidFill>
+                <a:schemeClr val="tx1"/>
+              </a:solidFill>
+            </a:ln>
+          </p:spPr>
+          <p:txBody>
+            <a:bodyPr wrap="none" rtlCol="0">
+              <a:spAutoFit/>
+            </a:bodyPr>
+            <a:lstStyle/>
+            <a:p>
+              <a:r>
+                <a:rPr lang="en-US" dirty="0" smtClean="0"/>
+                <a:t>ensure daemon (in background) quits befor</a:t>
+              </a:r>
+              <a:r>
+                <a:rPr lang="en-US" dirty="0" smtClean="0"/>
+                <a:t>e terminating PBS script</a:t>
+              </a:r>
+              <a:endParaRPr lang="nl-BE" dirty="0">
+                <a:latin typeface="Courier New" panose="02070309020205020404" pitchFamily="49" charset="0"/>
+                <a:cs typeface="Courier New" panose="02070309020205020404" pitchFamily="49" charset="0"/>
+              </a:endParaRPr>
+            </a:p>
+          </p:txBody>
+        </p:sp>
+        <p:cxnSp>
+          <p:nvCxnSpPr>
+            <p:cNvPr id="8" name="Straight Arrow Connector 7"/>
+            <p:cNvCxnSpPr>
+              <a:stCxn id="7" idx="0"/>
+            </p:cNvCxnSpPr>
+            <p:nvPr/>
+          </p:nvCxnSpPr>
+          <p:spPr>
+            <a:xfrm flipH="1" flipV="1">
+              <a:off x="1101418" y="3974290"/>
+              <a:ext cx="2955771" cy="787988"/>
+            </a:xfrm>
+            <a:prstGeom prst="straightConnector1">
+              <a:avLst/>
+            </a:prstGeom>
+            <a:ln w="19050">
+              <a:solidFill>
+                <a:schemeClr val="tx1"/>
+              </a:solidFill>
+              <a:tailEnd type="stealth" w="lg" len="lg"/>
+            </a:ln>
+          </p:spPr>
+          <p:style>
+            <a:lnRef idx="1">
+              <a:schemeClr val="accent1"/>
+            </a:lnRef>
+            <a:fillRef idx="0">
+              <a:schemeClr val="accent1"/>
+            </a:fillRef>
+            <a:effectRef idx="0">
+              <a:schemeClr val="accent1"/>
+            </a:effectRef>
+            <a:fontRef idx="minor">
+              <a:schemeClr val="tx1"/>
+            </a:fontRef>
+          </p:style>
+        </p:cxnSp>
+      </p:grpSp>
+      <p:sp>
+        <p:nvSpPr>
+          <p:cNvPr id="9" name="Slide Number Placeholder 8"/>
+          <p:cNvSpPr>
+            <a:spLocks noGrp="1"/>
+          </p:cNvSpPr>
+          <p:nvPr>
+            <p:ph type="sldNum" sz="quarter" idx="12"/>
+          </p:nvPr>
+        </p:nvSpPr>
+        <p:spPr/>
+        <p:txBody>
+          <a:bodyPr/>
+          <a:lstStyle/>
+          <a:p>
+            <a:fld id="{0E10C2AD-1307-4F27-A6A5-469AD3C2F368}" type="slidenum">
+              <a:rPr lang="nl-BE" smtClean="0"/>
+              <a:t>10</a:t>
+            </a:fld>
+            <a:endParaRPr lang="nl-BE"/>
+          </a:p>
+        </p:txBody>
+      </p:sp>
+    </p:spTree>
+    <p:extLst>
+      <p:ext uri="{BB962C8B-B14F-4D97-AF65-F5344CB8AC3E}">
+        <p14:creationId xmlns:p14="http://schemas.microsoft.com/office/powerpoint/2010/main" val="975660662"/>
+      </p:ext>
+    </p:extLst>
+  </p:cSld>
+  <p:clrMapOvr>
+    <a:masterClrMapping/>
+  </p:clrMapOvr>
+  <p:timing>
+    <p:tnLst>
+      <p:par>
+        <p:cTn id="1" dur="indefinite" restart="never" nodeType="tmRoot">
+          <p:childTnLst>
+            <p:seq concurrent="1" nextAc="seek">
+              <p:cTn id="2" dur="indefinite" nodeType="mainSeq">
+                <p:childTnLst>
+                  <p:par>
+                    <p:cTn id="3" fill="hold">
+                      <p:stCondLst>
+                        <p:cond delay="indefinite"/>
+                        <p:cond evt="onBegin" delay="0">
+                          <p:tn val="2"/>
+                        </p:cond>
+                      </p:stCondLst>
+                      <p:childTnLst>
+                        <p:par>
+                          <p:cTn id="4" fill="hold">
+                            <p:stCondLst>
+                              <p:cond delay="0"/>
+                            </p:stCondLst>
+                            <p:childTnLst>
+                              <p:par>
+                                <p:cTn id="5" presetID="1" presetClass="entr" presetSubtype="0" fill="hold" grpId="0" nodeType="withEffect">
+                                  <p:stCondLst>
+                                    <p:cond delay="0"/>
+                                  </p:stCondLst>
+                                  <p:childTnLst>
+                                    <p:set>
+                                      <p:cBhvr>
+                                        <p:cTn id="6" dur="1" fill="hold">
+                                          <p:stCondLst>
+                                            <p:cond delay="0"/>
+                                          </p:stCondLst>
+                                        </p:cTn>
+                                        <p:tgtEl>
+                                          <p:spTgt spid="3">
+                                            <p:txEl>
+                                              <p:pRg st="0" end="0"/>
+                                            </p:txEl>
+                                          </p:spTgt>
+                                        </p:tgtEl>
+                                        <p:attrNameLst>
+                                          <p:attrName>style.visibility</p:attrName>
+                                        </p:attrNameLst>
+                                      </p:cBhvr>
+                                      <p:to>
+                                        <p:strVal val="visible"/>
+                                      </p:to>
+                                    </p:set>
+                                  </p:childTnLst>
+                                </p:cTn>
+                              </p:par>
+                              <p:par>
+                                <p:cTn id="7" presetID="1" presetClass="entr" presetSubtype="0" fill="hold" grpId="0" nodeType="withEffect">
+                                  <p:stCondLst>
+                                    <p:cond delay="0"/>
+                                  </p:stCondLst>
+                                  <p:childTnLst>
+                                    <p:set>
+                                      <p:cBhvr>
+                                        <p:cTn id="8" dur="1" fill="hold">
+                                          <p:stCondLst>
+                                            <p:cond delay="0"/>
+                                          </p:stCondLst>
+                                        </p:cTn>
+                                        <p:tgtEl>
+                                          <p:spTgt spid="4"/>
+                                        </p:tgtEl>
+                                        <p:attrNameLst>
+                                          <p:attrName>style.visibility</p:attrName>
+                                        </p:attrNameLst>
+                                      </p:cBhvr>
+                                      <p:to>
+                                        <p:strVal val="visible"/>
+                                      </p:to>
+                                    </p:set>
+                                  </p:childTnLst>
+                                </p:cTn>
+                              </p:par>
+                            </p:childTnLst>
+                          </p:cTn>
+                        </p:par>
+                      </p:childTnLst>
+                    </p:cTn>
+                  </p:par>
+                  <p:par>
+                    <p:cTn id="9" fill="hold">
+                      <p:stCondLst>
+                        <p:cond delay="indefinite"/>
+                      </p:stCondLst>
+                      <p:childTnLst>
+                        <p:par>
+                          <p:cTn id="10" fill="hold">
+                            <p:stCondLst>
+                              <p:cond delay="0"/>
+                            </p:stCondLst>
+                            <p:childTnLst>
+                              <p:par>
+                                <p:cTn id="11" presetID="1" presetClass="entr" presetSubtype="0" fill="hold" grpId="0" nodeType="clickEffect">
+                                  <p:stCondLst>
+                                    <p:cond delay="0"/>
+                                  </p:stCondLst>
+                                  <p:childTnLst>
+                                    <p:set>
+                                      <p:cBhvr>
+                                        <p:cTn id="12" dur="1" fill="hold">
+                                          <p:stCondLst>
+                                            <p:cond delay="0"/>
+                                          </p:stCondLst>
+                                        </p:cTn>
+                                        <p:tgtEl>
+                                          <p:spTgt spid="3">
+                                            <p:txEl>
+                                              <p:pRg st="3" end="3"/>
+                                            </p:txEl>
+                                          </p:spTgt>
+                                        </p:tgtEl>
+                                        <p:attrNameLst>
+                                          <p:attrName>style.visibility</p:attrName>
+                                        </p:attrNameLst>
+                                      </p:cBhvr>
+                                      <p:to>
+                                        <p:strVal val="visible"/>
+                                      </p:to>
+                                    </p:set>
+                                  </p:childTnLst>
+                                </p:cTn>
+                              </p:par>
+                              <p:par>
+                                <p:cTn id="13" presetID="1" presetClass="entr" presetSubtype="0" fill="hold" grpId="0" nodeType="withEffect">
+                                  <p:stCondLst>
+                                    <p:cond delay="0"/>
+                                  </p:stCondLst>
+                                  <p:childTnLst>
+                                    <p:set>
+                                      <p:cBhvr>
+                                        <p:cTn id="14" dur="1" fill="hold">
+                                          <p:stCondLst>
+                                            <p:cond delay="0"/>
+                                          </p:stCondLst>
+                                        </p:cTn>
+                                        <p:tgtEl>
+                                          <p:spTgt spid="5"/>
+                                        </p:tgtEl>
+                                        <p:attrNameLst>
+                                          <p:attrName>style.visibility</p:attrName>
+                                        </p:attrNameLst>
+                                      </p:cBhvr>
+                                      <p:to>
+                                        <p:strVal val="visible"/>
+                                      </p:to>
+                                    </p:set>
+                                  </p:childTnLst>
+                                </p:cTn>
+                              </p:par>
+                            </p:childTnLst>
+                          </p:cTn>
+                        </p:par>
+                      </p:childTnLst>
+                    </p:cTn>
+                  </p:par>
+                  <p:par>
+                    <p:cTn id="15" fill="hold">
+                      <p:stCondLst>
+                        <p:cond delay="indefinite"/>
+                      </p:stCondLst>
+                      <p:childTnLst>
+                        <p:par>
+                          <p:cTn id="16" fill="hold">
+                            <p:stCondLst>
+                              <p:cond delay="0"/>
+                            </p:stCondLst>
+                            <p:childTnLst>
+                              <p:par>
+                                <p:cTn id="17" presetID="1" presetClass="entr" presetSubtype="0" fill="hold" nodeType="clickEffect">
+                                  <p:stCondLst>
+                                    <p:cond delay="0"/>
+                                  </p:stCondLst>
+                                  <p:childTnLst>
+                                    <p:set>
+                                      <p:cBhvr>
+                                        <p:cTn id="18" dur="1" fill="hold">
+                                          <p:stCondLst>
+                                            <p:cond delay="0"/>
+                                          </p:stCondLst>
+                                        </p:cTn>
+                                        <p:tgtEl>
+                                          <p:spTgt spid="6"/>
+                                        </p:tgtEl>
+                                        <p:attrNameLst>
+                                          <p:attrName>style.visibility</p:attrName>
+                                        </p:attrNameLst>
+                                      </p:cBhvr>
+                                      <p:to>
+                                        <p:strVal val="visible"/>
+                                      </p:to>
+                                    </p:set>
+                                  </p:childTnLst>
+                                </p:cTn>
+                              </p:par>
+                            </p:childTnLst>
+                          </p:cTn>
+                        </p:par>
+                      </p:childTnLst>
+                    </p:cTn>
+                  </p:par>
+                </p:childTnLst>
+              </p:cTn>
+              <p:prevCondLst>
+                <p:cond evt="onPrev" delay="0">
+                  <p:tgtEl>
+                    <p:sldTgt/>
+                  </p:tgtEl>
+                </p:cond>
+              </p:prevCondLst>
+              <p:nextCondLst>
+                <p:cond evt="onNext" delay="0">
+                  <p:tgtEl>
+                    <p:sldTgt/>
+                  </p:tgtEl>
+                </p:cond>
+              </p:nextCondLst>
+            </p:seq>
+          </p:childTnLst>
+        </p:cTn>
+      </p:par>
+    </p:tnLst>
+    <p:bldLst>
+      <p:bldP spid="3" grpId="0" uiExpand="1" build="p"/>
+      <p:bldP spid="4" grpId="0" animBg="1"/>
+      <p:bldP spid="5" grpId="0" animBg="1"/>
+    </p:bldLst>
+  </p:timing>
+</p:sld>
+</file>
+
+<file path=ppt/slides/slide11.xml><?xml version="1.0" encoding="utf-8"?>
+<p:sld xmlns:a="http://schemas.openxmlformats.org/drawingml/2006/main" xmlns:r="http://schemas.openxmlformats.org/officeDocument/2006/relationships" xmlns:p="http://schemas.openxmlformats.org/presentationml/2006/main">
+  <p:cSld>
+    <p:spTree>
+      <p:nvGrpSpPr>
+        <p:cNvPr id="1" name=""/>
+        <p:cNvGrpSpPr/>
+        <p:nvPr/>
+      </p:nvGrpSpPr>
+      <p:grpSpPr>
+        <a:xfrm>
+          <a:off x="0" y="0"/>
+          <a:ext cx="0" cy="0"/>
+          <a:chOff x="0" y="0"/>
+          <a:chExt cx="0" cy="0"/>
+        </a:xfrm>
+      </p:grpSpPr>
+      <p:sp>
+        <p:nvSpPr>
+          <p:cNvPr id="2" name="Title 1"/>
+          <p:cNvSpPr>
+            <a:spLocks noGrp="1"/>
+          </p:cNvSpPr>
+          <p:nvPr>
+            <p:ph type="title"/>
+          </p:nvPr>
+        </p:nvSpPr>
+        <p:spPr/>
+        <p:txBody>
+          <a:bodyPr/>
+          <a:lstStyle/>
+          <a:p>
+            <a:r>
+              <a:rPr lang="en-US" dirty="0" smtClean="0"/>
+              <a:t>Putting it all together</a:t>
+            </a:r>
+            <a:endParaRPr lang="nl-BE" dirty="0"/>
+          </a:p>
+        </p:txBody>
+      </p:sp>
+      <p:sp>
+        <p:nvSpPr>
+          <p:cNvPr id="3" name="Rectangle 2"/>
+          <p:cNvSpPr/>
+          <p:nvPr/>
+        </p:nvSpPr>
+        <p:spPr>
+          <a:xfrm>
+            <a:off x="628649" y="1535420"/>
+            <a:ext cx="8222053" cy="4801314"/>
+          </a:xfrm>
+          <a:prstGeom prst="rect">
+            <a:avLst/>
+          </a:prstGeom>
+          <a:solidFill>
+            <a:schemeClr val="bg1">
+              <a:lumMod val="85000"/>
+            </a:schemeClr>
+          </a:solidFill>
+          <a:ln>
+            <a:solidFill>
+              <a:schemeClr val="tx1"/>
+            </a:solidFill>
+          </a:ln>
+        </p:spPr>
+        <p:txBody>
+          <a:bodyPr wrap="square">
+            <a:spAutoFit/>
+          </a:bodyPr>
+          <a:lstStyle/>
+          <a:p>
+            <a:r>
+              <a:rPr lang="nl-BE" dirty="0" smtClean="0">
+                <a:latin typeface="Courier New" panose="02070309020205020404" pitchFamily="49" charset="0"/>
+                <a:cs typeface="Courier New" panose="02070309020205020404" pitchFamily="49" charset="0"/>
+              </a:rPr>
+              <a:t>#!/bin/</a:t>
+            </a:r>
+            <a:r>
+              <a:rPr lang="nl-BE" dirty="0" err="1" smtClean="0">
+                <a:latin typeface="Courier New" panose="02070309020205020404" pitchFamily="49" charset="0"/>
+                <a:cs typeface="Courier New" panose="02070309020205020404" pitchFamily="49" charset="0"/>
+              </a:rPr>
+              <a:t>bash</a:t>
+            </a:r>
+            <a:endParaRPr lang="nl-BE" dirty="0" smtClean="0">
+              <a:latin typeface="Courier New" panose="02070309020205020404" pitchFamily="49" charset="0"/>
+              <a:cs typeface="Courier New" panose="02070309020205020404" pitchFamily="49" charset="0"/>
+            </a:endParaRPr>
+          </a:p>
+          <a:p>
+            <a:r>
+              <a:rPr lang="nl-BE" dirty="0" smtClean="0">
+                <a:latin typeface="Courier New" panose="02070309020205020404" pitchFamily="49" charset="0"/>
+                <a:cs typeface="Courier New" panose="02070309020205020404" pitchFamily="49" charset="0"/>
+              </a:rPr>
+              <a:t>#PBS -l </a:t>
+            </a:r>
+            <a:r>
+              <a:rPr lang="nl-BE" dirty="0" err="1" smtClean="0">
+                <a:latin typeface="Courier New" panose="02070309020205020404" pitchFamily="49" charset="0"/>
+                <a:cs typeface="Courier New" panose="02070309020205020404" pitchFamily="49" charset="0"/>
+              </a:rPr>
+              <a:t>nodes</a:t>
+            </a:r>
+            <a:r>
+              <a:rPr lang="nl-BE" dirty="0" smtClean="0">
+                <a:latin typeface="Courier New" panose="02070309020205020404" pitchFamily="49" charset="0"/>
+                <a:cs typeface="Courier New" panose="02070309020205020404" pitchFamily="49" charset="0"/>
+              </a:rPr>
+              <a:t>=1:ppn=2</a:t>
+            </a:r>
+          </a:p>
+          <a:p>
+            <a:r>
+              <a:rPr lang="nl-BE" dirty="0" smtClean="0">
+                <a:latin typeface="Courier New" panose="02070309020205020404" pitchFamily="49" charset="0"/>
+                <a:cs typeface="Courier New" panose="02070309020205020404" pitchFamily="49" charset="0"/>
+              </a:rPr>
+              <a:t>#PBS -l </a:t>
+            </a:r>
+            <a:r>
+              <a:rPr lang="nl-BE" dirty="0" err="1" smtClean="0">
+                <a:latin typeface="Courier New" panose="02070309020205020404" pitchFamily="49" charset="0"/>
+                <a:cs typeface="Courier New" panose="02070309020205020404" pitchFamily="49" charset="0"/>
+              </a:rPr>
+              <a:t>walltime</a:t>
+            </a:r>
+            <a:r>
+              <a:rPr lang="nl-BE" dirty="0" smtClean="0">
+                <a:latin typeface="Courier New" panose="02070309020205020404" pitchFamily="49" charset="0"/>
+                <a:cs typeface="Courier New" panose="02070309020205020404" pitchFamily="49" charset="0"/>
+              </a:rPr>
+              <a:t>=48:00:00</a:t>
+            </a:r>
+            <a:endParaRPr lang="nl-BE" dirty="0" smtClean="0">
+              <a:latin typeface="Courier New" panose="02070309020205020404" pitchFamily="49" charset="0"/>
+              <a:cs typeface="Courier New" panose="02070309020205020404" pitchFamily="49" charset="0"/>
+            </a:endParaRPr>
+          </a:p>
+          <a:p>
+            <a:r>
+              <a:rPr lang="nl-BE" dirty="0" smtClean="0">
+                <a:latin typeface="Courier New" panose="02070309020205020404" pitchFamily="49" charset="0"/>
+                <a:cs typeface="Courier New" panose="02070309020205020404" pitchFamily="49" charset="0"/>
+              </a:rPr>
+              <a:t>#PBS -l mem=5gb</a:t>
+            </a:r>
+          </a:p>
+          <a:p>
+            <a:endParaRPr lang="nl-BE" dirty="0" smtClean="0">
+              <a:latin typeface="Courier New" panose="02070309020205020404" pitchFamily="49" charset="0"/>
+              <a:cs typeface="Courier New" panose="02070309020205020404" pitchFamily="49" charset="0"/>
+            </a:endParaRPr>
+          </a:p>
+          <a:p>
+            <a:r>
+              <a:rPr lang="nl-BE" dirty="0" smtClean="0">
+                <a:latin typeface="Courier New" panose="02070309020205020404" pitchFamily="49" charset="0"/>
+                <a:cs typeface="Courier New" panose="02070309020205020404" pitchFamily="49" charset="0"/>
+              </a:rPr>
+              <a:t>cd $PBS_O_WORKDIR</a:t>
+            </a:r>
+          </a:p>
+          <a:p>
+            <a:r>
+              <a:rPr lang="en-US" dirty="0" smtClean="0">
+                <a:latin typeface="Courier New" panose="02070309020205020404" pitchFamily="49" charset="0"/>
+                <a:cs typeface="Courier New" panose="02070309020205020404" pitchFamily="49" charset="0"/>
+              </a:rPr>
+              <a:t>module load </a:t>
+            </a:r>
+            <a:r>
+              <a:rPr lang="en-US" dirty="0" err="1" smtClean="0">
+                <a:latin typeface="Courier New" panose="02070309020205020404" pitchFamily="49" charset="0"/>
+                <a:cs typeface="Courier New" panose="02070309020205020404" pitchFamily="49" charset="0"/>
+              </a:rPr>
+              <a:t>dmtcp</a:t>
+            </a:r>
+            <a:endParaRPr lang="en-US" dirty="0" smtClean="0">
+              <a:latin typeface="Courier New" panose="02070309020205020404" pitchFamily="49" charset="0"/>
+              <a:cs typeface="Courier New" panose="02070309020205020404" pitchFamily="49" charset="0"/>
+            </a:endParaRPr>
+          </a:p>
+          <a:p>
+            <a:endParaRPr lang="en-US" dirty="0" smtClean="0">
+              <a:latin typeface="Courier New" panose="02070309020205020404" pitchFamily="49" charset="0"/>
+              <a:cs typeface="Courier New" panose="02070309020205020404" pitchFamily="49" charset="0"/>
+            </a:endParaRPr>
+          </a:p>
+          <a:p>
+            <a:r>
+              <a:rPr lang="nl-BE" dirty="0" smtClean="0">
+                <a:latin typeface="Courier New" panose="02070309020205020404" pitchFamily="49" charset="0"/>
+                <a:cs typeface="Courier New" panose="02070309020205020404" pitchFamily="49" charset="0"/>
+              </a:rPr>
+              <a:t>export </a:t>
+            </a:r>
+            <a:r>
+              <a:rPr lang="nl-BE" dirty="0">
+                <a:latin typeface="Courier New" panose="02070309020205020404" pitchFamily="49" charset="0"/>
+                <a:cs typeface="Courier New" panose="02070309020205020404" pitchFamily="49" charset="0"/>
+              </a:rPr>
+              <a:t>DMTCP_CHECKPOINT_DIR="$(</a:t>
+            </a:r>
+            <a:r>
+              <a:rPr lang="nl-BE" dirty="0" err="1">
+                <a:latin typeface="Courier New" panose="02070309020205020404" pitchFamily="49" charset="0"/>
+                <a:cs typeface="Courier New" panose="02070309020205020404" pitchFamily="49" charset="0"/>
+              </a:rPr>
+              <a:t>pwd</a:t>
+            </a:r>
+            <a:r>
+              <a:rPr lang="nl-BE" dirty="0">
+                <a:latin typeface="Courier New" panose="02070309020205020404" pitchFamily="49" charset="0"/>
+                <a:cs typeface="Courier New" panose="02070309020205020404" pitchFamily="49" charset="0"/>
+              </a:rPr>
+              <a:t>)/</a:t>
+            </a:r>
+            <a:r>
+              <a:rPr lang="nl-BE" dirty="0" err="1">
+                <a:latin typeface="Courier New" panose="02070309020205020404" pitchFamily="49" charset="0"/>
+                <a:cs typeface="Courier New" panose="02070309020205020404" pitchFamily="49" charset="0"/>
+              </a:rPr>
+              <a:t>ckpt</a:t>
+            </a:r>
+            <a:r>
+              <a:rPr lang="nl-BE" dirty="0">
+                <a:latin typeface="Courier New" panose="02070309020205020404" pitchFamily="49" charset="0"/>
+                <a:cs typeface="Courier New" panose="02070309020205020404" pitchFamily="49" charset="0"/>
+              </a:rPr>
+              <a:t>"</a:t>
+            </a:r>
+          </a:p>
+          <a:p>
+            <a:r>
+              <a:rPr lang="en-US" dirty="0" err="1">
+                <a:latin typeface="Courier New" panose="02070309020205020404" pitchFamily="49" charset="0"/>
+                <a:cs typeface="Courier New" panose="02070309020205020404" pitchFamily="49" charset="0"/>
+              </a:rPr>
+              <a:t>mkdir</a:t>
+            </a:r>
+            <a:r>
+              <a:rPr lang="en-US" dirty="0">
+                <a:latin typeface="Courier New" panose="02070309020205020404" pitchFamily="49" charset="0"/>
+                <a:cs typeface="Courier New" panose="02070309020205020404" pitchFamily="49" charset="0"/>
+              </a:rPr>
+              <a:t>  -p  $</a:t>
+            </a:r>
+            <a:r>
+              <a:rPr lang="nl-BE" dirty="0">
+                <a:latin typeface="Courier New" panose="02070309020205020404" pitchFamily="49" charset="0"/>
+                <a:cs typeface="Courier New" panose="02070309020205020404" pitchFamily="49" charset="0"/>
+              </a:rPr>
+              <a:t>DMTCP_CHECKPOINT_DIR</a:t>
+            </a:r>
+          </a:p>
+          <a:p>
+            <a:r>
+              <a:rPr lang="en-US" dirty="0">
+                <a:latin typeface="Courier New" panose="02070309020205020404" pitchFamily="49" charset="0"/>
+                <a:cs typeface="Courier New" panose="02070309020205020404" pitchFamily="49" charset="0"/>
+              </a:rPr>
+              <a:t>e</a:t>
+            </a:r>
+            <a:r>
+              <a:rPr lang="en-US" dirty="0" smtClean="0">
+                <a:latin typeface="Courier New" panose="02070309020205020404" pitchFamily="49" charset="0"/>
+                <a:cs typeface="Courier New" panose="02070309020205020404" pitchFamily="49" charset="0"/>
+              </a:rPr>
+              <a:t>xport DMTCP_CHECKPOINT_INTERVAL=$(( 3*3600 ))</a:t>
+            </a:r>
+          </a:p>
+          <a:p>
+            <a:endParaRPr lang="en-US" dirty="0" smtClean="0">
+              <a:latin typeface="Courier New" panose="02070309020205020404" pitchFamily="49" charset="0"/>
+              <a:cs typeface="Courier New" panose="02070309020205020404" pitchFamily="49" charset="0"/>
+            </a:endParaRPr>
+          </a:p>
+          <a:p>
+            <a:r>
+              <a:rPr lang="en-US" dirty="0" err="1" smtClean="0">
+                <a:latin typeface="Courier New" panose="02070309020205020404" pitchFamily="49" charset="0"/>
+                <a:cs typeface="Courier New" panose="02070309020205020404" pitchFamily="49" charset="0"/>
+              </a:rPr>
+              <a:t>dmtcp_coordinator</a:t>
+            </a:r>
+            <a:r>
+              <a:rPr lang="en-US" dirty="0" smtClean="0">
+                <a:latin typeface="Courier New" panose="02070309020205020404" pitchFamily="49" charset="0"/>
+                <a:cs typeface="Courier New" panose="02070309020205020404" pitchFamily="49" charset="0"/>
+              </a:rPr>
+              <a:t> &amp;</a:t>
+            </a:r>
+          </a:p>
+          <a:p>
+            <a:r>
+              <a:rPr lang="en-US" dirty="0" smtClean="0">
+                <a:latin typeface="Courier New" panose="02070309020205020404" pitchFamily="49" charset="0"/>
+                <a:cs typeface="Courier New" panose="02070309020205020404" pitchFamily="49" charset="0"/>
+              </a:rPr>
+              <a:t>sleep 5</a:t>
+            </a:r>
+            <a:endParaRPr lang="nl-BE" dirty="0" smtClean="0">
+              <a:latin typeface="Courier New" panose="02070309020205020404" pitchFamily="49" charset="0"/>
+              <a:cs typeface="Courier New" panose="02070309020205020404" pitchFamily="49" charset="0"/>
+            </a:endParaRPr>
+          </a:p>
+          <a:p>
+            <a:r>
+              <a:rPr lang="nl-BE" dirty="0" err="1">
+                <a:latin typeface="Courier New" panose="02070309020205020404" pitchFamily="49" charset="0"/>
+                <a:cs typeface="Courier New" panose="02070309020205020404" pitchFamily="49" charset="0"/>
+              </a:rPr>
+              <a:t>d</a:t>
+            </a:r>
+            <a:r>
+              <a:rPr lang="nl-BE" dirty="0" err="1" smtClean="0">
+                <a:latin typeface="Courier New" panose="02070309020205020404" pitchFamily="49" charset="0"/>
+                <a:cs typeface="Courier New" panose="02070309020205020404" pitchFamily="49" charset="0"/>
+              </a:rPr>
+              <a:t>mtcp_launch</a:t>
+            </a:r>
+            <a:r>
+              <a:rPr lang="nl-BE" dirty="0" smtClean="0">
+                <a:latin typeface="Courier New" panose="02070309020205020404" pitchFamily="49" charset="0"/>
+                <a:cs typeface="Courier New" panose="02070309020205020404" pitchFamily="49" charset="0"/>
+              </a:rPr>
+              <a:t>  ./</a:t>
+            </a:r>
+            <a:r>
+              <a:rPr lang="nl-BE" dirty="0" smtClean="0">
+                <a:latin typeface="Courier New" panose="02070309020205020404" pitchFamily="49" charset="0"/>
+                <a:cs typeface="Courier New" panose="02070309020205020404" pitchFamily="49" charset="0"/>
+              </a:rPr>
+              <a:t>file_io.exe  dump.txt  $(( 12*60*100 ))  </a:t>
+            </a:r>
+            <a:r>
+              <a:rPr lang="nl-BE" dirty="0" smtClean="0">
+                <a:latin typeface="Courier New" panose="02070309020205020404" pitchFamily="49" charset="0"/>
+                <a:cs typeface="Courier New" panose="02070309020205020404" pitchFamily="49" charset="0"/>
+              </a:rPr>
+              <a:t>1</a:t>
+            </a:r>
+          </a:p>
+          <a:p>
+            <a:endParaRPr lang="en-US" dirty="0">
+              <a:latin typeface="Courier New" panose="02070309020205020404" pitchFamily="49" charset="0"/>
+              <a:cs typeface="Courier New" panose="02070309020205020404" pitchFamily="49" charset="0"/>
+            </a:endParaRPr>
+          </a:p>
+          <a:p>
+            <a:r>
+              <a:rPr lang="en-US" dirty="0" smtClean="0">
+                <a:latin typeface="Courier New" panose="02070309020205020404" pitchFamily="49" charset="0"/>
+                <a:cs typeface="Courier New" panose="02070309020205020404" pitchFamily="49" charset="0"/>
+              </a:rPr>
+              <a:t>wait</a:t>
+            </a:r>
+            <a:endParaRPr lang="nl-BE" dirty="0">
+              <a:latin typeface="Courier New" panose="02070309020205020404" pitchFamily="49" charset="0"/>
+              <a:cs typeface="Courier New" panose="02070309020205020404" pitchFamily="49" charset="0"/>
+            </a:endParaRPr>
+          </a:p>
+        </p:txBody>
+      </p:sp>
+      <p:sp>
+        <p:nvSpPr>
+          <p:cNvPr id="4" name="Slide Number Placeholder 3"/>
+          <p:cNvSpPr>
+            <a:spLocks noGrp="1"/>
+          </p:cNvSpPr>
+          <p:nvPr>
+            <p:ph type="sldNum" sz="quarter" idx="12"/>
+          </p:nvPr>
+        </p:nvSpPr>
+        <p:spPr/>
+        <p:txBody>
+          <a:bodyPr/>
+          <a:lstStyle/>
+          <a:p>
+            <a:fld id="{0E10C2AD-1307-4F27-A6A5-469AD3C2F368}" type="slidenum">
+              <a:rPr lang="nl-BE" smtClean="0"/>
+              <a:t>11</a:t>
+            </a:fld>
+            <a:endParaRPr lang="nl-BE"/>
+          </a:p>
+        </p:txBody>
+      </p:sp>
+      <p:grpSp>
+        <p:nvGrpSpPr>
+          <p:cNvPr id="12" name="Group 11"/>
+          <p:cNvGrpSpPr/>
+          <p:nvPr/>
+        </p:nvGrpSpPr>
+        <p:grpSpPr>
+          <a:xfrm>
+            <a:off x="3407434" y="1837426"/>
+            <a:ext cx="5527923" cy="1018674"/>
+            <a:chOff x="3407434" y="1837426"/>
+            <a:chExt cx="5527923" cy="1018674"/>
+          </a:xfrm>
+        </p:grpSpPr>
+        <p:grpSp>
+          <p:nvGrpSpPr>
+            <p:cNvPr id="5" name="Group 4"/>
+            <p:cNvGrpSpPr/>
+            <p:nvPr/>
+          </p:nvGrpSpPr>
+          <p:grpSpPr>
+            <a:xfrm>
+              <a:off x="3648974" y="1984076"/>
+              <a:ext cx="5286383" cy="872024"/>
+              <a:chOff x="-954408" y="4259586"/>
+              <a:chExt cx="5286383" cy="872024"/>
+            </a:xfrm>
+            <a:solidFill>
+              <a:schemeClr val="bg1"/>
+            </a:solidFill>
+          </p:grpSpPr>
+          <p:sp>
+            <p:nvSpPr>
+              <p:cNvPr id="6" name="TextBox 5"/>
+              <p:cNvSpPr txBox="1"/>
+              <p:nvPr/>
+            </p:nvSpPr>
+            <p:spPr>
+              <a:xfrm>
+                <a:off x="810883" y="4762278"/>
+                <a:ext cx="3521092" cy="369332"/>
+              </a:xfrm>
+              <a:prstGeom prst="rect">
+                <a:avLst/>
+              </a:prstGeom>
+              <a:grpFill/>
+              <a:ln>
+                <a:solidFill>
+                  <a:schemeClr val="tx1"/>
+                </a:solidFill>
+              </a:ln>
+            </p:spPr>
+            <p:txBody>
+              <a:bodyPr wrap="none" rtlCol="0">
+                <a:spAutoFit/>
+              </a:bodyPr>
+              <a:lstStyle/>
+              <a:p>
+                <a:r>
+                  <a:rPr lang="en-US" dirty="0" smtClean="0"/>
+                  <a:t>allow a core for </a:t>
+                </a:r>
+                <a:r>
+                  <a:rPr lang="en-US" dirty="0" err="1" smtClean="0"/>
+                  <a:t>dmtcp_coordinator</a:t>
+                </a:r>
+                <a:endParaRPr lang="nl-BE" dirty="0">
+                  <a:latin typeface="Courier New" panose="02070309020205020404" pitchFamily="49" charset="0"/>
+                  <a:cs typeface="Courier New" panose="02070309020205020404" pitchFamily="49" charset="0"/>
+                </a:endParaRPr>
+              </a:p>
+            </p:txBody>
+          </p:sp>
+          <p:cxnSp>
+            <p:nvCxnSpPr>
+              <p:cNvPr id="7" name="Straight Arrow Connector 6"/>
+              <p:cNvCxnSpPr>
+                <a:stCxn id="6" idx="1"/>
+                <a:endCxn id="10" idx="6"/>
+              </p:cNvCxnSpPr>
+              <p:nvPr/>
+            </p:nvCxnSpPr>
+            <p:spPr>
+              <a:xfrm flipH="1" flipV="1">
+                <a:off x="-954408" y="4259586"/>
+                <a:ext cx="1765291" cy="687358"/>
+              </a:xfrm>
+              <a:prstGeom prst="straightConnector1">
+                <a:avLst/>
+              </a:prstGeom>
+              <a:grpFill/>
+              <a:ln w="19050">
+                <a:solidFill>
+                  <a:schemeClr val="tx1"/>
+                </a:solidFill>
+                <a:tailEnd type="stealth" w="lg" len="lg"/>
+              </a:ln>
+            </p:spPr>
+            <p:style>
+              <a:lnRef idx="1">
+                <a:schemeClr val="accent1"/>
+              </a:lnRef>
+              <a:fillRef idx="0">
+                <a:schemeClr val="accent1"/>
+              </a:fillRef>
+              <a:effectRef idx="0">
+                <a:schemeClr val="accent1"/>
+              </a:effectRef>
+              <a:fontRef idx="minor">
+                <a:schemeClr val="tx1"/>
+              </a:fontRef>
+            </p:style>
+          </p:cxnSp>
+        </p:grpSp>
+        <p:sp>
+          <p:nvSpPr>
+            <p:cNvPr id="10" name="Oval 9"/>
+            <p:cNvSpPr/>
+            <p:nvPr/>
+          </p:nvSpPr>
+          <p:spPr>
+            <a:xfrm>
+              <a:off x="3407434" y="1837426"/>
+              <a:ext cx="241540" cy="293299"/>
+            </a:xfrm>
+            <a:prstGeom prst="ellipse">
+              <a:avLst/>
+            </a:prstGeom>
+            <a:noFill/>
+            <a:ln w="19050">
+              <a:solidFill>
+                <a:srgbClr val="C00000"/>
+              </a:solidFill>
+            </a:ln>
+          </p:spPr>
+          <p:style>
+            <a:lnRef idx="2">
+              <a:schemeClr val="accent1">
+                <a:shade val="50000"/>
+              </a:schemeClr>
+            </a:lnRef>
+            <a:fillRef idx="1">
+              <a:schemeClr val="accent1"/>
+            </a:fillRef>
+            <a:effectRef idx="0">
+              <a:schemeClr val="accent1"/>
+            </a:effectRef>
+            <a:fontRef idx="minor">
+              <a:schemeClr val="lt1"/>
+            </a:fontRef>
+          </p:style>
+          <p:txBody>
+            <a:bodyPr rtlCol="0" anchor="ctr"/>
+            <a:lstStyle/>
+            <a:p>
+              <a:pPr algn="ctr"/>
+              <a:endParaRPr lang="nl-BE"/>
+            </a:p>
+          </p:txBody>
+        </p:sp>
+      </p:grpSp>
+    </p:spTree>
+    <p:extLst>
+      <p:ext uri="{BB962C8B-B14F-4D97-AF65-F5344CB8AC3E}">
+        <p14:creationId xmlns:p14="http://schemas.microsoft.com/office/powerpoint/2010/main" val="984123843"/>
+      </p:ext>
+    </p:extLst>
+  </p:cSld>
+  <p:clrMapOvr>
+    <a:masterClrMapping/>
+  </p:clrMapOvr>
+  <p:timing>
+    <p:tnLst>
+      <p:par>
+        <p:cTn id="1" dur="indefinite" restart="never" nodeType="tmRoot">
+          <p:childTnLst>
+            <p:seq concurrent="1" nextAc="seek">
+              <p:cTn id="2" dur="indefinite" nodeType="mainSeq">
+                <p:childTnLst>
+                  <p:par>
+                    <p:cTn id="3" fill="hold">
+                      <p:stCondLst>
+                        <p:cond delay="indefinite"/>
+                      </p:stCondLst>
+                      <p:childTnLst>
+                        <p:par>
+                          <p:cTn id="4" fill="hold">
+                            <p:stCondLst>
+                              <p:cond delay="0"/>
+                            </p:stCondLst>
+                            <p:childTnLst>
+                              <p:par>
+                                <p:cTn id="5" presetID="1" presetClass="entr" presetSubtype="0" fill="hold" nodeType="clickEffect">
+                                  <p:stCondLst>
+                                    <p:cond delay="0"/>
+                                  </p:stCondLst>
+                                  <p:childTnLst>
+                                    <p:set>
+                                      <p:cBhvr>
+                                        <p:cTn id="6" dur="1" fill="hold">
+                                          <p:stCondLst>
+                                            <p:cond delay="0"/>
+                                          </p:stCondLst>
+                                        </p:cTn>
+                                        <p:tgtEl>
+                                          <p:spTgt spid="12"/>
+                                        </p:tgtEl>
+                                        <p:attrNameLst>
+                                          <p:attrName>style.visibility</p:attrName>
+                                        </p:attrNameLst>
+                                      </p:cBhvr>
+                                      <p:to>
+                                        <p:strVal val="visible"/>
+                                      </p:to>
+                                    </p:set>
+                                  </p:childTnLst>
+                                </p:cTn>
+                              </p:par>
+                            </p:childTnLst>
+                          </p:cTn>
+                        </p:par>
+                      </p:childTnLst>
+                    </p:cTn>
+                  </p:par>
+                </p:childTnLst>
+              </p:cTn>
+              <p:prevCondLst>
+                <p:cond evt="onPrev" delay="0">
+                  <p:tgtEl>
+                    <p:sldTgt/>
+                  </p:tgtEl>
+                </p:cond>
+              </p:prevCondLst>
+              <p:nextCondLst>
+                <p:cond evt="onNext" delay="0">
+                  <p:tgtEl>
+                    <p:sldTgt/>
+                  </p:tgtEl>
+                </p:cond>
+              </p:nextCondLst>
+            </p:seq>
+          </p:childTnLst>
+        </p:cTn>
+      </p:par>
+    </p:tnLst>
+  </p:timing>
+</p:sld>
+</file>
+
+<file path=ppt/slides/slide12.xml><?xml version="1.0" encoding="utf-8"?>
+<p:sld xmlns:a="http://schemas.openxmlformats.org/drawingml/2006/main" xmlns:r="http://schemas.openxmlformats.org/officeDocument/2006/relationships" xmlns:p="http://schemas.openxmlformats.org/presentationml/2006/main">
+  <p:cSld>
+    <p:spTree>
+      <p:nvGrpSpPr>
+        <p:cNvPr id="1" name=""/>
+        <p:cNvGrpSpPr/>
+        <p:nvPr/>
+      </p:nvGrpSpPr>
+      <p:grpSpPr>
+        <a:xfrm>
+          <a:off x="0" y="0"/>
+          <a:ext cx="0" cy="0"/>
+          <a:chOff x="0" y="0"/>
+          <a:chExt cx="0" cy="0"/>
+        </a:xfrm>
+      </p:grpSpPr>
+      <p:sp>
+        <p:nvSpPr>
+          <p:cNvPr id="2" name="Title 1"/>
+          <p:cNvSpPr>
+            <a:spLocks noGrp="1"/>
+          </p:cNvSpPr>
+          <p:nvPr>
+            <p:ph type="title"/>
+          </p:nvPr>
+        </p:nvSpPr>
+        <p:spPr/>
+        <p:txBody>
+          <a:bodyPr/>
+          <a:lstStyle/>
+          <a:p>
+            <a:r>
+              <a:rPr lang="en-US" dirty="0" smtClean="0"/>
+              <a:t>What happens?</a:t>
+            </a:r>
+            <a:endParaRPr lang="nl-BE" dirty="0"/>
+          </a:p>
+        </p:txBody>
+      </p:sp>
+      <p:sp>
+        <p:nvSpPr>
+          <p:cNvPr id="3" name="Content Placeholder 2"/>
+          <p:cNvSpPr>
+            <a:spLocks noGrp="1"/>
+          </p:cNvSpPr>
+          <p:nvPr>
+            <p:ph idx="1"/>
+          </p:nvPr>
+        </p:nvSpPr>
+        <p:spPr/>
+        <p:txBody>
+          <a:bodyPr>
+            <a:normAutofit/>
+          </a:bodyPr>
+          <a:lstStyle/>
+          <a:p>
+            <a:r>
+              <a:rPr lang="en-US" dirty="0" smtClean="0"/>
+              <a:t>At every checkpoint interval: information stored in checkpoint directory</a:t>
+            </a:r>
+          </a:p>
+          <a:p>
+            <a:pPr lvl="1"/>
+            <a:r>
+              <a:rPr lang="nl-BE" sz="1600" dirty="0" smtClean="0">
+                <a:latin typeface="Courier New" panose="02070309020205020404" pitchFamily="49" charset="0"/>
+                <a:cs typeface="Courier New" panose="02070309020205020404" pitchFamily="49" charset="0"/>
+              </a:rPr>
+              <a:t>ckpt_file_io.exe_4e6f792af8e57f4a-40000-58737232.dmtcp</a:t>
+            </a:r>
+          </a:p>
+          <a:p>
+            <a:pPr lvl="1"/>
+            <a:r>
+              <a:rPr lang="nl-BE" sz="1600" dirty="0" smtClean="0">
+                <a:latin typeface="Courier New" panose="02070309020205020404" pitchFamily="49" charset="0"/>
+                <a:cs typeface="Courier New" panose="02070309020205020404" pitchFamily="49" charset="0"/>
+              </a:rPr>
+              <a:t>dmtcp_restart_script_4e6f792af8e57f4a-40000-58737231.sh</a:t>
+            </a:r>
+          </a:p>
+          <a:p>
+            <a:pPr lvl="1"/>
+            <a:r>
+              <a:rPr lang="nl-BE" sz="1600" dirty="0">
+                <a:latin typeface="Courier New" panose="02070309020205020404" pitchFamily="49" charset="0"/>
+                <a:cs typeface="Courier New" panose="02070309020205020404" pitchFamily="49" charset="0"/>
+              </a:rPr>
+              <a:t>dmtcp_restart_script.sh</a:t>
+            </a:r>
+            <a:endParaRPr lang="nl-BE" sz="1600" dirty="0" smtClean="0">
+              <a:latin typeface="Courier New" panose="02070309020205020404" pitchFamily="49" charset="0"/>
+              <a:cs typeface="Courier New" panose="02070309020205020404" pitchFamily="49" charset="0"/>
+            </a:endParaRPr>
+          </a:p>
+          <a:p>
+            <a:r>
+              <a:rPr lang="en-US" dirty="0" smtClean="0">
+                <a:cs typeface="Courier New" panose="02070309020205020404" pitchFamily="49" charset="0"/>
+              </a:rPr>
+              <a:t>DMTCP file: dump of state</a:t>
+            </a:r>
+          </a:p>
+          <a:p>
+            <a:pPr lvl="1"/>
+            <a:r>
+              <a:rPr lang="en-US" dirty="0" smtClean="0">
+                <a:solidFill>
+                  <a:srgbClr val="C00000"/>
+                </a:solidFill>
+                <a:cs typeface="Courier New" panose="02070309020205020404" pitchFamily="49" charset="0"/>
+              </a:rPr>
+              <a:t>Note: can be very large, e.g., entire system memory</a:t>
+            </a:r>
+          </a:p>
+          <a:p>
+            <a:r>
+              <a:rPr lang="en-US" dirty="0" smtClean="0">
+                <a:cs typeface="Courier New" panose="02070309020205020404" pitchFamily="49" charset="0"/>
+              </a:rPr>
+              <a:t>Shell script: will restart</a:t>
+            </a:r>
+            <a:endParaRPr lang="nl-BE" sz="2000" dirty="0" smtClean="0">
+              <a:cs typeface="Courier New" panose="02070309020205020404" pitchFamily="49" charset="0"/>
+            </a:endParaRPr>
+          </a:p>
+          <a:p>
+            <a:r>
+              <a:rPr lang="en-US" dirty="0" smtClean="0">
+                <a:latin typeface="Courier New" panose="02070309020205020404" pitchFamily="49" charset="0"/>
+                <a:cs typeface="Courier New" panose="02070309020205020404" pitchFamily="49" charset="0"/>
+              </a:rPr>
+              <a:t>dmtcp_restart_script.sh</a:t>
+            </a:r>
+            <a:r>
+              <a:rPr lang="en-US" dirty="0" smtClean="0">
+                <a:cs typeface="Courier New" panose="02070309020205020404" pitchFamily="49" charset="0"/>
+              </a:rPr>
+              <a:t>: link to latest restart script</a:t>
+            </a:r>
+          </a:p>
+        </p:txBody>
+      </p:sp>
+      <p:sp>
+        <p:nvSpPr>
+          <p:cNvPr id="4" name="Slide Number Placeholder 3"/>
+          <p:cNvSpPr>
+            <a:spLocks noGrp="1"/>
+          </p:cNvSpPr>
+          <p:nvPr>
+            <p:ph type="sldNum" sz="quarter" idx="12"/>
+          </p:nvPr>
+        </p:nvSpPr>
+        <p:spPr/>
+        <p:txBody>
+          <a:bodyPr/>
+          <a:lstStyle/>
+          <a:p>
+            <a:fld id="{0E10C2AD-1307-4F27-A6A5-469AD3C2F368}" type="slidenum">
+              <a:rPr lang="nl-BE" smtClean="0"/>
+              <a:t>12</a:t>
+            </a:fld>
+            <a:endParaRPr lang="nl-BE"/>
+          </a:p>
+        </p:txBody>
+      </p:sp>
+    </p:spTree>
+    <p:extLst>
+      <p:ext uri="{BB962C8B-B14F-4D97-AF65-F5344CB8AC3E}">
+        <p14:creationId xmlns:p14="http://schemas.microsoft.com/office/powerpoint/2010/main" val="4004229663"/>
+      </p:ext>
+    </p:extLst>
+  </p:cSld>
+  <p:clrMapOvr>
+    <a:masterClrMapping/>
+  </p:clrMapOvr>
+  <p:timing>
+    <p:tnLst>
+      <p:par>
+        <p:cTn id="1" dur="indefinite" restart="never" nodeType="tmRoot">
+          <p:childTnLst>
+            <p:seq concurrent="1" nextAc="seek">
+              <p:cTn id="2" dur="indefinite" nodeType="mainSeq">
+                <p:childTnLst>
+                  <p:par>
+                    <p:cTn id="3" fill="hold">
+                      <p:stCondLst>
+                        <p:cond delay="indefinite"/>
+                        <p:cond evt="onBegin" delay="0">
+                          <p:tn val="2"/>
+                        </p:cond>
+                      </p:stCondLst>
+                      <p:childTnLst>
+                        <p:par>
+                          <p:cTn id="4" fill="hold">
+                            <p:stCondLst>
+                              <p:cond delay="0"/>
+                            </p:stCondLst>
+                            <p:childTnLst>
+                              <p:par>
+                                <p:cTn id="5" presetID="1" presetClass="entr" presetSubtype="0" fill="hold" grpId="0" nodeType="withEffect">
+                                  <p:stCondLst>
+                                    <p:cond delay="0"/>
+                                  </p:stCondLst>
+                                  <p:childTnLst>
+                                    <p:set>
+                                      <p:cBhvr>
+                                        <p:cTn id="6" dur="1" fill="hold">
+                                          <p:stCondLst>
+                                            <p:cond delay="0"/>
+                                          </p:stCondLst>
+                                        </p:cTn>
+                                        <p:tgtEl>
+                                          <p:spTgt spid="3">
+                                            <p:txEl>
+                                              <p:pRg st="0" end="0"/>
+                                            </p:txEl>
+                                          </p:spTgt>
+                                        </p:tgtEl>
+                                        <p:attrNameLst>
+                                          <p:attrName>style.visibility</p:attrName>
+                                        </p:attrNameLst>
+                                      </p:cBhvr>
+                                      <p:to>
+                                        <p:strVal val="visible"/>
+                                      </p:to>
+                                    </p:set>
+                                  </p:childTnLst>
+                                </p:cTn>
+                              </p:par>
+                            </p:childTnLst>
+                          </p:cTn>
+                        </p:par>
+                      </p:childTnLst>
+                    </p:cTn>
+                  </p:par>
+                  <p:par>
+                    <p:cTn id="7" fill="hold">
+                      <p:stCondLst>
+                        <p:cond delay="indefinite"/>
+                      </p:stCondLst>
+                      <p:childTnLst>
+                        <p:par>
+                          <p:cTn id="8" fill="hold">
+                            <p:stCondLst>
+                              <p:cond delay="0"/>
+                            </p:stCondLst>
+                            <p:childTnLst>
+                              <p:par>
+                                <p:cTn id="9" presetID="1" presetClass="entr" presetSubtype="0" fill="hold" grpId="0" nodeType="clickEffect">
+                                  <p:stCondLst>
+                                    <p:cond delay="0"/>
+                                  </p:stCondLst>
+                                  <p:childTnLst>
+                                    <p:set>
+                                      <p:cBhvr>
+                                        <p:cTn id="10" dur="1" fill="hold">
+                                          <p:stCondLst>
+                                            <p:cond delay="0"/>
+                                          </p:stCondLst>
+                                        </p:cTn>
+                                        <p:tgtEl>
+                                          <p:spTgt spid="3">
+                                            <p:txEl>
+                                              <p:pRg st="1" end="1"/>
+                                            </p:txEl>
+                                          </p:spTgt>
+                                        </p:tgtEl>
+                                        <p:attrNameLst>
+                                          <p:attrName>style.visibility</p:attrName>
+                                        </p:attrNameLst>
+                                      </p:cBhvr>
+                                      <p:to>
+                                        <p:strVal val="visible"/>
+                                      </p:to>
+                                    </p:set>
+                                  </p:childTnLst>
+                                </p:cTn>
+                              </p:par>
+                            </p:childTnLst>
+                          </p:cTn>
+                        </p:par>
+                      </p:childTnLst>
+                    </p:cTn>
+                  </p:par>
+                  <p:par>
+                    <p:cTn id="11" fill="hold">
+                      <p:stCondLst>
+                        <p:cond delay="indefinite"/>
+                      </p:stCondLst>
+                      <p:childTnLst>
+                        <p:par>
+                          <p:cTn id="12" fill="hold">
+                            <p:stCondLst>
+                              <p:cond delay="0"/>
+                            </p:stCondLst>
+                            <p:childTnLst>
+                              <p:par>
+                                <p:cTn id="13" presetID="1" presetClass="entr" presetSubtype="0" fill="hold" grpId="0" nodeType="clickEffect">
+                                  <p:stCondLst>
+                                    <p:cond delay="0"/>
+                                  </p:stCondLst>
+                                  <p:childTnLst>
+                                    <p:set>
+                                      <p:cBhvr>
+                                        <p:cTn id="14" dur="1" fill="hold">
+                                          <p:stCondLst>
+                                            <p:cond delay="0"/>
+                                          </p:stCondLst>
+                                        </p:cTn>
+                                        <p:tgtEl>
+                                          <p:spTgt spid="3">
+                                            <p:txEl>
+                                              <p:pRg st="2" end="2"/>
+                                            </p:txEl>
+                                          </p:spTgt>
+                                        </p:tgtEl>
+                                        <p:attrNameLst>
+                                          <p:attrName>style.visibility</p:attrName>
+                                        </p:attrNameLst>
+                                      </p:cBhvr>
+                                      <p:to>
+                                        <p:strVal val="visible"/>
+                                      </p:to>
+                                    </p:set>
+                                  </p:childTnLst>
+                                </p:cTn>
+                              </p:par>
+                            </p:childTnLst>
+                          </p:cTn>
+                        </p:par>
+                      </p:childTnLst>
+                    </p:cTn>
+                  </p:par>
+                  <p:par>
+                    <p:cTn id="15" fill="hold">
+                      <p:stCondLst>
+                        <p:cond delay="indefinite"/>
+                      </p:stCondLst>
+                      <p:childTnLst>
+                        <p:par>
+                          <p:cTn id="16" fill="hold">
+                            <p:stCondLst>
+                              <p:cond delay="0"/>
+                            </p:stCondLst>
+                            <p:childTnLst>
+                              <p:par>
+                                <p:cTn id="17" presetID="1" presetClass="entr" presetSubtype="0" fill="hold" grpId="0" nodeType="clickEffect">
+                                  <p:stCondLst>
+                                    <p:cond delay="0"/>
+                                  </p:stCondLst>
+                                  <p:childTnLst>
+                                    <p:set>
+                                      <p:cBhvr>
+                                        <p:cTn id="18" dur="1" fill="hold">
+                                          <p:stCondLst>
+                                            <p:cond delay="0"/>
+                                          </p:stCondLst>
+                                        </p:cTn>
+                                        <p:tgtEl>
+                                          <p:spTgt spid="3">
+                                            <p:txEl>
+                                              <p:pRg st="3" end="3"/>
+                                            </p:txEl>
+                                          </p:spTgt>
+                                        </p:tgtEl>
+                                        <p:attrNameLst>
+                                          <p:attrName>style.visibility</p:attrName>
+                                        </p:attrNameLst>
+                                      </p:cBhvr>
+                                      <p:to>
+                                        <p:strVal val="visible"/>
+                                      </p:to>
+                                    </p:set>
+                                  </p:childTnLst>
+                                </p:cTn>
+                              </p:par>
+                            </p:childTnLst>
+                          </p:cTn>
+                        </p:par>
+                      </p:childTnLst>
+                    </p:cTn>
+                  </p:par>
+                  <p:par>
+                    <p:cTn id="19" fill="hold">
+                      <p:stCondLst>
+                        <p:cond delay="indefinite"/>
+                      </p:stCondLst>
+                      <p:childTnLst>
+                        <p:par>
+                          <p:cTn id="20" fill="hold">
+                            <p:stCondLst>
+                              <p:cond delay="0"/>
+                            </p:stCondLst>
+                            <p:childTnLst>
+                              <p:par>
+                                <p:cTn id="21" presetID="1" presetClass="entr" presetSubtype="0" fill="hold" grpId="0" nodeType="clickEffect">
+                                  <p:stCondLst>
+                                    <p:cond delay="0"/>
+                                  </p:stCondLst>
+                                  <p:childTnLst>
+                                    <p:set>
+                                      <p:cBhvr>
+                                        <p:cTn id="22" dur="1" fill="hold">
+                                          <p:stCondLst>
+                                            <p:cond delay="0"/>
+                                          </p:stCondLst>
+                                        </p:cTn>
+                                        <p:tgtEl>
+                                          <p:spTgt spid="3">
+                                            <p:txEl>
+                                              <p:pRg st="4" end="4"/>
+                                            </p:txEl>
+                                          </p:spTgt>
+                                        </p:tgtEl>
+                                        <p:attrNameLst>
+                                          <p:attrName>style.visibility</p:attrName>
+                                        </p:attrNameLst>
+                                      </p:cBhvr>
+                                      <p:to>
+                                        <p:strVal val="visible"/>
+                                      </p:to>
+                                    </p:set>
+                                  </p:childTnLst>
+                                </p:cTn>
+                              </p:par>
+                            </p:childTnLst>
+                          </p:cTn>
+                        </p:par>
+                      </p:childTnLst>
+                    </p:cTn>
+                  </p:par>
+                  <p:par>
+                    <p:cTn id="23" fill="hold">
+                      <p:stCondLst>
+                        <p:cond delay="indefinite"/>
+                      </p:stCondLst>
+                      <p:childTnLst>
+                        <p:par>
+                          <p:cTn id="24" fill="hold">
+                            <p:stCondLst>
+                              <p:cond delay="0"/>
+                            </p:stCondLst>
+                            <p:childTnLst>
+                              <p:par>
+                                <p:cTn id="25" presetID="1" presetClass="entr" presetSubtype="0" fill="hold" grpId="0" nodeType="clickEffect">
+                                  <p:stCondLst>
+                                    <p:cond delay="0"/>
+                                  </p:stCondLst>
+                                  <p:childTnLst>
+                                    <p:set>
+                                      <p:cBhvr>
+                                        <p:cTn id="26" dur="1" fill="hold">
+                                          <p:stCondLst>
+                                            <p:cond delay="0"/>
+                                          </p:stCondLst>
+                                        </p:cTn>
+                                        <p:tgtEl>
+                                          <p:spTgt spid="3">
+                                            <p:txEl>
+                                              <p:pRg st="5" end="5"/>
+                                            </p:txEl>
+                                          </p:spTgt>
+                                        </p:tgtEl>
+                                        <p:attrNameLst>
+                                          <p:attrName>style.visibility</p:attrName>
+                                        </p:attrNameLst>
+                                      </p:cBhvr>
+                                      <p:to>
+                                        <p:strVal val="visible"/>
+                                      </p:to>
+                                    </p:set>
+                                  </p:childTnLst>
+                                </p:cTn>
+                              </p:par>
+                            </p:childTnLst>
+                          </p:cTn>
+                        </p:par>
+                      </p:childTnLst>
+                    </p:cTn>
+                  </p:par>
+                  <p:par>
+                    <p:cTn id="27" fill="hold">
+                      <p:stCondLst>
+                        <p:cond delay="indefinite"/>
+                      </p:stCondLst>
+                      <p:childTnLst>
+                        <p:par>
+                          <p:cTn id="28" fill="hold">
+                            <p:stCondLst>
+                              <p:cond delay="0"/>
+                            </p:stCondLst>
+                            <p:childTnLst>
+                              <p:par>
+                                <p:cTn id="29" presetID="1" presetClass="entr" presetSubtype="0" fill="hold" grpId="0" nodeType="clickEffect">
+                                  <p:stCondLst>
+                                    <p:cond delay="0"/>
+                                  </p:stCondLst>
+                                  <p:childTnLst>
+                                    <p:set>
+                                      <p:cBhvr>
+                                        <p:cTn id="30" dur="1" fill="hold">
+                                          <p:stCondLst>
+                                            <p:cond delay="0"/>
+                                          </p:stCondLst>
+                                        </p:cTn>
+                                        <p:tgtEl>
+                                          <p:spTgt spid="3">
+                                            <p:txEl>
+                                              <p:pRg st="6" end="6"/>
+                                            </p:txEl>
+                                          </p:spTgt>
+                                        </p:tgtEl>
+                                        <p:attrNameLst>
+                                          <p:attrName>style.visibility</p:attrName>
+                                        </p:attrNameLst>
+                                      </p:cBhvr>
+                                      <p:to>
+                                        <p:strVal val="visible"/>
+                                      </p:to>
+                                    </p:set>
+                                  </p:childTnLst>
+                                </p:cTn>
+                              </p:par>
+                            </p:childTnLst>
+                          </p:cTn>
+                        </p:par>
+                      </p:childTnLst>
+                    </p:cTn>
+                  </p:par>
+                  <p:par>
+                    <p:cTn id="31" fill="hold">
+                      <p:stCondLst>
+                        <p:cond delay="indefinite"/>
+                      </p:stCondLst>
+                      <p:childTnLst>
+                        <p:par>
+                          <p:cTn id="32" fill="hold">
+                            <p:stCondLst>
+                              <p:cond delay="0"/>
+                            </p:stCondLst>
+                            <p:childTnLst>
+                              <p:par>
+                                <p:cTn id="33" presetID="1" presetClass="entr" presetSubtype="0" fill="hold" grpId="0" nodeType="clickEffect">
+                                  <p:stCondLst>
+                                    <p:cond delay="0"/>
+                                  </p:stCondLst>
+                                  <p:childTnLst>
+                                    <p:set>
+                                      <p:cBhvr>
+                                        <p:cTn id="34" dur="1" fill="hold">
+                                          <p:stCondLst>
+                                            <p:cond delay="0"/>
+                                          </p:stCondLst>
+                                        </p:cTn>
+                                        <p:tgtEl>
+                                          <p:spTgt spid="3">
+                                            <p:txEl>
+                                              <p:pRg st="7" end="7"/>
+                                            </p:txEl>
+                                          </p:spTgt>
+                                        </p:tgtEl>
+                                        <p:attrNameLst>
+                                          <p:attrName>style.visibility</p:attrName>
+                                        </p:attrNameLst>
+                                      </p:cBhvr>
+                                      <p:to>
+                                        <p:strVal val="visible"/>
+                                      </p:to>
+                                    </p:set>
+                                  </p:childTnLst>
+                                </p:cTn>
+                              </p:par>
+                            </p:childTnLst>
+                          </p:cTn>
+                        </p:par>
+                      </p:childTnLst>
+                    </p:cTn>
+                  </p:par>
+                </p:childTnLst>
+              </p:cTn>
+              <p:prevCondLst>
+                <p:cond evt="onPrev" delay="0">
+                  <p:tgtEl>
+                    <p:sldTgt/>
+                  </p:tgtEl>
+                </p:cond>
+              </p:prevCondLst>
+              <p:nextCondLst>
+                <p:cond evt="onNext" delay="0">
+                  <p:tgtEl>
+                    <p:sldTgt/>
+                  </p:tgtEl>
+                </p:cond>
+              </p:nextCondLst>
+            </p:seq>
+          </p:childTnLst>
+        </p:cTn>
+      </p:par>
+    </p:tnLst>
+    <p:bldLst>
+      <p:bldP spid="3" grpId="0" uiExpand="1" build="p" bldLvl="2"/>
+    </p:bldLst>
+  </p:timing>
+</p:sld>
+</file>
+
+<file path=ppt/slides/slide13.xml><?xml version="1.0" encoding="utf-8"?>
+<p:sld xmlns:a="http://schemas.openxmlformats.org/drawingml/2006/main" xmlns:r="http://schemas.openxmlformats.org/officeDocument/2006/relationships" xmlns:p="http://schemas.openxmlformats.org/presentationml/2006/main">
+  <p:cSld>
+    <p:spTree>
+      <p:nvGrpSpPr>
+        <p:cNvPr id="1" name=""/>
+        <p:cNvGrpSpPr/>
+        <p:nvPr/>
+      </p:nvGrpSpPr>
+      <p:grpSpPr>
+        <a:xfrm>
+          <a:off x="0" y="0"/>
+          <a:ext cx="0" cy="0"/>
+          <a:chOff x="0" y="0"/>
+          <a:chExt cx="0" cy="0"/>
+        </a:xfrm>
+      </p:grpSpPr>
+      <p:sp>
+        <p:nvSpPr>
+          <p:cNvPr id="2" name="Title 1"/>
+          <p:cNvSpPr>
+            <a:spLocks noGrp="1"/>
+          </p:cNvSpPr>
+          <p:nvPr>
+            <p:ph type="title"/>
+          </p:nvPr>
+        </p:nvSpPr>
+        <p:spPr/>
+        <p:txBody>
+          <a:bodyPr/>
+          <a:lstStyle/>
+          <a:p>
+            <a:r>
+              <a:rPr lang="en-US" dirty="0" smtClean="0"/>
+              <a:t>Restarting</a:t>
+            </a:r>
+            <a:endParaRPr lang="nl-BE" dirty="0"/>
+          </a:p>
+        </p:txBody>
+      </p:sp>
+      <p:sp>
+        <p:nvSpPr>
+          <p:cNvPr id="4" name="Rectangle 3"/>
+          <p:cNvSpPr/>
+          <p:nvPr/>
+        </p:nvSpPr>
+        <p:spPr>
+          <a:xfrm>
+            <a:off x="628649" y="1690689"/>
+            <a:ext cx="6574407" cy="3416320"/>
+          </a:xfrm>
+          <a:prstGeom prst="rect">
+            <a:avLst/>
+          </a:prstGeom>
+          <a:solidFill>
+            <a:schemeClr val="bg1">
+              <a:lumMod val="85000"/>
+            </a:schemeClr>
+          </a:solidFill>
+          <a:ln>
+            <a:solidFill>
+              <a:schemeClr val="tx1"/>
+            </a:solidFill>
+          </a:ln>
+        </p:spPr>
+        <p:txBody>
+          <a:bodyPr wrap="square">
+            <a:spAutoFit/>
+          </a:bodyPr>
+          <a:lstStyle/>
+          <a:p>
+            <a:r>
+              <a:rPr lang="nl-BE" dirty="0">
+                <a:latin typeface="Courier New" panose="02070309020205020404" pitchFamily="49" charset="0"/>
+                <a:cs typeface="Courier New" panose="02070309020205020404" pitchFamily="49" charset="0"/>
+              </a:rPr>
+              <a:t>#!/bin/</a:t>
+            </a:r>
+            <a:r>
+              <a:rPr lang="nl-BE" dirty="0" err="1">
+                <a:latin typeface="Courier New" panose="02070309020205020404" pitchFamily="49" charset="0"/>
+                <a:cs typeface="Courier New" panose="02070309020205020404" pitchFamily="49" charset="0"/>
+              </a:rPr>
+              <a:t>bash</a:t>
+            </a:r>
+            <a:endParaRPr lang="nl-BE" dirty="0">
+              <a:latin typeface="Courier New" panose="02070309020205020404" pitchFamily="49" charset="0"/>
+              <a:cs typeface="Courier New" panose="02070309020205020404" pitchFamily="49" charset="0"/>
+            </a:endParaRPr>
+          </a:p>
+          <a:p>
+            <a:r>
+              <a:rPr lang="nl-BE" dirty="0" smtClean="0">
+                <a:latin typeface="Courier New" panose="02070309020205020404" pitchFamily="49" charset="0"/>
+                <a:cs typeface="Courier New" panose="02070309020205020404" pitchFamily="49" charset="0"/>
+              </a:rPr>
+              <a:t>#</a:t>
+            </a:r>
+            <a:r>
+              <a:rPr lang="nl-BE" dirty="0">
+                <a:latin typeface="Courier New" panose="02070309020205020404" pitchFamily="49" charset="0"/>
+                <a:cs typeface="Courier New" panose="02070309020205020404" pitchFamily="49" charset="0"/>
+              </a:rPr>
+              <a:t>PBS -l </a:t>
+            </a:r>
+            <a:r>
+              <a:rPr lang="nl-BE" dirty="0" err="1">
+                <a:latin typeface="Courier New" panose="02070309020205020404" pitchFamily="49" charset="0"/>
+                <a:cs typeface="Courier New" panose="02070309020205020404" pitchFamily="49" charset="0"/>
+              </a:rPr>
+              <a:t>nodes</a:t>
+            </a:r>
+            <a:r>
+              <a:rPr lang="nl-BE" dirty="0">
+                <a:latin typeface="Courier New" panose="02070309020205020404" pitchFamily="49" charset="0"/>
+                <a:cs typeface="Courier New" panose="02070309020205020404" pitchFamily="49" charset="0"/>
+              </a:rPr>
+              <a:t>=1:ppn=2</a:t>
+            </a:r>
+          </a:p>
+          <a:p>
+            <a:r>
+              <a:rPr lang="nl-BE" dirty="0">
+                <a:latin typeface="Courier New" panose="02070309020205020404" pitchFamily="49" charset="0"/>
+                <a:cs typeface="Courier New" panose="02070309020205020404" pitchFamily="49" charset="0"/>
+              </a:rPr>
+              <a:t>#PBS -l </a:t>
+            </a:r>
+            <a:r>
+              <a:rPr lang="nl-BE" dirty="0" err="1" smtClean="0">
+                <a:latin typeface="Courier New" panose="02070309020205020404" pitchFamily="49" charset="0"/>
+                <a:cs typeface="Courier New" panose="02070309020205020404" pitchFamily="49" charset="0"/>
+              </a:rPr>
+              <a:t>walltime</a:t>
+            </a:r>
+            <a:r>
+              <a:rPr lang="nl-BE" dirty="0" smtClean="0">
+                <a:latin typeface="Courier New" panose="02070309020205020404" pitchFamily="49" charset="0"/>
+                <a:cs typeface="Courier New" panose="02070309020205020404" pitchFamily="49" charset="0"/>
+              </a:rPr>
+              <a:t>=48:00:00</a:t>
+            </a:r>
+            <a:endParaRPr lang="nl-BE" dirty="0">
+              <a:latin typeface="Courier New" panose="02070309020205020404" pitchFamily="49" charset="0"/>
+              <a:cs typeface="Courier New" panose="02070309020205020404" pitchFamily="49" charset="0"/>
+            </a:endParaRPr>
+          </a:p>
+          <a:p>
+            <a:r>
+              <a:rPr lang="nl-BE" dirty="0">
+                <a:latin typeface="Courier New" panose="02070309020205020404" pitchFamily="49" charset="0"/>
+                <a:cs typeface="Courier New" panose="02070309020205020404" pitchFamily="49" charset="0"/>
+              </a:rPr>
+              <a:t>#PBS -l mem=5gb</a:t>
+            </a:r>
+          </a:p>
+          <a:p>
+            <a:endParaRPr lang="nl-BE" dirty="0">
+              <a:latin typeface="Courier New" panose="02070309020205020404" pitchFamily="49" charset="0"/>
+              <a:cs typeface="Courier New" panose="02070309020205020404" pitchFamily="49" charset="0"/>
+            </a:endParaRPr>
+          </a:p>
+          <a:p>
+            <a:r>
+              <a:rPr lang="nl-BE" dirty="0">
+                <a:latin typeface="Courier New" panose="02070309020205020404" pitchFamily="49" charset="0"/>
+                <a:cs typeface="Courier New" panose="02070309020205020404" pitchFamily="49" charset="0"/>
+              </a:rPr>
+              <a:t>cd $PBS_O_WORKDIR</a:t>
+            </a:r>
+          </a:p>
+          <a:p>
+            <a:endParaRPr lang="nl-BE" dirty="0">
+              <a:latin typeface="Courier New" panose="02070309020205020404" pitchFamily="49" charset="0"/>
+              <a:cs typeface="Courier New" panose="02070309020205020404" pitchFamily="49" charset="0"/>
+            </a:endParaRPr>
+          </a:p>
+          <a:p>
+            <a:r>
+              <a:rPr lang="nl-BE" dirty="0">
+                <a:latin typeface="Courier New" panose="02070309020205020404" pitchFamily="49" charset="0"/>
+                <a:cs typeface="Courier New" panose="02070309020205020404" pitchFamily="49" charset="0"/>
+              </a:rPr>
+              <a:t>module load </a:t>
+            </a:r>
+            <a:r>
+              <a:rPr lang="nl-BE" dirty="0" err="1" smtClean="0">
+                <a:latin typeface="Courier New" panose="02070309020205020404" pitchFamily="49" charset="0"/>
+                <a:cs typeface="Courier New" panose="02070309020205020404" pitchFamily="49" charset="0"/>
+              </a:rPr>
+              <a:t>dmtcp</a:t>
+            </a:r>
+            <a:endParaRPr lang="nl-BE" dirty="0">
+              <a:latin typeface="Courier New" panose="02070309020205020404" pitchFamily="49" charset="0"/>
+              <a:cs typeface="Courier New" panose="02070309020205020404" pitchFamily="49" charset="0"/>
+            </a:endParaRPr>
+          </a:p>
+          <a:p>
+            <a:r>
+              <a:rPr lang="nl-BE" dirty="0">
+                <a:latin typeface="Courier New" panose="02070309020205020404" pitchFamily="49" charset="0"/>
+                <a:cs typeface="Courier New" panose="02070309020205020404" pitchFamily="49" charset="0"/>
+              </a:rPr>
+              <a:t>export DMTCP_CHECKPOINT_DIR</a:t>
+            </a:r>
+            <a:r>
+              <a:rPr lang="nl-BE" dirty="0" smtClean="0">
+                <a:latin typeface="Courier New" panose="02070309020205020404" pitchFamily="49" charset="0"/>
+                <a:cs typeface="Courier New" panose="02070309020205020404" pitchFamily="49" charset="0"/>
+              </a:rPr>
+              <a:t>="$(</a:t>
+            </a:r>
+            <a:r>
+              <a:rPr lang="nl-BE" dirty="0" err="1" smtClean="0">
+                <a:latin typeface="Courier New" panose="02070309020205020404" pitchFamily="49" charset="0"/>
+                <a:cs typeface="Courier New" panose="02070309020205020404" pitchFamily="49" charset="0"/>
+              </a:rPr>
+              <a:t>pwd</a:t>
+            </a:r>
+            <a:r>
+              <a:rPr lang="nl-BE" dirty="0" smtClean="0">
+                <a:latin typeface="Courier New" panose="02070309020205020404" pitchFamily="49" charset="0"/>
+                <a:cs typeface="Courier New" panose="02070309020205020404" pitchFamily="49" charset="0"/>
+              </a:rPr>
+              <a:t>)/</a:t>
+            </a:r>
+            <a:r>
+              <a:rPr lang="nl-BE" dirty="0" err="1" smtClean="0">
+                <a:latin typeface="Courier New" panose="02070309020205020404" pitchFamily="49" charset="0"/>
+                <a:cs typeface="Courier New" panose="02070309020205020404" pitchFamily="49" charset="0"/>
+              </a:rPr>
+              <a:t>ckpt</a:t>
+            </a:r>
+            <a:r>
+              <a:rPr lang="nl-BE" dirty="0" smtClean="0">
+                <a:latin typeface="Courier New" panose="02070309020205020404" pitchFamily="49" charset="0"/>
+                <a:cs typeface="Courier New" panose="02070309020205020404" pitchFamily="49" charset="0"/>
+              </a:rPr>
+              <a:t>"</a:t>
+            </a:r>
+            <a:endParaRPr lang="nl-BE" dirty="0">
+              <a:latin typeface="Courier New" panose="02070309020205020404" pitchFamily="49" charset="0"/>
+              <a:cs typeface="Courier New" panose="02070309020205020404" pitchFamily="49" charset="0"/>
+            </a:endParaRPr>
+          </a:p>
+          <a:p>
+            <a:r>
+              <a:rPr lang="nl-BE" dirty="0">
+                <a:latin typeface="Courier New" panose="02070309020205020404" pitchFamily="49" charset="0"/>
+                <a:cs typeface="Courier New" panose="02070309020205020404" pitchFamily="49" charset="0"/>
+              </a:rPr>
+              <a:t>export DMTCP_CHECKPOINT_INTERVAL=$(( </a:t>
+            </a:r>
+            <a:r>
+              <a:rPr lang="nl-BE" dirty="0" smtClean="0">
+                <a:latin typeface="Courier New" panose="02070309020205020404" pitchFamily="49" charset="0"/>
+                <a:cs typeface="Courier New" panose="02070309020205020404" pitchFamily="49" charset="0"/>
+              </a:rPr>
+              <a:t>3*3600 </a:t>
+            </a:r>
+            <a:r>
+              <a:rPr lang="nl-BE" dirty="0">
+                <a:latin typeface="Courier New" panose="02070309020205020404" pitchFamily="49" charset="0"/>
+                <a:cs typeface="Courier New" panose="02070309020205020404" pitchFamily="49" charset="0"/>
+              </a:rPr>
+              <a:t>))</a:t>
+            </a:r>
+          </a:p>
+          <a:p>
+            <a:endParaRPr lang="nl-BE" dirty="0">
+              <a:latin typeface="Courier New" panose="02070309020205020404" pitchFamily="49" charset="0"/>
+              <a:cs typeface="Courier New" panose="02070309020205020404" pitchFamily="49" charset="0"/>
+            </a:endParaRPr>
+          </a:p>
+          <a:p>
+            <a:r>
+              <a:rPr lang="nl-BE" dirty="0" smtClean="0">
+                <a:latin typeface="Courier New" panose="02070309020205020404" pitchFamily="49" charset="0"/>
+                <a:cs typeface="Courier New" panose="02070309020205020404" pitchFamily="49" charset="0"/>
+              </a:rPr>
+              <a:t>$DMTCP_CHECKPOINT_DIR/dmtcp_restart_script.sh</a:t>
+            </a:r>
+            <a:endParaRPr lang="nl-BE" dirty="0">
+              <a:latin typeface="Courier New" panose="02070309020205020404" pitchFamily="49" charset="0"/>
+              <a:cs typeface="Courier New" panose="02070309020205020404" pitchFamily="49" charset="0"/>
+            </a:endParaRPr>
+          </a:p>
+        </p:txBody>
+      </p:sp>
+      <p:grpSp>
+        <p:nvGrpSpPr>
+          <p:cNvPr id="5" name="Group 4"/>
+          <p:cNvGrpSpPr/>
+          <p:nvPr/>
+        </p:nvGrpSpPr>
+        <p:grpSpPr>
+          <a:xfrm>
+            <a:off x="5414265" y="2486768"/>
+            <a:ext cx="2398157" cy="1403745"/>
+            <a:chOff x="810883" y="4762278"/>
+            <a:chExt cx="2398157" cy="1403745"/>
+          </a:xfrm>
+          <a:solidFill>
+            <a:schemeClr val="bg1"/>
+          </a:solidFill>
+        </p:grpSpPr>
+        <p:sp>
+          <p:nvSpPr>
+            <p:cNvPr id="6" name="TextBox 5"/>
+            <p:cNvSpPr txBox="1"/>
+            <p:nvPr/>
+          </p:nvSpPr>
+          <p:spPr>
+            <a:xfrm>
+              <a:off x="810883" y="4762278"/>
+              <a:ext cx="2398157" cy="369332"/>
+            </a:xfrm>
+            <a:prstGeom prst="rect">
+              <a:avLst/>
+            </a:prstGeom>
+            <a:grpFill/>
+            <a:ln>
+              <a:solidFill>
+                <a:schemeClr val="tx1"/>
+              </a:solidFill>
+            </a:ln>
+          </p:spPr>
+          <p:txBody>
+            <a:bodyPr wrap="none" rtlCol="0">
+              <a:spAutoFit/>
+            </a:bodyPr>
+            <a:lstStyle/>
+            <a:p>
+              <a:r>
+                <a:rPr lang="en-US" dirty="0" smtClean="0"/>
+                <a:t>must</a:t>
+              </a:r>
+              <a:r>
+                <a:rPr lang="en-US" dirty="0" smtClean="0"/>
+                <a:t> be same directory</a:t>
+              </a:r>
+              <a:endParaRPr lang="nl-BE" dirty="0">
+                <a:latin typeface="Courier New" panose="02070309020205020404" pitchFamily="49" charset="0"/>
+                <a:cs typeface="Courier New" panose="02070309020205020404" pitchFamily="49" charset="0"/>
+              </a:endParaRPr>
+            </a:p>
+          </p:txBody>
+        </p:sp>
+        <p:cxnSp>
+          <p:nvCxnSpPr>
+            <p:cNvPr id="7" name="Straight Arrow Connector 6"/>
+            <p:cNvCxnSpPr>
+              <a:stCxn id="6" idx="2"/>
+            </p:cNvCxnSpPr>
+            <p:nvPr/>
+          </p:nvCxnSpPr>
+          <p:spPr>
+            <a:xfrm flipH="1">
+              <a:off x="1374739" y="5131610"/>
+              <a:ext cx="635223" cy="1034413"/>
+            </a:xfrm>
+            <a:prstGeom prst="straightConnector1">
+              <a:avLst/>
+            </a:prstGeom>
+            <a:grpFill/>
+            <a:ln w="19050">
+              <a:solidFill>
+                <a:schemeClr val="tx1"/>
+              </a:solidFill>
+              <a:tailEnd type="stealth" w="lg" len="lg"/>
+            </a:ln>
+          </p:spPr>
+          <p:style>
+            <a:lnRef idx="1">
+              <a:schemeClr val="accent1"/>
+            </a:lnRef>
+            <a:fillRef idx="0">
+              <a:schemeClr val="accent1"/>
+            </a:fillRef>
+            <a:effectRef idx="0">
+              <a:schemeClr val="accent1"/>
+            </a:effectRef>
+            <a:fontRef idx="minor">
+              <a:schemeClr val="tx1"/>
+            </a:fontRef>
+          </p:style>
+        </p:cxnSp>
+      </p:grpSp>
+      <p:grpSp>
+        <p:nvGrpSpPr>
+          <p:cNvPr id="10" name="Group 9"/>
+          <p:cNvGrpSpPr/>
+          <p:nvPr/>
+        </p:nvGrpSpPr>
+        <p:grpSpPr>
+          <a:xfrm>
+            <a:off x="6478438" y="4580626"/>
+            <a:ext cx="2430345" cy="1134631"/>
+            <a:chOff x="810883" y="3996979"/>
+            <a:chExt cx="2430345" cy="1134631"/>
+          </a:xfrm>
+        </p:grpSpPr>
+        <p:sp>
+          <p:nvSpPr>
+            <p:cNvPr id="11" name="TextBox 10"/>
+            <p:cNvSpPr txBox="1"/>
+            <p:nvPr/>
+          </p:nvSpPr>
+          <p:spPr>
+            <a:xfrm>
+              <a:off x="810883" y="4762278"/>
+              <a:ext cx="2430345" cy="369332"/>
+            </a:xfrm>
+            <a:prstGeom prst="rect">
+              <a:avLst/>
+            </a:prstGeom>
+            <a:noFill/>
+            <a:ln>
+              <a:solidFill>
+                <a:schemeClr val="tx1"/>
+              </a:solidFill>
+            </a:ln>
+          </p:spPr>
+          <p:txBody>
+            <a:bodyPr wrap="none" rtlCol="0">
+              <a:spAutoFit/>
+            </a:bodyPr>
+            <a:lstStyle/>
+            <a:p>
+              <a:r>
+                <a:rPr lang="en-US" dirty="0" smtClean="0"/>
+                <a:t>can be different interval</a:t>
+              </a:r>
+              <a:endParaRPr lang="nl-BE" dirty="0">
+                <a:latin typeface="Courier New" panose="02070309020205020404" pitchFamily="49" charset="0"/>
+                <a:cs typeface="Courier New" panose="02070309020205020404" pitchFamily="49" charset="0"/>
+              </a:endParaRPr>
+            </a:p>
+          </p:txBody>
+        </p:sp>
+        <p:cxnSp>
+          <p:nvCxnSpPr>
+            <p:cNvPr id="12" name="Straight Arrow Connector 11"/>
+            <p:cNvCxnSpPr>
+              <a:stCxn id="11" idx="0"/>
+            </p:cNvCxnSpPr>
+            <p:nvPr/>
+          </p:nvCxnSpPr>
+          <p:spPr>
+            <a:xfrm flipH="1" flipV="1">
+              <a:off x="1207698" y="3996979"/>
+              <a:ext cx="818358" cy="765299"/>
+            </a:xfrm>
+            <a:prstGeom prst="straightConnector1">
+              <a:avLst/>
+            </a:prstGeom>
+            <a:ln w="19050">
+              <a:solidFill>
+                <a:schemeClr val="tx1"/>
+              </a:solidFill>
+              <a:tailEnd type="stealth" w="lg" len="lg"/>
+            </a:ln>
+          </p:spPr>
+          <p:style>
+            <a:lnRef idx="1">
+              <a:schemeClr val="accent1"/>
+            </a:lnRef>
+            <a:fillRef idx="0">
+              <a:schemeClr val="accent1"/>
+            </a:fillRef>
+            <a:effectRef idx="0">
+              <a:schemeClr val="accent1"/>
+            </a:effectRef>
+            <a:fontRef idx="minor">
+              <a:schemeClr val="tx1"/>
+            </a:fontRef>
+          </p:style>
+        </p:cxnSp>
+      </p:grpSp>
+      <p:sp>
+        <p:nvSpPr>
+          <p:cNvPr id="15" name="Slide Number Placeholder 14"/>
+          <p:cNvSpPr>
+            <a:spLocks noGrp="1"/>
+          </p:cNvSpPr>
+          <p:nvPr>
+            <p:ph type="sldNum" sz="quarter" idx="12"/>
+          </p:nvPr>
+        </p:nvSpPr>
+        <p:spPr/>
+        <p:txBody>
+          <a:bodyPr/>
+          <a:lstStyle/>
+          <a:p>
+            <a:fld id="{0E10C2AD-1307-4F27-A6A5-469AD3C2F368}" type="slidenum">
+              <a:rPr lang="nl-BE" smtClean="0"/>
+              <a:t>13</a:t>
+            </a:fld>
+            <a:endParaRPr lang="nl-BE"/>
+          </a:p>
+        </p:txBody>
+      </p:sp>
+    </p:spTree>
+    <p:extLst>
+      <p:ext uri="{BB962C8B-B14F-4D97-AF65-F5344CB8AC3E}">
+        <p14:creationId xmlns:p14="http://schemas.microsoft.com/office/powerpoint/2010/main" val="46692114"/>
+      </p:ext>
+    </p:extLst>
+  </p:cSld>
+  <p:clrMapOvr>
+    <a:masterClrMapping/>
+  </p:clrMapOvr>
+  <p:timing>
+    <p:tnLst>
+      <p:par>
+        <p:cTn id="1" dur="indefinite" restart="never" nodeType="tmRoot">
+          <p:childTnLst>
+            <p:seq concurrent="1" nextAc="seek">
+              <p:cTn id="2" dur="indefinite" nodeType="mainSeq">
+                <p:childTnLst>
+                  <p:par>
+                    <p:cTn id="3" fill="hold">
+                      <p:stCondLst>
+                        <p:cond delay="indefinite"/>
+                      </p:stCondLst>
+                      <p:childTnLst>
+                        <p:par>
+                          <p:cTn id="4" fill="hold">
+                            <p:stCondLst>
+                              <p:cond delay="0"/>
+                            </p:stCondLst>
+                            <p:childTnLst>
+                              <p:par>
+                                <p:cTn id="5" presetID="1" presetClass="entr" presetSubtype="0" fill="hold" nodeType="clickEffect">
+                                  <p:stCondLst>
+                                    <p:cond delay="0"/>
+                                  </p:stCondLst>
+                                  <p:childTnLst>
+                                    <p:set>
+                                      <p:cBhvr>
+                                        <p:cTn id="6" dur="1" fill="hold">
+                                          <p:stCondLst>
+                                            <p:cond delay="0"/>
+                                          </p:stCondLst>
+                                        </p:cTn>
+                                        <p:tgtEl>
+                                          <p:spTgt spid="5"/>
+                                        </p:tgtEl>
+                                        <p:attrNameLst>
+                                          <p:attrName>style.visibility</p:attrName>
+                                        </p:attrNameLst>
+                                      </p:cBhvr>
+                                      <p:to>
+                                        <p:strVal val="visible"/>
+                                      </p:to>
+                                    </p:set>
+                                  </p:childTnLst>
+                                </p:cTn>
+                              </p:par>
+                            </p:childTnLst>
+                          </p:cTn>
+                        </p:par>
+                      </p:childTnLst>
+                    </p:cTn>
+                  </p:par>
+                  <p:par>
+                    <p:cTn id="7" fill="hold">
+                      <p:stCondLst>
+                        <p:cond delay="indefinite"/>
+                      </p:stCondLst>
+                      <p:childTnLst>
+                        <p:par>
+                          <p:cTn id="8" fill="hold">
+                            <p:stCondLst>
+                              <p:cond delay="0"/>
+                            </p:stCondLst>
+                            <p:childTnLst>
+                              <p:par>
+                                <p:cTn id="9" presetID="1" presetClass="entr" presetSubtype="0" fill="hold" nodeType="clickEffect">
+                                  <p:stCondLst>
+                                    <p:cond delay="0"/>
+                                  </p:stCondLst>
+                                  <p:childTnLst>
+                                    <p:set>
+                                      <p:cBhvr>
+                                        <p:cTn id="10" dur="1" fill="hold">
+                                          <p:stCondLst>
+                                            <p:cond delay="0"/>
+                                          </p:stCondLst>
+                                        </p:cTn>
+                                        <p:tgtEl>
+                                          <p:spTgt spid="10"/>
+                                        </p:tgtEl>
+                                        <p:attrNameLst>
+                                          <p:attrName>style.visibility</p:attrName>
+                                        </p:attrNameLst>
+                                      </p:cBhvr>
+                                      <p:to>
+                                        <p:strVal val="visible"/>
+                                      </p:to>
+                                    </p:set>
+                                  </p:childTnLst>
+                                </p:cTn>
+                              </p:par>
+                            </p:childTnLst>
+                          </p:cTn>
+                        </p:par>
+                      </p:childTnLst>
+                    </p:cTn>
+                  </p:par>
+                </p:childTnLst>
+              </p:cTn>
+              <p:prevCondLst>
+                <p:cond evt="onPrev" delay="0">
+                  <p:tgtEl>
+                    <p:sldTgt/>
+                  </p:tgtEl>
+                </p:cond>
+              </p:prevCondLst>
+              <p:nextCondLst>
+                <p:cond evt="onNext" delay="0">
+                  <p:tgtEl>
+                    <p:sldTgt/>
+                  </p:tgtEl>
+                </p:cond>
+              </p:nextCondLst>
+            </p:seq>
+          </p:childTnLst>
+        </p:cTn>
+      </p:par>
+    </p:tnLst>
+  </p:timing>
+</p:sld>
+</file>
+
+<file path=ppt/slides/slide14.xml><?xml version="1.0" encoding="utf-8"?>
+<p:sld xmlns:a="http://schemas.openxmlformats.org/drawingml/2006/main" xmlns:r="http://schemas.openxmlformats.org/officeDocument/2006/relationships" xmlns:p="http://schemas.openxmlformats.org/presentationml/2006/main">
+  <p:cSld>
+    <p:spTree>
+      <p:nvGrpSpPr>
+        <p:cNvPr id="1" name=""/>
+        <p:cNvGrpSpPr/>
+        <p:nvPr/>
+      </p:nvGrpSpPr>
+      <p:grpSpPr>
+        <a:xfrm>
+          <a:off x="0" y="0"/>
+          <a:ext cx="0" cy="0"/>
+          <a:chOff x="0" y="0"/>
+          <a:chExt cx="0" cy="0"/>
+        </a:xfrm>
+      </p:grpSpPr>
+      <p:sp>
+        <p:nvSpPr>
+          <p:cNvPr id="2" name="Title 1"/>
+          <p:cNvSpPr>
+            <a:spLocks noGrp="1"/>
+          </p:cNvSpPr>
+          <p:nvPr>
+            <p:ph type="title"/>
+          </p:nvPr>
+        </p:nvSpPr>
+        <p:spPr/>
+        <p:txBody>
+          <a:bodyPr/>
+          <a:lstStyle/>
+          <a:p>
+            <a:r>
+              <a:rPr lang="en-US" dirty="0" smtClean="0"/>
+              <a:t>Excessive </a:t>
+            </a:r>
+            <a:r>
+              <a:rPr lang="en-US" dirty="0" err="1" smtClean="0"/>
+              <a:t>walltimes</a:t>
+            </a:r>
+            <a:endParaRPr lang="nl-BE" dirty="0"/>
+          </a:p>
+        </p:txBody>
+      </p:sp>
+      <p:sp>
+        <p:nvSpPr>
+          <p:cNvPr id="3" name="Text Placeholder 2"/>
+          <p:cNvSpPr>
+            <a:spLocks noGrp="1"/>
+          </p:cNvSpPr>
+          <p:nvPr>
+            <p:ph type="body" idx="1"/>
+          </p:nvPr>
+        </p:nvSpPr>
+        <p:spPr/>
+        <p:txBody>
+          <a:bodyPr/>
+          <a:lstStyle/>
+          <a:p>
+            <a:endParaRPr lang="nl-BE"/>
+          </a:p>
+        </p:txBody>
+      </p:sp>
+      <p:sp>
+        <p:nvSpPr>
+          <p:cNvPr id="4" name="Slide Number Placeholder 3"/>
+          <p:cNvSpPr>
+            <a:spLocks noGrp="1"/>
+          </p:cNvSpPr>
+          <p:nvPr>
+            <p:ph type="sldNum" sz="quarter" idx="12"/>
+          </p:nvPr>
+        </p:nvSpPr>
+        <p:spPr/>
+        <p:txBody>
+          <a:bodyPr/>
+          <a:lstStyle/>
+          <a:p>
+            <a:fld id="{0E10C2AD-1307-4F27-A6A5-469AD3C2F368}" type="slidenum">
+              <a:rPr lang="nl-BE" smtClean="0"/>
+              <a:t>14</a:t>
+            </a:fld>
+            <a:endParaRPr lang="nl-BE"/>
+          </a:p>
+        </p:txBody>
+      </p:sp>
+    </p:spTree>
+    <p:extLst>
+      <p:ext uri="{BB962C8B-B14F-4D97-AF65-F5344CB8AC3E}">
+        <p14:creationId xmlns:p14="http://schemas.microsoft.com/office/powerpoint/2010/main" val="809997231"/>
+      </p:ext>
+    </p:extLst>
+  </p:cSld>
+  <p:clrMapOvr>
+    <a:masterClrMapping/>
+  </p:clrMapOvr>
+  <p:timing>
+    <p:tnLst>
+      <p:par>
+        <p:cTn id="1" dur="indefinite" restart="never" nodeType="tmRoot"/>
+      </p:par>
+    </p:tnLst>
+  </p:timing>
+</p:sld>
+</file>
+
+<file path=ppt/slides/slide15.xml><?xml version="1.0" encoding="utf-8"?>
+<p:sld xmlns:a="http://schemas.openxmlformats.org/drawingml/2006/main" xmlns:r="http://schemas.openxmlformats.org/officeDocument/2006/relationships" xmlns:p="http://schemas.openxmlformats.org/presentationml/2006/main">
+  <p:cSld>
+    <p:spTree>
+      <p:nvGrpSpPr>
+        <p:cNvPr id="1" name=""/>
+        <p:cNvGrpSpPr/>
+        <p:nvPr/>
+      </p:nvGrpSpPr>
+      <p:grpSpPr>
+        <a:xfrm>
+          <a:off x="0" y="0"/>
+          <a:ext cx="0" cy="0"/>
+          <a:chOff x="0" y="0"/>
+          <a:chExt cx="0" cy="0"/>
+        </a:xfrm>
+      </p:grpSpPr>
+      <p:sp>
+        <p:nvSpPr>
+          <p:cNvPr id="2" name="Title 1"/>
+          <p:cNvSpPr>
+            <a:spLocks noGrp="1"/>
+          </p:cNvSpPr>
+          <p:nvPr>
+            <p:ph type="title"/>
+          </p:nvPr>
+        </p:nvSpPr>
+        <p:spPr/>
+        <p:txBody>
+          <a:bodyPr/>
+          <a:lstStyle/>
+          <a:p>
+            <a:r>
+              <a:rPr lang="en-US" dirty="0" smtClean="0"/>
+              <a:t>Scenario</a:t>
+            </a:r>
+            <a:endParaRPr lang="nl-BE" dirty="0"/>
+          </a:p>
+        </p:txBody>
+      </p:sp>
+      <p:sp>
+        <p:nvSpPr>
+          <p:cNvPr id="3" name="Content Placeholder 2"/>
+          <p:cNvSpPr>
+            <a:spLocks noGrp="1"/>
+          </p:cNvSpPr>
+          <p:nvPr>
+            <p:ph idx="1"/>
+          </p:nvPr>
+        </p:nvSpPr>
+        <p:spPr/>
+        <p:txBody>
+          <a:bodyPr/>
+          <a:lstStyle/>
+          <a:p>
+            <a:r>
+              <a:rPr lang="en-US" dirty="0" smtClean="0"/>
+              <a:t>Required </a:t>
+            </a:r>
+            <a:r>
+              <a:rPr lang="en-US" dirty="0" err="1" smtClean="0"/>
+              <a:t>walltime</a:t>
+            </a:r>
+            <a:r>
+              <a:rPr lang="en-US" dirty="0" smtClean="0"/>
+              <a:t> exceeds maximum permitted</a:t>
+            </a:r>
+          </a:p>
+          <a:p>
+            <a:pPr lvl="1"/>
+            <a:r>
+              <a:rPr lang="en-US" dirty="0" smtClean="0"/>
+              <a:t>Computation is split into multiple jobs</a:t>
+            </a:r>
+          </a:p>
+          <a:p>
+            <a:pPr lvl="1"/>
+            <a:r>
+              <a:rPr lang="en-US" dirty="0" smtClean="0"/>
+              <a:t>Use job dependencies</a:t>
+            </a:r>
+          </a:p>
+          <a:p>
+            <a:r>
+              <a:rPr lang="en-US" dirty="0" smtClean="0"/>
+              <a:t>E.g., 7 days required, 3 days maximum</a:t>
+            </a:r>
+          </a:p>
+          <a:p>
+            <a:pPr lvl="1"/>
+            <a:r>
+              <a:rPr lang="en-US" dirty="0" smtClean="0"/>
+              <a:t>Submit start job </a:t>
+            </a:r>
+            <a:r>
+              <a:rPr lang="en-US" dirty="0" smtClean="0">
+                <a:sym typeface="Symbol" panose="05050102010706020507" pitchFamily="18" charset="2"/>
+              </a:rPr>
+              <a:t></a:t>
+            </a:r>
+            <a:r>
+              <a:rPr lang="en-US" dirty="0" smtClean="0"/>
+              <a:t> job ID</a:t>
+            </a:r>
+            <a:r>
+              <a:rPr lang="en-US" baseline="-25000" dirty="0" smtClean="0"/>
+              <a:t>1</a:t>
+            </a:r>
+          </a:p>
+          <a:p>
+            <a:pPr lvl="1"/>
+            <a:r>
+              <a:rPr lang="en-US" dirty="0" smtClean="0"/>
+              <a:t>Submit 1</a:t>
+            </a:r>
+            <a:r>
+              <a:rPr lang="en-US" baseline="30000" dirty="0" smtClean="0"/>
+              <a:t>st</a:t>
+            </a:r>
+            <a:r>
+              <a:rPr lang="en-US" dirty="0" smtClean="0"/>
+              <a:t> restart job, depend on ID</a:t>
+            </a:r>
+            <a:r>
+              <a:rPr lang="en-US" baseline="-25000" dirty="0" smtClean="0"/>
+              <a:t>1</a:t>
+            </a:r>
+            <a:r>
+              <a:rPr lang="en-US" dirty="0" smtClean="0"/>
+              <a:t> </a:t>
+            </a:r>
+            <a:r>
+              <a:rPr lang="en-US" dirty="0">
+                <a:sym typeface="Symbol" panose="05050102010706020507" pitchFamily="18" charset="2"/>
+              </a:rPr>
+              <a:t></a:t>
+            </a:r>
+            <a:r>
+              <a:rPr lang="en-US" dirty="0" smtClean="0"/>
+              <a:t> job </a:t>
+            </a:r>
+            <a:r>
+              <a:rPr lang="en-US" dirty="0"/>
+              <a:t>ID</a:t>
+            </a:r>
+            <a:r>
+              <a:rPr lang="en-US" baseline="-25000" dirty="0"/>
+              <a:t>2</a:t>
+            </a:r>
+            <a:endParaRPr lang="en-US" dirty="0" smtClean="0"/>
+          </a:p>
+          <a:p>
+            <a:pPr lvl="1"/>
+            <a:r>
+              <a:rPr lang="en-US" dirty="0" smtClean="0"/>
+              <a:t>Submit 2</a:t>
+            </a:r>
+            <a:r>
+              <a:rPr lang="en-US" baseline="30000" dirty="0" smtClean="0"/>
+              <a:t>nd</a:t>
+            </a:r>
+            <a:r>
+              <a:rPr lang="en-US" dirty="0" smtClean="0"/>
+              <a:t> restart job, depends on ID</a:t>
+            </a:r>
+            <a:r>
+              <a:rPr lang="en-US" baseline="-25000" dirty="0" smtClean="0"/>
+              <a:t>2</a:t>
+            </a:r>
+            <a:r>
+              <a:rPr lang="en-US" dirty="0" smtClean="0"/>
+              <a:t> </a:t>
+            </a:r>
+            <a:endParaRPr lang="nl-BE" dirty="0"/>
+          </a:p>
+        </p:txBody>
+      </p:sp>
+      <p:sp>
+        <p:nvSpPr>
+          <p:cNvPr id="4" name="Slide Number Placeholder 3"/>
+          <p:cNvSpPr>
+            <a:spLocks noGrp="1"/>
+          </p:cNvSpPr>
+          <p:nvPr>
+            <p:ph type="sldNum" sz="quarter" idx="12"/>
+          </p:nvPr>
+        </p:nvSpPr>
+        <p:spPr/>
+        <p:txBody>
+          <a:bodyPr/>
+          <a:lstStyle/>
+          <a:p>
+            <a:fld id="{0E10C2AD-1307-4F27-A6A5-469AD3C2F368}" type="slidenum">
+              <a:rPr lang="nl-BE" smtClean="0"/>
+              <a:t>15</a:t>
+            </a:fld>
+            <a:endParaRPr lang="nl-BE"/>
+          </a:p>
+        </p:txBody>
+      </p:sp>
+    </p:spTree>
+    <p:extLst>
+      <p:ext uri="{BB962C8B-B14F-4D97-AF65-F5344CB8AC3E}">
+        <p14:creationId xmlns:p14="http://schemas.microsoft.com/office/powerpoint/2010/main" val="4196509239"/>
+      </p:ext>
+    </p:extLst>
+  </p:cSld>
+  <p:clrMapOvr>
+    <a:masterClrMapping/>
+  </p:clrMapOvr>
+  <p:timing>
+    <p:tnLst>
+      <p:par>
+        <p:cTn id="1" dur="indefinite" restart="never" nodeType="tmRoot"/>
+      </p:par>
+    </p:tnLst>
+  </p:timing>
+</p:sld>
+</file>
+
+<file path=ppt/slides/slide16.xml><?xml version="1.0" encoding="utf-8"?>
+<p:sld xmlns:a="http://schemas.openxmlformats.org/drawingml/2006/main" xmlns:r="http://schemas.openxmlformats.org/officeDocument/2006/relationships" xmlns:p="http://schemas.openxmlformats.org/presentationml/2006/main">
+  <p:cSld>
+    <p:spTree>
+      <p:nvGrpSpPr>
+        <p:cNvPr id="1" name=""/>
+        <p:cNvGrpSpPr/>
+        <p:nvPr/>
+      </p:nvGrpSpPr>
+      <p:grpSpPr>
+        <a:xfrm>
+          <a:off x="0" y="0"/>
+          <a:ext cx="0" cy="0"/>
+          <a:chOff x="0" y="0"/>
+          <a:chExt cx="0" cy="0"/>
+        </a:xfrm>
+      </p:grpSpPr>
+      <p:sp>
+        <p:nvSpPr>
+          <p:cNvPr id="2" name="Title 1"/>
+          <p:cNvSpPr>
+            <a:spLocks noGrp="1"/>
+          </p:cNvSpPr>
+          <p:nvPr>
+            <p:ph type="title"/>
+          </p:nvPr>
+        </p:nvSpPr>
+        <p:spPr/>
+        <p:txBody>
+          <a:bodyPr/>
+          <a:lstStyle/>
+          <a:p>
+            <a:r>
+              <a:rPr lang="en-US" dirty="0" smtClean="0"/>
+              <a:t>Job dependencies</a:t>
+            </a:r>
+            <a:endParaRPr lang="nl-BE" dirty="0"/>
+          </a:p>
+        </p:txBody>
+      </p:sp>
+      <p:sp>
+        <p:nvSpPr>
+          <p:cNvPr id="3" name="Content Placeholder 2"/>
+          <p:cNvSpPr>
+            <a:spLocks noGrp="1"/>
+          </p:cNvSpPr>
+          <p:nvPr>
+            <p:ph idx="1"/>
+          </p:nvPr>
+        </p:nvSpPr>
+        <p:spPr/>
+        <p:txBody>
+          <a:bodyPr/>
+          <a:lstStyle/>
+          <a:p>
+            <a:r>
+              <a:rPr lang="en-US" dirty="0" smtClean="0"/>
+              <a:t>Submit initial job</a:t>
+            </a:r>
+          </a:p>
+          <a:p>
+            <a:endParaRPr lang="en-US" dirty="0"/>
+          </a:p>
+          <a:p>
+            <a:r>
+              <a:rPr lang="en-US" dirty="0" smtClean="0"/>
+              <a:t>Submit 1</a:t>
+            </a:r>
+            <a:r>
+              <a:rPr lang="en-US" baseline="30000" dirty="0" smtClean="0"/>
+              <a:t>st</a:t>
+            </a:r>
+            <a:r>
+              <a:rPr lang="en-US" dirty="0" smtClean="0"/>
+              <a:t> restart job</a:t>
+            </a:r>
+          </a:p>
+          <a:p>
+            <a:endParaRPr lang="en-US" dirty="0"/>
+          </a:p>
+          <a:p>
+            <a:r>
+              <a:rPr lang="en-US" dirty="0" smtClean="0"/>
+              <a:t>Submit 2</a:t>
+            </a:r>
+            <a:r>
+              <a:rPr lang="en-US" baseline="30000" dirty="0" smtClean="0"/>
+              <a:t>nd</a:t>
+            </a:r>
+            <a:r>
+              <a:rPr lang="en-US" dirty="0" smtClean="0"/>
+              <a:t> restart job</a:t>
+            </a:r>
+            <a:endParaRPr lang="nl-BE" dirty="0"/>
+          </a:p>
+        </p:txBody>
+      </p:sp>
+      <p:sp>
+        <p:nvSpPr>
+          <p:cNvPr id="4" name="Slide Number Placeholder 3"/>
+          <p:cNvSpPr>
+            <a:spLocks noGrp="1"/>
+          </p:cNvSpPr>
+          <p:nvPr>
+            <p:ph type="sldNum" sz="quarter" idx="12"/>
+          </p:nvPr>
+        </p:nvSpPr>
+        <p:spPr/>
+        <p:txBody>
+          <a:bodyPr/>
+          <a:lstStyle/>
+          <a:p>
+            <a:fld id="{0E10C2AD-1307-4F27-A6A5-469AD3C2F368}" type="slidenum">
+              <a:rPr lang="nl-BE" smtClean="0"/>
+              <a:t>16</a:t>
+            </a:fld>
+            <a:endParaRPr lang="nl-BE"/>
+          </a:p>
+        </p:txBody>
+      </p:sp>
+      <p:sp>
+        <p:nvSpPr>
+          <p:cNvPr id="5" name="Rectangle 4"/>
+          <p:cNvSpPr/>
+          <p:nvPr/>
+        </p:nvSpPr>
+        <p:spPr>
+          <a:xfrm>
+            <a:off x="396814" y="2398054"/>
+            <a:ext cx="8333117" cy="369332"/>
+          </a:xfrm>
+          <a:prstGeom prst="rect">
+            <a:avLst/>
+          </a:prstGeom>
+          <a:solidFill>
+            <a:schemeClr val="tx1"/>
+          </a:solidFill>
+          <a:ln>
+            <a:solidFill>
+              <a:schemeClr val="tx1"/>
+            </a:solidFill>
+          </a:ln>
+        </p:spPr>
+        <p:txBody>
+          <a:bodyPr wrap="square">
+            <a:spAutoFit/>
+          </a:bodyPr>
+          <a:lstStyle/>
+          <a:p>
+            <a:r>
+              <a:rPr lang="nl-BE" b="1" dirty="0" smtClean="0">
+                <a:solidFill>
+                  <a:schemeClr val="bg1"/>
+                </a:solidFill>
+                <a:latin typeface="Courier New" panose="02070309020205020404" pitchFamily="49" charset="0"/>
+                <a:cs typeface="Courier New" panose="02070309020205020404" pitchFamily="49" charset="0"/>
+              </a:rPr>
+              <a:t>$ </a:t>
+            </a:r>
+            <a:r>
+              <a:rPr lang="nl-BE" b="1" dirty="0" err="1" smtClean="0">
+                <a:solidFill>
+                  <a:schemeClr val="bg1"/>
+                </a:solidFill>
+                <a:latin typeface="Courier New" panose="02070309020205020404" pitchFamily="49" charset="0"/>
+                <a:cs typeface="Courier New" panose="02070309020205020404" pitchFamily="49" charset="0"/>
+              </a:rPr>
+              <a:t>job_id</a:t>
+            </a:r>
+            <a:r>
+              <a:rPr lang="nl-BE" b="1" dirty="0" smtClean="0">
+                <a:solidFill>
+                  <a:schemeClr val="bg1"/>
+                </a:solidFill>
+                <a:latin typeface="Courier New" panose="02070309020205020404" pitchFamily="49" charset="0"/>
+                <a:cs typeface="Courier New" panose="02070309020205020404" pitchFamily="49" charset="0"/>
+              </a:rPr>
+              <a:t>=$(</a:t>
+            </a:r>
+            <a:r>
+              <a:rPr lang="nl-BE" b="1" dirty="0" err="1" smtClean="0">
+                <a:solidFill>
+                  <a:schemeClr val="bg1"/>
+                </a:solidFill>
+                <a:latin typeface="Courier New" panose="02070309020205020404" pitchFamily="49" charset="0"/>
+                <a:cs typeface="Courier New" panose="02070309020205020404" pitchFamily="49" charset="0"/>
+              </a:rPr>
+              <a:t>qsub</a:t>
+            </a:r>
+            <a:r>
+              <a:rPr lang="nl-BE" b="1" dirty="0" smtClean="0">
+                <a:solidFill>
+                  <a:schemeClr val="bg1"/>
+                </a:solidFill>
+                <a:latin typeface="Courier New" panose="02070309020205020404" pitchFamily="49" charset="0"/>
+                <a:cs typeface="Courier New" panose="02070309020205020404" pitchFamily="49" charset="0"/>
+              </a:rPr>
+              <a:t>  </a:t>
+            </a:r>
+            <a:r>
+              <a:rPr lang="nl-BE" b="1" dirty="0" err="1" smtClean="0">
+                <a:solidFill>
+                  <a:schemeClr val="bg1"/>
+                </a:solidFill>
+                <a:latin typeface="Courier New" panose="02070309020205020404" pitchFamily="49" charset="0"/>
+                <a:cs typeface="Courier New" panose="02070309020205020404" pitchFamily="49" charset="0"/>
+              </a:rPr>
+              <a:t>start.pbs</a:t>
+            </a:r>
+            <a:r>
+              <a:rPr lang="nl-BE" b="1" dirty="0" smtClean="0">
+                <a:solidFill>
+                  <a:schemeClr val="bg1"/>
+                </a:solidFill>
+                <a:latin typeface="Courier New" panose="02070309020205020404" pitchFamily="49" charset="0"/>
+                <a:cs typeface="Courier New" panose="02070309020205020404" pitchFamily="49" charset="0"/>
+              </a:rPr>
+              <a:t>)</a:t>
+            </a:r>
+            <a:endParaRPr lang="nl-BE" b="1" dirty="0">
+              <a:solidFill>
+                <a:schemeClr val="bg1"/>
+              </a:solidFill>
+              <a:latin typeface="Courier New" panose="02070309020205020404" pitchFamily="49" charset="0"/>
+              <a:cs typeface="Courier New" panose="02070309020205020404" pitchFamily="49" charset="0"/>
+            </a:endParaRPr>
+          </a:p>
+        </p:txBody>
+      </p:sp>
+      <p:sp>
+        <p:nvSpPr>
+          <p:cNvPr id="6" name="Rectangle 5"/>
+          <p:cNvSpPr/>
+          <p:nvPr/>
+        </p:nvSpPr>
+        <p:spPr>
+          <a:xfrm>
+            <a:off x="396814" y="3404469"/>
+            <a:ext cx="8333118" cy="369332"/>
+          </a:xfrm>
+          <a:prstGeom prst="rect">
+            <a:avLst/>
+          </a:prstGeom>
+          <a:solidFill>
+            <a:schemeClr val="tx1"/>
+          </a:solidFill>
+          <a:ln>
+            <a:solidFill>
+              <a:schemeClr val="tx1"/>
+            </a:solidFill>
+          </a:ln>
+        </p:spPr>
+        <p:txBody>
+          <a:bodyPr wrap="square">
+            <a:spAutoFit/>
+          </a:bodyPr>
+          <a:lstStyle/>
+          <a:p>
+            <a:r>
+              <a:rPr lang="nl-BE" b="1" dirty="0" smtClean="0">
+                <a:solidFill>
+                  <a:schemeClr val="bg1"/>
+                </a:solidFill>
+                <a:latin typeface="Courier New" panose="02070309020205020404" pitchFamily="49" charset="0"/>
+                <a:cs typeface="Courier New" panose="02070309020205020404" pitchFamily="49" charset="0"/>
+              </a:rPr>
+              <a:t>$ </a:t>
+            </a:r>
+            <a:r>
+              <a:rPr lang="nl-BE" b="1" dirty="0" err="1" smtClean="0">
+                <a:solidFill>
+                  <a:schemeClr val="bg1"/>
+                </a:solidFill>
+                <a:latin typeface="Courier New" panose="02070309020205020404" pitchFamily="49" charset="0"/>
+                <a:cs typeface="Courier New" panose="02070309020205020404" pitchFamily="49" charset="0"/>
+              </a:rPr>
+              <a:t>job_id</a:t>
+            </a:r>
+            <a:r>
+              <a:rPr lang="nl-BE" b="1" dirty="0" smtClean="0">
+                <a:solidFill>
+                  <a:schemeClr val="bg1"/>
+                </a:solidFill>
+                <a:latin typeface="Courier New" panose="02070309020205020404" pitchFamily="49" charset="0"/>
+                <a:cs typeface="Courier New" panose="02070309020205020404" pitchFamily="49" charset="0"/>
+              </a:rPr>
+              <a:t>=$(</a:t>
+            </a:r>
+            <a:r>
+              <a:rPr lang="nl-BE" b="1" dirty="0" err="1" smtClean="0">
+                <a:solidFill>
+                  <a:schemeClr val="bg1"/>
+                </a:solidFill>
+                <a:latin typeface="Courier New" panose="02070309020205020404" pitchFamily="49" charset="0"/>
+                <a:cs typeface="Courier New" panose="02070309020205020404" pitchFamily="49" charset="0"/>
+              </a:rPr>
+              <a:t>qsub</a:t>
+            </a:r>
+            <a:r>
+              <a:rPr lang="nl-BE" b="1" dirty="0" smtClean="0">
+                <a:solidFill>
+                  <a:schemeClr val="bg1"/>
+                </a:solidFill>
+                <a:latin typeface="Courier New" panose="02070309020205020404" pitchFamily="49" charset="0"/>
+                <a:cs typeface="Courier New" panose="02070309020205020404" pitchFamily="49" charset="0"/>
+              </a:rPr>
+              <a:t>  </a:t>
+            </a:r>
+            <a:r>
+              <a:rPr lang="nl-BE" b="1" dirty="0">
+                <a:solidFill>
+                  <a:schemeClr val="bg1"/>
+                </a:solidFill>
+                <a:latin typeface="Courier New" panose="02070309020205020404" pitchFamily="49" charset="0"/>
+                <a:cs typeface="Courier New" panose="02070309020205020404" pitchFamily="49" charset="0"/>
+              </a:rPr>
+              <a:t>-</a:t>
+            </a:r>
+            <a:r>
+              <a:rPr lang="nl-BE" b="1" dirty="0" smtClean="0">
+                <a:solidFill>
+                  <a:schemeClr val="bg1"/>
+                </a:solidFill>
+                <a:latin typeface="Courier New" panose="02070309020205020404" pitchFamily="49" charset="0"/>
+                <a:cs typeface="Courier New" panose="02070309020205020404" pitchFamily="49" charset="0"/>
+              </a:rPr>
+              <a:t>W </a:t>
+            </a:r>
+            <a:r>
+              <a:rPr lang="nl-BE" b="1" dirty="0" err="1" smtClean="0">
+                <a:solidFill>
+                  <a:schemeClr val="bg1"/>
+                </a:solidFill>
+                <a:latin typeface="Courier New" panose="02070309020205020404" pitchFamily="49" charset="0"/>
+                <a:cs typeface="Courier New" panose="02070309020205020404" pitchFamily="49" charset="0"/>
+              </a:rPr>
+              <a:t>depend</a:t>
+            </a:r>
+            <a:r>
+              <a:rPr lang="nl-BE" b="1" dirty="0" smtClean="0">
+                <a:solidFill>
+                  <a:schemeClr val="bg1"/>
+                </a:solidFill>
+                <a:latin typeface="Courier New" panose="02070309020205020404" pitchFamily="49" charset="0"/>
+                <a:cs typeface="Courier New" panose="02070309020205020404" pitchFamily="49" charset="0"/>
+              </a:rPr>
+              <a:t>=</a:t>
+            </a:r>
+            <a:r>
+              <a:rPr lang="nl-BE" b="1" dirty="0" err="1" smtClean="0">
+                <a:solidFill>
+                  <a:schemeClr val="bg1"/>
+                </a:solidFill>
+                <a:latin typeface="Courier New" panose="02070309020205020404" pitchFamily="49" charset="0"/>
+                <a:cs typeface="Courier New" panose="02070309020205020404" pitchFamily="49" charset="0"/>
+              </a:rPr>
+              <a:t>afternotok</a:t>
+            </a:r>
+            <a:r>
+              <a:rPr lang="nl-BE" b="1" dirty="0" smtClean="0">
+                <a:solidFill>
+                  <a:schemeClr val="bg1"/>
+                </a:solidFill>
+                <a:latin typeface="Courier New" panose="02070309020205020404" pitchFamily="49" charset="0"/>
+                <a:cs typeface="Courier New" panose="02070309020205020404" pitchFamily="49" charset="0"/>
+              </a:rPr>
+              <a:t>:$</a:t>
+            </a:r>
+            <a:r>
+              <a:rPr lang="nl-BE" b="1" dirty="0" err="1" smtClean="0">
+                <a:solidFill>
+                  <a:schemeClr val="bg1"/>
+                </a:solidFill>
+                <a:latin typeface="Courier New" panose="02070309020205020404" pitchFamily="49" charset="0"/>
+                <a:cs typeface="Courier New" panose="02070309020205020404" pitchFamily="49" charset="0"/>
+              </a:rPr>
+              <a:t>job_id</a:t>
+            </a:r>
+            <a:r>
+              <a:rPr lang="nl-BE" b="1" dirty="0" smtClean="0">
+                <a:solidFill>
+                  <a:schemeClr val="bg1"/>
+                </a:solidFill>
+                <a:latin typeface="Courier New" panose="02070309020205020404" pitchFamily="49" charset="0"/>
+                <a:cs typeface="Courier New" panose="02070309020205020404" pitchFamily="49" charset="0"/>
+              </a:rPr>
+              <a:t>  </a:t>
+            </a:r>
+            <a:r>
+              <a:rPr lang="nl-BE" b="1" dirty="0" err="1" smtClean="0">
+                <a:solidFill>
+                  <a:schemeClr val="bg1"/>
+                </a:solidFill>
+                <a:latin typeface="Courier New" panose="02070309020205020404" pitchFamily="49" charset="0"/>
+                <a:cs typeface="Courier New" panose="02070309020205020404" pitchFamily="49" charset="0"/>
+              </a:rPr>
+              <a:t>restart.pbs</a:t>
+            </a:r>
+            <a:r>
+              <a:rPr lang="nl-BE" b="1" dirty="0" smtClean="0">
+                <a:solidFill>
+                  <a:schemeClr val="bg1"/>
+                </a:solidFill>
+                <a:latin typeface="Courier New" panose="02070309020205020404" pitchFamily="49" charset="0"/>
+                <a:cs typeface="Courier New" panose="02070309020205020404" pitchFamily="49" charset="0"/>
+              </a:rPr>
+              <a:t>)</a:t>
+            </a:r>
+            <a:endParaRPr lang="nl-BE" b="1" dirty="0">
+              <a:solidFill>
+                <a:schemeClr val="bg1"/>
+              </a:solidFill>
+              <a:latin typeface="Courier New" panose="02070309020205020404" pitchFamily="49" charset="0"/>
+              <a:cs typeface="Courier New" panose="02070309020205020404" pitchFamily="49" charset="0"/>
+            </a:endParaRPr>
+          </a:p>
+        </p:txBody>
+      </p:sp>
+      <p:sp>
+        <p:nvSpPr>
+          <p:cNvPr id="7" name="Rectangle 6"/>
+          <p:cNvSpPr/>
+          <p:nvPr/>
+        </p:nvSpPr>
+        <p:spPr>
+          <a:xfrm>
+            <a:off x="396814" y="4428182"/>
+            <a:ext cx="8333117" cy="369332"/>
+          </a:xfrm>
+          <a:prstGeom prst="rect">
+            <a:avLst/>
+          </a:prstGeom>
+          <a:solidFill>
+            <a:schemeClr val="tx1"/>
+          </a:solidFill>
+          <a:ln>
+            <a:solidFill>
+              <a:schemeClr val="tx1"/>
+            </a:solidFill>
+          </a:ln>
+        </p:spPr>
+        <p:txBody>
+          <a:bodyPr wrap="square">
+            <a:spAutoFit/>
+          </a:bodyPr>
+          <a:lstStyle/>
+          <a:p>
+            <a:r>
+              <a:rPr lang="nl-BE" b="1" dirty="0" smtClean="0">
+                <a:solidFill>
+                  <a:schemeClr val="bg1"/>
+                </a:solidFill>
+                <a:latin typeface="Courier New" panose="02070309020205020404" pitchFamily="49" charset="0"/>
+                <a:cs typeface="Courier New" panose="02070309020205020404" pitchFamily="49" charset="0"/>
+              </a:rPr>
+              <a:t>$ </a:t>
+            </a:r>
+            <a:r>
+              <a:rPr lang="nl-BE" b="1" dirty="0" err="1" smtClean="0">
+                <a:solidFill>
+                  <a:schemeClr val="bg1"/>
+                </a:solidFill>
+                <a:latin typeface="Courier New" panose="02070309020205020404" pitchFamily="49" charset="0"/>
+                <a:cs typeface="Courier New" panose="02070309020205020404" pitchFamily="49" charset="0"/>
+              </a:rPr>
+              <a:t>job_id</a:t>
+            </a:r>
+            <a:r>
+              <a:rPr lang="nl-BE" b="1" dirty="0" smtClean="0">
+                <a:solidFill>
+                  <a:schemeClr val="bg1"/>
+                </a:solidFill>
+                <a:latin typeface="Courier New" panose="02070309020205020404" pitchFamily="49" charset="0"/>
+                <a:cs typeface="Courier New" panose="02070309020205020404" pitchFamily="49" charset="0"/>
+              </a:rPr>
+              <a:t>=$(</a:t>
+            </a:r>
+            <a:r>
+              <a:rPr lang="nl-BE" b="1" dirty="0" err="1" smtClean="0">
+                <a:solidFill>
+                  <a:schemeClr val="bg1"/>
+                </a:solidFill>
+                <a:latin typeface="Courier New" panose="02070309020205020404" pitchFamily="49" charset="0"/>
+                <a:cs typeface="Courier New" panose="02070309020205020404" pitchFamily="49" charset="0"/>
+              </a:rPr>
+              <a:t>qsub</a:t>
+            </a:r>
+            <a:r>
+              <a:rPr lang="nl-BE" b="1" dirty="0" smtClean="0">
+                <a:solidFill>
+                  <a:schemeClr val="bg1"/>
+                </a:solidFill>
+                <a:latin typeface="Courier New" panose="02070309020205020404" pitchFamily="49" charset="0"/>
+                <a:cs typeface="Courier New" panose="02070309020205020404" pitchFamily="49" charset="0"/>
+              </a:rPr>
+              <a:t>  </a:t>
+            </a:r>
+            <a:r>
+              <a:rPr lang="nl-BE" b="1" dirty="0">
+                <a:solidFill>
+                  <a:schemeClr val="bg1"/>
+                </a:solidFill>
+                <a:latin typeface="Courier New" panose="02070309020205020404" pitchFamily="49" charset="0"/>
+                <a:cs typeface="Courier New" panose="02070309020205020404" pitchFamily="49" charset="0"/>
+              </a:rPr>
+              <a:t>-</a:t>
+            </a:r>
+            <a:r>
+              <a:rPr lang="nl-BE" b="1" dirty="0" smtClean="0">
+                <a:solidFill>
+                  <a:schemeClr val="bg1"/>
+                </a:solidFill>
+                <a:latin typeface="Courier New" panose="02070309020205020404" pitchFamily="49" charset="0"/>
+                <a:cs typeface="Courier New" panose="02070309020205020404" pitchFamily="49" charset="0"/>
+              </a:rPr>
+              <a:t>W </a:t>
+            </a:r>
+            <a:r>
+              <a:rPr lang="nl-BE" b="1" dirty="0" err="1" smtClean="0">
+                <a:solidFill>
+                  <a:schemeClr val="bg1"/>
+                </a:solidFill>
+                <a:latin typeface="Courier New" panose="02070309020205020404" pitchFamily="49" charset="0"/>
+                <a:cs typeface="Courier New" panose="02070309020205020404" pitchFamily="49" charset="0"/>
+              </a:rPr>
+              <a:t>depend</a:t>
+            </a:r>
+            <a:r>
+              <a:rPr lang="nl-BE" b="1" dirty="0" smtClean="0">
+                <a:solidFill>
+                  <a:schemeClr val="bg1"/>
+                </a:solidFill>
+                <a:latin typeface="Courier New" panose="02070309020205020404" pitchFamily="49" charset="0"/>
+                <a:cs typeface="Courier New" panose="02070309020205020404" pitchFamily="49" charset="0"/>
+              </a:rPr>
+              <a:t>=</a:t>
+            </a:r>
+            <a:r>
+              <a:rPr lang="nl-BE" b="1" dirty="0" err="1" smtClean="0">
+                <a:solidFill>
+                  <a:schemeClr val="bg1"/>
+                </a:solidFill>
+                <a:latin typeface="Courier New" panose="02070309020205020404" pitchFamily="49" charset="0"/>
+                <a:cs typeface="Courier New" panose="02070309020205020404" pitchFamily="49" charset="0"/>
+              </a:rPr>
+              <a:t>afternotok</a:t>
+            </a:r>
+            <a:r>
+              <a:rPr lang="nl-BE" b="1" dirty="0" smtClean="0">
+                <a:solidFill>
+                  <a:schemeClr val="bg1"/>
+                </a:solidFill>
+                <a:latin typeface="Courier New" panose="02070309020205020404" pitchFamily="49" charset="0"/>
+                <a:cs typeface="Courier New" panose="02070309020205020404" pitchFamily="49" charset="0"/>
+              </a:rPr>
+              <a:t>:$</a:t>
+            </a:r>
+            <a:r>
+              <a:rPr lang="nl-BE" b="1" dirty="0" err="1" smtClean="0">
+                <a:solidFill>
+                  <a:schemeClr val="bg1"/>
+                </a:solidFill>
+                <a:latin typeface="Courier New" panose="02070309020205020404" pitchFamily="49" charset="0"/>
+                <a:cs typeface="Courier New" panose="02070309020205020404" pitchFamily="49" charset="0"/>
+              </a:rPr>
+              <a:t>job_id</a:t>
+            </a:r>
+            <a:r>
+              <a:rPr lang="nl-BE" b="1" dirty="0" smtClean="0">
+                <a:solidFill>
+                  <a:schemeClr val="bg1"/>
+                </a:solidFill>
+                <a:latin typeface="Courier New" panose="02070309020205020404" pitchFamily="49" charset="0"/>
+                <a:cs typeface="Courier New" panose="02070309020205020404" pitchFamily="49" charset="0"/>
+              </a:rPr>
+              <a:t>  </a:t>
+            </a:r>
+            <a:r>
+              <a:rPr lang="nl-BE" b="1" dirty="0" err="1">
+                <a:solidFill>
+                  <a:schemeClr val="bg1"/>
+                </a:solidFill>
+                <a:latin typeface="Courier New" panose="02070309020205020404" pitchFamily="49" charset="0"/>
+                <a:cs typeface="Courier New" panose="02070309020205020404" pitchFamily="49" charset="0"/>
+              </a:rPr>
+              <a:t>restart.pbs</a:t>
+            </a:r>
+            <a:r>
+              <a:rPr lang="nl-BE" b="1" dirty="0" smtClean="0">
+                <a:solidFill>
+                  <a:schemeClr val="bg1"/>
+                </a:solidFill>
+                <a:latin typeface="Courier New" panose="02070309020205020404" pitchFamily="49" charset="0"/>
+                <a:cs typeface="Courier New" panose="02070309020205020404" pitchFamily="49" charset="0"/>
+              </a:rPr>
+              <a:t>)</a:t>
+            </a:r>
+            <a:endParaRPr lang="nl-BE" b="1" dirty="0">
+              <a:solidFill>
+                <a:schemeClr val="bg1"/>
+              </a:solidFill>
+              <a:latin typeface="Courier New" panose="02070309020205020404" pitchFamily="49" charset="0"/>
+              <a:cs typeface="Courier New" panose="02070309020205020404" pitchFamily="49" charset="0"/>
+            </a:endParaRPr>
+          </a:p>
+        </p:txBody>
+      </p:sp>
+      <p:sp>
+        <p:nvSpPr>
+          <p:cNvPr id="8" name="TextBox 7"/>
+          <p:cNvSpPr txBox="1"/>
+          <p:nvPr/>
+        </p:nvSpPr>
+        <p:spPr>
+          <a:xfrm>
+            <a:off x="1500996" y="5164073"/>
+            <a:ext cx="5785686" cy="646331"/>
+          </a:xfrm>
+          <a:prstGeom prst="rect">
+            <a:avLst/>
+          </a:prstGeom>
+          <a:noFill/>
+          <a:ln>
+            <a:solidFill>
+              <a:schemeClr val="tx1"/>
+            </a:solidFill>
+          </a:ln>
+        </p:spPr>
+        <p:txBody>
+          <a:bodyPr wrap="none" rtlCol="0">
+            <a:spAutoFit/>
+          </a:bodyPr>
+          <a:lstStyle/>
+          <a:p>
+            <a:r>
+              <a:rPr lang="en-US" dirty="0" smtClean="0"/>
+              <a:t>1</a:t>
+            </a:r>
+            <a:r>
+              <a:rPr lang="en-US" baseline="30000" dirty="0" smtClean="0"/>
+              <a:t>st</a:t>
+            </a:r>
+            <a:r>
+              <a:rPr lang="en-US" dirty="0" smtClean="0"/>
+              <a:t> restart job will only start when start job is not done</a:t>
+            </a:r>
+          </a:p>
+          <a:p>
+            <a:r>
+              <a:rPr lang="en-US" dirty="0" smtClean="0"/>
+              <a:t>2</a:t>
+            </a:r>
+            <a:r>
+              <a:rPr lang="en-US" baseline="30000" dirty="0" smtClean="0"/>
+              <a:t>nd</a:t>
+            </a:r>
+            <a:r>
+              <a:rPr lang="en-US" dirty="0" smtClean="0"/>
+              <a:t> restart job will only start when 1</a:t>
+            </a:r>
+            <a:r>
+              <a:rPr lang="en-US" baseline="30000" dirty="0" smtClean="0"/>
+              <a:t>st</a:t>
+            </a:r>
+            <a:r>
+              <a:rPr lang="en-US" dirty="0" smtClean="0"/>
+              <a:t> restart job is not done</a:t>
+            </a:r>
+            <a:endParaRPr lang="nl-BE" dirty="0"/>
+          </a:p>
+        </p:txBody>
+      </p:sp>
+    </p:spTree>
+    <p:extLst>
+      <p:ext uri="{BB962C8B-B14F-4D97-AF65-F5344CB8AC3E}">
+        <p14:creationId xmlns:p14="http://schemas.microsoft.com/office/powerpoint/2010/main" val="3342852951"/>
+      </p:ext>
+    </p:extLst>
+  </p:cSld>
+  <p:clrMapOvr>
+    <a:masterClrMapping/>
+  </p:clrMapOvr>
+  <p:timing>
+    <p:tnLst>
+      <p:par>
+        <p:cTn id="1" dur="indefinite" restart="never" nodeType="tmRoot">
+          <p:childTnLst>
+            <p:seq concurrent="1" nextAc="seek">
+              <p:cTn id="2" dur="indefinite" nodeType="mainSeq">
+                <p:childTnLst>
+                  <p:par>
+                    <p:cTn id="3" fill="hold">
+                      <p:stCondLst>
+                        <p:cond delay="indefinite"/>
+                        <p:cond evt="onBegin" delay="0">
+                          <p:tn val="2"/>
+                        </p:cond>
+                      </p:stCondLst>
+                      <p:childTnLst>
+                        <p:par>
+                          <p:cTn id="4" fill="hold">
+                            <p:stCondLst>
+                              <p:cond delay="0"/>
+                            </p:stCondLst>
+                            <p:childTnLst>
+                              <p:par>
+                                <p:cTn id="5" presetID="1" presetClass="entr" presetSubtype="0" fill="hold" grpId="0" nodeType="withEffect">
+                                  <p:stCondLst>
+                                    <p:cond delay="0"/>
+                                  </p:stCondLst>
+                                  <p:childTnLst>
+                                    <p:set>
+                                      <p:cBhvr>
+                                        <p:cTn id="6" dur="1" fill="hold">
+                                          <p:stCondLst>
+                                            <p:cond delay="0"/>
+                                          </p:stCondLst>
+                                        </p:cTn>
+                                        <p:tgtEl>
+                                          <p:spTgt spid="3">
+                                            <p:txEl>
+                                              <p:pRg st="0" end="0"/>
+                                            </p:txEl>
+                                          </p:spTgt>
+                                        </p:tgtEl>
+                                        <p:attrNameLst>
+                                          <p:attrName>style.visibility</p:attrName>
+                                        </p:attrNameLst>
+                                      </p:cBhvr>
+                                      <p:to>
+                                        <p:strVal val="visible"/>
+                                      </p:to>
+                                    </p:set>
+                                  </p:childTnLst>
+                                </p:cTn>
+                              </p:par>
+                              <p:par>
+                                <p:cTn id="7" presetID="1" presetClass="entr" presetSubtype="0" fill="hold" grpId="0" nodeType="withEffect">
+                                  <p:stCondLst>
+                                    <p:cond delay="0"/>
+                                  </p:stCondLst>
+                                  <p:childTnLst>
+                                    <p:set>
+                                      <p:cBhvr>
+                                        <p:cTn id="8" dur="1" fill="hold">
+                                          <p:stCondLst>
+                                            <p:cond delay="0"/>
+                                          </p:stCondLst>
+                                        </p:cTn>
+                                        <p:tgtEl>
+                                          <p:spTgt spid="5"/>
+                                        </p:tgtEl>
+                                        <p:attrNameLst>
+                                          <p:attrName>style.visibility</p:attrName>
+                                        </p:attrNameLst>
+                                      </p:cBhvr>
+                                      <p:to>
+                                        <p:strVal val="visible"/>
+                                      </p:to>
+                                    </p:set>
+                                  </p:childTnLst>
+                                </p:cTn>
+                              </p:par>
+                            </p:childTnLst>
+                          </p:cTn>
+                        </p:par>
+                      </p:childTnLst>
+                    </p:cTn>
+                  </p:par>
+                  <p:par>
+                    <p:cTn id="9" fill="hold">
+                      <p:stCondLst>
+                        <p:cond delay="indefinite"/>
+                      </p:stCondLst>
+                      <p:childTnLst>
+                        <p:par>
+                          <p:cTn id="10" fill="hold">
+                            <p:stCondLst>
+                              <p:cond delay="0"/>
+                            </p:stCondLst>
+                            <p:childTnLst>
+                              <p:par>
+                                <p:cTn id="11" presetID="1" presetClass="entr" presetSubtype="0" fill="hold" grpId="0" nodeType="clickEffect">
+                                  <p:stCondLst>
+                                    <p:cond delay="0"/>
+                                  </p:stCondLst>
+                                  <p:childTnLst>
+                                    <p:set>
+                                      <p:cBhvr>
+                                        <p:cTn id="12" dur="1" fill="hold">
+                                          <p:stCondLst>
+                                            <p:cond delay="0"/>
+                                          </p:stCondLst>
+                                        </p:cTn>
+                                        <p:tgtEl>
+                                          <p:spTgt spid="3">
+                                            <p:txEl>
+                                              <p:pRg st="2" end="2"/>
+                                            </p:txEl>
+                                          </p:spTgt>
+                                        </p:tgtEl>
+                                        <p:attrNameLst>
+                                          <p:attrName>style.visibility</p:attrName>
+                                        </p:attrNameLst>
+                                      </p:cBhvr>
+                                      <p:to>
+                                        <p:strVal val="visible"/>
+                                      </p:to>
+                                    </p:set>
+                                  </p:childTnLst>
+                                </p:cTn>
+                              </p:par>
+                              <p:par>
+                                <p:cTn id="13" presetID="1" presetClass="entr" presetSubtype="0" fill="hold" grpId="0" nodeType="withEffect">
+                                  <p:stCondLst>
+                                    <p:cond delay="0"/>
+                                  </p:stCondLst>
+                                  <p:childTnLst>
+                                    <p:set>
+                                      <p:cBhvr>
+                                        <p:cTn id="14" dur="1" fill="hold">
+                                          <p:stCondLst>
+                                            <p:cond delay="0"/>
+                                          </p:stCondLst>
+                                        </p:cTn>
+                                        <p:tgtEl>
+                                          <p:spTgt spid="6"/>
+                                        </p:tgtEl>
+                                        <p:attrNameLst>
+                                          <p:attrName>style.visibility</p:attrName>
+                                        </p:attrNameLst>
+                                      </p:cBhvr>
+                                      <p:to>
+                                        <p:strVal val="visible"/>
+                                      </p:to>
+                                    </p:set>
+                                  </p:childTnLst>
+                                </p:cTn>
+                              </p:par>
+                            </p:childTnLst>
+                          </p:cTn>
+                        </p:par>
+                      </p:childTnLst>
+                    </p:cTn>
+                  </p:par>
+                  <p:par>
+                    <p:cTn id="15" fill="hold">
+                      <p:stCondLst>
+                        <p:cond delay="indefinite"/>
+                      </p:stCondLst>
+                      <p:childTnLst>
+                        <p:par>
+                          <p:cTn id="16" fill="hold">
+                            <p:stCondLst>
+                              <p:cond delay="0"/>
+                            </p:stCondLst>
+                            <p:childTnLst>
+                              <p:par>
+                                <p:cTn id="17" presetID="1" presetClass="entr" presetSubtype="0" fill="hold" grpId="0" nodeType="clickEffect">
+                                  <p:stCondLst>
+                                    <p:cond delay="0"/>
+                                  </p:stCondLst>
+                                  <p:childTnLst>
+                                    <p:set>
+                                      <p:cBhvr>
+                                        <p:cTn id="18" dur="1" fill="hold">
+                                          <p:stCondLst>
+                                            <p:cond delay="0"/>
+                                          </p:stCondLst>
+                                        </p:cTn>
+                                        <p:tgtEl>
+                                          <p:spTgt spid="3">
+                                            <p:txEl>
+                                              <p:pRg st="4" end="4"/>
+                                            </p:txEl>
+                                          </p:spTgt>
+                                        </p:tgtEl>
+                                        <p:attrNameLst>
+                                          <p:attrName>style.visibility</p:attrName>
+                                        </p:attrNameLst>
+                                      </p:cBhvr>
+                                      <p:to>
+                                        <p:strVal val="visible"/>
+                                      </p:to>
+                                    </p:set>
+                                  </p:childTnLst>
+                                </p:cTn>
+                              </p:par>
+                              <p:par>
+                                <p:cTn id="19" presetID="1" presetClass="entr" presetSubtype="0" fill="hold" grpId="0" nodeType="withEffect">
+                                  <p:stCondLst>
+                                    <p:cond delay="0"/>
+                                  </p:stCondLst>
+                                  <p:childTnLst>
+                                    <p:set>
+                                      <p:cBhvr>
+                                        <p:cTn id="20" dur="1" fill="hold">
+                                          <p:stCondLst>
+                                            <p:cond delay="0"/>
+                                          </p:stCondLst>
+                                        </p:cTn>
+                                        <p:tgtEl>
+                                          <p:spTgt spid="7"/>
+                                        </p:tgtEl>
+                                        <p:attrNameLst>
+                                          <p:attrName>style.visibility</p:attrName>
+                                        </p:attrNameLst>
+                                      </p:cBhvr>
+                                      <p:to>
+                                        <p:strVal val="visible"/>
+                                      </p:to>
+                                    </p:set>
+                                  </p:childTnLst>
+                                </p:cTn>
+                              </p:par>
+                            </p:childTnLst>
+                          </p:cTn>
+                        </p:par>
+                      </p:childTnLst>
+                    </p:cTn>
+                  </p:par>
+                  <p:par>
+                    <p:cTn id="21" fill="hold">
+                      <p:stCondLst>
+                        <p:cond delay="indefinite"/>
+                      </p:stCondLst>
+                      <p:childTnLst>
+                        <p:par>
+                          <p:cTn id="22" fill="hold">
+                            <p:stCondLst>
+                              <p:cond delay="0"/>
+                            </p:stCondLst>
+                            <p:childTnLst>
+                              <p:par>
+                                <p:cTn id="23" presetID="1" presetClass="entr" presetSubtype="0" fill="hold" grpId="0" nodeType="clickEffect">
+                                  <p:stCondLst>
+                                    <p:cond delay="0"/>
+                                  </p:stCondLst>
+                                  <p:childTnLst>
+                                    <p:set>
+                                      <p:cBhvr>
+                                        <p:cTn id="24" dur="1" fill="hold">
+                                          <p:stCondLst>
+                                            <p:cond delay="0"/>
+                                          </p:stCondLst>
+                                        </p:cTn>
+                                        <p:tgtEl>
+                                          <p:spTgt spid="8"/>
+                                        </p:tgtEl>
+                                        <p:attrNameLst>
+                                          <p:attrName>style.visibility</p:attrName>
+                                        </p:attrNameLst>
+                                      </p:cBhvr>
+                                      <p:to>
+                                        <p:strVal val="visible"/>
+                                      </p:to>
+                                    </p:set>
+                                  </p:childTnLst>
+                                </p:cTn>
+                              </p:par>
+                            </p:childTnLst>
+                          </p:cTn>
+                        </p:par>
+                      </p:childTnLst>
+                    </p:cTn>
+                  </p:par>
+                </p:childTnLst>
+              </p:cTn>
+              <p:prevCondLst>
+                <p:cond evt="onPrev" delay="0">
+                  <p:tgtEl>
+                    <p:sldTgt/>
+                  </p:tgtEl>
+                </p:cond>
+              </p:prevCondLst>
+              <p:nextCondLst>
+                <p:cond evt="onNext" delay="0">
+                  <p:tgtEl>
+                    <p:sldTgt/>
+                  </p:tgtEl>
+                </p:cond>
+              </p:nextCondLst>
+            </p:seq>
+          </p:childTnLst>
+        </p:cTn>
+      </p:par>
+    </p:tnLst>
+    <p:bldLst>
+      <p:bldP spid="3" grpId="0" uiExpand="1" build="p"/>
+      <p:bldP spid="5" grpId="0" animBg="1"/>
+      <p:bldP spid="6" grpId="0" animBg="1"/>
+      <p:bldP spid="7" grpId="0" animBg="1"/>
+      <p:bldP spid="8" grpId="0" animBg="1"/>
+    </p:bldLst>
+  </p:timing>
+</p:sld>
+</file>
+
+<file path=ppt/slides/slide17.xml><?xml version="1.0" encoding="utf-8"?>
+<p:sld xmlns:a="http://schemas.openxmlformats.org/drawingml/2006/main" xmlns:r="http://schemas.openxmlformats.org/officeDocument/2006/relationships" xmlns:p="http://schemas.openxmlformats.org/presentationml/2006/main">
+  <p:cSld>
+    <p:spTree>
+      <p:nvGrpSpPr>
+        <p:cNvPr id="1" name=""/>
+        <p:cNvGrpSpPr/>
+        <p:nvPr/>
+      </p:nvGrpSpPr>
+      <p:grpSpPr>
+        <a:xfrm>
+          <a:off x="0" y="0"/>
+          <a:ext cx="0" cy="0"/>
+          <a:chOff x="0" y="0"/>
+          <a:chExt cx="0" cy="0"/>
+        </a:xfrm>
+      </p:grpSpPr>
+      <p:sp>
+        <p:nvSpPr>
+          <p:cNvPr id="2" name="Title 1"/>
+          <p:cNvSpPr>
+            <a:spLocks noGrp="1"/>
+          </p:cNvSpPr>
+          <p:nvPr>
+            <p:ph type="title"/>
+          </p:nvPr>
+        </p:nvSpPr>
+        <p:spPr/>
+        <p:txBody>
+          <a:bodyPr/>
+          <a:lstStyle/>
+          <a:p>
+            <a:r>
+              <a:rPr lang="en-US" dirty="0" smtClean="0"/>
+              <a:t>Workflows</a:t>
+            </a:r>
+            <a:endParaRPr lang="nl-BE" dirty="0"/>
+          </a:p>
+        </p:txBody>
+      </p:sp>
+      <p:sp>
+        <p:nvSpPr>
+          <p:cNvPr id="3" name="Text Placeholder 2"/>
+          <p:cNvSpPr>
+            <a:spLocks noGrp="1"/>
+          </p:cNvSpPr>
+          <p:nvPr>
+            <p:ph type="body" idx="1"/>
+          </p:nvPr>
+        </p:nvSpPr>
+        <p:spPr/>
+        <p:txBody>
+          <a:bodyPr/>
+          <a:lstStyle/>
+          <a:p>
+            <a:endParaRPr lang="nl-BE"/>
+          </a:p>
+        </p:txBody>
+      </p:sp>
+      <p:sp>
+        <p:nvSpPr>
+          <p:cNvPr id="4" name="Slide Number Placeholder 3"/>
+          <p:cNvSpPr>
+            <a:spLocks noGrp="1"/>
+          </p:cNvSpPr>
+          <p:nvPr>
+            <p:ph type="sldNum" sz="quarter" idx="12"/>
+          </p:nvPr>
+        </p:nvSpPr>
+        <p:spPr/>
+        <p:txBody>
+          <a:bodyPr/>
+          <a:lstStyle/>
+          <a:p>
+            <a:fld id="{0E10C2AD-1307-4F27-A6A5-469AD3C2F368}" type="slidenum">
+              <a:rPr lang="nl-BE" smtClean="0"/>
+              <a:t>17</a:t>
+            </a:fld>
+            <a:endParaRPr lang="nl-BE"/>
+          </a:p>
+        </p:txBody>
+      </p:sp>
+    </p:spTree>
+    <p:extLst>
+      <p:ext uri="{BB962C8B-B14F-4D97-AF65-F5344CB8AC3E}">
+        <p14:creationId xmlns:p14="http://schemas.microsoft.com/office/powerpoint/2010/main" val="2444436146"/>
+      </p:ext>
+    </p:extLst>
+  </p:cSld>
+  <p:clrMapOvr>
+    <a:masterClrMapping/>
+  </p:clrMapOvr>
+  <p:timing>
+    <p:tnLst>
+      <p:par>
+        <p:cTn id="1" dur="indefinite" restart="never" nodeType="tmRoot"/>
+      </p:par>
+    </p:tnLst>
+  </p:timing>
+</p:sld>
+</file>
+
+<file path=ppt/slides/slide18.xml><?xml version="1.0" encoding="utf-8"?>
+<p:sld xmlns:a="http://schemas.openxmlformats.org/drawingml/2006/main" xmlns:r="http://schemas.openxmlformats.org/officeDocument/2006/relationships" xmlns:p="http://schemas.openxmlformats.org/presentationml/2006/main">
+  <p:cSld>
+    <p:spTree>
+      <p:nvGrpSpPr>
+        <p:cNvPr id="1" name=""/>
+        <p:cNvGrpSpPr/>
+        <p:nvPr/>
+      </p:nvGrpSpPr>
+      <p:grpSpPr>
+        <a:xfrm>
+          <a:off x="0" y="0"/>
+          <a:ext cx="0" cy="0"/>
+          <a:chOff x="0" y="0"/>
+          <a:chExt cx="0" cy="0"/>
+        </a:xfrm>
+      </p:grpSpPr>
+      <p:sp>
+        <p:nvSpPr>
+          <p:cNvPr id="2" name="Title 1"/>
+          <p:cNvSpPr>
+            <a:spLocks noGrp="1"/>
+          </p:cNvSpPr>
+          <p:nvPr>
+            <p:ph type="title"/>
+          </p:nvPr>
+        </p:nvSpPr>
+        <p:spPr/>
+        <p:txBody>
+          <a:bodyPr/>
+          <a:lstStyle/>
+          <a:p>
+            <a:r>
+              <a:rPr lang="en-US" dirty="0" err="1" smtClean="0"/>
+              <a:t>Checkpointing</a:t>
+            </a:r>
+            <a:r>
+              <a:rPr lang="en-US" dirty="0" smtClean="0"/>
+              <a:t> workflows</a:t>
+            </a:r>
+            <a:endParaRPr lang="nl-BE" dirty="0"/>
+          </a:p>
+        </p:txBody>
+      </p:sp>
+      <p:sp>
+        <p:nvSpPr>
+          <p:cNvPr id="3" name="Content Placeholder 2"/>
+          <p:cNvSpPr>
+            <a:spLocks noGrp="1"/>
+          </p:cNvSpPr>
+          <p:nvPr>
+            <p:ph idx="1"/>
+          </p:nvPr>
+        </p:nvSpPr>
+        <p:spPr/>
+        <p:txBody>
+          <a:bodyPr/>
+          <a:lstStyle/>
+          <a:p>
+            <a:r>
+              <a:rPr lang="en-US" dirty="0" smtClean="0"/>
+              <a:t>PBS script encodes a workflow: create shell script</a:t>
+            </a:r>
+          </a:p>
+          <a:p>
+            <a:pPr lvl="1"/>
+            <a:r>
+              <a:rPr lang="en-US" dirty="0" err="1" smtClean="0"/>
+              <a:t>Checkpointing</a:t>
+            </a:r>
+            <a:r>
+              <a:rPr lang="en-US" dirty="0" smtClean="0"/>
+              <a:t> is done recursively on </a:t>
+            </a:r>
+            <a:r>
+              <a:rPr lang="en-US" dirty="0" err="1" smtClean="0"/>
+              <a:t>subprocesses</a:t>
+            </a:r>
+            <a:endParaRPr lang="en-US" dirty="0" smtClean="0"/>
+          </a:p>
+          <a:p>
+            <a:pPr lvl="1"/>
+            <a:r>
+              <a:rPr lang="en-US" dirty="0" smtClean="0"/>
+              <a:t>Checkpoint shell script in PBS script</a:t>
+            </a:r>
+            <a:endParaRPr lang="nl-BE" dirty="0"/>
+          </a:p>
+        </p:txBody>
+      </p:sp>
+      <p:sp>
+        <p:nvSpPr>
+          <p:cNvPr id="4" name="Slide Number Placeholder 3"/>
+          <p:cNvSpPr>
+            <a:spLocks noGrp="1"/>
+          </p:cNvSpPr>
+          <p:nvPr>
+            <p:ph type="sldNum" sz="quarter" idx="12"/>
+          </p:nvPr>
+        </p:nvSpPr>
+        <p:spPr/>
+        <p:txBody>
+          <a:bodyPr/>
+          <a:lstStyle/>
+          <a:p>
+            <a:fld id="{0E10C2AD-1307-4F27-A6A5-469AD3C2F368}" type="slidenum">
+              <a:rPr lang="nl-BE" smtClean="0"/>
+              <a:t>18</a:t>
+            </a:fld>
+            <a:endParaRPr lang="nl-BE"/>
+          </a:p>
+        </p:txBody>
+      </p:sp>
+      <p:sp>
+        <p:nvSpPr>
+          <p:cNvPr id="5" name="Rectangle 4"/>
+          <p:cNvSpPr/>
+          <p:nvPr/>
+        </p:nvSpPr>
+        <p:spPr>
+          <a:xfrm>
+            <a:off x="912243" y="3381465"/>
+            <a:ext cx="6574407" cy="2585323"/>
+          </a:xfrm>
+          <a:prstGeom prst="rect">
+            <a:avLst/>
+          </a:prstGeom>
+          <a:solidFill>
+            <a:schemeClr val="bg1">
+              <a:lumMod val="85000"/>
+            </a:schemeClr>
+          </a:solidFill>
+          <a:ln>
+            <a:solidFill>
+              <a:schemeClr val="tx1"/>
+            </a:solidFill>
+          </a:ln>
+        </p:spPr>
+        <p:txBody>
+          <a:bodyPr wrap="square">
+            <a:spAutoFit/>
+          </a:bodyPr>
+          <a:lstStyle/>
+          <a:p>
+            <a:r>
+              <a:rPr lang="nl-BE" dirty="0" smtClean="0">
+                <a:latin typeface="Courier New" panose="02070309020205020404" pitchFamily="49" charset="0"/>
+                <a:cs typeface="Courier New" panose="02070309020205020404" pitchFamily="49" charset="0"/>
+              </a:rPr>
+              <a:t>#!/bin/</a:t>
+            </a:r>
+            <a:r>
+              <a:rPr lang="nl-BE" dirty="0" err="1" smtClean="0">
+                <a:latin typeface="Courier New" panose="02070309020205020404" pitchFamily="49" charset="0"/>
+                <a:cs typeface="Courier New" panose="02070309020205020404" pitchFamily="49" charset="0"/>
+              </a:rPr>
+              <a:t>bash</a:t>
+            </a:r>
+            <a:endParaRPr lang="nl-BE" dirty="0" smtClean="0">
+              <a:latin typeface="Courier New" panose="02070309020205020404" pitchFamily="49" charset="0"/>
+              <a:cs typeface="Courier New" panose="02070309020205020404" pitchFamily="49" charset="0"/>
+            </a:endParaRPr>
+          </a:p>
+          <a:p>
+            <a:r>
+              <a:rPr lang="nl-BE" dirty="0" smtClean="0">
+                <a:latin typeface="Courier New" panose="02070309020205020404" pitchFamily="49" charset="0"/>
+                <a:cs typeface="Courier New" panose="02070309020205020404" pitchFamily="49" charset="0"/>
+              </a:rPr>
+              <a:t>#PBS -l </a:t>
+            </a:r>
+            <a:r>
+              <a:rPr lang="nl-BE" dirty="0" err="1" smtClean="0">
+                <a:latin typeface="Courier New" panose="02070309020205020404" pitchFamily="49" charset="0"/>
+                <a:cs typeface="Courier New" panose="02070309020205020404" pitchFamily="49" charset="0"/>
+              </a:rPr>
+              <a:t>nodes</a:t>
+            </a:r>
+            <a:r>
+              <a:rPr lang="nl-BE" dirty="0" smtClean="0">
+                <a:latin typeface="Courier New" panose="02070309020205020404" pitchFamily="49" charset="0"/>
+                <a:cs typeface="Courier New" panose="02070309020205020404" pitchFamily="49" charset="0"/>
+              </a:rPr>
+              <a:t>=1:ppn=1</a:t>
+            </a:r>
+            <a:endParaRPr lang="nl-BE" dirty="0" smtClean="0">
+              <a:latin typeface="Courier New" panose="02070309020205020404" pitchFamily="49" charset="0"/>
+              <a:cs typeface="Courier New" panose="02070309020205020404" pitchFamily="49" charset="0"/>
+            </a:endParaRPr>
+          </a:p>
+          <a:p>
+            <a:r>
+              <a:rPr lang="nl-BE" dirty="0" smtClean="0">
+                <a:latin typeface="Courier New" panose="02070309020205020404" pitchFamily="49" charset="0"/>
+                <a:cs typeface="Courier New" panose="02070309020205020404" pitchFamily="49" charset="0"/>
+              </a:rPr>
+              <a:t>#PBS -l </a:t>
+            </a:r>
+            <a:r>
+              <a:rPr lang="nl-BE" dirty="0" err="1" smtClean="0">
+                <a:latin typeface="Courier New" panose="02070309020205020404" pitchFamily="49" charset="0"/>
+                <a:cs typeface="Courier New" panose="02070309020205020404" pitchFamily="49" charset="0"/>
+              </a:rPr>
+              <a:t>walltime</a:t>
+            </a:r>
+            <a:r>
+              <a:rPr lang="nl-BE" dirty="0" smtClean="0">
+                <a:latin typeface="Courier New" panose="02070309020205020404" pitchFamily="49" charset="0"/>
+                <a:cs typeface="Courier New" panose="02070309020205020404" pitchFamily="49" charset="0"/>
+              </a:rPr>
+              <a:t>=72:00:00</a:t>
+            </a:r>
+            <a:endParaRPr lang="nl-BE" dirty="0" smtClean="0">
+              <a:latin typeface="Courier New" panose="02070309020205020404" pitchFamily="49" charset="0"/>
+              <a:cs typeface="Courier New" panose="02070309020205020404" pitchFamily="49" charset="0"/>
+            </a:endParaRPr>
+          </a:p>
+          <a:p>
+            <a:r>
+              <a:rPr lang="nl-BE" dirty="0" smtClean="0">
+                <a:latin typeface="Courier New" panose="02070309020205020404" pitchFamily="49" charset="0"/>
+                <a:cs typeface="Courier New" panose="02070309020205020404" pitchFamily="49" charset="0"/>
+              </a:rPr>
+              <a:t>#PBS -l mem=5gb</a:t>
+            </a:r>
+          </a:p>
+          <a:p>
+            <a:endParaRPr lang="nl-BE" dirty="0" smtClean="0">
+              <a:latin typeface="Courier New" panose="02070309020205020404" pitchFamily="49" charset="0"/>
+              <a:cs typeface="Courier New" panose="02070309020205020404" pitchFamily="49" charset="0"/>
+            </a:endParaRPr>
+          </a:p>
+          <a:p>
+            <a:r>
+              <a:rPr lang="nl-BE" dirty="0" smtClean="0">
+                <a:latin typeface="Courier New" panose="02070309020205020404" pitchFamily="49" charset="0"/>
+                <a:cs typeface="Courier New" panose="02070309020205020404" pitchFamily="49" charset="0"/>
+              </a:rPr>
+              <a:t>cd $PBS_O_WORKDIR</a:t>
+            </a:r>
+          </a:p>
+          <a:p>
+            <a:endParaRPr lang="nl-BE" dirty="0" smtClean="0">
+              <a:latin typeface="Courier New" panose="02070309020205020404" pitchFamily="49" charset="0"/>
+              <a:cs typeface="Courier New" panose="02070309020205020404" pitchFamily="49" charset="0"/>
+            </a:endParaRPr>
+          </a:p>
+          <a:p>
+            <a:r>
+              <a:rPr lang="nl-BE" dirty="0" smtClean="0">
+                <a:latin typeface="Courier New" panose="02070309020205020404" pitchFamily="49" charset="0"/>
+                <a:cs typeface="Courier New" panose="02070309020205020404" pitchFamily="49" charset="0"/>
+              </a:rPr>
+              <a:t>./</a:t>
+            </a:r>
+            <a:r>
+              <a:rPr lang="nl-BE" dirty="0" smtClean="0">
+                <a:latin typeface="Courier New" panose="02070309020205020404" pitchFamily="49" charset="0"/>
+                <a:cs typeface="Courier New" panose="02070309020205020404" pitchFamily="49" charset="0"/>
+              </a:rPr>
+              <a:t>prog1</a:t>
+            </a:r>
+            <a:r>
+              <a:rPr lang="nl-BE" dirty="0" smtClean="0">
+                <a:latin typeface="Courier New" panose="02070309020205020404" pitchFamily="49" charset="0"/>
+                <a:cs typeface="Courier New" panose="02070309020205020404" pitchFamily="49" charset="0"/>
+              </a:rPr>
+              <a:t>.exe  &gt;  out1.txt</a:t>
+            </a:r>
+          </a:p>
+          <a:p>
+            <a:r>
+              <a:rPr lang="en-US" dirty="0" smtClean="0">
+                <a:latin typeface="Courier New" panose="02070309020205020404" pitchFamily="49" charset="0"/>
+                <a:cs typeface="Courier New" panose="02070309020205020404" pitchFamily="49" charset="0"/>
+              </a:rPr>
+              <a:t>./prog2.exe &lt; out1.txt  |  prog3.exe</a:t>
+            </a:r>
+            <a:endParaRPr lang="nl-BE" dirty="0">
+              <a:latin typeface="Courier New" panose="02070309020205020404" pitchFamily="49" charset="0"/>
+              <a:cs typeface="Courier New" panose="02070309020205020404" pitchFamily="49" charset="0"/>
+            </a:endParaRPr>
+          </a:p>
+        </p:txBody>
+      </p:sp>
+    </p:spTree>
+    <p:extLst>
+      <p:ext uri="{BB962C8B-B14F-4D97-AF65-F5344CB8AC3E}">
+        <p14:creationId xmlns:p14="http://schemas.microsoft.com/office/powerpoint/2010/main" val="489599436"/>
+      </p:ext>
+    </p:extLst>
+  </p:cSld>
+  <p:clrMapOvr>
+    <a:masterClrMapping/>
+  </p:clrMapOvr>
+  <p:timing>
+    <p:tnLst>
+      <p:par>
+        <p:cTn id="1" dur="indefinite" restart="never" nodeType="tmRoot"/>
+      </p:par>
+    </p:tnLst>
+  </p:timing>
+</p:sld>
+</file>
+
+<file path=ppt/slides/slide19.xml><?xml version="1.0" encoding="utf-8"?>
+<p:sld xmlns:a="http://schemas.openxmlformats.org/drawingml/2006/main" xmlns:r="http://schemas.openxmlformats.org/officeDocument/2006/relationships" xmlns:p="http://schemas.openxmlformats.org/presentationml/2006/main">
+  <p:cSld>
+    <p:spTree>
+      <p:nvGrpSpPr>
+        <p:cNvPr id="1" name=""/>
+        <p:cNvGrpSpPr/>
+        <p:nvPr/>
+      </p:nvGrpSpPr>
+      <p:grpSpPr>
+        <a:xfrm>
+          <a:off x="0" y="0"/>
+          <a:ext cx="0" cy="0"/>
+          <a:chOff x="0" y="0"/>
+          <a:chExt cx="0" cy="0"/>
+        </a:xfrm>
+      </p:grpSpPr>
+      <p:sp>
+        <p:nvSpPr>
+          <p:cNvPr id="2" name="Title 1"/>
+          <p:cNvSpPr>
+            <a:spLocks noGrp="1"/>
+          </p:cNvSpPr>
+          <p:nvPr>
+            <p:ph type="title"/>
+          </p:nvPr>
+        </p:nvSpPr>
+        <p:spPr/>
+        <p:txBody>
+          <a:bodyPr/>
+          <a:lstStyle/>
+          <a:p>
+            <a:r>
+              <a:rPr lang="en-US" dirty="0" smtClean="0"/>
+              <a:t>Workflow start PBS script</a:t>
+            </a:r>
+            <a:endParaRPr lang="nl-BE" dirty="0"/>
+          </a:p>
+        </p:txBody>
+      </p:sp>
+      <p:sp>
+        <p:nvSpPr>
+          <p:cNvPr id="3" name="Slide Number Placeholder 2"/>
+          <p:cNvSpPr>
+            <a:spLocks noGrp="1"/>
+          </p:cNvSpPr>
+          <p:nvPr>
+            <p:ph type="sldNum" sz="quarter" idx="12"/>
+          </p:nvPr>
+        </p:nvSpPr>
+        <p:spPr/>
+        <p:txBody>
+          <a:bodyPr/>
+          <a:lstStyle/>
+          <a:p>
+            <a:fld id="{0E10C2AD-1307-4F27-A6A5-469AD3C2F368}" type="slidenum">
+              <a:rPr lang="nl-BE" smtClean="0"/>
+              <a:t>19</a:t>
+            </a:fld>
+            <a:endParaRPr lang="nl-BE"/>
+          </a:p>
+        </p:txBody>
+      </p:sp>
+      <p:sp>
+        <p:nvSpPr>
+          <p:cNvPr id="4" name="Rectangle 3"/>
+          <p:cNvSpPr/>
+          <p:nvPr/>
+        </p:nvSpPr>
+        <p:spPr>
+          <a:xfrm>
+            <a:off x="628649" y="1535420"/>
+            <a:ext cx="8222053" cy="4801314"/>
+          </a:xfrm>
+          <a:prstGeom prst="rect">
+            <a:avLst/>
+          </a:prstGeom>
+          <a:solidFill>
+            <a:schemeClr val="bg1">
+              <a:lumMod val="85000"/>
+            </a:schemeClr>
+          </a:solidFill>
+          <a:ln>
+            <a:solidFill>
+              <a:schemeClr val="tx1"/>
+            </a:solidFill>
+          </a:ln>
+        </p:spPr>
+        <p:txBody>
+          <a:bodyPr wrap="square">
+            <a:spAutoFit/>
+          </a:bodyPr>
+          <a:lstStyle/>
+          <a:p>
+            <a:r>
+              <a:rPr lang="nl-BE" dirty="0" smtClean="0">
+                <a:latin typeface="Courier New" panose="02070309020205020404" pitchFamily="49" charset="0"/>
+                <a:cs typeface="Courier New" panose="02070309020205020404" pitchFamily="49" charset="0"/>
+              </a:rPr>
+              <a:t>#!/bin/</a:t>
+            </a:r>
+            <a:r>
+              <a:rPr lang="nl-BE" dirty="0" err="1" smtClean="0">
+                <a:latin typeface="Courier New" panose="02070309020205020404" pitchFamily="49" charset="0"/>
+                <a:cs typeface="Courier New" panose="02070309020205020404" pitchFamily="49" charset="0"/>
+              </a:rPr>
+              <a:t>bash</a:t>
+            </a:r>
+            <a:endParaRPr lang="nl-BE" dirty="0" smtClean="0">
+              <a:latin typeface="Courier New" panose="02070309020205020404" pitchFamily="49" charset="0"/>
+              <a:cs typeface="Courier New" panose="02070309020205020404" pitchFamily="49" charset="0"/>
+            </a:endParaRPr>
+          </a:p>
+          <a:p>
+            <a:r>
+              <a:rPr lang="nl-BE" dirty="0" smtClean="0">
+                <a:latin typeface="Courier New" panose="02070309020205020404" pitchFamily="49" charset="0"/>
+                <a:cs typeface="Courier New" panose="02070309020205020404" pitchFamily="49" charset="0"/>
+              </a:rPr>
+              <a:t>#PBS -l </a:t>
+            </a:r>
+            <a:r>
+              <a:rPr lang="nl-BE" dirty="0" err="1" smtClean="0">
+                <a:latin typeface="Courier New" panose="02070309020205020404" pitchFamily="49" charset="0"/>
+                <a:cs typeface="Courier New" panose="02070309020205020404" pitchFamily="49" charset="0"/>
+              </a:rPr>
+              <a:t>nodes</a:t>
+            </a:r>
+            <a:r>
+              <a:rPr lang="nl-BE" dirty="0" smtClean="0">
+                <a:latin typeface="Courier New" panose="02070309020205020404" pitchFamily="49" charset="0"/>
+                <a:cs typeface="Courier New" panose="02070309020205020404" pitchFamily="49" charset="0"/>
+              </a:rPr>
+              <a:t>=1:ppn=2</a:t>
+            </a:r>
+          </a:p>
+          <a:p>
+            <a:r>
+              <a:rPr lang="nl-BE" dirty="0" smtClean="0">
+                <a:latin typeface="Courier New" panose="02070309020205020404" pitchFamily="49" charset="0"/>
+                <a:cs typeface="Courier New" panose="02070309020205020404" pitchFamily="49" charset="0"/>
+              </a:rPr>
+              <a:t>#PBS -l </a:t>
+            </a:r>
+            <a:r>
+              <a:rPr lang="nl-BE" dirty="0" err="1" smtClean="0">
+                <a:latin typeface="Courier New" panose="02070309020205020404" pitchFamily="49" charset="0"/>
+                <a:cs typeface="Courier New" panose="02070309020205020404" pitchFamily="49" charset="0"/>
+              </a:rPr>
+              <a:t>walltime</a:t>
+            </a:r>
+            <a:r>
+              <a:rPr lang="nl-BE" dirty="0" smtClean="0">
+                <a:latin typeface="Courier New" panose="02070309020205020404" pitchFamily="49" charset="0"/>
+                <a:cs typeface="Courier New" panose="02070309020205020404" pitchFamily="49" charset="0"/>
+              </a:rPr>
+              <a:t>=48:00:00</a:t>
+            </a:r>
+            <a:endParaRPr lang="nl-BE" dirty="0" smtClean="0">
+              <a:latin typeface="Courier New" panose="02070309020205020404" pitchFamily="49" charset="0"/>
+              <a:cs typeface="Courier New" panose="02070309020205020404" pitchFamily="49" charset="0"/>
+            </a:endParaRPr>
+          </a:p>
+          <a:p>
+            <a:r>
+              <a:rPr lang="nl-BE" dirty="0" smtClean="0">
+                <a:latin typeface="Courier New" panose="02070309020205020404" pitchFamily="49" charset="0"/>
+                <a:cs typeface="Courier New" panose="02070309020205020404" pitchFamily="49" charset="0"/>
+              </a:rPr>
+              <a:t>#PBS -l mem=5gb</a:t>
+            </a:r>
+          </a:p>
+          <a:p>
+            <a:endParaRPr lang="nl-BE" dirty="0" smtClean="0">
+              <a:latin typeface="Courier New" panose="02070309020205020404" pitchFamily="49" charset="0"/>
+              <a:cs typeface="Courier New" panose="02070309020205020404" pitchFamily="49" charset="0"/>
+            </a:endParaRPr>
+          </a:p>
+          <a:p>
+            <a:r>
+              <a:rPr lang="nl-BE" dirty="0" smtClean="0">
+                <a:latin typeface="Courier New" panose="02070309020205020404" pitchFamily="49" charset="0"/>
+                <a:cs typeface="Courier New" panose="02070309020205020404" pitchFamily="49" charset="0"/>
+              </a:rPr>
+              <a:t>cd $PBS_O_WORKDIR</a:t>
+            </a:r>
+          </a:p>
+          <a:p>
+            <a:r>
+              <a:rPr lang="en-US" dirty="0" smtClean="0">
+                <a:latin typeface="Courier New" panose="02070309020205020404" pitchFamily="49" charset="0"/>
+                <a:cs typeface="Courier New" panose="02070309020205020404" pitchFamily="49" charset="0"/>
+              </a:rPr>
+              <a:t>module load </a:t>
+            </a:r>
+            <a:r>
+              <a:rPr lang="en-US" dirty="0" err="1" smtClean="0">
+                <a:latin typeface="Courier New" panose="02070309020205020404" pitchFamily="49" charset="0"/>
+                <a:cs typeface="Courier New" panose="02070309020205020404" pitchFamily="49" charset="0"/>
+              </a:rPr>
+              <a:t>dmtcp</a:t>
+            </a:r>
+            <a:endParaRPr lang="en-US" dirty="0" smtClean="0">
+              <a:latin typeface="Courier New" panose="02070309020205020404" pitchFamily="49" charset="0"/>
+              <a:cs typeface="Courier New" panose="02070309020205020404" pitchFamily="49" charset="0"/>
+            </a:endParaRPr>
+          </a:p>
+          <a:p>
+            <a:endParaRPr lang="en-US" dirty="0" smtClean="0">
+              <a:latin typeface="Courier New" panose="02070309020205020404" pitchFamily="49" charset="0"/>
+              <a:cs typeface="Courier New" panose="02070309020205020404" pitchFamily="49" charset="0"/>
+            </a:endParaRPr>
+          </a:p>
+          <a:p>
+            <a:r>
+              <a:rPr lang="nl-BE" dirty="0" smtClean="0">
+                <a:latin typeface="Courier New" panose="02070309020205020404" pitchFamily="49" charset="0"/>
+                <a:cs typeface="Courier New" panose="02070309020205020404" pitchFamily="49" charset="0"/>
+              </a:rPr>
+              <a:t>export </a:t>
+            </a:r>
+            <a:r>
+              <a:rPr lang="nl-BE" dirty="0">
+                <a:latin typeface="Courier New" panose="02070309020205020404" pitchFamily="49" charset="0"/>
+                <a:cs typeface="Courier New" panose="02070309020205020404" pitchFamily="49" charset="0"/>
+              </a:rPr>
+              <a:t>DMTCP_CHECKPOINT_DIR="$(</a:t>
+            </a:r>
+            <a:r>
+              <a:rPr lang="nl-BE" dirty="0" err="1">
+                <a:latin typeface="Courier New" panose="02070309020205020404" pitchFamily="49" charset="0"/>
+                <a:cs typeface="Courier New" panose="02070309020205020404" pitchFamily="49" charset="0"/>
+              </a:rPr>
+              <a:t>pwd</a:t>
+            </a:r>
+            <a:r>
+              <a:rPr lang="nl-BE" dirty="0">
+                <a:latin typeface="Courier New" panose="02070309020205020404" pitchFamily="49" charset="0"/>
+                <a:cs typeface="Courier New" panose="02070309020205020404" pitchFamily="49" charset="0"/>
+              </a:rPr>
+              <a:t>)/</a:t>
+            </a:r>
+            <a:r>
+              <a:rPr lang="nl-BE" dirty="0" err="1">
+                <a:latin typeface="Courier New" panose="02070309020205020404" pitchFamily="49" charset="0"/>
+                <a:cs typeface="Courier New" panose="02070309020205020404" pitchFamily="49" charset="0"/>
+              </a:rPr>
+              <a:t>ckpt</a:t>
+            </a:r>
+            <a:r>
+              <a:rPr lang="nl-BE" dirty="0">
+                <a:latin typeface="Courier New" panose="02070309020205020404" pitchFamily="49" charset="0"/>
+                <a:cs typeface="Courier New" panose="02070309020205020404" pitchFamily="49" charset="0"/>
+              </a:rPr>
+              <a:t>"</a:t>
+            </a:r>
+          </a:p>
+          <a:p>
+            <a:r>
+              <a:rPr lang="en-US" dirty="0" err="1">
+                <a:latin typeface="Courier New" panose="02070309020205020404" pitchFamily="49" charset="0"/>
+                <a:cs typeface="Courier New" panose="02070309020205020404" pitchFamily="49" charset="0"/>
+              </a:rPr>
+              <a:t>mkdir</a:t>
+            </a:r>
+            <a:r>
+              <a:rPr lang="en-US" dirty="0">
+                <a:latin typeface="Courier New" panose="02070309020205020404" pitchFamily="49" charset="0"/>
+                <a:cs typeface="Courier New" panose="02070309020205020404" pitchFamily="49" charset="0"/>
+              </a:rPr>
+              <a:t>  -p  $</a:t>
+            </a:r>
+            <a:r>
+              <a:rPr lang="nl-BE" dirty="0">
+                <a:latin typeface="Courier New" panose="02070309020205020404" pitchFamily="49" charset="0"/>
+                <a:cs typeface="Courier New" panose="02070309020205020404" pitchFamily="49" charset="0"/>
+              </a:rPr>
+              <a:t>DMTCP_CHECKPOINT_DIR</a:t>
+            </a:r>
+          </a:p>
+          <a:p>
+            <a:r>
+              <a:rPr lang="en-US" dirty="0">
+                <a:latin typeface="Courier New" panose="02070309020205020404" pitchFamily="49" charset="0"/>
+                <a:cs typeface="Courier New" panose="02070309020205020404" pitchFamily="49" charset="0"/>
+              </a:rPr>
+              <a:t>e</a:t>
+            </a:r>
+            <a:r>
+              <a:rPr lang="en-US" dirty="0" smtClean="0">
+                <a:latin typeface="Courier New" panose="02070309020205020404" pitchFamily="49" charset="0"/>
+                <a:cs typeface="Courier New" panose="02070309020205020404" pitchFamily="49" charset="0"/>
+              </a:rPr>
+              <a:t>xport DMTCP_CHECKPOINT_INTERVAL=$(( 3*3600 ))</a:t>
+            </a:r>
+          </a:p>
+          <a:p>
+            <a:endParaRPr lang="en-US" dirty="0" smtClean="0">
+              <a:latin typeface="Courier New" panose="02070309020205020404" pitchFamily="49" charset="0"/>
+              <a:cs typeface="Courier New" panose="02070309020205020404" pitchFamily="49" charset="0"/>
+            </a:endParaRPr>
+          </a:p>
+          <a:p>
+            <a:r>
+              <a:rPr lang="en-US" dirty="0" err="1" smtClean="0">
+                <a:latin typeface="Courier New" panose="02070309020205020404" pitchFamily="49" charset="0"/>
+                <a:cs typeface="Courier New" panose="02070309020205020404" pitchFamily="49" charset="0"/>
+              </a:rPr>
+              <a:t>dmtcp_coordinator</a:t>
+            </a:r>
+            <a:r>
+              <a:rPr lang="en-US" dirty="0" smtClean="0">
+                <a:latin typeface="Courier New" panose="02070309020205020404" pitchFamily="49" charset="0"/>
+                <a:cs typeface="Courier New" panose="02070309020205020404" pitchFamily="49" charset="0"/>
+              </a:rPr>
+              <a:t> &amp;</a:t>
+            </a:r>
+          </a:p>
+          <a:p>
+            <a:r>
+              <a:rPr lang="en-US" dirty="0" smtClean="0">
+                <a:latin typeface="Courier New" panose="02070309020205020404" pitchFamily="49" charset="0"/>
+                <a:cs typeface="Courier New" panose="02070309020205020404" pitchFamily="49" charset="0"/>
+              </a:rPr>
+              <a:t>sleep 5</a:t>
+            </a:r>
+            <a:endParaRPr lang="nl-BE" dirty="0" smtClean="0">
+              <a:latin typeface="Courier New" panose="02070309020205020404" pitchFamily="49" charset="0"/>
+              <a:cs typeface="Courier New" panose="02070309020205020404" pitchFamily="49" charset="0"/>
+            </a:endParaRPr>
+          </a:p>
+          <a:p>
+            <a:r>
+              <a:rPr lang="nl-BE" dirty="0" err="1">
+                <a:latin typeface="Courier New" panose="02070309020205020404" pitchFamily="49" charset="0"/>
+                <a:cs typeface="Courier New" panose="02070309020205020404" pitchFamily="49" charset="0"/>
+              </a:rPr>
+              <a:t>d</a:t>
+            </a:r>
+            <a:r>
+              <a:rPr lang="nl-BE" dirty="0" err="1" smtClean="0">
+                <a:latin typeface="Courier New" panose="02070309020205020404" pitchFamily="49" charset="0"/>
+                <a:cs typeface="Courier New" panose="02070309020205020404" pitchFamily="49" charset="0"/>
+              </a:rPr>
+              <a:t>mtcp_launch</a:t>
+            </a:r>
+            <a:r>
+              <a:rPr lang="nl-BE" dirty="0" smtClean="0">
+                <a:latin typeface="Courier New" panose="02070309020205020404" pitchFamily="49" charset="0"/>
+                <a:cs typeface="Courier New" panose="02070309020205020404" pitchFamily="49" charset="0"/>
+              </a:rPr>
+              <a:t>  ./workflow.sh</a:t>
+            </a:r>
+          </a:p>
+          <a:p>
+            <a:endParaRPr lang="en-US" dirty="0">
+              <a:latin typeface="Courier New" panose="02070309020205020404" pitchFamily="49" charset="0"/>
+              <a:cs typeface="Courier New" panose="02070309020205020404" pitchFamily="49" charset="0"/>
+            </a:endParaRPr>
+          </a:p>
+          <a:p>
+            <a:r>
+              <a:rPr lang="en-US" dirty="0" smtClean="0">
+                <a:latin typeface="Courier New" panose="02070309020205020404" pitchFamily="49" charset="0"/>
+                <a:cs typeface="Courier New" panose="02070309020205020404" pitchFamily="49" charset="0"/>
+              </a:rPr>
+              <a:t>wait</a:t>
+            </a:r>
+            <a:endParaRPr lang="nl-BE" dirty="0">
+              <a:latin typeface="Courier New" panose="02070309020205020404" pitchFamily="49" charset="0"/>
+              <a:cs typeface="Courier New" panose="02070309020205020404" pitchFamily="49" charset="0"/>
+            </a:endParaRPr>
+          </a:p>
+        </p:txBody>
+      </p:sp>
+      <p:grpSp>
+        <p:nvGrpSpPr>
+          <p:cNvPr id="7" name="Group 6"/>
+          <p:cNvGrpSpPr/>
+          <p:nvPr/>
+        </p:nvGrpSpPr>
+        <p:grpSpPr>
+          <a:xfrm>
+            <a:off x="2076809" y="5968157"/>
+            <a:ext cx="5733199" cy="648840"/>
+            <a:chOff x="2076809" y="5795637"/>
+            <a:chExt cx="5733199" cy="648840"/>
+          </a:xfrm>
+        </p:grpSpPr>
+        <p:sp>
+          <p:nvSpPr>
+            <p:cNvPr id="5" name="Rectangle 4"/>
+            <p:cNvSpPr/>
+            <p:nvPr/>
+          </p:nvSpPr>
+          <p:spPr>
+            <a:xfrm>
+              <a:off x="2076809" y="5798146"/>
+              <a:ext cx="5730097" cy="646331"/>
+            </a:xfrm>
+            <a:prstGeom prst="rect">
+              <a:avLst/>
+            </a:prstGeom>
+            <a:solidFill>
+              <a:schemeClr val="bg1">
+                <a:lumMod val="75000"/>
+              </a:schemeClr>
+            </a:solidFill>
+            <a:ln>
+              <a:solidFill>
+                <a:schemeClr val="tx1"/>
+              </a:solidFill>
+            </a:ln>
+          </p:spPr>
+          <p:txBody>
+            <a:bodyPr wrap="square">
+              <a:spAutoFit/>
+            </a:bodyPr>
+            <a:lstStyle/>
+            <a:p>
+              <a:r>
+                <a:rPr lang="nl-BE" dirty="0" smtClean="0">
+                  <a:latin typeface="Courier New" panose="02070309020205020404" pitchFamily="49" charset="0"/>
+                  <a:cs typeface="Courier New" panose="02070309020205020404" pitchFamily="49" charset="0"/>
+                </a:rPr>
+                <a:t>./</a:t>
+              </a:r>
+              <a:r>
+                <a:rPr lang="nl-BE" dirty="0" smtClean="0">
+                  <a:latin typeface="Courier New" panose="02070309020205020404" pitchFamily="49" charset="0"/>
+                  <a:cs typeface="Courier New" panose="02070309020205020404" pitchFamily="49" charset="0"/>
+                </a:rPr>
+                <a:t>prog1</a:t>
+              </a:r>
+              <a:r>
+                <a:rPr lang="nl-BE" dirty="0" smtClean="0">
+                  <a:latin typeface="Courier New" panose="02070309020205020404" pitchFamily="49" charset="0"/>
+                  <a:cs typeface="Courier New" panose="02070309020205020404" pitchFamily="49" charset="0"/>
+                </a:rPr>
+                <a:t>.exe  &gt;  out1.txt</a:t>
+              </a:r>
+            </a:p>
+            <a:p>
+              <a:r>
+                <a:rPr lang="en-US" dirty="0" smtClean="0">
+                  <a:latin typeface="Courier New" panose="02070309020205020404" pitchFamily="49" charset="0"/>
+                  <a:cs typeface="Courier New" panose="02070309020205020404" pitchFamily="49" charset="0"/>
+                </a:rPr>
+                <a:t>./prog2.exe &lt; out1.txt  |  prog3.exe</a:t>
+              </a:r>
+            </a:p>
+          </p:txBody>
+        </p:sp>
+        <p:sp>
+          <p:nvSpPr>
+            <p:cNvPr id="6" name="TextBox 5"/>
+            <p:cNvSpPr txBox="1"/>
+            <p:nvPr/>
+          </p:nvSpPr>
+          <p:spPr>
+            <a:xfrm>
+              <a:off x="6443928" y="5795637"/>
+              <a:ext cx="1366080" cy="307777"/>
+            </a:xfrm>
+            <a:prstGeom prst="rect">
+              <a:avLst/>
+            </a:prstGeom>
+            <a:solidFill>
+              <a:schemeClr val="bg1"/>
+            </a:solidFill>
+            <a:ln>
+              <a:solidFill>
+                <a:schemeClr val="tx1"/>
+              </a:solidFill>
+            </a:ln>
+          </p:spPr>
+          <p:txBody>
+            <a:bodyPr wrap="none" rtlCol="0">
+              <a:spAutoFit/>
+            </a:bodyPr>
+            <a:lstStyle/>
+            <a:p>
+              <a:r>
+                <a:rPr lang="en-US" sz="1400" dirty="0" smtClean="0">
+                  <a:latin typeface="Courier New" panose="02070309020205020404" pitchFamily="49" charset="0"/>
+                  <a:cs typeface="Courier New" panose="02070309020205020404" pitchFamily="49" charset="0"/>
+                </a:rPr>
+                <a:t>workflow.sh</a:t>
+              </a:r>
+              <a:endParaRPr lang="nl-BE" sz="1400" dirty="0">
+                <a:latin typeface="Courier New" panose="02070309020205020404" pitchFamily="49" charset="0"/>
+                <a:cs typeface="Courier New" panose="02070309020205020404" pitchFamily="49" charset="0"/>
+              </a:endParaRPr>
+            </a:p>
+          </p:txBody>
+        </p:sp>
+      </p:grpSp>
+    </p:spTree>
+    <p:extLst>
+      <p:ext uri="{BB962C8B-B14F-4D97-AF65-F5344CB8AC3E}">
+        <p14:creationId xmlns:p14="http://schemas.microsoft.com/office/powerpoint/2010/main" val="3788794932"/>
+      </p:ext>
+    </p:extLst>
+  </p:cSld>
+  <p:clrMapOvr>
+    <a:masterClrMapping/>
+  </p:clrMapOvr>
+  <p:timing>
+    <p:tnLst>
+      <p:par>
+        <p:cTn id="1" dur="indefinite" restart="never" nodeType="tmRoot">
+          <p:childTnLst>
+            <p:seq concurrent="1" nextAc="seek">
+              <p:cTn id="2" dur="indefinite" nodeType="mainSeq">
+                <p:childTnLst>
+                  <p:par>
+                    <p:cTn id="3" fill="hold">
+                      <p:stCondLst>
+                        <p:cond delay="indefinite"/>
+                      </p:stCondLst>
+                      <p:childTnLst>
+                        <p:par>
+                          <p:cTn id="4" fill="hold">
+                            <p:stCondLst>
+                              <p:cond delay="0"/>
+                            </p:stCondLst>
+                            <p:childTnLst>
+                              <p:par>
+                                <p:cTn id="5" presetID="1" presetClass="entr" presetSubtype="0" fill="hold" nodeType="clickEffect">
+                                  <p:stCondLst>
+                                    <p:cond delay="0"/>
+                                  </p:stCondLst>
+                                  <p:childTnLst>
+                                    <p:set>
+                                      <p:cBhvr>
+                                        <p:cTn id="6" dur="1" fill="hold">
+                                          <p:stCondLst>
+                                            <p:cond delay="0"/>
+                                          </p:stCondLst>
+                                        </p:cTn>
+                                        <p:tgtEl>
+                                          <p:spTgt spid="7"/>
+                                        </p:tgtEl>
+                                        <p:attrNameLst>
+                                          <p:attrName>style.visibility</p:attrName>
+                                        </p:attrNameLst>
+                                      </p:cBhvr>
+                                      <p:to>
+                                        <p:strVal val="visible"/>
+                                      </p:to>
+                                    </p:set>
+                                  </p:childTnLst>
+                                </p:cTn>
+                              </p:par>
+                            </p:childTnLst>
+                          </p:cTn>
+                        </p:par>
+                      </p:childTnLst>
+                    </p:cTn>
+                  </p:par>
+                </p:childTnLst>
+              </p:cTn>
+              <p:prevCondLst>
+                <p:cond evt="onPrev" delay="0">
+                  <p:tgtEl>
+                    <p:sldTgt/>
+                  </p:tgtEl>
+                </p:cond>
+              </p:prevCondLst>
+              <p:nextCondLst>
+                <p:cond evt="onNext" delay="0">
+                  <p:tgtEl>
+                    <p:sldTgt/>
+                  </p:tgtEl>
+                </p:cond>
+              </p:nextCondLst>
+            </p:seq>
+          </p:childTnLst>
+        </p:cTn>
       </p:par>
     </p:tnLst>
   </p:timing>
@@ -3165,6 +8407,29 @@
           </a:p>
         </p:txBody>
       </p:sp>
+      <p:sp>
+        <p:nvSpPr>
+          <p:cNvPr id="4" name="Slide Number Placeholder 3"/>
+          <p:cNvSpPr>
+            <a:spLocks noGrp="1"/>
+          </p:cNvSpPr>
+          <p:nvPr>
+            <p:ph type="sldNum" sz="quarter" idx="12"/>
+          </p:nvPr>
+        </p:nvSpPr>
+        <p:spPr/>
+        <p:txBody>
+          <a:bodyPr/>
+          <a:lstStyle/>
+          <a:p>
+            <a:fld id="{0E10C2AD-1307-4F27-A6A5-469AD3C2F368}" type="slidenum">
+              <a:rPr lang="nl-BE" smtClean="0"/>
+              <a:t>2</a:t>
+            </a:fld>
+            <a:endParaRPr lang="nl-BE"/>
+          </a:p>
+        </p:txBody>
+      </p:sp>
     </p:spTree>
     <p:extLst>
       <p:ext uri="{BB962C8B-B14F-4D97-AF65-F5344CB8AC3E}">
@@ -3175,6 +8440,262 @@
   <p:clrMapOvr>
     <a:masterClrMapping/>
   </p:clrMapOvr>
+  <p:timing>
+    <p:tnLst>
+      <p:par>
+        <p:cTn id="1" dur="indefinite" restart="never" nodeType="tmRoot"/>
+      </p:par>
+    </p:tnLst>
+  </p:timing>
+</p:sld>
+</file>
+
+<file path=ppt/slides/slide20.xml><?xml version="1.0" encoding="utf-8"?>
+<p:sld xmlns:a="http://schemas.openxmlformats.org/drawingml/2006/main" xmlns:r="http://schemas.openxmlformats.org/officeDocument/2006/relationships" xmlns:p="http://schemas.openxmlformats.org/presentationml/2006/main">
+  <p:cSld>
+    <p:spTree>
+      <p:nvGrpSpPr>
+        <p:cNvPr id="1" name=""/>
+        <p:cNvGrpSpPr/>
+        <p:nvPr/>
+      </p:nvGrpSpPr>
+      <p:grpSpPr>
+        <a:xfrm>
+          <a:off x="0" y="0"/>
+          <a:ext cx="0" cy="0"/>
+          <a:chOff x="0" y="0"/>
+          <a:chExt cx="0" cy="0"/>
+        </a:xfrm>
+      </p:grpSpPr>
+      <p:sp>
+        <p:nvSpPr>
+          <p:cNvPr id="2" name="Title 1"/>
+          <p:cNvSpPr>
+            <a:spLocks noGrp="1"/>
+          </p:cNvSpPr>
+          <p:nvPr>
+            <p:ph type="title"/>
+          </p:nvPr>
+        </p:nvSpPr>
+        <p:spPr/>
+        <p:txBody>
+          <a:bodyPr/>
+          <a:lstStyle/>
+          <a:p>
+            <a:r>
+              <a:rPr lang="en-US" dirty="0" smtClean="0"/>
+              <a:t>Best practices</a:t>
+            </a:r>
+            <a:endParaRPr lang="nl-BE" dirty="0"/>
+          </a:p>
+        </p:txBody>
+      </p:sp>
+      <p:sp>
+        <p:nvSpPr>
+          <p:cNvPr id="3" name="Text Placeholder 2"/>
+          <p:cNvSpPr>
+            <a:spLocks noGrp="1"/>
+          </p:cNvSpPr>
+          <p:nvPr>
+            <p:ph type="body" idx="1"/>
+          </p:nvPr>
+        </p:nvSpPr>
+        <p:spPr/>
+        <p:txBody>
+          <a:bodyPr/>
+          <a:lstStyle/>
+          <a:p>
+            <a:endParaRPr lang="nl-BE"/>
+          </a:p>
+        </p:txBody>
+      </p:sp>
+      <p:sp>
+        <p:nvSpPr>
+          <p:cNvPr id="4" name="Slide Number Placeholder 3"/>
+          <p:cNvSpPr>
+            <a:spLocks noGrp="1"/>
+          </p:cNvSpPr>
+          <p:nvPr>
+            <p:ph type="sldNum" sz="quarter" idx="12"/>
+          </p:nvPr>
+        </p:nvSpPr>
+        <p:spPr/>
+        <p:txBody>
+          <a:bodyPr/>
+          <a:lstStyle/>
+          <a:p>
+            <a:fld id="{0E10C2AD-1307-4F27-A6A5-469AD3C2F368}" type="slidenum">
+              <a:rPr lang="nl-BE" smtClean="0"/>
+              <a:t>20</a:t>
+            </a:fld>
+            <a:endParaRPr lang="nl-BE"/>
+          </a:p>
+        </p:txBody>
+      </p:sp>
+    </p:spTree>
+    <p:extLst>
+      <p:ext uri="{BB962C8B-B14F-4D97-AF65-F5344CB8AC3E}">
+        <p14:creationId xmlns:p14="http://schemas.microsoft.com/office/powerpoint/2010/main" val="1471991523"/>
+      </p:ext>
+    </p:extLst>
+  </p:cSld>
+  <p:clrMapOvr>
+    <a:masterClrMapping/>
+  </p:clrMapOvr>
+  <p:timing>
+    <p:tnLst>
+      <p:par>
+        <p:cTn id="1" dur="indefinite" restart="never" nodeType="tmRoot"/>
+      </p:par>
+    </p:tnLst>
+  </p:timing>
+</p:sld>
+</file>
+
+<file path=ppt/slides/slide21.xml><?xml version="1.0" encoding="utf-8"?>
+<p:sld xmlns:a="http://schemas.openxmlformats.org/drawingml/2006/main" xmlns:r="http://schemas.openxmlformats.org/officeDocument/2006/relationships" xmlns:p="http://schemas.openxmlformats.org/presentationml/2006/main">
+  <p:cSld>
+    <p:spTree>
+      <p:nvGrpSpPr>
+        <p:cNvPr id="1" name=""/>
+        <p:cNvGrpSpPr/>
+        <p:nvPr/>
+      </p:nvGrpSpPr>
+      <p:grpSpPr>
+        <a:xfrm>
+          <a:off x="0" y="0"/>
+          <a:ext cx="0" cy="0"/>
+          <a:chOff x="0" y="0"/>
+          <a:chExt cx="0" cy="0"/>
+        </a:xfrm>
+      </p:grpSpPr>
+      <p:sp>
+        <p:nvSpPr>
+          <p:cNvPr id="2" name="Title 1"/>
+          <p:cNvSpPr>
+            <a:spLocks noGrp="1"/>
+          </p:cNvSpPr>
+          <p:nvPr>
+            <p:ph type="title"/>
+          </p:nvPr>
+        </p:nvSpPr>
+        <p:spPr/>
+        <p:txBody>
+          <a:bodyPr/>
+          <a:lstStyle/>
+          <a:p>
+            <a:r>
+              <a:rPr lang="en-US" dirty="0" smtClean="0"/>
+              <a:t>Hints</a:t>
+            </a:r>
+            <a:endParaRPr lang="nl-BE" dirty="0"/>
+          </a:p>
+        </p:txBody>
+      </p:sp>
+      <p:sp>
+        <p:nvSpPr>
+          <p:cNvPr id="3" name="Content Placeholder 2"/>
+          <p:cNvSpPr>
+            <a:spLocks noGrp="1"/>
+          </p:cNvSpPr>
+          <p:nvPr>
+            <p:ph idx="1"/>
+          </p:nvPr>
+        </p:nvSpPr>
+        <p:spPr/>
+        <p:txBody>
+          <a:bodyPr/>
+          <a:lstStyle/>
+          <a:p>
+            <a:r>
+              <a:rPr lang="en-US" dirty="0" smtClean="0"/>
+              <a:t>Checkpoint files may be large</a:t>
+            </a:r>
+          </a:p>
+          <a:p>
+            <a:pPr lvl="1"/>
+            <a:r>
+              <a:rPr lang="en-US" dirty="0" smtClean="0"/>
+              <a:t>Enough disk space?</a:t>
+            </a:r>
+          </a:p>
+          <a:p>
+            <a:r>
+              <a:rPr lang="en-US" dirty="0" smtClean="0"/>
+              <a:t>Writing files is slow</a:t>
+            </a:r>
+          </a:p>
+          <a:p>
+            <a:pPr lvl="1"/>
+            <a:r>
+              <a:rPr lang="en-US" dirty="0" smtClean="0"/>
+              <a:t>Use file system with fast I/O, e.g., $VSC_SCRATCH</a:t>
+            </a:r>
+          </a:p>
+          <a:p>
+            <a:r>
+              <a:rPr lang="en-US" dirty="0" smtClean="0"/>
+              <a:t>Weigh time to compute versus time to checkpoint</a:t>
+            </a:r>
+          </a:p>
+          <a:p>
+            <a:pPr lvl="1"/>
+            <a:r>
+              <a:rPr lang="en-US" dirty="0" smtClean="0"/>
+              <a:t>Too frequent </a:t>
+            </a:r>
+            <a:r>
+              <a:rPr lang="en-US" dirty="0" err="1" smtClean="0"/>
+              <a:t>checkpointing</a:t>
+            </a:r>
+            <a:r>
+              <a:rPr lang="en-US" dirty="0" smtClean="0"/>
+              <a:t> is inefficient</a:t>
+            </a:r>
+            <a:endParaRPr lang="nl-BE" dirty="0"/>
+          </a:p>
+        </p:txBody>
+      </p:sp>
+      <p:sp>
+        <p:nvSpPr>
+          <p:cNvPr id="4" name="Slide Number Placeholder 3"/>
+          <p:cNvSpPr>
+            <a:spLocks noGrp="1"/>
+          </p:cNvSpPr>
+          <p:nvPr>
+            <p:ph type="sldNum" sz="quarter" idx="12"/>
+          </p:nvPr>
+        </p:nvSpPr>
+        <p:spPr/>
+        <p:txBody>
+          <a:bodyPr/>
+          <a:lstStyle/>
+          <a:p>
+            <a:fld id="{0E10C2AD-1307-4F27-A6A5-469AD3C2F368}" type="slidenum">
+              <a:rPr lang="nl-BE" smtClean="0"/>
+              <a:t>21</a:t>
+            </a:fld>
+            <a:endParaRPr lang="nl-BE"/>
+          </a:p>
+        </p:txBody>
+      </p:sp>
+    </p:spTree>
+    <p:extLst>
+      <p:ext uri="{BB962C8B-B14F-4D97-AF65-F5344CB8AC3E}">
+        <p14:creationId xmlns:p14="http://schemas.microsoft.com/office/powerpoint/2010/main" val="3120823507"/>
+      </p:ext>
+    </p:extLst>
+  </p:cSld>
+  <p:clrMapOvr>
+    <a:masterClrMapping/>
+  </p:clrMapOvr>
+  <p:timing>
+    <p:tnLst>
+      <p:par>
+        <p:cTn id="1" dur="indefinite" restart="never" nodeType="tmRoot"/>
+      </p:par>
+    </p:tnLst>
+  </p:timing>
 </p:sld>
 </file>
 
@@ -3317,6 +8838,29 @@
           </a:p>
         </p:txBody>
       </p:sp>
+      <p:sp>
+        <p:nvSpPr>
+          <p:cNvPr id="4" name="Slide Number Placeholder 3"/>
+          <p:cNvSpPr>
+            <a:spLocks noGrp="1"/>
+          </p:cNvSpPr>
+          <p:nvPr>
+            <p:ph type="sldNum" sz="quarter" idx="12"/>
+          </p:nvPr>
+        </p:nvSpPr>
+        <p:spPr/>
+        <p:txBody>
+          <a:bodyPr/>
+          <a:lstStyle/>
+          <a:p>
+            <a:fld id="{0E10C2AD-1307-4F27-A6A5-469AD3C2F368}" type="slidenum">
+              <a:rPr lang="nl-BE" smtClean="0"/>
+              <a:t>3</a:t>
+            </a:fld>
+            <a:endParaRPr lang="nl-BE"/>
+          </a:p>
+        </p:txBody>
+      </p:sp>
     </p:spTree>
     <p:extLst>
       <p:ext uri="{BB962C8B-B14F-4D97-AF65-F5344CB8AC3E}">
@@ -3327,6 +8871,375 @@
   <p:clrMapOvr>
     <a:masterClrMapping/>
   </p:clrMapOvr>
+  <p:timing>
+    <p:tnLst>
+      <p:par>
+        <p:cTn id="1" dur="indefinite" restart="never" nodeType="tmRoot">
+          <p:childTnLst>
+            <p:seq concurrent="1" nextAc="seek">
+              <p:cTn id="2" dur="indefinite" nodeType="mainSeq">
+                <p:childTnLst>
+                  <p:par>
+                    <p:cTn id="3" fill="hold">
+                      <p:stCondLst>
+                        <p:cond delay="indefinite"/>
+                        <p:cond evt="onBegin" delay="0">
+                          <p:tn val="2"/>
+                        </p:cond>
+                      </p:stCondLst>
+                      <p:childTnLst>
+                        <p:par>
+                          <p:cTn id="4" fill="hold">
+                            <p:stCondLst>
+                              <p:cond delay="0"/>
+                            </p:stCondLst>
+                            <p:childTnLst>
+                              <p:par>
+                                <p:cTn id="5" presetID="1" presetClass="entr" presetSubtype="0" fill="hold" grpId="0" nodeType="withEffect">
+                                  <p:stCondLst>
+                                    <p:cond delay="0"/>
+                                  </p:stCondLst>
+                                  <p:childTnLst>
+                                    <p:set>
+                                      <p:cBhvr>
+                                        <p:cTn id="6" dur="1" fill="hold">
+                                          <p:stCondLst>
+                                            <p:cond delay="0"/>
+                                          </p:stCondLst>
+                                        </p:cTn>
+                                        <p:tgtEl>
+                                          <p:spTgt spid="3">
+                                            <p:txEl>
+                                              <p:pRg st="0" end="0"/>
+                                            </p:txEl>
+                                          </p:spTgt>
+                                        </p:tgtEl>
+                                        <p:attrNameLst>
+                                          <p:attrName>style.visibility</p:attrName>
+                                        </p:attrNameLst>
+                                      </p:cBhvr>
+                                      <p:to>
+                                        <p:strVal val="visible"/>
+                                      </p:to>
+                                    </p:set>
+                                  </p:childTnLst>
+                                </p:cTn>
+                              </p:par>
+                              <p:par>
+                                <p:cTn id="7" presetID="1" presetClass="entr" presetSubtype="0" fill="hold" grpId="0" nodeType="withEffect">
+                                  <p:stCondLst>
+                                    <p:cond delay="0"/>
+                                  </p:stCondLst>
+                                  <p:childTnLst>
+                                    <p:set>
+                                      <p:cBhvr>
+                                        <p:cTn id="8" dur="1" fill="hold">
+                                          <p:stCondLst>
+                                            <p:cond delay="0"/>
+                                          </p:stCondLst>
+                                        </p:cTn>
+                                        <p:tgtEl>
+                                          <p:spTgt spid="3">
+                                            <p:txEl>
+                                              <p:pRg st="1" end="1"/>
+                                            </p:txEl>
+                                          </p:spTgt>
+                                        </p:tgtEl>
+                                        <p:attrNameLst>
+                                          <p:attrName>style.visibility</p:attrName>
+                                        </p:attrNameLst>
+                                      </p:cBhvr>
+                                      <p:to>
+                                        <p:strVal val="visible"/>
+                                      </p:to>
+                                    </p:set>
+                                  </p:childTnLst>
+                                </p:cTn>
+                              </p:par>
+                              <p:par>
+                                <p:cTn id="9" presetID="1" presetClass="entr" presetSubtype="0" fill="hold" grpId="0" nodeType="withEffect">
+                                  <p:stCondLst>
+                                    <p:cond delay="0"/>
+                                  </p:stCondLst>
+                                  <p:childTnLst>
+                                    <p:set>
+                                      <p:cBhvr>
+                                        <p:cTn id="10" dur="1" fill="hold">
+                                          <p:stCondLst>
+                                            <p:cond delay="0"/>
+                                          </p:stCondLst>
+                                        </p:cTn>
+                                        <p:tgtEl>
+                                          <p:spTgt spid="3">
+                                            <p:txEl>
+                                              <p:pRg st="2" end="2"/>
+                                            </p:txEl>
+                                          </p:spTgt>
+                                        </p:tgtEl>
+                                        <p:attrNameLst>
+                                          <p:attrName>style.visibility</p:attrName>
+                                        </p:attrNameLst>
+                                      </p:cBhvr>
+                                      <p:to>
+                                        <p:strVal val="visible"/>
+                                      </p:to>
+                                    </p:set>
+                                  </p:childTnLst>
+                                </p:cTn>
+                              </p:par>
+                            </p:childTnLst>
+                          </p:cTn>
+                        </p:par>
+                      </p:childTnLst>
+                    </p:cTn>
+                  </p:par>
+                  <p:par>
+                    <p:cTn id="11" fill="hold">
+                      <p:stCondLst>
+                        <p:cond delay="indefinite"/>
+                      </p:stCondLst>
+                      <p:childTnLst>
+                        <p:par>
+                          <p:cTn id="12" fill="hold">
+                            <p:stCondLst>
+                              <p:cond delay="0"/>
+                            </p:stCondLst>
+                            <p:childTnLst>
+                              <p:par>
+                                <p:cTn id="13" presetID="1" presetClass="entr" presetSubtype="0" fill="hold" grpId="0" nodeType="clickEffect">
+                                  <p:stCondLst>
+                                    <p:cond delay="0"/>
+                                  </p:stCondLst>
+                                  <p:childTnLst>
+                                    <p:set>
+                                      <p:cBhvr>
+                                        <p:cTn id="14" dur="1" fill="hold">
+                                          <p:stCondLst>
+                                            <p:cond delay="0"/>
+                                          </p:stCondLst>
+                                        </p:cTn>
+                                        <p:tgtEl>
+                                          <p:spTgt spid="3">
+                                            <p:txEl>
+                                              <p:pRg st="3" end="3"/>
+                                            </p:txEl>
+                                          </p:spTgt>
+                                        </p:tgtEl>
+                                        <p:attrNameLst>
+                                          <p:attrName>style.visibility</p:attrName>
+                                        </p:attrNameLst>
+                                      </p:cBhvr>
+                                      <p:to>
+                                        <p:strVal val="visible"/>
+                                      </p:to>
+                                    </p:set>
+                                  </p:childTnLst>
+                                </p:cTn>
+                              </p:par>
+                              <p:par>
+                                <p:cTn id="15" presetID="1" presetClass="entr" presetSubtype="0" fill="hold" grpId="0" nodeType="withEffect">
+                                  <p:stCondLst>
+                                    <p:cond delay="0"/>
+                                  </p:stCondLst>
+                                  <p:childTnLst>
+                                    <p:set>
+                                      <p:cBhvr>
+                                        <p:cTn id="16" dur="1" fill="hold">
+                                          <p:stCondLst>
+                                            <p:cond delay="0"/>
+                                          </p:stCondLst>
+                                        </p:cTn>
+                                        <p:tgtEl>
+                                          <p:spTgt spid="3">
+                                            <p:txEl>
+                                              <p:pRg st="4" end="4"/>
+                                            </p:txEl>
+                                          </p:spTgt>
+                                        </p:tgtEl>
+                                        <p:attrNameLst>
+                                          <p:attrName>style.visibility</p:attrName>
+                                        </p:attrNameLst>
+                                      </p:cBhvr>
+                                      <p:to>
+                                        <p:strVal val="visible"/>
+                                      </p:to>
+                                    </p:set>
+                                  </p:childTnLst>
+                                </p:cTn>
+                              </p:par>
+                              <p:par>
+                                <p:cTn id="17" presetID="1" presetClass="entr" presetSubtype="0" fill="hold" grpId="0" nodeType="withEffect">
+                                  <p:stCondLst>
+                                    <p:cond delay="0"/>
+                                  </p:stCondLst>
+                                  <p:childTnLst>
+                                    <p:set>
+                                      <p:cBhvr>
+                                        <p:cTn id="18" dur="1" fill="hold">
+                                          <p:stCondLst>
+                                            <p:cond delay="0"/>
+                                          </p:stCondLst>
+                                        </p:cTn>
+                                        <p:tgtEl>
+                                          <p:spTgt spid="3">
+                                            <p:txEl>
+                                              <p:pRg st="5" end="5"/>
+                                            </p:txEl>
+                                          </p:spTgt>
+                                        </p:tgtEl>
+                                        <p:attrNameLst>
+                                          <p:attrName>style.visibility</p:attrName>
+                                        </p:attrNameLst>
+                                      </p:cBhvr>
+                                      <p:to>
+                                        <p:strVal val="visible"/>
+                                      </p:to>
+                                    </p:set>
+                                  </p:childTnLst>
+                                </p:cTn>
+                              </p:par>
+                            </p:childTnLst>
+                          </p:cTn>
+                        </p:par>
+                      </p:childTnLst>
+                    </p:cTn>
+                  </p:par>
+                  <p:par>
+                    <p:cTn id="19" fill="hold">
+                      <p:stCondLst>
+                        <p:cond delay="indefinite"/>
+                      </p:stCondLst>
+                      <p:childTnLst>
+                        <p:par>
+                          <p:cTn id="20" fill="hold">
+                            <p:stCondLst>
+                              <p:cond delay="0"/>
+                            </p:stCondLst>
+                            <p:childTnLst>
+                              <p:par>
+                                <p:cTn id="21" presetID="1" presetClass="entr" presetSubtype="0" fill="hold" grpId="0" nodeType="clickEffect">
+                                  <p:stCondLst>
+                                    <p:cond delay="0"/>
+                                  </p:stCondLst>
+                                  <p:childTnLst>
+                                    <p:set>
+                                      <p:cBhvr>
+                                        <p:cTn id="22" dur="1" fill="hold">
+                                          <p:stCondLst>
+                                            <p:cond delay="0"/>
+                                          </p:stCondLst>
+                                        </p:cTn>
+                                        <p:tgtEl>
+                                          <p:spTgt spid="3">
+                                            <p:txEl>
+                                              <p:pRg st="6" end="6"/>
+                                            </p:txEl>
+                                          </p:spTgt>
+                                        </p:tgtEl>
+                                        <p:attrNameLst>
+                                          <p:attrName>style.visibility</p:attrName>
+                                        </p:attrNameLst>
+                                      </p:cBhvr>
+                                      <p:to>
+                                        <p:strVal val="visible"/>
+                                      </p:to>
+                                    </p:set>
+                                  </p:childTnLst>
+                                </p:cTn>
+                              </p:par>
+                              <p:par>
+                                <p:cTn id="23" presetID="1" presetClass="entr" presetSubtype="0" fill="hold" grpId="0" nodeType="withEffect">
+                                  <p:stCondLst>
+                                    <p:cond delay="0"/>
+                                  </p:stCondLst>
+                                  <p:childTnLst>
+                                    <p:set>
+                                      <p:cBhvr>
+                                        <p:cTn id="24" dur="1" fill="hold">
+                                          <p:stCondLst>
+                                            <p:cond delay="0"/>
+                                          </p:stCondLst>
+                                        </p:cTn>
+                                        <p:tgtEl>
+                                          <p:spTgt spid="3">
+                                            <p:txEl>
+                                              <p:pRg st="7" end="7"/>
+                                            </p:txEl>
+                                          </p:spTgt>
+                                        </p:tgtEl>
+                                        <p:attrNameLst>
+                                          <p:attrName>style.visibility</p:attrName>
+                                        </p:attrNameLst>
+                                      </p:cBhvr>
+                                      <p:to>
+                                        <p:strVal val="visible"/>
+                                      </p:to>
+                                    </p:set>
+                                  </p:childTnLst>
+                                </p:cTn>
+                              </p:par>
+                              <p:par>
+                                <p:cTn id="25" presetID="1" presetClass="entr" presetSubtype="0" fill="hold" grpId="0" nodeType="withEffect">
+                                  <p:stCondLst>
+                                    <p:cond delay="0"/>
+                                  </p:stCondLst>
+                                  <p:childTnLst>
+                                    <p:set>
+                                      <p:cBhvr>
+                                        <p:cTn id="26" dur="1" fill="hold">
+                                          <p:stCondLst>
+                                            <p:cond delay="0"/>
+                                          </p:stCondLst>
+                                        </p:cTn>
+                                        <p:tgtEl>
+                                          <p:spTgt spid="3">
+                                            <p:txEl>
+                                              <p:pRg st="8" end="8"/>
+                                            </p:txEl>
+                                          </p:spTgt>
+                                        </p:tgtEl>
+                                        <p:attrNameLst>
+                                          <p:attrName>style.visibility</p:attrName>
+                                        </p:attrNameLst>
+                                      </p:cBhvr>
+                                      <p:to>
+                                        <p:strVal val="visible"/>
+                                      </p:to>
+                                    </p:set>
+                                  </p:childTnLst>
+                                </p:cTn>
+                              </p:par>
+                            </p:childTnLst>
+                          </p:cTn>
+                        </p:par>
+                      </p:childTnLst>
+                    </p:cTn>
+                  </p:par>
+                </p:childTnLst>
+              </p:cTn>
+              <p:prevCondLst>
+                <p:cond evt="onPrev" delay="0">
+                  <p:tgtEl>
+                    <p:sldTgt/>
+                  </p:tgtEl>
+                </p:cond>
+              </p:prevCondLst>
+              <p:nextCondLst>
+                <p:cond evt="onNext" delay="0">
+                  <p:tgtEl>
+                    <p:sldTgt/>
+                  </p:tgtEl>
+                </p:cond>
+              </p:nextCondLst>
+            </p:seq>
+          </p:childTnLst>
+        </p:cTn>
+      </p:par>
+    </p:tnLst>
+    <p:bldLst>
+      <p:bldP spid="3" grpId="0" uiExpand="1" build="p"/>
+    </p:bldLst>
+  </p:timing>
 </p:sld>
 </file>
 
@@ -3438,6 +9351,29 @@
           </a:p>
         </p:txBody>
       </p:sp>
+      <p:sp>
+        <p:nvSpPr>
+          <p:cNvPr id="4" name="Slide Number Placeholder 3"/>
+          <p:cNvSpPr>
+            <a:spLocks noGrp="1"/>
+          </p:cNvSpPr>
+          <p:nvPr>
+            <p:ph type="sldNum" sz="quarter" idx="12"/>
+          </p:nvPr>
+        </p:nvSpPr>
+        <p:spPr/>
+        <p:txBody>
+          <a:bodyPr/>
+          <a:lstStyle/>
+          <a:p>
+            <a:fld id="{0E10C2AD-1307-4F27-A6A5-469AD3C2F368}" type="slidenum">
+              <a:rPr lang="nl-BE" smtClean="0"/>
+              <a:t>4</a:t>
+            </a:fld>
+            <a:endParaRPr lang="nl-BE"/>
+          </a:p>
+        </p:txBody>
+      </p:sp>
     </p:spTree>
     <p:extLst>
       <p:ext uri="{BB962C8B-B14F-4D97-AF65-F5344CB8AC3E}">
@@ -3448,6 +9384,13 @@
   <p:clrMapOvr>
     <a:masterClrMapping/>
   </p:clrMapOvr>
+  <p:timing>
+    <p:tnLst>
+      <p:par>
+        <p:cTn id="1" dur="indefinite" restart="never" nodeType="tmRoot"/>
+      </p:par>
+    </p:tnLst>
+  </p:timing>
 </p:sld>
 </file>
 
@@ -3485,7 +9428,7 @@
           <a:p>
             <a:r>
               <a:rPr lang="en-US" dirty="0" smtClean="0"/>
-              <a:t>Serial applications</a:t>
+              <a:t>Ad hoc</a:t>
             </a:r>
             <a:endParaRPr lang="nl-BE" dirty="0"/>
           </a:p>
@@ -3506,6 +9449,29 @@
           <a:bodyPr/>
           <a:lstStyle/>
           <a:p>
+            <a:endParaRPr lang="nl-BE" dirty="0"/>
+          </a:p>
+        </p:txBody>
+      </p:sp>
+      <p:sp>
+        <p:nvSpPr>
+          <p:cNvPr id="4" name="Slide Number Placeholder 3"/>
+          <p:cNvSpPr>
+            <a:spLocks noGrp="1"/>
+          </p:cNvSpPr>
+          <p:nvPr>
+            <p:ph type="sldNum" sz="quarter" idx="12"/>
+          </p:nvPr>
+        </p:nvSpPr>
+        <p:spPr/>
+        <p:txBody>
+          <a:bodyPr/>
+          <a:lstStyle/>
+          <a:p>
+            <a:fld id="{0E10C2AD-1307-4F27-A6A5-469AD3C2F368}" type="slidenum">
+              <a:rPr lang="nl-BE" smtClean="0"/>
+              <a:t>5</a:t>
+            </a:fld>
             <a:endParaRPr lang="nl-BE"/>
           </a:p>
         </p:txBody>
@@ -3520,6 +9486,13 @@
   <p:clrMapOvr>
     <a:masterClrMapping/>
   </p:clrMapOvr>
+  <p:timing>
+    <p:tnLst>
+      <p:par>
+        <p:cTn id="1" dur="indefinite" restart="never" nodeType="tmRoot"/>
+      </p:par>
+    </p:tnLst>
+  </p:timing>
 </p:sld>
 </file>
 
@@ -3557,6 +9530,126 @@
           <a:p>
             <a:r>
               <a:rPr lang="en-US" dirty="0" smtClean="0"/>
+              <a:t>Scenario</a:t>
+            </a:r>
+            <a:endParaRPr lang="nl-BE" dirty="0"/>
+          </a:p>
+        </p:txBody>
+      </p:sp>
+      <p:sp>
+        <p:nvSpPr>
+          <p:cNvPr id="3" name="Content Placeholder 2"/>
+          <p:cNvSpPr>
+            <a:spLocks noGrp="1"/>
+          </p:cNvSpPr>
+          <p:nvPr>
+            <p:ph idx="1"/>
+          </p:nvPr>
+        </p:nvSpPr>
+        <p:spPr/>
+        <p:txBody>
+          <a:bodyPr/>
+          <a:lstStyle/>
+          <a:p>
+            <a:r>
+              <a:rPr lang="en-US" dirty="0" smtClean="0"/>
+              <a:t>Insurance against rare problems</a:t>
+            </a:r>
+          </a:p>
+          <a:p>
+            <a:pPr lvl="1"/>
+            <a:r>
+              <a:rPr lang="en-US" dirty="0" smtClean="0"/>
+              <a:t>Simple PBS script</a:t>
+            </a:r>
+          </a:p>
+          <a:p>
+            <a:pPr lvl="1"/>
+            <a:r>
+              <a:rPr lang="en-US" dirty="0" smtClean="0"/>
+              <a:t>Manual restart when required</a:t>
+            </a:r>
+            <a:endParaRPr lang="nl-BE" dirty="0"/>
+          </a:p>
+        </p:txBody>
+      </p:sp>
+      <p:sp>
+        <p:nvSpPr>
+          <p:cNvPr id="4" name="Slide Number Placeholder 3"/>
+          <p:cNvSpPr>
+            <a:spLocks noGrp="1"/>
+          </p:cNvSpPr>
+          <p:nvPr>
+            <p:ph type="sldNum" sz="quarter" idx="12"/>
+          </p:nvPr>
+        </p:nvSpPr>
+        <p:spPr/>
+        <p:txBody>
+          <a:bodyPr/>
+          <a:lstStyle/>
+          <a:p>
+            <a:fld id="{0E10C2AD-1307-4F27-A6A5-469AD3C2F368}" type="slidenum">
+              <a:rPr lang="nl-BE" smtClean="0"/>
+              <a:t>6</a:t>
+            </a:fld>
+            <a:endParaRPr lang="nl-BE"/>
+          </a:p>
+        </p:txBody>
+      </p:sp>
+    </p:spTree>
+    <p:extLst>
+      <p:ext uri="{BB962C8B-B14F-4D97-AF65-F5344CB8AC3E}">
+        <p14:creationId xmlns:p14="http://schemas.microsoft.com/office/powerpoint/2010/main" val="2173010856"/>
+      </p:ext>
+    </p:extLst>
+  </p:cSld>
+  <p:clrMapOvr>
+    <a:masterClrMapping/>
+  </p:clrMapOvr>
+  <p:timing>
+    <p:tnLst>
+      <p:par>
+        <p:cTn id="1" dur="indefinite" restart="never" nodeType="tmRoot"/>
+      </p:par>
+    </p:tnLst>
+  </p:timing>
+</p:sld>
+</file>
+
+<file path=ppt/slides/slide7.xml><?xml version="1.0" encoding="utf-8"?>
+<p:sld xmlns:a="http://schemas.openxmlformats.org/drawingml/2006/main" xmlns:r="http://schemas.openxmlformats.org/officeDocument/2006/relationships" xmlns:p="http://schemas.openxmlformats.org/presentationml/2006/main">
+  <p:cSld>
+    <p:spTree>
+      <p:nvGrpSpPr>
+        <p:cNvPr id="1" name=""/>
+        <p:cNvGrpSpPr/>
+        <p:nvPr/>
+      </p:nvGrpSpPr>
+      <p:grpSpPr>
+        <a:xfrm>
+          <a:off x="0" y="0"/>
+          <a:ext cx="0" cy="0"/>
+          <a:chOff x="0" y="0"/>
+          <a:chExt cx="0" cy="0"/>
+        </a:xfrm>
+      </p:grpSpPr>
+      <p:sp>
+        <p:nvSpPr>
+          <p:cNvPr id="2" name="Title 1"/>
+          <p:cNvSpPr>
+            <a:spLocks noGrp="1"/>
+          </p:cNvSpPr>
+          <p:nvPr>
+            <p:ph type="title"/>
+          </p:nvPr>
+        </p:nvSpPr>
+        <p:spPr/>
+        <p:txBody>
+          <a:bodyPr/>
+          <a:lstStyle/>
+          <a:p>
+            <a:r>
+              <a:rPr lang="en-US" dirty="0" smtClean="0"/>
               <a:t>Original PBS script</a:t>
             </a:r>
             <a:endParaRPr lang="nl-BE" dirty="0"/>
@@ -3633,8 +9726,12 @@
                 <a:latin typeface="Courier New" panose="02070309020205020404" pitchFamily="49" charset="0"/>
                 <a:cs typeface="Courier New" panose="02070309020205020404" pitchFamily="49" charset="0"/>
               </a:rPr>
-              <a:t>=1:ppn=2</a:t>
-            </a:r>
+              <a:t>=1:ppn=1</a:t>
+            </a:r>
+            <a:endParaRPr lang="nl-BE" dirty="0" smtClean="0">
+              <a:latin typeface="Courier New" panose="02070309020205020404" pitchFamily="49" charset="0"/>
+              <a:cs typeface="Courier New" panose="02070309020205020404" pitchFamily="49" charset="0"/>
+            </a:endParaRPr>
           </a:p>
           <a:p>
             <a:r>
@@ -3656,8 +9753,12 @@
                 <a:latin typeface="Courier New" panose="02070309020205020404" pitchFamily="49" charset="0"/>
                 <a:cs typeface="Courier New" panose="02070309020205020404" pitchFamily="49" charset="0"/>
               </a:rPr>
-              <a:t>=00:04:00</a:t>
-            </a:r>
+              <a:t>=48:00:00</a:t>
+            </a:r>
+            <a:endParaRPr lang="nl-BE" dirty="0" smtClean="0">
+              <a:latin typeface="Courier New" panose="02070309020205020404" pitchFamily="49" charset="0"/>
+              <a:cs typeface="Courier New" panose="02070309020205020404" pitchFamily="49" charset="0"/>
+            </a:endParaRPr>
           </a:p>
           <a:p>
             <a:r>
@@ -3802,6 +9903,79 @@
           </p:style>
         </p:cxnSp>
       </p:grpSp>
+      <p:sp>
+        <p:nvSpPr>
+          <p:cNvPr id="3" name="TextBox 2"/>
+          <p:cNvSpPr txBox="1"/>
+          <p:nvPr/>
+        </p:nvSpPr>
+        <p:spPr>
+          <a:xfrm>
+            <a:off x="628705" y="5684808"/>
+            <a:ext cx="8021811" cy="400110"/>
+          </a:xfrm>
+          <a:prstGeom prst="rect">
+            <a:avLst/>
+          </a:prstGeom>
+          <a:noFill/>
+          <a:ln>
+            <a:solidFill>
+              <a:schemeClr val="tx1"/>
+            </a:solidFill>
+          </a:ln>
+        </p:spPr>
+        <p:txBody>
+          <a:bodyPr wrap="none" rtlCol="0">
+            <a:spAutoFit/>
+          </a:bodyPr>
+          <a:lstStyle/>
+          <a:p>
+            <a:r>
+              <a:rPr lang="en-US" sz="2000" b="1" dirty="0" smtClean="0"/>
+              <a:t>Note:</a:t>
+            </a:r>
+            <a:r>
+              <a:rPr lang="en-US" sz="2000" dirty="0" smtClean="0"/>
+              <a:t> </a:t>
+            </a:r>
+            <a:r>
+              <a:rPr lang="en-US" sz="2000" dirty="0" smtClean="0">
+                <a:latin typeface="Courier New" panose="02070309020205020404" pitchFamily="49" charset="0"/>
+                <a:cs typeface="Courier New" panose="02070309020205020404" pitchFamily="49" charset="0"/>
+              </a:rPr>
+              <a:t>file_io.exe</a:t>
+            </a:r>
+            <a:r>
+              <a:rPr lang="en-US" sz="2000" dirty="0" smtClean="0"/>
+              <a:t> is unmodified, no libraries/instrumentation required</a:t>
+            </a:r>
+            <a:endParaRPr lang="nl-BE" sz="1600" dirty="0"/>
+          </a:p>
+        </p:txBody>
+      </p:sp>
+      <p:sp>
+        <p:nvSpPr>
+          <p:cNvPr id="4" name="Slide Number Placeholder 3"/>
+          <p:cNvSpPr>
+            <a:spLocks noGrp="1"/>
+          </p:cNvSpPr>
+          <p:nvPr>
+            <p:ph type="sldNum" sz="quarter" idx="12"/>
+          </p:nvPr>
+        </p:nvSpPr>
+        <p:spPr/>
+        <p:txBody>
+          <a:bodyPr/>
+          <a:lstStyle/>
+          <a:p>
+            <a:fld id="{0E10C2AD-1307-4F27-A6A5-469AD3C2F368}" type="slidenum">
+              <a:rPr lang="nl-BE" smtClean="0"/>
+              <a:t>7</a:t>
+            </a:fld>
+            <a:endParaRPr lang="nl-BE"/>
+          </a:p>
+        </p:txBody>
+      </p:sp>
     </p:spTree>
     <p:extLst>
       <p:ext uri="{BB962C8B-B14F-4D97-AF65-F5344CB8AC3E}">
@@ -3812,10 +9986,133 @@
   <p:clrMapOvr>
     <a:masterClrMapping/>
   </p:clrMapOvr>
+  <p:timing>
+    <p:tnLst>
+      <p:par>
+        <p:cTn id="1" dur="indefinite" restart="never" nodeType="tmRoot">
+          <p:childTnLst>
+            <p:seq concurrent="1" nextAc="seek">
+              <p:cTn id="2" dur="indefinite" nodeType="mainSeq">
+                <p:childTnLst>
+                  <p:par>
+                    <p:cTn id="3" fill="hold">
+                      <p:stCondLst>
+                        <p:cond delay="indefinite"/>
+                      </p:stCondLst>
+                      <p:childTnLst>
+                        <p:par>
+                          <p:cTn id="4" fill="hold">
+                            <p:stCondLst>
+                              <p:cond delay="0"/>
+                            </p:stCondLst>
+                            <p:childTnLst>
+                              <p:par>
+                                <p:cTn id="5" presetID="1" presetClass="entr" presetSubtype="0" fill="hold" nodeType="clickEffect">
+                                  <p:stCondLst>
+                                    <p:cond delay="0"/>
+                                  </p:stCondLst>
+                                  <p:childTnLst>
+                                    <p:set>
+                                      <p:cBhvr>
+                                        <p:cTn id="6" dur="1" fill="hold">
+                                          <p:stCondLst>
+                                            <p:cond delay="0"/>
+                                          </p:stCondLst>
+                                        </p:cTn>
+                                        <p:tgtEl>
+                                          <p:spTgt spid="9"/>
+                                        </p:tgtEl>
+                                        <p:attrNameLst>
+                                          <p:attrName>style.visibility</p:attrName>
+                                        </p:attrNameLst>
+                                      </p:cBhvr>
+                                      <p:to>
+                                        <p:strVal val="visible"/>
+                                      </p:to>
+                                    </p:set>
+                                  </p:childTnLst>
+                                </p:cTn>
+                              </p:par>
+                            </p:childTnLst>
+                          </p:cTn>
+                        </p:par>
+                      </p:childTnLst>
+                    </p:cTn>
+                  </p:par>
+                  <p:par>
+                    <p:cTn id="7" fill="hold">
+                      <p:stCondLst>
+                        <p:cond delay="indefinite"/>
+                      </p:stCondLst>
+                      <p:childTnLst>
+                        <p:par>
+                          <p:cTn id="8" fill="hold">
+                            <p:stCondLst>
+                              <p:cond delay="0"/>
+                            </p:stCondLst>
+                            <p:childTnLst>
+                              <p:par>
+                                <p:cTn id="9" presetID="1" presetClass="entr" presetSubtype="0" fill="hold" grpId="0" nodeType="clickEffect">
+                                  <p:stCondLst>
+                                    <p:cond delay="0"/>
+                                  </p:stCondLst>
+                                  <p:childTnLst>
+                                    <p:set>
+                                      <p:cBhvr>
+                                        <p:cTn id="10" dur="1" fill="hold">
+                                          <p:stCondLst>
+                                            <p:cond delay="0"/>
+                                          </p:stCondLst>
+                                        </p:cTn>
+                                        <p:tgtEl>
+                                          <p:spTgt spid="3"/>
+                                        </p:tgtEl>
+                                        <p:attrNameLst>
+                                          <p:attrName>style.visibility</p:attrName>
+                                        </p:attrNameLst>
+                                      </p:cBhvr>
+                                      <p:to>
+                                        <p:strVal val="visible"/>
+                                      </p:to>
+                                    </p:set>
+                                  </p:childTnLst>
+                                </p:cTn>
+                              </p:par>
+                            </p:childTnLst>
+                          </p:cTn>
+                        </p:par>
+                      </p:childTnLst>
+                    </p:cTn>
+                  </p:par>
+                </p:childTnLst>
+              </p:cTn>
+              <p:prevCondLst>
+                <p:cond evt="onPrev" delay="0">
+                  <p:tgtEl>
+                    <p:sldTgt/>
+                  </p:tgtEl>
+                </p:cond>
+              </p:prevCondLst>
+              <p:nextCondLst>
+                <p:cond evt="onNext" delay="0">
+                  <p:tgtEl>
+                    <p:sldTgt/>
+                  </p:tgtEl>
+                </p:cond>
+              </p:nextCondLst>
+            </p:seq>
+          </p:childTnLst>
+        </p:cTn>
+      </p:par>
+    </p:tnLst>
+    <p:bldLst>
+      <p:bldP spid="3" grpId="0" animBg="1"/>
+    </p:bldLst>
+  </p:timing>
 </p:sld>
 </file>
 
-<file path=ppt/slides/slide7.xml><?xml version="1.0" encoding="utf-8"?>
+<file path=ppt/slides/slide8.xml><?xml version="1.0" encoding="utf-8"?>
 <p:sld xmlns:a="http://schemas.openxmlformats.org/drawingml/2006/main" xmlns:r="http://schemas.openxmlformats.org/officeDocument/2006/relationships" xmlns:p="http://schemas.openxmlformats.org/presentationml/2006/main">
   <p:cSld>
     <p:spTree>
@@ -3906,7 +10203,7 @@
         <p:spPr>
           <a:xfrm>
             <a:off x="988082" y="2430293"/>
-            <a:ext cx="6574407" cy="369332"/>
+            <a:ext cx="6574407" cy="646331"/>
           </a:xfrm>
           <a:prstGeom prst="rect">
             <a:avLst/>
@@ -3963,6 +10260,33 @@
               </a:rPr>
               <a:t>"</a:t>
             </a:r>
+          </a:p>
+          <a:p>
+            <a:r>
+              <a:rPr lang="en-US" dirty="0" err="1" smtClean="0">
+                <a:latin typeface="Courier New" panose="02070309020205020404" pitchFamily="49" charset="0"/>
+                <a:cs typeface="Courier New" panose="02070309020205020404" pitchFamily="49" charset="0"/>
+              </a:rPr>
+              <a:t>mkdir</a:t>
+            </a:r>
+            <a:r>
+              <a:rPr lang="en-US" dirty="0" smtClean="0">
+                <a:latin typeface="Courier New" panose="02070309020205020404" pitchFamily="49" charset="0"/>
+                <a:cs typeface="Courier New" panose="02070309020205020404" pitchFamily="49" charset="0"/>
+              </a:rPr>
+              <a:t>  -p  $</a:t>
+            </a:r>
+            <a:r>
+              <a:rPr lang="nl-BE" dirty="0" smtClean="0">
+                <a:latin typeface="Courier New" panose="02070309020205020404" pitchFamily="49" charset="0"/>
+                <a:cs typeface="Courier New" panose="02070309020205020404" pitchFamily="49" charset="0"/>
+              </a:rPr>
+              <a:t>DMTCP_CHECKPOINT_DIR</a:t>
+            </a:r>
+            <a:endParaRPr lang="nl-BE" dirty="0" smtClean="0">
+              <a:latin typeface="Courier New" panose="02070309020205020404" pitchFamily="49" charset="0"/>
+              <a:cs typeface="Courier New" panose="02070309020205020404" pitchFamily="49" charset="0"/>
+            </a:endParaRPr>
           </a:p>
         </p:txBody>
       </p:sp>
@@ -4117,7 +10441,7 @@
         </p:nvGrpSpPr>
         <p:grpSpPr>
           <a:xfrm>
-            <a:off x="4373581" y="4955657"/>
+            <a:off x="4373581" y="4903901"/>
             <a:ext cx="2539157" cy="815912"/>
             <a:chOff x="810883" y="4315698"/>
             <a:chExt cx="2539157" cy="815912"/>
@@ -4235,6 +10559,29 @@
           </a:p>
         </p:txBody>
       </p:sp>
+      <p:sp>
+        <p:nvSpPr>
+          <p:cNvPr id="2" name="Slide Number Placeholder 1"/>
+          <p:cNvSpPr>
+            <a:spLocks noGrp="1"/>
+          </p:cNvSpPr>
+          <p:nvPr>
+            <p:ph type="sldNum" sz="quarter" idx="12"/>
+          </p:nvPr>
+        </p:nvSpPr>
+        <p:spPr/>
+        <p:txBody>
+          <a:bodyPr/>
+          <a:lstStyle/>
+          <a:p>
+            <a:fld id="{0E10C2AD-1307-4F27-A6A5-469AD3C2F368}" type="slidenum">
+              <a:rPr lang="nl-BE" smtClean="0"/>
+              <a:t>8</a:t>
+            </a:fld>
+            <a:endParaRPr lang="nl-BE"/>
+          </a:p>
+        </p:txBody>
+      </p:sp>
     </p:spTree>
     <p:extLst>
       <p:ext uri="{BB962C8B-B14F-4D97-AF65-F5344CB8AC3E}">
@@ -4245,10 +10592,336 @@
   <p:clrMapOvr>
     <a:masterClrMapping/>
   </p:clrMapOvr>
+  <p:timing>
+    <p:tnLst>
+      <p:par>
+        <p:cTn id="1" dur="indefinite" restart="never" nodeType="tmRoot">
+          <p:childTnLst>
+            <p:seq concurrent="1" nextAc="seek">
+              <p:cTn id="2" dur="indefinite" nodeType="mainSeq">
+                <p:childTnLst>
+                  <p:par>
+                    <p:cTn id="3" fill="hold">
+                      <p:stCondLst>
+                        <p:cond delay="indefinite"/>
+                        <p:cond evt="onBegin" delay="0">
+                          <p:tn val="2"/>
+                        </p:cond>
+                      </p:stCondLst>
+                      <p:childTnLst>
+                        <p:par>
+                          <p:cTn id="4" fill="hold">
+                            <p:stCondLst>
+                              <p:cond delay="0"/>
+                            </p:stCondLst>
+                            <p:childTnLst>
+                              <p:par>
+                                <p:cTn id="5" presetID="1" presetClass="entr" presetSubtype="0" fill="hold" grpId="0" nodeType="withEffect">
+                                  <p:stCondLst>
+                                    <p:cond delay="0"/>
+                                  </p:stCondLst>
+                                  <p:childTnLst>
+                                    <p:set>
+                                      <p:cBhvr>
+                                        <p:cTn id="6" dur="1" fill="hold">
+                                          <p:stCondLst>
+                                            <p:cond delay="0"/>
+                                          </p:stCondLst>
+                                        </p:cTn>
+                                        <p:tgtEl>
+                                          <p:spTgt spid="4">
+                                            <p:txEl>
+                                              <p:pRg st="0" end="0"/>
+                                            </p:txEl>
+                                          </p:spTgt>
+                                        </p:tgtEl>
+                                        <p:attrNameLst>
+                                          <p:attrName>style.visibility</p:attrName>
+                                        </p:attrNameLst>
+                                      </p:cBhvr>
+                                      <p:to>
+                                        <p:strVal val="visible"/>
+                                      </p:to>
+                                    </p:set>
+                                  </p:childTnLst>
+                                </p:cTn>
+                              </p:par>
+                              <p:par>
+                                <p:cTn id="7" presetID="1" presetClass="entr" presetSubtype="0" fill="hold" grpId="0" nodeType="withEffect">
+                                  <p:stCondLst>
+                                    <p:cond delay="0"/>
+                                  </p:stCondLst>
+                                  <p:childTnLst>
+                                    <p:set>
+                                      <p:cBhvr>
+                                        <p:cTn id="8" dur="1" fill="hold">
+                                          <p:stCondLst>
+                                            <p:cond delay="0"/>
+                                          </p:stCondLst>
+                                        </p:cTn>
+                                        <p:tgtEl>
+                                          <p:spTgt spid="5"/>
+                                        </p:tgtEl>
+                                        <p:attrNameLst>
+                                          <p:attrName>style.visibility</p:attrName>
+                                        </p:attrNameLst>
+                                      </p:cBhvr>
+                                      <p:to>
+                                        <p:strVal val="visible"/>
+                                      </p:to>
+                                    </p:set>
+                                  </p:childTnLst>
+                                </p:cTn>
+                              </p:par>
+                            </p:childTnLst>
+                          </p:cTn>
+                        </p:par>
+                      </p:childTnLst>
+                    </p:cTn>
+                  </p:par>
+                  <p:par>
+                    <p:cTn id="9" fill="hold">
+                      <p:stCondLst>
+                        <p:cond delay="indefinite"/>
+                      </p:stCondLst>
+                      <p:childTnLst>
+                        <p:par>
+                          <p:cTn id="10" fill="hold">
+                            <p:stCondLst>
+                              <p:cond delay="0"/>
+                            </p:stCondLst>
+                            <p:childTnLst>
+                              <p:par>
+                                <p:cTn id="11" presetID="1" presetClass="entr" presetSubtype="0" fill="hold" nodeType="clickEffect">
+                                  <p:stCondLst>
+                                    <p:cond delay="0"/>
+                                  </p:stCondLst>
+                                  <p:childTnLst>
+                                    <p:set>
+                                      <p:cBhvr>
+                                        <p:cTn id="12" dur="1" fill="hold">
+                                          <p:stCondLst>
+                                            <p:cond delay="0"/>
+                                          </p:stCondLst>
+                                        </p:cTn>
+                                        <p:tgtEl>
+                                          <p:spTgt spid="7"/>
+                                        </p:tgtEl>
+                                        <p:attrNameLst>
+                                          <p:attrName>style.visibility</p:attrName>
+                                        </p:attrNameLst>
+                                      </p:cBhvr>
+                                      <p:to>
+                                        <p:strVal val="visible"/>
+                                      </p:to>
+                                    </p:set>
+                                  </p:childTnLst>
+                                </p:cTn>
+                              </p:par>
+                            </p:childTnLst>
+                          </p:cTn>
+                        </p:par>
+                      </p:childTnLst>
+                    </p:cTn>
+                  </p:par>
+                  <p:par>
+                    <p:cTn id="13" fill="hold">
+                      <p:stCondLst>
+                        <p:cond delay="indefinite"/>
+                      </p:stCondLst>
+                      <p:childTnLst>
+                        <p:par>
+                          <p:cTn id="14" fill="hold">
+                            <p:stCondLst>
+                              <p:cond delay="0"/>
+                            </p:stCondLst>
+                            <p:childTnLst>
+                              <p:par>
+                                <p:cTn id="15" presetID="1" presetClass="entr" presetSubtype="0" fill="hold" grpId="0" nodeType="clickEffect">
+                                  <p:stCondLst>
+                                    <p:cond delay="0"/>
+                                  </p:stCondLst>
+                                  <p:childTnLst>
+                                    <p:set>
+                                      <p:cBhvr>
+                                        <p:cTn id="16" dur="1" fill="hold">
+                                          <p:stCondLst>
+                                            <p:cond delay="0"/>
+                                          </p:stCondLst>
+                                        </p:cTn>
+                                        <p:tgtEl>
+                                          <p:spTgt spid="4">
+                                            <p:txEl>
+                                              <p:pRg st="4" end="4"/>
+                                            </p:txEl>
+                                          </p:spTgt>
+                                        </p:tgtEl>
+                                        <p:attrNameLst>
+                                          <p:attrName>style.visibility</p:attrName>
+                                        </p:attrNameLst>
+                                      </p:cBhvr>
+                                      <p:to>
+                                        <p:strVal val="visible"/>
+                                      </p:to>
+                                    </p:set>
+                                  </p:childTnLst>
+                                </p:cTn>
+                              </p:par>
+                              <p:par>
+                                <p:cTn id="17" presetID="1" presetClass="entr" presetSubtype="0" fill="hold" grpId="0" nodeType="withEffect">
+                                  <p:stCondLst>
+                                    <p:cond delay="0"/>
+                                  </p:stCondLst>
+                                  <p:childTnLst>
+                                    <p:set>
+                                      <p:cBhvr>
+                                        <p:cTn id="18" dur="1" fill="hold">
+                                          <p:stCondLst>
+                                            <p:cond delay="0"/>
+                                          </p:stCondLst>
+                                        </p:cTn>
+                                        <p:tgtEl>
+                                          <p:spTgt spid="6"/>
+                                        </p:tgtEl>
+                                        <p:attrNameLst>
+                                          <p:attrName>style.visibility</p:attrName>
+                                        </p:attrNameLst>
+                                      </p:cBhvr>
+                                      <p:to>
+                                        <p:strVal val="visible"/>
+                                      </p:to>
+                                    </p:set>
+                                  </p:childTnLst>
+                                </p:cTn>
+                              </p:par>
+                            </p:childTnLst>
+                          </p:cTn>
+                        </p:par>
+                      </p:childTnLst>
+                    </p:cTn>
+                  </p:par>
+                  <p:par>
+                    <p:cTn id="19" fill="hold">
+                      <p:stCondLst>
+                        <p:cond delay="indefinite"/>
+                      </p:stCondLst>
+                      <p:childTnLst>
+                        <p:par>
+                          <p:cTn id="20" fill="hold">
+                            <p:stCondLst>
+                              <p:cond delay="0"/>
+                            </p:stCondLst>
+                            <p:childTnLst>
+                              <p:par>
+                                <p:cTn id="21" presetID="1" presetClass="entr" presetSubtype="0" fill="hold" nodeType="clickEffect">
+                                  <p:stCondLst>
+                                    <p:cond delay="0"/>
+                                  </p:stCondLst>
+                                  <p:childTnLst>
+                                    <p:set>
+                                      <p:cBhvr>
+                                        <p:cTn id="22" dur="1" fill="hold">
+                                          <p:stCondLst>
+                                            <p:cond delay="0"/>
+                                          </p:stCondLst>
+                                        </p:cTn>
+                                        <p:tgtEl>
+                                          <p:spTgt spid="11"/>
+                                        </p:tgtEl>
+                                        <p:attrNameLst>
+                                          <p:attrName>style.visibility</p:attrName>
+                                        </p:attrNameLst>
+                                      </p:cBhvr>
+                                      <p:to>
+                                        <p:strVal val="visible"/>
+                                      </p:to>
+                                    </p:set>
+                                  </p:childTnLst>
+                                </p:cTn>
+                              </p:par>
+                            </p:childTnLst>
+                          </p:cTn>
+                        </p:par>
+                      </p:childTnLst>
+                    </p:cTn>
+                  </p:par>
+                  <p:par>
+                    <p:cTn id="23" fill="hold">
+                      <p:stCondLst>
+                        <p:cond delay="indefinite"/>
+                      </p:stCondLst>
+                      <p:childTnLst>
+                        <p:par>
+                          <p:cTn id="24" fill="hold">
+                            <p:stCondLst>
+                              <p:cond delay="0"/>
+                            </p:stCondLst>
+                            <p:childTnLst>
+                              <p:par>
+                                <p:cTn id="25" presetID="1" presetClass="entr" presetSubtype="0" fill="hold" grpId="0" nodeType="clickEffect">
+                                  <p:stCondLst>
+                                    <p:cond delay="0"/>
+                                  </p:stCondLst>
+                                  <p:childTnLst>
+                                    <p:set>
+                                      <p:cBhvr>
+                                        <p:cTn id="26" dur="1" fill="hold">
+                                          <p:stCondLst>
+                                            <p:cond delay="0"/>
+                                          </p:stCondLst>
+                                        </p:cTn>
+                                        <p:tgtEl>
+                                          <p:spTgt spid="14"/>
+                                        </p:tgtEl>
+                                        <p:attrNameLst>
+                                          <p:attrName>style.visibility</p:attrName>
+                                        </p:attrNameLst>
+                                      </p:cBhvr>
+                                      <p:to>
+                                        <p:strVal val="visible"/>
+                                      </p:to>
+                                    </p:set>
+                                  </p:childTnLst>
+                                </p:cTn>
+                              </p:par>
+                            </p:childTnLst>
+                          </p:cTn>
+                        </p:par>
+                      </p:childTnLst>
+                    </p:cTn>
+                  </p:par>
+                </p:childTnLst>
+              </p:cTn>
+              <p:prevCondLst>
+                <p:cond evt="onPrev" delay="0">
+                  <p:tgtEl>
+                    <p:sldTgt/>
+                  </p:tgtEl>
+                </p:cond>
+              </p:prevCondLst>
+              <p:nextCondLst>
+                <p:cond evt="onNext" delay="0">
+                  <p:tgtEl>
+                    <p:sldTgt/>
+                  </p:tgtEl>
+                </p:cond>
+              </p:nextCondLst>
+            </p:seq>
+          </p:childTnLst>
+        </p:cTn>
+      </p:par>
+    </p:tnLst>
+    <p:bldLst>
+      <p:bldP spid="4" grpId="0" uiExpand="1" build="p"/>
+      <p:bldP spid="5" grpId="0" animBg="1"/>
+      <p:bldP spid="6" grpId="0" animBg="1"/>
+      <p:bldP spid="14" grpId="0" animBg="1"/>
+    </p:bldLst>
+  </p:timing>
 </p:sld>
 </file>
 
-<file path=ppt/slides/slide8.xml><?xml version="1.0" encoding="utf-8"?>
+<file path=ppt/slides/slide9.xml><?xml version="1.0" encoding="utf-8"?>
 <p:sld xmlns:a="http://schemas.openxmlformats.org/drawingml/2006/main" xmlns:r="http://schemas.openxmlformats.org/officeDocument/2006/relationships" xmlns:p="http://schemas.openxmlformats.org/presentationml/2006/main">
   <p:cSld>
     <p:spTree>
@@ -4399,7 +11072,7 @@
         <p:spPr>
           <a:xfrm>
             <a:off x="910443" y="3983855"/>
-            <a:ext cx="6574407" cy="369332"/>
+            <a:ext cx="6574407" cy="646331"/>
           </a:xfrm>
           <a:prstGeom prst="rect">
             <a:avLst/>
@@ -4422,30 +11095,249 @@
           <a:lstStyle/>
           <a:p>
             <a:r>
+              <a:rPr lang="nl-BE" dirty="0" err="1">
+                <a:latin typeface="Courier New" panose="02070309020205020404" pitchFamily="49" charset="0"/>
+                <a:cs typeface="Courier New" panose="02070309020205020404" pitchFamily="49" charset="0"/>
+              </a:rPr>
+              <a:t>dmtcp_coordinator</a:t>
+            </a:r>
+            <a:r>
               <a:rPr lang="nl-BE" dirty="0">
                 <a:latin typeface="Courier New" panose="02070309020205020404" pitchFamily="49" charset="0"/>
                 <a:cs typeface="Courier New" panose="02070309020205020404" pitchFamily="49" charset="0"/>
               </a:rPr>
-              <a:t>m</a:t>
-            </a:r>
-            <a:r>
-              <a:rPr lang="nl-BE" dirty="0" smtClean="0">
-                <a:latin typeface="Courier New" panose="02070309020205020404" pitchFamily="49" charset="0"/>
-                <a:cs typeface="Courier New" panose="02070309020205020404" pitchFamily="49" charset="0"/>
-              </a:rPr>
-              <a:t>odule load </a:t>
-            </a:r>
-            <a:r>
-              <a:rPr lang="nl-BE" dirty="0" err="1" smtClean="0">
-                <a:latin typeface="Courier New" panose="02070309020205020404" pitchFamily="49" charset="0"/>
-                <a:cs typeface="Courier New" panose="02070309020205020404" pitchFamily="49" charset="0"/>
-              </a:rPr>
-              <a:t>dmtcp</a:t>
+              <a:t> &amp;</a:t>
+            </a:r>
+          </a:p>
+          <a:p>
+            <a:r>
+              <a:rPr lang="nl-BE" dirty="0">
+                <a:latin typeface="Courier New" panose="02070309020205020404" pitchFamily="49" charset="0"/>
+                <a:cs typeface="Courier New" panose="02070309020205020404" pitchFamily="49" charset="0"/>
+              </a:rPr>
+              <a:t>sleep 5</a:t>
             </a:r>
             <a:endParaRPr lang="nl-BE" dirty="0" smtClean="0">
               <a:latin typeface="Courier New" panose="02070309020205020404" pitchFamily="49" charset="0"/>
               <a:cs typeface="Courier New" panose="02070309020205020404" pitchFamily="49" charset="0"/>
             </a:endParaRPr>
+          </a:p>
+        </p:txBody>
+      </p:sp>
+      <p:grpSp>
+        <p:nvGrpSpPr>
+          <p:cNvPr id="6" name="Group 5"/>
+          <p:cNvGrpSpPr/>
+          <p:nvPr/>
+        </p:nvGrpSpPr>
+        <p:grpSpPr>
+          <a:xfrm>
+            <a:off x="3645850" y="4226943"/>
+            <a:ext cx="2867580" cy="906531"/>
+            <a:chOff x="810883" y="4225079"/>
+            <a:chExt cx="2867580" cy="906531"/>
+          </a:xfrm>
+        </p:grpSpPr>
+        <p:sp>
+          <p:nvSpPr>
+            <p:cNvPr id="7" name="TextBox 6"/>
+            <p:cNvSpPr txBox="1"/>
+            <p:nvPr/>
+          </p:nvSpPr>
+          <p:spPr>
+            <a:xfrm>
+              <a:off x="810883" y="4762278"/>
+              <a:ext cx="2867580" cy="369332"/>
+            </a:xfrm>
+            <a:prstGeom prst="rect">
+              <a:avLst/>
+            </a:prstGeom>
+            <a:noFill/>
+            <a:ln>
+              <a:solidFill>
+                <a:schemeClr val="tx1"/>
+              </a:solidFill>
+            </a:ln>
+          </p:spPr>
+          <p:txBody>
+            <a:bodyPr wrap="none" rtlCol="0">
+              <a:spAutoFit/>
+            </a:bodyPr>
+            <a:lstStyle/>
+            <a:p>
+              <a:r>
+                <a:rPr lang="en-US" dirty="0" smtClean="0"/>
+                <a:t>daemon </a:t>
+              </a:r>
+              <a:r>
+                <a:rPr lang="en-US" dirty="0" smtClean="0"/>
+                <a:t>runs in background</a:t>
+              </a:r>
+              <a:r>
+                <a:rPr lang="en-US" dirty="0" smtClean="0"/>
+                <a:t> </a:t>
+              </a:r>
+              <a:endParaRPr lang="nl-BE" dirty="0">
+                <a:latin typeface="Courier New" panose="02070309020205020404" pitchFamily="49" charset="0"/>
+                <a:cs typeface="Courier New" panose="02070309020205020404" pitchFamily="49" charset="0"/>
+              </a:endParaRPr>
+            </a:p>
+          </p:txBody>
+        </p:sp>
+        <p:cxnSp>
+          <p:nvCxnSpPr>
+            <p:cNvPr id="8" name="Straight Arrow Connector 7"/>
+            <p:cNvCxnSpPr>
+              <a:stCxn id="7" idx="0"/>
+            </p:cNvCxnSpPr>
+            <p:nvPr/>
+          </p:nvCxnSpPr>
+          <p:spPr>
+            <a:xfrm flipH="1" flipV="1">
+              <a:off x="810883" y="4225079"/>
+              <a:ext cx="1433790" cy="537199"/>
+            </a:xfrm>
+            <a:prstGeom prst="straightConnector1">
+              <a:avLst/>
+            </a:prstGeom>
+            <a:ln w="19050">
+              <a:solidFill>
+                <a:schemeClr val="tx1"/>
+              </a:solidFill>
+              <a:tailEnd type="stealth" w="lg" len="lg"/>
+            </a:ln>
+          </p:spPr>
+          <p:style>
+            <a:lnRef idx="1">
+              <a:schemeClr val="accent1"/>
+            </a:lnRef>
+            <a:fillRef idx="0">
+              <a:schemeClr val="accent1"/>
+            </a:fillRef>
+            <a:effectRef idx="0">
+              <a:schemeClr val="accent1"/>
+            </a:effectRef>
+            <a:fontRef idx="minor">
+              <a:schemeClr val="tx1"/>
+            </a:fontRef>
+          </p:style>
+        </p:cxnSp>
+      </p:grpSp>
+      <p:grpSp>
+        <p:nvGrpSpPr>
+          <p:cNvPr id="10" name="Group 9"/>
+          <p:cNvGrpSpPr/>
+          <p:nvPr/>
+        </p:nvGrpSpPr>
+        <p:grpSpPr>
+          <a:xfrm>
+            <a:off x="1667693" y="4563375"/>
+            <a:ext cx="4009174" cy="1157320"/>
+            <a:chOff x="810883" y="3974290"/>
+            <a:chExt cx="4009174" cy="1157320"/>
+          </a:xfrm>
+        </p:grpSpPr>
+        <p:sp>
+          <p:nvSpPr>
+            <p:cNvPr id="11" name="TextBox 10"/>
+            <p:cNvSpPr txBox="1"/>
+            <p:nvPr/>
+          </p:nvSpPr>
+          <p:spPr>
+            <a:xfrm>
+              <a:off x="810883" y="4762278"/>
+              <a:ext cx="4009174" cy="369332"/>
+            </a:xfrm>
+            <a:prstGeom prst="rect">
+              <a:avLst/>
+            </a:prstGeom>
+            <a:noFill/>
+            <a:ln>
+              <a:solidFill>
+                <a:schemeClr val="tx1"/>
+              </a:solidFill>
+            </a:ln>
+          </p:spPr>
+          <p:txBody>
+            <a:bodyPr wrap="none" rtlCol="0">
+              <a:spAutoFit/>
+            </a:bodyPr>
+            <a:lstStyle/>
+            <a:p>
+              <a:r>
+                <a:rPr lang="en-US" dirty="0" smtClean="0"/>
+                <a:t>5 seconds delay to ensure daemon </a:t>
+              </a:r>
+              <a:r>
+                <a:rPr lang="en-US" dirty="0" smtClean="0"/>
+                <a:t>runs</a:t>
+              </a:r>
+              <a:endParaRPr lang="nl-BE" dirty="0">
+                <a:latin typeface="Courier New" panose="02070309020205020404" pitchFamily="49" charset="0"/>
+                <a:cs typeface="Courier New" panose="02070309020205020404" pitchFamily="49" charset="0"/>
+              </a:endParaRPr>
+            </a:p>
+          </p:txBody>
+        </p:sp>
+        <p:cxnSp>
+          <p:nvCxnSpPr>
+            <p:cNvPr id="12" name="Straight Arrow Connector 11"/>
+            <p:cNvCxnSpPr>
+              <a:stCxn id="11" idx="0"/>
+            </p:cNvCxnSpPr>
+            <p:nvPr/>
+          </p:nvCxnSpPr>
+          <p:spPr>
+            <a:xfrm flipH="1" flipV="1">
+              <a:off x="1101398" y="3974290"/>
+              <a:ext cx="1714072" cy="787988"/>
+            </a:xfrm>
+            <a:prstGeom prst="straightConnector1">
+              <a:avLst/>
+            </a:prstGeom>
+            <a:ln w="19050">
+              <a:solidFill>
+                <a:schemeClr val="tx1"/>
+              </a:solidFill>
+              <a:tailEnd type="stealth" w="lg" len="lg"/>
+            </a:ln>
+          </p:spPr>
+          <p:style>
+            <a:lnRef idx="1">
+              <a:schemeClr val="accent1"/>
+            </a:lnRef>
+            <a:fillRef idx="0">
+              <a:schemeClr val="accent1"/>
+            </a:fillRef>
+            <a:effectRef idx="0">
+              <a:schemeClr val="accent1"/>
+            </a:effectRef>
+            <a:fontRef idx="minor">
+              <a:schemeClr val="tx1"/>
+            </a:fontRef>
+          </p:style>
+        </p:cxnSp>
+      </p:grpSp>
+      <p:sp>
+        <p:nvSpPr>
+          <p:cNvPr id="14" name="Slide Number Placeholder 13"/>
+          <p:cNvSpPr>
+            <a:spLocks noGrp="1"/>
+          </p:cNvSpPr>
+          <p:nvPr>
+            <p:ph type="sldNum" sz="quarter" idx="12"/>
+          </p:nvPr>
+        </p:nvSpPr>
+        <p:spPr/>
+        <p:txBody>
+          <a:bodyPr/>
+          <a:lstStyle/>
+          <a:p>
+            <a:fld id="{0E10C2AD-1307-4F27-A6A5-469AD3C2F368}" type="slidenum">
+              <a:rPr lang="nl-BE" smtClean="0"/>
+              <a:t>9</a:t>
+            </a:fld>
+            <a:endParaRPr lang="nl-BE"/>
           </a:p>
         </p:txBody>
       </p:sp>
@@ -4459,6 +11351,335 @@
   <p:clrMapOvr>
     <a:masterClrMapping/>
   </p:clrMapOvr>
+  <p:timing>
+    <p:tnLst>
+      <p:par>
+        <p:cTn id="1" dur="indefinite" restart="never" nodeType="tmRoot">
+          <p:childTnLst>
+            <p:seq concurrent="1" nextAc="seek">
+              <p:cTn id="2" dur="indefinite" nodeType="mainSeq">
+                <p:childTnLst>
+                  <p:par>
+                    <p:cTn id="3" fill="hold">
+                      <p:stCondLst>
+                        <p:cond delay="indefinite"/>
+                        <p:cond evt="onBegin" delay="0">
+                          <p:tn val="2"/>
+                        </p:cond>
+                      </p:stCondLst>
+                      <p:childTnLst>
+                        <p:par>
+                          <p:cTn id="4" fill="hold">
+                            <p:stCondLst>
+                              <p:cond delay="0"/>
+                            </p:stCondLst>
+                            <p:childTnLst>
+                              <p:par>
+                                <p:cTn id="5" presetID="1" presetClass="entr" presetSubtype="0" fill="hold" grpId="0" nodeType="withEffect">
+                                  <p:stCondLst>
+                                    <p:cond delay="0"/>
+                                  </p:stCondLst>
+                                  <p:childTnLst>
+                                    <p:set>
+                                      <p:cBhvr>
+                                        <p:cTn id="6" dur="1" fill="hold">
+                                          <p:stCondLst>
+                                            <p:cond delay="0"/>
+                                          </p:stCondLst>
+                                        </p:cTn>
+                                        <p:tgtEl>
+                                          <p:spTgt spid="3">
+                                            <p:txEl>
+                                              <p:pRg st="0" end="0"/>
+                                            </p:txEl>
+                                          </p:spTgt>
+                                        </p:tgtEl>
+                                        <p:attrNameLst>
+                                          <p:attrName>style.visibility</p:attrName>
+                                        </p:attrNameLst>
+                                      </p:cBhvr>
+                                      <p:to>
+                                        <p:strVal val="visible"/>
+                                      </p:to>
+                                    </p:set>
+                                  </p:childTnLst>
+                                </p:cTn>
+                              </p:par>
+                            </p:childTnLst>
+                          </p:cTn>
+                        </p:par>
+                      </p:childTnLst>
+                    </p:cTn>
+                  </p:par>
+                  <p:par>
+                    <p:cTn id="7" fill="hold">
+                      <p:stCondLst>
+                        <p:cond delay="indefinite"/>
+                      </p:stCondLst>
+                      <p:childTnLst>
+                        <p:par>
+                          <p:cTn id="8" fill="hold">
+                            <p:stCondLst>
+                              <p:cond delay="0"/>
+                            </p:stCondLst>
+                            <p:childTnLst>
+                              <p:par>
+                                <p:cTn id="9" presetID="1" presetClass="entr" presetSubtype="0" fill="hold" grpId="0" nodeType="clickEffect">
+                                  <p:stCondLst>
+                                    <p:cond delay="0"/>
+                                  </p:stCondLst>
+                                  <p:childTnLst>
+                                    <p:set>
+                                      <p:cBhvr>
+                                        <p:cTn id="10" dur="1" fill="hold">
+                                          <p:stCondLst>
+                                            <p:cond delay="0"/>
+                                          </p:stCondLst>
+                                        </p:cTn>
+                                        <p:tgtEl>
+                                          <p:spTgt spid="3">
+                                            <p:txEl>
+                                              <p:pRg st="1" end="1"/>
+                                            </p:txEl>
+                                          </p:spTgt>
+                                        </p:tgtEl>
+                                        <p:attrNameLst>
+                                          <p:attrName>style.visibility</p:attrName>
+                                        </p:attrNameLst>
+                                      </p:cBhvr>
+                                      <p:to>
+                                        <p:strVal val="visible"/>
+                                      </p:to>
+                                    </p:set>
+                                  </p:childTnLst>
+                                </p:cTn>
+                              </p:par>
+                              <p:par>
+                                <p:cTn id="11" presetID="1" presetClass="entr" presetSubtype="0" fill="hold" grpId="0" nodeType="withEffect">
+                                  <p:stCondLst>
+                                    <p:cond delay="0"/>
+                                  </p:stCondLst>
+                                  <p:childTnLst>
+                                    <p:set>
+                                      <p:cBhvr>
+                                        <p:cTn id="12" dur="1" fill="hold">
+                                          <p:stCondLst>
+                                            <p:cond delay="0"/>
+                                          </p:stCondLst>
+                                        </p:cTn>
+                                        <p:tgtEl>
+                                          <p:spTgt spid="4"/>
+                                        </p:tgtEl>
+                                        <p:attrNameLst>
+                                          <p:attrName>style.visibility</p:attrName>
+                                        </p:attrNameLst>
+                                      </p:cBhvr>
+                                      <p:to>
+                                        <p:strVal val="visible"/>
+                                      </p:to>
+                                    </p:set>
+                                  </p:childTnLst>
+                                </p:cTn>
+                              </p:par>
+                            </p:childTnLst>
+                          </p:cTn>
+                        </p:par>
+                      </p:childTnLst>
+                    </p:cTn>
+                  </p:par>
+                  <p:par>
+                    <p:cTn id="13" fill="hold">
+                      <p:stCondLst>
+                        <p:cond delay="indefinite"/>
+                      </p:stCondLst>
+                      <p:childTnLst>
+                        <p:par>
+                          <p:cTn id="14" fill="hold">
+                            <p:stCondLst>
+                              <p:cond delay="0"/>
+                            </p:stCondLst>
+                            <p:childTnLst>
+                              <p:par>
+                                <p:cTn id="15" presetID="1" presetClass="entr" presetSubtype="0" fill="hold" grpId="0" nodeType="clickEffect">
+                                  <p:stCondLst>
+                                    <p:cond delay="0"/>
+                                  </p:stCondLst>
+                                  <p:childTnLst>
+                                    <p:set>
+                                      <p:cBhvr>
+                                        <p:cTn id="16" dur="1" fill="hold">
+                                          <p:stCondLst>
+                                            <p:cond delay="0"/>
+                                          </p:stCondLst>
+                                        </p:cTn>
+                                        <p:tgtEl>
+                                          <p:spTgt spid="3">
+                                            <p:txEl>
+                                              <p:pRg st="3" end="3"/>
+                                            </p:txEl>
+                                          </p:spTgt>
+                                        </p:tgtEl>
+                                        <p:attrNameLst>
+                                          <p:attrName>style.visibility</p:attrName>
+                                        </p:attrNameLst>
+                                      </p:cBhvr>
+                                      <p:to>
+                                        <p:strVal val="visible"/>
+                                      </p:to>
+                                    </p:set>
+                                  </p:childTnLst>
+                                </p:cTn>
+                              </p:par>
+                              <p:par>
+                                <p:cTn id="17" presetID="1" presetClass="entr" presetSubtype="0" fill="hold" grpId="0" nodeType="withEffect">
+                                  <p:stCondLst>
+                                    <p:cond delay="0"/>
+                                  </p:stCondLst>
+                                  <p:childTnLst>
+                                    <p:set>
+                                      <p:cBhvr>
+                                        <p:cTn id="18" dur="1" fill="hold">
+                                          <p:stCondLst>
+                                            <p:cond delay="0"/>
+                                          </p:stCondLst>
+                                        </p:cTn>
+                                        <p:tgtEl>
+                                          <p:spTgt spid="5"/>
+                                        </p:tgtEl>
+                                        <p:attrNameLst>
+                                          <p:attrName>style.visibility</p:attrName>
+                                        </p:attrNameLst>
+                                      </p:cBhvr>
+                                      <p:to>
+                                        <p:strVal val="visible"/>
+                                      </p:to>
+                                    </p:set>
+                                  </p:childTnLst>
+                                </p:cTn>
+                              </p:par>
+                            </p:childTnLst>
+                          </p:cTn>
+                        </p:par>
+                      </p:childTnLst>
+                    </p:cTn>
+                  </p:par>
+                  <p:par>
+                    <p:cTn id="19" fill="hold">
+                      <p:stCondLst>
+                        <p:cond delay="indefinite"/>
+                      </p:stCondLst>
+                      <p:childTnLst>
+                        <p:par>
+                          <p:cTn id="20" fill="hold">
+                            <p:stCondLst>
+                              <p:cond delay="0"/>
+                            </p:stCondLst>
+                            <p:childTnLst>
+                              <p:par>
+                                <p:cTn id="21" presetID="1" presetClass="entr" presetSubtype="0" fill="hold" nodeType="clickEffect">
+                                  <p:stCondLst>
+                                    <p:cond delay="0"/>
+                                  </p:stCondLst>
+                                  <p:childTnLst>
+                                    <p:set>
+                                      <p:cBhvr>
+                                        <p:cTn id="22" dur="1" fill="hold">
+                                          <p:stCondLst>
+                                            <p:cond delay="0"/>
+                                          </p:stCondLst>
+                                        </p:cTn>
+                                        <p:tgtEl>
+                                          <p:spTgt spid="6"/>
+                                        </p:tgtEl>
+                                        <p:attrNameLst>
+                                          <p:attrName>style.visibility</p:attrName>
+                                        </p:attrNameLst>
+                                      </p:cBhvr>
+                                      <p:to>
+                                        <p:strVal val="visible"/>
+                                      </p:to>
+                                    </p:set>
+                                  </p:childTnLst>
+                                </p:cTn>
+                              </p:par>
+                            </p:childTnLst>
+                          </p:cTn>
+                        </p:par>
+                      </p:childTnLst>
+                    </p:cTn>
+                  </p:par>
+                  <p:par>
+                    <p:cTn id="23" fill="hold">
+                      <p:stCondLst>
+                        <p:cond delay="indefinite"/>
+                      </p:stCondLst>
+                      <p:childTnLst>
+                        <p:par>
+                          <p:cTn id="24" fill="hold">
+                            <p:stCondLst>
+                              <p:cond delay="0"/>
+                            </p:stCondLst>
+                            <p:childTnLst>
+                              <p:par>
+                                <p:cTn id="25" presetID="1" presetClass="entr" presetSubtype="0" fill="hold" nodeType="clickEffect">
+                                  <p:stCondLst>
+                                    <p:cond delay="0"/>
+                                  </p:stCondLst>
+                                  <p:childTnLst>
+                                    <p:set>
+                                      <p:cBhvr>
+                                        <p:cTn id="26" dur="1" fill="hold">
+                                          <p:stCondLst>
+                                            <p:cond delay="0"/>
+                                          </p:stCondLst>
+                                        </p:cTn>
+                                        <p:tgtEl>
+                                          <p:spTgt spid="10"/>
+                                        </p:tgtEl>
+                                        <p:attrNameLst>
+                                          <p:attrName>style.visibility</p:attrName>
+                                        </p:attrNameLst>
+                                      </p:cBhvr>
+                                      <p:to>
+                                        <p:strVal val="visible"/>
+                                      </p:to>
+                                    </p:set>
+                                  </p:childTnLst>
+                                </p:cTn>
+                              </p:par>
+                            </p:childTnLst>
+                          </p:cTn>
+                        </p:par>
+                      </p:childTnLst>
+                    </p:cTn>
+                  </p:par>
+                </p:childTnLst>
+              </p:cTn>
+              <p:prevCondLst>
+                <p:cond evt="onPrev" delay="0">
+                  <p:tgtEl>
+                    <p:sldTgt/>
+                  </p:tgtEl>
+                </p:cond>
+              </p:prevCondLst>
+              <p:nextCondLst>
+                <p:cond evt="onNext" delay="0">
+                  <p:tgtEl>
+                    <p:sldTgt/>
+                  </p:tgtEl>
+                </p:cond>
+              </p:nextCondLst>
+            </p:seq>
+          </p:childTnLst>
+        </p:cTn>
+      </p:par>
+    </p:tnLst>
+    <p:bldLst>
+      <p:bldP spid="3" grpId="0" uiExpand="1" build="p"/>
+      <p:bldP spid="4" grpId="0" animBg="1"/>
+      <p:bldP spid="5" grpId="0" animBg="1"/>
+    </p:bldLst>
+  </p:timing>
 </p:sld>
 </file>
 
@@ -4721,4 +11942,265 @@
     </a:ext>
   </a:extLst>
 </a:theme>
+</file>
+
+<file path=ppt/theme/theme2.xml><?xml version="1.0" encoding="utf-8"?>
+<a:theme xmlns:a="http://schemas.openxmlformats.org/drawingml/2006/main" name="Office Theme">
+  <a:themeElements>
+    <a:clrScheme name="Office">
+      <a:dk1>
+        <a:sysClr val="windowText" lastClr="000000"/>
+      </a:dk1>
+      <a:lt1>
+        <a:sysClr val="window" lastClr="FFFFFF"/>
+      </a:lt1>
+      <a:dk2>
+        <a:srgbClr val="44546A"/>
+      </a:dk2>
+      <a:lt2>
+        <a:srgbClr val="E7E6E6"/>
+      </a:lt2>
+      <a:accent1>
+        <a:srgbClr val="5B9BD5"/>
+      </a:accent1>
+      <a:accent2>
+        <a:srgbClr val="ED7D31"/>
+      </a:accent2>
+      <a:accent3>
+        <a:srgbClr val="A5A5A5"/>
+      </a:accent3>
+      <a:accent4>
+        <a:srgbClr val="FFC000"/>
+      </a:accent4>
+      <a:accent5>
+        <a:srgbClr val="4472C4"/>
+      </a:accent5>
+      <a:accent6>
+        <a:srgbClr val="70AD47"/>
+      </a:accent6>
+      <a:hlink>
+        <a:srgbClr val="0563C1"/>
+      </a:hlink>
+      <a:folHlink>
+        <a:srgbClr val="954F72"/>
+      </a:folHlink>
+    </a:clrScheme>
+    <a:fontScheme name="Office">
+      <a:majorFont>
+        <a:latin typeface="Calibri Light" panose="020F0302020204030204"/>
+        <a:ea typeface=""/>
+        <a:cs typeface=""/>
+        <a:font script="Jpan" typeface="ＭＳ Ｐゴシック"/>
+        <a:font script="Hang" typeface="맑은 고딕"/>
+        <a:font script="Hans" typeface="宋体"/>
+        <a:font script="Hant" typeface="新細明體"/>
+        <a:font script="Arab" typeface="Times New Roman"/>
+        <a:font script="Hebr" typeface="Times New Roman"/>
+        <a:font script="Thai" typeface="Angsana New"/>
+        <a:font script="Ethi" typeface="Nyala"/>
+        <a:font script="Beng" typeface="Vrinda"/>
+        <a:font script="Gujr" typeface="Shruti"/>
+        <a:font script="Khmr" typeface="MoolBoran"/>
+        <a:font script="Knda" typeface="Tunga"/>
+        <a:font script="Guru" typeface="Raavi"/>
+        <a:font script="Cans" typeface="Euphemia"/>
+        <a:font script="Cher" typeface="Plantagenet Cherokee"/>
+        <a:font script="Yiii" typeface="Microsoft Yi Baiti"/>
+        <a:font script="Tibt" typeface="Microsoft Himalaya"/>
+        <a:font script="Thaa" typeface="MV Boli"/>
+        <a:font script="Deva" typeface="Mangal"/>
+        <a:font script="Telu" typeface="Gautami"/>
+        <a:font script="Taml" typeface="Latha"/>
+        <a:font script="Syrc" typeface="Estrangelo Edessa"/>
+        <a:font script="Orya" typeface="Kalinga"/>
+        <a:font script="Mlym" typeface="Kartika"/>
+        <a:font script="Laoo" typeface="DokChampa"/>
+        <a:font script="Sinh" typeface="Iskoola Pota"/>
+        <a:font script="Mong" typeface="Mongolian Baiti"/>
+        <a:font script="Viet" typeface="Times New Roman"/>
+        <a:font script="Uigh" typeface="Microsoft Uighur"/>
+        <a:font script="Geor" typeface="Sylfaen"/>
+      </a:majorFont>
+      <a:minorFont>
+        <a:latin typeface="Calibri" panose="020F0502020204030204"/>
+        <a:ea typeface=""/>
+        <a:cs typeface=""/>
+        <a:font script="Jpan" typeface="ＭＳ Ｐゴシック"/>
+        <a:font script="Hang" typeface="맑은 고딕"/>
+        <a:font script="Hans" typeface="宋体"/>
+        <a:font script="Hant" typeface="新細明體"/>
+        <a:font script="Arab" typeface="Arial"/>
+        <a:font script="Hebr" typeface="Arial"/>
+        <a:font script="Thai" typeface="Cordia New"/>
+        <a:font script="Ethi" typeface="Nyala"/>
+        <a:font script="Beng" typeface="Vrinda"/>
+        <a:font script="Gujr" typeface="Shruti"/>
+        <a:font script="Khmr" typeface="DaunPenh"/>
+        <a:font script="Knda" typeface="Tunga"/>
+        <a:font script="Guru" typeface="Raavi"/>
+        <a:font script="Cans" typeface="Euphemia"/>
+        <a:font script="Cher" typeface="Plantagenet Cherokee"/>
+        <a:font script="Yiii" typeface="Microsoft Yi Baiti"/>
+        <a:font script="Tibt" typeface="Microsoft Himalaya"/>
+        <a:font script="Thaa" typeface="MV Boli"/>
+        <a:font script="Deva" typeface="Mangal"/>
+        <a:font script="Telu" typeface="Gautami"/>
+        <a:font script="Taml" typeface="Latha"/>
+        <a:font script="Syrc" typeface="Estrangelo Edessa"/>
+        <a:font script="Orya" typeface="Kalinga"/>
+        <a:font script="Mlym" typeface="Kartika"/>
+        <a:font script="Laoo" typeface="DokChampa"/>
+        <a:font script="Sinh" typeface="Iskoola Pota"/>
+        <a:font script="Mong" typeface="Mongolian Baiti"/>
+        <a:font script="Viet" typeface="Arial"/>
+        <a:font script="Uigh" typeface="Microsoft Uighur"/>
+        <a:font script="Geor" typeface="Sylfaen"/>
+      </a:minorFont>
+    </a:fontScheme>
+    <a:fmtScheme name="Office">
+      <a:fillStyleLst>
+        <a:solidFill>
+          <a:schemeClr val="phClr"/>
+        </a:solidFill>
+        <a:gradFill rotWithShape="1">
+          <a:gsLst>
+            <a:gs pos="0">
+              <a:schemeClr val="phClr">
+                <a:lumMod val="110000"/>
+                <a:satMod val="105000"/>
+                <a:tint val="67000"/>
+              </a:schemeClr>
+            </a:gs>
+            <a:gs pos="50000">
+              <a:schemeClr val="phClr">
+                <a:lumMod val="105000"/>
+                <a:satMod val="103000"/>
+                <a:tint val="73000"/>
+              </a:schemeClr>
+            </a:gs>
+            <a:gs pos="100000">
+              <a:schemeClr val="phClr">
+                <a:lumMod val="105000"/>
+                <a:satMod val="109000"/>
+                <a:tint val="81000"/>
+              </a:schemeClr>
+            </a:gs>
+          </a:gsLst>
+          <a:lin ang="5400000" scaled="0"/>
+        </a:gradFill>
+        <a:gradFill rotWithShape="1">
+          <a:gsLst>
+            <a:gs pos="0">
+              <a:schemeClr val="phClr">
+                <a:satMod val="103000"/>
+                <a:lumMod val="102000"/>
+                <a:tint val="94000"/>
+              </a:schemeClr>
+            </a:gs>
+            <a:gs pos="50000">
+              <a:schemeClr val="phClr">
+                <a:satMod val="110000"/>
+                <a:lumMod val="100000"/>
+                <a:shade val="100000"/>
+              </a:schemeClr>
+            </a:gs>
+            <a:gs pos="100000">
+              <a:schemeClr val="phClr">
+                <a:lumMod val="99000"/>
+                <a:satMod val="120000"/>
+                <a:shade val="78000"/>
+              </a:schemeClr>
+            </a:gs>
+          </a:gsLst>
+          <a:lin ang="5400000" scaled="0"/>
+        </a:gradFill>
+      </a:fillStyleLst>
+      <a:lnStyleLst>
+        <a:ln w="6350" cap="flat" cmpd="sng" algn="ctr">
+          <a:solidFill>
+            <a:schemeClr val="phClr"/>
+          </a:solidFill>
+          <a:prstDash val="solid"/>
+          <a:miter lim="800000"/>
+        </a:ln>
+        <a:ln w="12700" cap="flat" cmpd="sng" algn="ctr">
+          <a:solidFill>
+            <a:schemeClr val="phClr"/>
+          </a:solidFill>
+          <a:prstDash val="solid"/>
+          <a:miter lim="800000"/>
+        </a:ln>
+        <a:ln w="19050" cap="flat" cmpd="sng" algn="ctr">
+          <a:solidFill>
+            <a:schemeClr val="phClr"/>
+          </a:solidFill>
+          <a:prstDash val="solid"/>
+          <a:miter lim="800000"/>
+        </a:ln>
+      </a:lnStyleLst>
+      <a:effectStyleLst>
+        <a:effectStyle>
+          <a:effectLst/>
+        </a:effectStyle>
+        <a:effectStyle>
+          <a:effectLst/>
+        </a:effectStyle>
+        <a:effectStyle>
+          <a:effectLst>
+            <a:outerShdw blurRad="57150" dist="19050" dir="5400000" algn="ctr" rotWithShape="0">
+              <a:srgbClr val="000000">
+                <a:alpha val="63000"/>
+              </a:srgbClr>
+            </a:outerShdw>
+          </a:effectLst>
+        </a:effectStyle>
+      </a:effectStyleLst>
+      <a:bgFillStyleLst>
+        <a:solidFill>
+          <a:schemeClr val="phClr"/>
+        </a:solidFill>
+        <a:solidFill>
+          <a:schemeClr val="phClr">
+            <a:tint val="95000"/>
+            <a:satMod val="170000"/>
+          </a:schemeClr>
+        </a:solidFill>
+        <a:gradFill rotWithShape="1">
+          <a:gsLst>
+            <a:gs pos="0">
+              <a:schemeClr val="phClr">
+                <a:tint val="93000"/>
+                <a:satMod val="150000"/>
+                <a:shade val="98000"/>
+                <a:lumMod val="102000"/>
+              </a:schemeClr>
+            </a:gs>
+            <a:gs pos="50000">
+              <a:schemeClr val="phClr">
+                <a:tint val="98000"/>
+                <a:satMod val="130000"/>
+                <a:shade val="90000"/>
+                <a:lumMod val="103000"/>
+              </a:schemeClr>
+            </a:gs>
+            <a:gs pos="100000">
+              <a:schemeClr val="phClr">
+                <a:shade val="63000"/>
+                <a:satMod val="120000"/>
+              </a:schemeClr>
+            </a:gs>
+          </a:gsLst>
+          <a:lin ang="5400000" scaled="0"/>
+        </a:gradFill>
+      </a:bgFillStyleLst>
+    </a:fmtScheme>
+  </a:themeElements>
+  <a:objectDefaults/>
+  <a:extraClrSchemeLst/>
+  <a:extLst>
+    <a:ext uri="{05A4C25C-085E-4340-85A3-A5531E510DB2}">
+      <thm15:themeFamily xmlns:thm15="http://schemas.microsoft.com/office/thememl/2012/main" name="Office Theme" id="{62F939B6-93AF-4DB8-9C6B-D6C7DFDC589F}" vid="{4A3C46E8-61CC-4603-A589-7422A47A8E4A}"/>
+    </a:ext>
+  </a:extLst>
+</a:theme>
 </file>
--- a/LinuxTools/Checkpointing/checkpointing.pptx
+++ b/LinuxTools/Checkpointing/checkpointing.pptx
@@ -3703,35 +3703,7 @@
                 <a:latin typeface="Courier New" panose="02070309020205020404" pitchFamily="49" charset="0"/>
                 <a:cs typeface="Courier New" panose="02070309020205020404" pitchFamily="49" charset="0"/>
               </a:rPr>
-              <a:t>  ./</a:t>
-            </a:r>
-            <a:r>
-              <a:rPr lang="nl-BE" dirty="0" smtClean="0">
-                <a:latin typeface="Courier New" panose="02070309020205020404" pitchFamily="49" charset="0"/>
-                <a:cs typeface="Courier New" panose="02070309020205020404" pitchFamily="49" charset="0"/>
-              </a:rPr>
-              <a:t>file_io.exe  </a:t>
-            </a:r>
-            <a:r>
-              <a:rPr lang="nl-BE" dirty="0" smtClean="0">
-                <a:latin typeface="Courier New" panose="02070309020205020404" pitchFamily="49" charset="0"/>
-                <a:cs typeface="Courier New" panose="02070309020205020404" pitchFamily="49" charset="0"/>
-              </a:rPr>
-              <a:t>dump.txt  </a:t>
-            </a:r>
-            <a:r>
-              <a:rPr lang="nl-BE" dirty="0" smtClean="0">
-                <a:latin typeface="Courier New" panose="02070309020205020404" pitchFamily="49" charset="0"/>
-                <a:cs typeface="Courier New" panose="02070309020205020404" pitchFamily="49" charset="0"/>
-              </a:rPr>
-              <a:t>$(( 12*60*100 ))  </a:t>
-            </a:r>
-            <a:r>
-              <a:rPr lang="nl-BE" dirty="0" smtClean="0">
-                <a:latin typeface="Courier New" panose="02070309020205020404" pitchFamily="49" charset="0"/>
-                <a:cs typeface="Courier New" panose="02070309020205020404" pitchFamily="49" charset="0"/>
-              </a:rPr>
-              <a:t>1</a:t>
+              <a:t>  ./file_io.exe  dump.txt  $(( 12*60*100 ))  1</a:t>
             </a:r>
             <a:endParaRPr lang="nl-BE" dirty="0">
               <a:latin typeface="Courier New" panose="02070309020205020404" pitchFamily="49" charset="0"/>
@@ -3828,11 +3800,7 @@
             <a:p>
               <a:r>
                 <a:rPr lang="en-US" dirty="0" smtClean="0"/>
-                <a:t>ensure daemon (in background) quits befor</a:t>
-              </a:r>
-              <a:r>
-                <a:rPr lang="en-US" dirty="0" smtClean="0"/>
-                <a:t>e terminating PBS script</a:t>
+                <a:t>ensure daemon (in background) quits before terminating PBS script</a:t>
               </a:r>
               <a:endParaRPr lang="nl-BE" dirty="0">
                 <a:latin typeface="Courier New" panose="02070309020205020404" pitchFamily="49" charset="0"/>
@@ -4286,6 +4254,17 @@
               </a:rPr>
               <a:t>=48:00:00</a:t>
             </a:r>
+          </a:p>
+          <a:p>
+            <a:r>
+              <a:rPr lang="nl-BE" dirty="0" smtClean="0">
+                <a:latin typeface="Courier New" panose="02070309020205020404" pitchFamily="49" charset="0"/>
+                <a:cs typeface="Courier New" panose="02070309020205020404" pitchFamily="49" charset="0"/>
+              </a:rPr>
+              <a:t>#PBS -l mem=5gb</a:t>
+            </a:r>
+          </a:p>
+          <a:p>
             <a:endParaRPr lang="nl-BE" dirty="0" smtClean="0">
               <a:latin typeface="Courier New" panose="02070309020205020404" pitchFamily="49" charset="0"/>
               <a:cs typeface="Courier New" panose="02070309020205020404" pitchFamily="49" charset="0"/>
@@ -4297,10 +4276,148 @@
                 <a:latin typeface="Courier New" panose="02070309020205020404" pitchFamily="49" charset="0"/>
                 <a:cs typeface="Courier New" panose="02070309020205020404" pitchFamily="49" charset="0"/>
               </a:rPr>
-              <a:t>#PBS -l mem=5gb</a:t>
-            </a:r>
-          </a:p>
-          <a:p>
+              <a:t>cd $PBS_O_WORKDIR</a:t>
+            </a:r>
+          </a:p>
+          <a:p>
+            <a:r>
+              <a:rPr lang="en-US" dirty="0" smtClean="0">
+                <a:latin typeface="Courier New" panose="02070309020205020404" pitchFamily="49" charset="0"/>
+                <a:cs typeface="Courier New" panose="02070309020205020404" pitchFamily="49" charset="0"/>
+              </a:rPr>
+              <a:t>module load </a:t>
+            </a:r>
+            <a:r>
+              <a:rPr lang="en-US" dirty="0" err="1" smtClean="0">
+                <a:latin typeface="Courier New" panose="02070309020205020404" pitchFamily="49" charset="0"/>
+                <a:cs typeface="Courier New" panose="02070309020205020404" pitchFamily="49" charset="0"/>
+              </a:rPr>
+              <a:t>dmtcp</a:t>
+            </a:r>
+            <a:endParaRPr lang="en-US" dirty="0" smtClean="0">
+              <a:latin typeface="Courier New" panose="02070309020205020404" pitchFamily="49" charset="0"/>
+              <a:cs typeface="Courier New" panose="02070309020205020404" pitchFamily="49" charset="0"/>
+            </a:endParaRPr>
+          </a:p>
+          <a:p>
+            <a:endParaRPr lang="en-US" dirty="0" smtClean="0">
+              <a:latin typeface="Courier New" panose="02070309020205020404" pitchFamily="49" charset="0"/>
+              <a:cs typeface="Courier New" panose="02070309020205020404" pitchFamily="49" charset="0"/>
+            </a:endParaRPr>
+          </a:p>
+          <a:p>
+            <a:r>
+              <a:rPr lang="nl-BE" dirty="0" smtClean="0">
+                <a:latin typeface="Courier New" panose="02070309020205020404" pitchFamily="49" charset="0"/>
+                <a:cs typeface="Courier New" panose="02070309020205020404" pitchFamily="49" charset="0"/>
+              </a:rPr>
+              <a:t>export </a:t>
+            </a:r>
+            <a:r>
+              <a:rPr lang="nl-BE" dirty="0">
+                <a:latin typeface="Courier New" panose="02070309020205020404" pitchFamily="49" charset="0"/>
+                <a:cs typeface="Courier New" panose="02070309020205020404" pitchFamily="49" charset="0"/>
+              </a:rPr>
+              <a:t>DMTCP_CHECKPOINT_DIR="$(</a:t>
+            </a:r>
+            <a:r>
+              <a:rPr lang="nl-BE" dirty="0" err="1">
+                <a:latin typeface="Courier New" panose="02070309020205020404" pitchFamily="49" charset="0"/>
+                <a:cs typeface="Courier New" panose="02070309020205020404" pitchFamily="49" charset="0"/>
+              </a:rPr>
+              <a:t>pwd</a:t>
+            </a:r>
+            <a:r>
+              <a:rPr lang="nl-BE" dirty="0">
+                <a:latin typeface="Courier New" panose="02070309020205020404" pitchFamily="49" charset="0"/>
+                <a:cs typeface="Courier New" panose="02070309020205020404" pitchFamily="49" charset="0"/>
+              </a:rPr>
+              <a:t>)/</a:t>
+            </a:r>
+            <a:r>
+              <a:rPr lang="nl-BE" dirty="0" err="1">
+                <a:latin typeface="Courier New" panose="02070309020205020404" pitchFamily="49" charset="0"/>
+                <a:cs typeface="Courier New" panose="02070309020205020404" pitchFamily="49" charset="0"/>
+              </a:rPr>
+              <a:t>ckpt</a:t>
+            </a:r>
+            <a:r>
+              <a:rPr lang="nl-BE" dirty="0">
+                <a:latin typeface="Courier New" panose="02070309020205020404" pitchFamily="49" charset="0"/>
+                <a:cs typeface="Courier New" panose="02070309020205020404" pitchFamily="49" charset="0"/>
+              </a:rPr>
+              <a:t>"</a:t>
+            </a:r>
+          </a:p>
+          <a:p>
+            <a:r>
+              <a:rPr lang="en-US" dirty="0" err="1">
+                <a:latin typeface="Courier New" panose="02070309020205020404" pitchFamily="49" charset="0"/>
+                <a:cs typeface="Courier New" panose="02070309020205020404" pitchFamily="49" charset="0"/>
+              </a:rPr>
+              <a:t>mkdir</a:t>
+            </a:r>
+            <a:r>
+              <a:rPr lang="en-US" dirty="0">
+                <a:latin typeface="Courier New" panose="02070309020205020404" pitchFamily="49" charset="0"/>
+                <a:cs typeface="Courier New" panose="02070309020205020404" pitchFamily="49" charset="0"/>
+              </a:rPr>
+              <a:t>  -p  $</a:t>
+            </a:r>
+            <a:r>
+              <a:rPr lang="nl-BE" dirty="0">
+                <a:latin typeface="Courier New" panose="02070309020205020404" pitchFamily="49" charset="0"/>
+                <a:cs typeface="Courier New" panose="02070309020205020404" pitchFamily="49" charset="0"/>
+              </a:rPr>
+              <a:t>DMTCP_CHECKPOINT_DIR</a:t>
+            </a:r>
+          </a:p>
+          <a:p>
+            <a:r>
+              <a:rPr lang="en-US" dirty="0">
+                <a:latin typeface="Courier New" panose="02070309020205020404" pitchFamily="49" charset="0"/>
+                <a:cs typeface="Courier New" panose="02070309020205020404" pitchFamily="49" charset="0"/>
+              </a:rPr>
+              <a:t>e</a:t>
+            </a:r>
+            <a:r>
+              <a:rPr lang="en-US" dirty="0" smtClean="0">
+                <a:latin typeface="Courier New" panose="02070309020205020404" pitchFamily="49" charset="0"/>
+                <a:cs typeface="Courier New" panose="02070309020205020404" pitchFamily="49" charset="0"/>
+              </a:rPr>
+              <a:t>xport DMTCP_CHECKPOINT_INTERVAL=$(( 3*3600 ))</a:t>
+            </a:r>
+          </a:p>
+          <a:p>
+            <a:endParaRPr lang="en-US" dirty="0" smtClean="0">
+              <a:latin typeface="Courier New" panose="02070309020205020404" pitchFamily="49" charset="0"/>
+              <a:cs typeface="Courier New" panose="02070309020205020404" pitchFamily="49" charset="0"/>
+            </a:endParaRPr>
+          </a:p>
+          <a:p>
+            <a:r>
+              <a:rPr lang="en-US" dirty="0" err="1" smtClean="0">
+                <a:latin typeface="Courier New" panose="02070309020205020404" pitchFamily="49" charset="0"/>
+                <a:cs typeface="Courier New" panose="02070309020205020404" pitchFamily="49" charset="0"/>
+              </a:rPr>
+              <a:t>dmtcp_coordinator</a:t>
+            </a:r>
+            <a:r>
+              <a:rPr lang="en-US" dirty="0" smtClean="0">
+                <a:latin typeface="Courier New" panose="02070309020205020404" pitchFamily="49" charset="0"/>
+                <a:cs typeface="Courier New" panose="02070309020205020404" pitchFamily="49" charset="0"/>
+              </a:rPr>
+              <a:t> &amp;</a:t>
+            </a:r>
+          </a:p>
+          <a:p>
+            <a:r>
+              <a:rPr lang="en-US" dirty="0" smtClean="0">
+                <a:latin typeface="Courier New" panose="02070309020205020404" pitchFamily="49" charset="0"/>
+                <a:cs typeface="Courier New" panose="02070309020205020404" pitchFamily="49" charset="0"/>
+              </a:rPr>
+              <a:t>sleep 5</a:t>
+            </a:r>
             <a:endParaRPr lang="nl-BE" dirty="0" smtClean="0">
               <a:latin typeface="Courier New" panose="02070309020205020404" pitchFamily="49" charset="0"/>
               <a:cs typeface="Courier New" panose="02070309020205020404" pitchFamily="49" charset="0"/>
@@ -4308,192 +4425,25 @@
           </a:p>
           <a:p>
             <a:r>
+              <a:rPr lang="nl-BE" dirty="0" err="1">
+                <a:latin typeface="Courier New" panose="02070309020205020404" pitchFamily="49" charset="0"/>
+                <a:cs typeface="Courier New" panose="02070309020205020404" pitchFamily="49" charset="0"/>
+              </a:rPr>
+              <a:t>d</a:t>
+            </a:r>
+            <a:r>
+              <a:rPr lang="nl-BE" dirty="0" err="1" smtClean="0">
+                <a:latin typeface="Courier New" panose="02070309020205020404" pitchFamily="49" charset="0"/>
+                <a:cs typeface="Courier New" panose="02070309020205020404" pitchFamily="49" charset="0"/>
+              </a:rPr>
+              <a:t>mtcp_launch</a:t>
+            </a:r>
+            <a:r>
               <a:rPr lang="nl-BE" dirty="0" smtClean="0">
                 <a:latin typeface="Courier New" panose="02070309020205020404" pitchFamily="49" charset="0"/>
                 <a:cs typeface="Courier New" panose="02070309020205020404" pitchFamily="49" charset="0"/>
               </a:rPr>
-              <a:t>cd $PBS_O_WORKDIR</a:t>
-            </a:r>
-          </a:p>
-          <a:p>
-            <a:r>
-              <a:rPr lang="en-US" dirty="0" smtClean="0">
-                <a:latin typeface="Courier New" panose="02070309020205020404" pitchFamily="49" charset="0"/>
-                <a:cs typeface="Courier New" panose="02070309020205020404" pitchFamily="49" charset="0"/>
-              </a:rPr>
-              <a:t>module load </a:t>
-            </a:r>
-            <a:r>
-              <a:rPr lang="en-US" dirty="0" err="1" smtClean="0">
-                <a:latin typeface="Courier New" panose="02070309020205020404" pitchFamily="49" charset="0"/>
-                <a:cs typeface="Courier New" panose="02070309020205020404" pitchFamily="49" charset="0"/>
-              </a:rPr>
-              <a:t>dmtcp</a:t>
-            </a:r>
-            <a:endParaRPr lang="en-US" dirty="0" smtClean="0">
-              <a:latin typeface="Courier New" panose="02070309020205020404" pitchFamily="49" charset="0"/>
-              <a:cs typeface="Courier New" panose="02070309020205020404" pitchFamily="49" charset="0"/>
-            </a:endParaRPr>
-          </a:p>
-          <a:p>
-            <a:endParaRPr lang="en-US" dirty="0" smtClean="0">
-              <a:latin typeface="Courier New" panose="02070309020205020404" pitchFamily="49" charset="0"/>
-              <a:cs typeface="Courier New" panose="02070309020205020404" pitchFamily="49" charset="0"/>
-            </a:endParaRPr>
-          </a:p>
-          <a:p>
-            <a:r>
-              <a:rPr lang="nl-BE" dirty="0" smtClean="0">
-                <a:latin typeface="Courier New" panose="02070309020205020404" pitchFamily="49" charset="0"/>
-                <a:cs typeface="Courier New" panose="02070309020205020404" pitchFamily="49" charset="0"/>
-              </a:rPr>
-              <a:t>export </a:t>
-            </a:r>
-            <a:r>
-              <a:rPr lang="nl-BE" dirty="0">
-                <a:latin typeface="Courier New" panose="02070309020205020404" pitchFamily="49" charset="0"/>
-                <a:cs typeface="Courier New" panose="02070309020205020404" pitchFamily="49" charset="0"/>
-              </a:rPr>
-              <a:t>DMTCP_CHECKPOINT_DIR="$(</a:t>
-            </a:r>
-            <a:r>
-              <a:rPr lang="nl-BE" dirty="0" err="1">
-                <a:latin typeface="Courier New" panose="02070309020205020404" pitchFamily="49" charset="0"/>
-                <a:cs typeface="Courier New" panose="02070309020205020404" pitchFamily="49" charset="0"/>
-              </a:rPr>
-              <a:t>pwd</a:t>
-            </a:r>
-            <a:r>
-              <a:rPr lang="nl-BE" dirty="0">
-                <a:latin typeface="Courier New" panose="02070309020205020404" pitchFamily="49" charset="0"/>
-                <a:cs typeface="Courier New" panose="02070309020205020404" pitchFamily="49" charset="0"/>
-              </a:rPr>
-              <a:t>)/</a:t>
-            </a:r>
-            <a:r>
-              <a:rPr lang="nl-BE" dirty="0" err="1">
-                <a:latin typeface="Courier New" panose="02070309020205020404" pitchFamily="49" charset="0"/>
-                <a:cs typeface="Courier New" panose="02070309020205020404" pitchFamily="49" charset="0"/>
-              </a:rPr>
-              <a:t>ckpt</a:t>
-            </a:r>
-            <a:r>
-              <a:rPr lang="nl-BE" dirty="0">
-                <a:latin typeface="Courier New" panose="02070309020205020404" pitchFamily="49" charset="0"/>
-                <a:cs typeface="Courier New" panose="02070309020205020404" pitchFamily="49" charset="0"/>
-              </a:rPr>
-              <a:t>"</a:t>
-            </a:r>
-          </a:p>
-          <a:p>
-            <a:r>
-              <a:rPr lang="en-US" dirty="0" err="1">
-                <a:latin typeface="Courier New" panose="02070309020205020404" pitchFamily="49" charset="0"/>
-                <a:cs typeface="Courier New" panose="02070309020205020404" pitchFamily="49" charset="0"/>
-              </a:rPr>
-              <a:t>mkdir</a:t>
-            </a:r>
-            <a:r>
-              <a:rPr lang="en-US" dirty="0">
-                <a:latin typeface="Courier New" panose="02070309020205020404" pitchFamily="49" charset="0"/>
-                <a:cs typeface="Courier New" panose="02070309020205020404" pitchFamily="49" charset="0"/>
-              </a:rPr>
-              <a:t>  -p  $</a:t>
-            </a:r>
-            <a:r>
-              <a:rPr lang="nl-BE" dirty="0">
-                <a:latin typeface="Courier New" panose="02070309020205020404" pitchFamily="49" charset="0"/>
-                <a:cs typeface="Courier New" panose="02070309020205020404" pitchFamily="49" charset="0"/>
-              </a:rPr>
-              <a:t>DMTCP_CHECKPOINT_DIR</a:t>
-            </a:r>
-          </a:p>
-          <a:p>
-            <a:r>
-              <a:rPr lang="en-US" dirty="0">
-                <a:latin typeface="Courier New" panose="02070309020205020404" pitchFamily="49" charset="0"/>
-                <a:cs typeface="Courier New" panose="02070309020205020404" pitchFamily="49" charset="0"/>
-              </a:rPr>
-              <a:t>e</a:t>
-            </a:r>
-            <a:r>
-              <a:rPr lang="en-US" dirty="0" smtClean="0">
-                <a:latin typeface="Courier New" panose="02070309020205020404" pitchFamily="49" charset="0"/>
-                <a:cs typeface="Courier New" panose="02070309020205020404" pitchFamily="49" charset="0"/>
-              </a:rPr>
-              <a:t>xport DMTCP_CHECKPOINT_INTERVAL=$(( 3*3600 ))</a:t>
-            </a:r>
-          </a:p>
-          <a:p>
-            <a:endParaRPr lang="en-US" dirty="0" smtClean="0">
-              <a:latin typeface="Courier New" panose="02070309020205020404" pitchFamily="49" charset="0"/>
-              <a:cs typeface="Courier New" panose="02070309020205020404" pitchFamily="49" charset="0"/>
-            </a:endParaRPr>
-          </a:p>
-          <a:p>
-            <a:r>
-              <a:rPr lang="en-US" dirty="0" err="1" smtClean="0">
-                <a:latin typeface="Courier New" panose="02070309020205020404" pitchFamily="49" charset="0"/>
-                <a:cs typeface="Courier New" panose="02070309020205020404" pitchFamily="49" charset="0"/>
-              </a:rPr>
-              <a:t>dmtcp_coordinator</a:t>
-            </a:r>
-            <a:r>
-              <a:rPr lang="en-US" dirty="0" smtClean="0">
-                <a:latin typeface="Courier New" panose="02070309020205020404" pitchFamily="49" charset="0"/>
-                <a:cs typeface="Courier New" panose="02070309020205020404" pitchFamily="49" charset="0"/>
-              </a:rPr>
-              <a:t> &amp;</a:t>
-            </a:r>
-          </a:p>
-          <a:p>
-            <a:r>
-              <a:rPr lang="en-US" dirty="0" smtClean="0">
-                <a:latin typeface="Courier New" panose="02070309020205020404" pitchFamily="49" charset="0"/>
-                <a:cs typeface="Courier New" panose="02070309020205020404" pitchFamily="49" charset="0"/>
-              </a:rPr>
-              <a:t>sleep 5</a:t>
-            </a:r>
-            <a:endParaRPr lang="nl-BE" dirty="0" smtClean="0">
-              <a:latin typeface="Courier New" panose="02070309020205020404" pitchFamily="49" charset="0"/>
-              <a:cs typeface="Courier New" panose="02070309020205020404" pitchFamily="49" charset="0"/>
-            </a:endParaRPr>
-          </a:p>
-          <a:p>
-            <a:r>
-              <a:rPr lang="nl-BE" dirty="0" err="1">
-                <a:latin typeface="Courier New" panose="02070309020205020404" pitchFamily="49" charset="0"/>
-                <a:cs typeface="Courier New" panose="02070309020205020404" pitchFamily="49" charset="0"/>
-              </a:rPr>
-              <a:t>d</a:t>
-            </a:r>
-            <a:r>
-              <a:rPr lang="nl-BE" dirty="0" err="1" smtClean="0">
-                <a:latin typeface="Courier New" panose="02070309020205020404" pitchFamily="49" charset="0"/>
-                <a:cs typeface="Courier New" panose="02070309020205020404" pitchFamily="49" charset="0"/>
-              </a:rPr>
-              <a:t>mtcp_launch</a:t>
-            </a:r>
-            <a:r>
-              <a:rPr lang="nl-BE" dirty="0" smtClean="0">
-                <a:latin typeface="Courier New" panose="02070309020205020404" pitchFamily="49" charset="0"/>
-                <a:cs typeface="Courier New" panose="02070309020205020404" pitchFamily="49" charset="0"/>
-              </a:rPr>
-              <a:t>  ./</a:t>
-            </a:r>
-            <a:r>
-              <a:rPr lang="nl-BE" dirty="0" smtClean="0">
-                <a:latin typeface="Courier New" panose="02070309020205020404" pitchFamily="49" charset="0"/>
-                <a:cs typeface="Courier New" panose="02070309020205020404" pitchFamily="49" charset="0"/>
-              </a:rPr>
-              <a:t>file_io.exe  dump.txt  $(( 12*60*100 ))  </a:t>
-            </a:r>
-            <a:r>
-              <a:rPr lang="nl-BE" dirty="0" smtClean="0">
-                <a:latin typeface="Courier New" panose="02070309020205020404" pitchFamily="49" charset="0"/>
-                <a:cs typeface="Courier New" panose="02070309020205020404" pitchFamily="49" charset="0"/>
-              </a:rPr>
-              <a:t>1</a:t>
+              <a:t>  ./file_io.exe  dump.txt  $(( 12*60*100 ))  1</a:t>
             </a:r>
           </a:p>
           <a:p>
@@ -5732,11 +5682,7 @@
             <a:p>
               <a:r>
                 <a:rPr lang="en-US" dirty="0" smtClean="0"/>
-                <a:t>must</a:t>
-              </a:r>
-              <a:r>
-                <a:rPr lang="en-US" dirty="0" smtClean="0"/>
-                <a:t> be same directory</a:t>
+                <a:t>must be same directory</a:t>
               </a:r>
               <a:endParaRPr lang="nl-BE" dirty="0">
                 <a:latin typeface="Courier New" panose="02070309020205020404" pitchFamily="49" charset="0"/>
@@ -7643,6 +7589,40 @@
               </a:rPr>
               <a:t>=1:ppn=1</a:t>
             </a:r>
+          </a:p>
+          <a:p>
+            <a:r>
+              <a:rPr lang="nl-BE" dirty="0" smtClean="0">
+                <a:latin typeface="Courier New" panose="02070309020205020404" pitchFamily="49" charset="0"/>
+                <a:cs typeface="Courier New" panose="02070309020205020404" pitchFamily="49" charset="0"/>
+              </a:rPr>
+              <a:t>#PBS -l </a:t>
+            </a:r>
+            <a:r>
+              <a:rPr lang="nl-BE" dirty="0" err="1" smtClean="0">
+                <a:latin typeface="Courier New" panose="02070309020205020404" pitchFamily="49" charset="0"/>
+                <a:cs typeface="Courier New" panose="02070309020205020404" pitchFamily="49" charset="0"/>
+              </a:rPr>
+              <a:t>walltime</a:t>
+            </a:r>
+            <a:r>
+              <a:rPr lang="nl-BE" dirty="0" smtClean="0">
+                <a:latin typeface="Courier New" panose="02070309020205020404" pitchFamily="49" charset="0"/>
+                <a:cs typeface="Courier New" panose="02070309020205020404" pitchFamily="49" charset="0"/>
+              </a:rPr>
+              <a:t>=72:00:00</a:t>
+            </a:r>
+          </a:p>
+          <a:p>
+            <a:r>
+              <a:rPr lang="nl-BE" dirty="0" smtClean="0">
+                <a:latin typeface="Courier New" panose="02070309020205020404" pitchFamily="49" charset="0"/>
+                <a:cs typeface="Courier New" panose="02070309020205020404" pitchFamily="49" charset="0"/>
+              </a:rPr>
+              <a:t>#PBS -l mem=5gb</a:t>
+            </a:r>
+          </a:p>
+          <a:p>
             <a:endParaRPr lang="nl-BE" dirty="0" smtClean="0">
               <a:latin typeface="Courier New" panose="02070309020205020404" pitchFamily="49" charset="0"/>
               <a:cs typeface="Courier New" panose="02070309020205020404" pitchFamily="49" charset="0"/>
@@ -7654,22 +7634,10 @@
                 <a:latin typeface="Courier New" panose="02070309020205020404" pitchFamily="49" charset="0"/>
                 <a:cs typeface="Courier New" panose="02070309020205020404" pitchFamily="49" charset="0"/>
               </a:rPr>
-              <a:t>#PBS -l </a:t>
-            </a:r>
-            <a:r>
-              <a:rPr lang="nl-BE" dirty="0" err="1" smtClean="0">
-                <a:latin typeface="Courier New" panose="02070309020205020404" pitchFamily="49" charset="0"/>
-                <a:cs typeface="Courier New" panose="02070309020205020404" pitchFamily="49" charset="0"/>
-              </a:rPr>
-              <a:t>walltime</a:t>
-            </a:r>
-            <a:r>
-              <a:rPr lang="nl-BE" dirty="0" smtClean="0">
-                <a:latin typeface="Courier New" panose="02070309020205020404" pitchFamily="49" charset="0"/>
-                <a:cs typeface="Courier New" panose="02070309020205020404" pitchFamily="49" charset="0"/>
-              </a:rPr>
-              <a:t>=72:00:00</a:t>
-            </a:r>
+              <a:t>cd $PBS_O_WORKDIR</a:t>
+            </a:r>
+          </a:p>
+          <a:p>
             <a:endParaRPr lang="nl-BE" dirty="0" smtClean="0">
               <a:latin typeface="Courier New" panose="02070309020205020404" pitchFamily="49" charset="0"/>
               <a:cs typeface="Courier New" panose="02070309020205020404" pitchFamily="49" charset="0"/>
@@ -7681,51 +7649,7 @@
                 <a:latin typeface="Courier New" panose="02070309020205020404" pitchFamily="49" charset="0"/>
                 <a:cs typeface="Courier New" panose="02070309020205020404" pitchFamily="49" charset="0"/>
               </a:rPr>
-              <a:t>#PBS -l mem=5gb</a:t>
-            </a:r>
-          </a:p>
-          <a:p>
-            <a:endParaRPr lang="nl-BE" dirty="0" smtClean="0">
-              <a:latin typeface="Courier New" panose="02070309020205020404" pitchFamily="49" charset="0"/>
-              <a:cs typeface="Courier New" panose="02070309020205020404" pitchFamily="49" charset="0"/>
-            </a:endParaRPr>
-          </a:p>
-          <a:p>
-            <a:r>
-              <a:rPr lang="nl-BE" dirty="0" smtClean="0">
-                <a:latin typeface="Courier New" panose="02070309020205020404" pitchFamily="49" charset="0"/>
-                <a:cs typeface="Courier New" panose="02070309020205020404" pitchFamily="49" charset="0"/>
-              </a:rPr>
-              <a:t>cd $PBS_O_WORKDIR</a:t>
-            </a:r>
-          </a:p>
-          <a:p>
-            <a:endParaRPr lang="nl-BE" dirty="0" smtClean="0">
-              <a:latin typeface="Courier New" panose="02070309020205020404" pitchFamily="49" charset="0"/>
-              <a:cs typeface="Courier New" panose="02070309020205020404" pitchFamily="49" charset="0"/>
-            </a:endParaRPr>
-          </a:p>
-          <a:p>
-            <a:r>
-              <a:rPr lang="nl-BE" dirty="0" smtClean="0">
-                <a:latin typeface="Courier New" panose="02070309020205020404" pitchFamily="49" charset="0"/>
-                <a:cs typeface="Courier New" panose="02070309020205020404" pitchFamily="49" charset="0"/>
-              </a:rPr>
-              <a:t>./</a:t>
-            </a:r>
-            <a:r>
-              <a:rPr lang="nl-BE" dirty="0" smtClean="0">
-                <a:latin typeface="Courier New" panose="02070309020205020404" pitchFamily="49" charset="0"/>
-                <a:cs typeface="Courier New" panose="02070309020205020404" pitchFamily="49" charset="0"/>
-              </a:rPr>
-              <a:t>prog1</a:t>
-            </a:r>
-            <a:r>
-              <a:rPr lang="nl-BE" dirty="0" smtClean="0">
-                <a:latin typeface="Courier New" panose="02070309020205020404" pitchFamily="49" charset="0"/>
-                <a:cs typeface="Courier New" panose="02070309020205020404" pitchFamily="49" charset="0"/>
-              </a:rPr>
-              <a:t>.exe  &gt;  out1.txt</a:t>
+              <a:t>./prog1.exe  &gt;  out1.txt</a:t>
             </a:r>
           </a:p>
           <a:p>
@@ -7921,10 +7845,6 @@
               </a:rPr>
               <a:t>=48:00:00</a:t>
             </a:r>
-            <a:endParaRPr lang="nl-BE" dirty="0" smtClean="0">
-              <a:latin typeface="Courier New" panose="02070309020205020404" pitchFamily="49" charset="0"/>
-              <a:cs typeface="Courier New" panose="02070309020205020404" pitchFamily="49" charset="0"/>
-            </a:endParaRPr>
           </a:p>
           <a:p>
             <a:r>
@@ -8188,21 +8108,7 @@
                   <a:latin typeface="Courier New" panose="02070309020205020404" pitchFamily="49" charset="0"/>
                   <a:cs typeface="Courier New" panose="02070309020205020404" pitchFamily="49" charset="0"/>
                 </a:rPr>
-                <a:t>./</a:t>
-              </a:r>
-              <a:r>
-                <a:rPr lang="nl-BE" dirty="0" smtClean="0">
-                  <a:latin typeface="Courier New" panose="02070309020205020404" pitchFamily="49" charset="0"/>
-                  <a:cs typeface="Courier New" panose="02070309020205020404" pitchFamily="49" charset="0"/>
-                </a:rPr>
-                <a:t>prog1</a:t>
-              </a:r>
-              <a:r>
-                <a:rPr lang="nl-BE" dirty="0" smtClean="0">
-                  <a:latin typeface="Courier New" panose="02070309020205020404" pitchFamily="49" charset="0"/>
-                  <a:cs typeface="Courier New" panose="02070309020205020404" pitchFamily="49" charset="0"/>
-                </a:rPr>
-                <a:t>.exe  &gt;  out1.txt</a:t>
+                <a:t>./prog1.exe  &gt;  out1.txt</a:t>
               </a:r>
             </a:p>
             <a:p>
@@ -8692,9 +8598,278 @@
   <p:timing>
     <p:tnLst>
       <p:par>
-        <p:cTn id="1" dur="indefinite" restart="never" nodeType="tmRoot"/>
+        <p:cTn id="1" dur="indefinite" restart="never" nodeType="tmRoot">
+          <p:childTnLst>
+            <p:seq concurrent="1" nextAc="seek">
+              <p:cTn id="2" dur="indefinite" nodeType="mainSeq">
+                <p:childTnLst>
+                  <p:par>
+                    <p:cTn id="3" fill="hold">
+                      <p:stCondLst>
+                        <p:cond delay="indefinite"/>
+                        <p:cond evt="onBegin" delay="0">
+                          <p:tn val="2"/>
+                        </p:cond>
+                      </p:stCondLst>
+                      <p:childTnLst>
+                        <p:par>
+                          <p:cTn id="4" fill="hold">
+                            <p:stCondLst>
+                              <p:cond delay="0"/>
+                            </p:stCondLst>
+                            <p:childTnLst>
+                              <p:par>
+                                <p:cTn id="5" presetID="1" presetClass="entr" presetSubtype="0" fill="hold" grpId="0" nodeType="withEffect">
+                                  <p:stCondLst>
+                                    <p:cond delay="0"/>
+                                  </p:stCondLst>
+                                  <p:childTnLst>
+                                    <p:set>
+                                      <p:cBhvr>
+                                        <p:cTn id="6" dur="1" fill="hold">
+                                          <p:stCondLst>
+                                            <p:cond delay="0"/>
+                                          </p:stCondLst>
+                                        </p:cTn>
+                                        <p:tgtEl>
+                                          <p:spTgt spid="3">
+                                            <p:txEl>
+                                              <p:pRg st="0" end="0"/>
+                                            </p:txEl>
+                                          </p:spTgt>
+                                        </p:tgtEl>
+                                        <p:attrNameLst>
+                                          <p:attrName>style.visibility</p:attrName>
+                                        </p:attrNameLst>
+                                      </p:cBhvr>
+                                      <p:to>
+                                        <p:strVal val="visible"/>
+                                      </p:to>
+                                    </p:set>
+                                  </p:childTnLst>
+                                </p:cTn>
+                              </p:par>
+                              <p:par>
+                                <p:cTn id="7" presetID="1" presetClass="entr" presetSubtype="0" fill="hold" grpId="0" nodeType="withEffect">
+                                  <p:stCondLst>
+                                    <p:cond delay="0"/>
+                                  </p:stCondLst>
+                                  <p:childTnLst>
+                                    <p:set>
+                                      <p:cBhvr>
+                                        <p:cTn id="8" dur="1" fill="hold">
+                                          <p:stCondLst>
+                                            <p:cond delay="0"/>
+                                          </p:stCondLst>
+                                        </p:cTn>
+                                        <p:tgtEl>
+                                          <p:spTgt spid="3">
+                                            <p:txEl>
+                                              <p:pRg st="1" end="1"/>
+                                            </p:txEl>
+                                          </p:spTgt>
+                                        </p:tgtEl>
+                                        <p:attrNameLst>
+                                          <p:attrName>style.visibility</p:attrName>
+                                        </p:attrNameLst>
+                                      </p:cBhvr>
+                                      <p:to>
+                                        <p:strVal val="visible"/>
+                                      </p:to>
+                                    </p:set>
+                                  </p:childTnLst>
+                                </p:cTn>
+                              </p:par>
+                            </p:childTnLst>
+                          </p:cTn>
+                        </p:par>
+                      </p:childTnLst>
+                    </p:cTn>
+                  </p:par>
+                  <p:par>
+                    <p:cTn id="9" fill="hold">
+                      <p:stCondLst>
+                        <p:cond delay="indefinite"/>
+                      </p:stCondLst>
+                      <p:childTnLst>
+                        <p:par>
+                          <p:cTn id="10" fill="hold">
+                            <p:stCondLst>
+                              <p:cond delay="0"/>
+                            </p:stCondLst>
+                            <p:childTnLst>
+                              <p:par>
+                                <p:cTn id="11" presetID="1" presetClass="entr" presetSubtype="0" fill="hold" grpId="0" nodeType="clickEffect">
+                                  <p:stCondLst>
+                                    <p:cond delay="0"/>
+                                  </p:stCondLst>
+                                  <p:childTnLst>
+                                    <p:set>
+                                      <p:cBhvr>
+                                        <p:cTn id="12" dur="1" fill="hold">
+                                          <p:stCondLst>
+                                            <p:cond delay="0"/>
+                                          </p:stCondLst>
+                                        </p:cTn>
+                                        <p:tgtEl>
+                                          <p:spTgt spid="3">
+                                            <p:txEl>
+                                              <p:pRg st="2" end="2"/>
+                                            </p:txEl>
+                                          </p:spTgt>
+                                        </p:tgtEl>
+                                        <p:attrNameLst>
+                                          <p:attrName>style.visibility</p:attrName>
+                                        </p:attrNameLst>
+                                      </p:cBhvr>
+                                      <p:to>
+                                        <p:strVal val="visible"/>
+                                      </p:to>
+                                    </p:set>
+                                  </p:childTnLst>
+                                </p:cTn>
+                              </p:par>
+                              <p:par>
+                                <p:cTn id="13" presetID="1" presetClass="entr" presetSubtype="0" fill="hold" grpId="0" nodeType="withEffect">
+                                  <p:stCondLst>
+                                    <p:cond delay="0"/>
+                                  </p:stCondLst>
+                                  <p:childTnLst>
+                                    <p:set>
+                                      <p:cBhvr>
+                                        <p:cTn id="14" dur="1" fill="hold">
+                                          <p:stCondLst>
+                                            <p:cond delay="0"/>
+                                          </p:stCondLst>
+                                        </p:cTn>
+                                        <p:tgtEl>
+                                          <p:spTgt spid="3">
+                                            <p:txEl>
+                                              <p:pRg st="3" end="3"/>
+                                            </p:txEl>
+                                          </p:spTgt>
+                                        </p:tgtEl>
+                                        <p:attrNameLst>
+                                          <p:attrName>style.visibility</p:attrName>
+                                        </p:attrNameLst>
+                                      </p:cBhvr>
+                                      <p:to>
+                                        <p:strVal val="visible"/>
+                                      </p:to>
+                                    </p:set>
+                                  </p:childTnLst>
+                                </p:cTn>
+                              </p:par>
+                            </p:childTnLst>
+                          </p:cTn>
+                        </p:par>
+                      </p:childTnLst>
+                    </p:cTn>
+                  </p:par>
+                  <p:par>
+                    <p:cTn id="15" fill="hold">
+                      <p:stCondLst>
+                        <p:cond delay="indefinite"/>
+                      </p:stCondLst>
+                      <p:childTnLst>
+                        <p:par>
+                          <p:cTn id="16" fill="hold">
+                            <p:stCondLst>
+                              <p:cond delay="0"/>
+                            </p:stCondLst>
+                            <p:childTnLst>
+                              <p:par>
+                                <p:cTn id="17" presetID="1" presetClass="entr" presetSubtype="0" fill="hold" grpId="0" nodeType="clickEffect">
+                                  <p:stCondLst>
+                                    <p:cond delay="0"/>
+                                  </p:stCondLst>
+                                  <p:childTnLst>
+                                    <p:set>
+                                      <p:cBhvr>
+                                        <p:cTn id="18" dur="1" fill="hold">
+                                          <p:stCondLst>
+                                            <p:cond delay="0"/>
+                                          </p:stCondLst>
+                                        </p:cTn>
+                                        <p:tgtEl>
+                                          <p:spTgt spid="3">
+                                            <p:txEl>
+                                              <p:pRg st="4" end="4"/>
+                                            </p:txEl>
+                                          </p:spTgt>
+                                        </p:tgtEl>
+                                        <p:attrNameLst>
+                                          <p:attrName>style.visibility</p:attrName>
+                                        </p:attrNameLst>
+                                      </p:cBhvr>
+                                      <p:to>
+                                        <p:strVal val="visible"/>
+                                      </p:to>
+                                    </p:set>
+                                  </p:childTnLst>
+                                </p:cTn>
+                              </p:par>
+                              <p:par>
+                                <p:cTn id="19" presetID="1" presetClass="entr" presetSubtype="0" fill="hold" grpId="0" nodeType="withEffect">
+                                  <p:stCondLst>
+                                    <p:cond delay="0"/>
+                                  </p:stCondLst>
+                                  <p:childTnLst>
+                                    <p:set>
+                                      <p:cBhvr>
+                                        <p:cTn id="20" dur="1" fill="hold">
+                                          <p:stCondLst>
+                                            <p:cond delay="0"/>
+                                          </p:stCondLst>
+                                        </p:cTn>
+                                        <p:tgtEl>
+                                          <p:spTgt spid="3">
+                                            <p:txEl>
+                                              <p:pRg st="5" end="5"/>
+                                            </p:txEl>
+                                          </p:spTgt>
+                                        </p:tgtEl>
+                                        <p:attrNameLst>
+                                          <p:attrName>style.visibility</p:attrName>
+                                        </p:attrNameLst>
+                                      </p:cBhvr>
+                                      <p:to>
+                                        <p:strVal val="visible"/>
+                                      </p:to>
+                                    </p:set>
+                                  </p:childTnLst>
+                                </p:cTn>
+                              </p:par>
+                            </p:childTnLst>
+                          </p:cTn>
+                        </p:par>
+                      </p:childTnLst>
+                    </p:cTn>
+                  </p:par>
+                </p:childTnLst>
+              </p:cTn>
+              <p:prevCondLst>
+                <p:cond evt="onPrev" delay="0">
+                  <p:tgtEl>
+                    <p:sldTgt/>
+                  </p:tgtEl>
+                </p:cond>
+              </p:prevCondLst>
+              <p:nextCondLst>
+                <p:cond evt="onNext" delay="0">
+                  <p:tgtEl>
+                    <p:sldTgt/>
+                  </p:tgtEl>
+                </p:cond>
+              </p:nextCondLst>
+            </p:seq>
+          </p:childTnLst>
+        </p:cTn>
       </p:par>
     </p:tnLst>
+    <p:bldLst>
+      <p:bldP spid="3" grpId="0" uiExpand="1" build="p"/>
+    </p:bldLst>
   </p:timing>
 </p:sld>
 </file>
@@ -9728,10 +9903,6 @@
               </a:rPr>
               <a:t>=1:ppn=1</a:t>
             </a:r>
-            <a:endParaRPr lang="nl-BE" dirty="0" smtClean="0">
-              <a:latin typeface="Courier New" panose="02070309020205020404" pitchFamily="49" charset="0"/>
-              <a:cs typeface="Courier New" panose="02070309020205020404" pitchFamily="49" charset="0"/>
-            </a:endParaRPr>
           </a:p>
           <a:p>
             <a:r>
@@ -9755,10 +9926,6 @@
               </a:rPr>
               <a:t>=48:00:00</a:t>
             </a:r>
-            <a:endParaRPr lang="nl-BE" dirty="0" smtClean="0">
-              <a:latin typeface="Courier New" panose="02070309020205020404" pitchFamily="49" charset="0"/>
-              <a:cs typeface="Courier New" panose="02070309020205020404" pitchFamily="49" charset="0"/>
-            </a:endParaRPr>
           </a:p>
           <a:p>
             <a:r>
@@ -10283,10 +10450,6 @@
               </a:rPr>
               <a:t>DMTCP_CHECKPOINT_DIR</a:t>
             </a:r>
-            <a:endParaRPr lang="nl-BE" dirty="0" smtClean="0">
-              <a:latin typeface="Courier New" panose="02070309020205020404" pitchFamily="49" charset="0"/>
-              <a:cs typeface="Courier New" panose="02070309020205020404" pitchFamily="49" charset="0"/>
-            </a:endParaRPr>
           </a:p>
         </p:txBody>
       </p:sp>
@@ -11167,15 +11330,7 @@
             <a:p>
               <a:r>
                 <a:rPr lang="en-US" dirty="0" smtClean="0"/>
-                <a:t>daemon </a:t>
-              </a:r>
-              <a:r>
-                <a:rPr lang="en-US" dirty="0" smtClean="0"/>
-                <a:t>runs in background</a:t>
-              </a:r>
-              <a:r>
-                <a:rPr lang="en-US" dirty="0" smtClean="0"/>
-                <a:t> </a:t>
+                <a:t>daemon runs in background </a:t>
               </a:r>
               <a:endParaRPr lang="nl-BE" dirty="0">
                 <a:latin typeface="Courier New" panose="02070309020205020404" pitchFamily="49" charset="0"/>
@@ -11266,11 +11421,7 @@
             <a:p>
               <a:r>
                 <a:rPr lang="en-US" dirty="0" smtClean="0"/>
-                <a:t>5 seconds delay to ensure daemon </a:t>
-              </a:r>
-              <a:r>
-                <a:rPr lang="en-US" dirty="0" smtClean="0"/>
-                <a:t>runs</a:t>
+                <a:t>5 seconds delay to ensure daemon runs</a:t>
               </a:r>
               <a:endParaRPr lang="nl-BE" dirty="0">
                 <a:latin typeface="Courier New" panose="02070309020205020404" pitchFamily="49" charset="0"/>

--- a/LinuxTools/Checkpointing/checkpointing.pptx
+++ b/LinuxTools/Checkpointing/checkpointing.pptx
@@ -217,7 +217,7 @@
           <a:p>
             <a:fld id="{6E701E40-F6BA-46ED-B660-6F2F89D811A2}" type="datetimeFigureOut">
               <a:rPr lang="nl-BE" smtClean="0"/>
-              <a:t>2017-01-09</a:t>
+              <a:t>10/01/2017</a:t>
             </a:fld>
             <a:endParaRPr lang="nl-BE"/>
           </a:p>
@@ -700,7 +700,7 @@
           <a:p>
             <a:fld id="{A287BB98-A89C-4C03-80F2-740225F5832C}" type="datetime1">
               <a:rPr lang="nl-BE" smtClean="0"/>
-              <a:t>2017-01-09</a:t>
+              <a:t>10/01/2017</a:t>
             </a:fld>
             <a:endParaRPr lang="nl-BE"/>
           </a:p>
@@ -870,7 +870,7 @@
           <a:p>
             <a:fld id="{737C6972-E9CE-4E73-AF9E-95B5E586C978}" type="datetime1">
               <a:rPr lang="nl-BE" smtClean="0"/>
-              <a:t>2017-01-09</a:t>
+              <a:t>10/01/2017</a:t>
             </a:fld>
             <a:endParaRPr lang="nl-BE"/>
           </a:p>
@@ -1050,7 +1050,7 @@
           <a:p>
             <a:fld id="{E76A7134-DD41-4476-8EAA-3B730437DDBA}" type="datetime1">
               <a:rPr lang="nl-BE" smtClean="0"/>
-              <a:t>2017-01-09</a:t>
+              <a:t>10/01/2017</a:t>
             </a:fld>
             <a:endParaRPr lang="nl-BE"/>
           </a:p>
@@ -1220,7 +1220,7 @@
           <a:p>
             <a:fld id="{6A712DDC-5823-4684-B9AB-13238133037F}" type="datetime1">
               <a:rPr lang="nl-BE" smtClean="0"/>
-              <a:t>2017-01-09</a:t>
+              <a:t>10/01/2017</a:t>
             </a:fld>
             <a:endParaRPr lang="nl-BE"/>
           </a:p>
@@ -1466,7 +1466,7 @@
           <a:p>
             <a:fld id="{25C98E6C-43F2-48C1-A878-60E399ADAF2F}" type="datetime1">
               <a:rPr lang="nl-BE" smtClean="0"/>
-              <a:t>2017-01-09</a:t>
+              <a:t>10/01/2017</a:t>
             </a:fld>
             <a:endParaRPr lang="nl-BE"/>
           </a:p>
@@ -1698,7 +1698,7 @@
           <a:p>
             <a:fld id="{68842D03-A048-445C-9971-C2AB088B80A8}" type="datetime1">
               <a:rPr lang="nl-BE" smtClean="0"/>
-              <a:t>2017-01-09</a:t>
+              <a:t>10/01/2017</a:t>
             </a:fld>
             <a:endParaRPr lang="nl-BE"/>
           </a:p>
@@ -2065,7 +2065,7 @@
           <a:p>
             <a:fld id="{0ABF26F5-8313-46CF-9E1C-E4A5B1A405D5}" type="datetime1">
               <a:rPr lang="nl-BE" smtClean="0"/>
-              <a:t>2017-01-09</a:t>
+              <a:t>10/01/2017</a:t>
             </a:fld>
             <a:endParaRPr lang="nl-BE"/>
           </a:p>
@@ -2183,7 +2183,7 @@
           <a:p>
             <a:fld id="{3CD87042-D51F-46CD-A77A-D047938A78D4}" type="datetime1">
               <a:rPr lang="nl-BE" smtClean="0"/>
-              <a:t>2017-01-09</a:t>
+              <a:t>10/01/2017</a:t>
             </a:fld>
             <a:endParaRPr lang="nl-BE"/>
           </a:p>
@@ -2278,7 +2278,7 @@
           <a:p>
             <a:fld id="{DC7432F5-E9F5-4C1F-9A3F-E7415A274E50}" type="datetime1">
               <a:rPr lang="nl-BE" smtClean="0"/>
-              <a:t>2017-01-09</a:t>
+              <a:t>10/01/2017</a:t>
             </a:fld>
             <a:endParaRPr lang="nl-BE"/>
           </a:p>
@@ -2555,7 +2555,7 @@
           <a:p>
             <a:fld id="{A8E1E92E-52FD-4A10-B7BB-621FA570F8E7}" type="datetime1">
               <a:rPr lang="nl-BE" smtClean="0"/>
-              <a:t>2017-01-09</a:t>
+              <a:t>10/01/2017</a:t>
             </a:fld>
             <a:endParaRPr lang="nl-BE"/>
           </a:p>
@@ -2808,7 +2808,7 @@
           <a:p>
             <a:fld id="{7D9E8458-F8C2-496F-A560-F1929A927ED8}" type="datetime1">
               <a:rPr lang="nl-BE" smtClean="0"/>
-              <a:t>2017-01-09</a:t>
+              <a:t>10/01/2017</a:t>
             </a:fld>
             <a:endParaRPr lang="nl-BE"/>
           </a:p>
@@ -3021,7 +3021,7 @@
           <a:p>
             <a:fld id="{ABA2E406-D30D-4CBF-B51D-3D815C4F7FD2}" type="datetime1">
               <a:rPr lang="nl-BE" smtClean="0"/>
-              <a:t>2017-01-09</a:t>
+              <a:t>10/01/2017</a:t>
             </a:fld>
             <a:endParaRPr lang="nl-BE"/>
           </a:p>
@@ -3692,18 +3692,39 @@
           <a:lstStyle/>
           <a:p>
             <a:r>
-              <a:rPr lang="nl-BE" dirty="0" err="1" smtClean="0">
-                <a:latin typeface="Courier New" panose="02070309020205020404" pitchFamily="49" charset="0"/>
-                <a:cs typeface="Courier New" panose="02070309020205020404" pitchFamily="49" charset="0"/>
-              </a:rPr>
-              <a:t>dmtcp_launch</a:t>
-            </a:r>
-            <a:r>
               <a:rPr lang="nl-BE" dirty="0" smtClean="0">
                 <a:latin typeface="Courier New" panose="02070309020205020404" pitchFamily="49" charset="0"/>
                 <a:cs typeface="Courier New" panose="02070309020205020404" pitchFamily="49" charset="0"/>
               </a:rPr>
-              <a:t>  ./file_io.exe  dump.txt  $(( 12*60*100 ))  1</a:t>
+              <a:t>dmtcp_launch  </a:t>
+            </a:r>
+            <a:r>
+              <a:rPr lang="nl-BE" dirty="0" smtClean="0">
+                <a:latin typeface="Courier New" panose="02070309020205020404" pitchFamily="49" charset="0"/>
+                <a:cs typeface="Courier New" panose="02070309020205020404" pitchFamily="49" charset="0"/>
+              </a:rPr>
+              <a:t>./</a:t>
+            </a:r>
+            <a:r>
+              <a:rPr lang="nl-BE" dirty="0" smtClean="0">
+                <a:latin typeface="Courier New" panose="02070309020205020404" pitchFamily="49" charset="0"/>
+                <a:cs typeface="Courier New" panose="02070309020205020404" pitchFamily="49" charset="0"/>
+              </a:rPr>
+              <a:t>compute</a:t>
+            </a:r>
+            <a:r>
+              <a:rPr lang="nl-BE" dirty="0" smtClean="0">
+                <a:latin typeface="Courier New" panose="02070309020205020404" pitchFamily="49" charset="0"/>
+                <a:cs typeface="Courier New" panose="02070309020205020404" pitchFamily="49" charset="0"/>
+              </a:rPr>
+              <a:t>.exe  out.txt  </a:t>
+            </a:r>
+            <a:r>
+              <a:rPr lang="nl-BE" dirty="0" smtClean="0">
+                <a:latin typeface="Courier New" panose="02070309020205020404" pitchFamily="49" charset="0"/>
+                <a:cs typeface="Courier New" panose="02070309020205020404" pitchFamily="49" charset="0"/>
+              </a:rPr>
+              <a:t>$(( 12*60*100 ))  1</a:t>
             </a:r>
             <a:endParaRPr lang="nl-BE" dirty="0">
               <a:latin typeface="Courier New" panose="02070309020205020404" pitchFamily="49" charset="0"/>
@@ -4425,25 +4446,32 @@
           </a:p>
           <a:p>
             <a:r>
-              <a:rPr lang="nl-BE" dirty="0" err="1">
+              <a:rPr lang="nl-BE" dirty="0">
                 <a:latin typeface="Courier New" panose="02070309020205020404" pitchFamily="49" charset="0"/>
                 <a:cs typeface="Courier New" panose="02070309020205020404" pitchFamily="49" charset="0"/>
               </a:rPr>
               <a:t>d</a:t>
             </a:r>
             <a:r>
-              <a:rPr lang="nl-BE" dirty="0" err="1" smtClean="0">
-                <a:latin typeface="Courier New" panose="02070309020205020404" pitchFamily="49" charset="0"/>
-                <a:cs typeface="Courier New" panose="02070309020205020404" pitchFamily="49" charset="0"/>
-              </a:rPr>
-              <a:t>mtcp_launch</a:t>
-            </a:r>
-            <a:r>
               <a:rPr lang="nl-BE" dirty="0" smtClean="0">
                 <a:latin typeface="Courier New" panose="02070309020205020404" pitchFamily="49" charset="0"/>
                 <a:cs typeface="Courier New" panose="02070309020205020404" pitchFamily="49" charset="0"/>
               </a:rPr>
-              <a:t>  ./file_io.exe  dump.txt  $(( 12*60*100 ))  1</a:t>
+              <a:t>mtcp_launch  </a:t>
+            </a:r>
+            <a:r>
+              <a:rPr lang="nl-BE" dirty="0" smtClean="0">
+                <a:latin typeface="Courier New" panose="02070309020205020404" pitchFamily="49" charset="0"/>
+                <a:cs typeface="Courier New" panose="02070309020205020404" pitchFamily="49" charset="0"/>
+              </a:rPr>
+              <a:t>./compute.exe  out.txt  </a:t>
+            </a:r>
+            <a:r>
+              <a:rPr lang="nl-BE" dirty="0" smtClean="0">
+                <a:latin typeface="Courier New" panose="02070309020205020404" pitchFamily="49" charset="0"/>
+                <a:cs typeface="Courier New" panose="02070309020205020404" pitchFamily="49" charset="0"/>
+              </a:rPr>
+              <a:t>$(( 12*60*100 ))  1</a:t>
             </a:r>
           </a:p>
           <a:p>
@@ -7526,7 +7554,7 @@
         <p:spPr>
           <a:xfrm>
             <a:off x="912243" y="3381465"/>
-            <a:ext cx="6574407" cy="2585323"/>
+            <a:ext cx="6574407" cy="2308324"/>
           </a:xfrm>
           <a:prstGeom prst="rect">
             <a:avLst/>
@@ -7645,20 +7673,25 @@
           </a:p>
           <a:p>
             <a:r>
-              <a:rPr lang="nl-BE" dirty="0" smtClean="0">
-                <a:latin typeface="Courier New" panose="02070309020205020404" pitchFamily="49" charset="0"/>
-                <a:cs typeface="Courier New" panose="02070309020205020404" pitchFamily="49" charset="0"/>
-              </a:rPr>
-              <a:t>./prog1.exe  &gt;  out1.txt</a:t>
-            </a:r>
-          </a:p>
-          <a:p>
-            <a:r>
               <a:rPr lang="en-US" dirty="0" smtClean="0">
                 <a:latin typeface="Courier New" panose="02070309020205020404" pitchFamily="49" charset="0"/>
                 <a:cs typeface="Courier New" panose="02070309020205020404" pitchFamily="49" charset="0"/>
               </a:rPr>
-              <a:t>./prog2.exe &lt; out1.txt  |  prog3.exe</a:t>
+              <a:t>./producer.exe  </a:t>
+            </a:r>
+            <a:r>
+              <a:rPr lang="en-US" dirty="0" smtClean="0">
+                <a:latin typeface="Courier New" panose="02070309020205020404" pitchFamily="49" charset="0"/>
+                <a:cs typeface="Courier New" panose="02070309020205020404" pitchFamily="49" charset="0"/>
+              </a:rPr>
+              <a:t>|  </a:t>
+            </a:r>
+            <a:r>
+              <a:rPr lang="en-US" dirty="0" smtClean="0">
+                <a:latin typeface="Courier New" panose="02070309020205020404" pitchFamily="49" charset="0"/>
+                <a:cs typeface="Courier New" panose="02070309020205020404" pitchFamily="49" charset="0"/>
+              </a:rPr>
+              <a:t>consumer.exe  &gt;  out.txt</a:t>
             </a:r>
             <a:endParaRPr lang="nl-BE" dirty="0">
               <a:latin typeface="Courier New" panose="02070309020205020404" pitchFamily="49" charset="0"/>
@@ -8066,10 +8099,10 @@
         </p:nvGrpSpPr>
         <p:grpSpPr>
           <a:xfrm>
-            <a:off x="2076809" y="5968157"/>
-            <a:ext cx="5733199" cy="648840"/>
-            <a:chOff x="2076809" y="5795637"/>
-            <a:chExt cx="5733199" cy="648840"/>
+            <a:off x="1589809" y="5968157"/>
+            <a:ext cx="6220199" cy="648840"/>
+            <a:chOff x="1589809" y="5795637"/>
+            <a:chExt cx="6220199" cy="648840"/>
           </a:xfrm>
         </p:grpSpPr>
         <p:sp>
@@ -8080,8 +8113,8 @@
           </p:nvSpPr>
           <p:spPr>
             <a:xfrm>
-              <a:off x="2076809" y="5798146"/>
-              <a:ext cx="5730097" cy="646331"/>
+              <a:off x="1589809" y="5798146"/>
+              <a:ext cx="6217097" cy="646331"/>
             </a:xfrm>
             <a:prstGeom prst="rect">
               <a:avLst/>
@@ -8104,11 +8137,11 @@
             <a:lstStyle/>
             <a:p>
               <a:r>
-                <a:rPr lang="nl-BE" dirty="0" smtClean="0">
+                <a:rPr lang="en-US" dirty="0" smtClean="0">
                   <a:latin typeface="Courier New" panose="02070309020205020404" pitchFamily="49" charset="0"/>
                   <a:cs typeface="Courier New" panose="02070309020205020404" pitchFamily="49" charset="0"/>
                 </a:rPr>
-                <a:t>./prog1.exe  &gt;  out1.txt</a:t>
+                <a:t>#!/bin/bash</a:t>
               </a:r>
             </a:p>
             <a:p>
@@ -8117,8 +8150,19 @@
                   <a:latin typeface="Courier New" panose="02070309020205020404" pitchFamily="49" charset="0"/>
                   <a:cs typeface="Courier New" panose="02070309020205020404" pitchFamily="49" charset="0"/>
                 </a:rPr>
-                <a:t>./prog2.exe &lt; out1.txt  |  prog3.exe</a:t>
+                <a:t>./</a:t>
               </a:r>
+              <a:r>
+                <a:rPr lang="en-US" dirty="0">
+                  <a:latin typeface="Courier New" panose="02070309020205020404" pitchFamily="49" charset="0"/>
+                  <a:cs typeface="Courier New" panose="02070309020205020404" pitchFamily="49" charset="0"/>
+                </a:rPr>
+                <a:t>producer.exe  |  consumer.exe  &gt;  out.txt</a:t>
+              </a:r>
+              <a:endParaRPr lang="nl-BE" dirty="0">
+                <a:latin typeface="Courier New" panose="02070309020205020404" pitchFamily="49" charset="0"/>
+                <a:cs typeface="Courier New" panose="02070309020205020404" pitchFamily="49" charset="0"/>
+              </a:endParaRPr>
             </a:p>
           </p:txBody>
         </p:sp>
@@ -9963,7 +10007,28 @@
                 <a:latin typeface="Courier New" panose="02070309020205020404" pitchFamily="49" charset="0"/>
                 <a:cs typeface="Courier New" panose="02070309020205020404" pitchFamily="49" charset="0"/>
               </a:rPr>
-              <a:t>./file_io.exe  dump.txt  $(( 12*60*100 ))  1</a:t>
+              <a:t>./</a:t>
+            </a:r>
+            <a:r>
+              <a:rPr lang="nl-BE" dirty="0" smtClean="0">
+                <a:latin typeface="Courier New" panose="02070309020205020404" pitchFamily="49" charset="0"/>
+                <a:cs typeface="Courier New" panose="02070309020205020404" pitchFamily="49" charset="0"/>
+              </a:rPr>
+              <a:t>compute</a:t>
+            </a:r>
+            <a:r>
+              <a:rPr lang="nl-BE" dirty="0" smtClean="0">
+                <a:latin typeface="Courier New" panose="02070309020205020404" pitchFamily="49" charset="0"/>
+                <a:cs typeface="Courier New" panose="02070309020205020404" pitchFamily="49" charset="0"/>
+              </a:rPr>
+              <a:t>.exe  out.txt  </a:t>
+            </a:r>
+            <a:r>
+              <a:rPr lang="nl-BE" dirty="0" smtClean="0">
+                <a:latin typeface="Courier New" panose="02070309020205020404" pitchFamily="49" charset="0"/>
+                <a:cs typeface="Courier New" panose="02070309020205020404" pitchFamily="49" charset="0"/>
+              </a:rPr>
+              <a:t>$(( 12*60*100 ))  1</a:t>
             </a:r>
             <a:endParaRPr lang="nl-BE" dirty="0">
               <a:latin typeface="Courier New" panose="02070309020205020404" pitchFamily="49" charset="0"/>
@@ -10079,7 +10144,7 @@
         <p:spPr>
           <a:xfrm>
             <a:off x="628705" y="5684808"/>
-            <a:ext cx="8021811" cy="400110"/>
+            <a:ext cx="8186536" cy="400110"/>
           </a:xfrm>
           <a:prstGeom prst="rect">
             <a:avLst/>
@@ -10110,11 +10175,15 @@
                 <a:latin typeface="Courier New" panose="02070309020205020404" pitchFamily="49" charset="0"/>
                 <a:cs typeface="Courier New" panose="02070309020205020404" pitchFamily="49" charset="0"/>
               </a:rPr>
-              <a:t>file_io.exe</a:t>
+              <a:t>compute.exe</a:t>
             </a:r>
             <a:r>
               <a:rPr lang="en-US" sz="2000" dirty="0" smtClean="0"/>
-              <a:t> is unmodified, no libraries/instrumentation required</a:t>
+              <a:t> </a:t>
+            </a:r>
+            <a:r>
+              <a:rPr lang="en-US" sz="2000" dirty="0" smtClean="0"/>
+              <a:t>is unmodified, no libraries/instrumentation required</a:t>
             </a:r>
             <a:endParaRPr lang="nl-BE" sz="1600" dirty="0"/>
           </a:p>

--- a/LinuxTools/Checkpointing/checkpointing.pptx
+++ b/LinuxTools/Checkpointing/checkpointing.pptx
@@ -217,7 +217,7 @@
           <a:p>
             <a:fld id="{6E701E40-F6BA-46ED-B660-6F2F89D811A2}" type="datetimeFigureOut">
               <a:rPr lang="nl-BE" smtClean="0"/>
-              <a:t>10/01/2017</a:t>
+              <a:t>2017-01-11</a:t>
             </a:fld>
             <a:endParaRPr lang="nl-BE"/>
           </a:p>
@@ -700,7 +700,7 @@
           <a:p>
             <a:fld id="{A287BB98-A89C-4C03-80F2-740225F5832C}" type="datetime1">
               <a:rPr lang="nl-BE" smtClean="0"/>
-              <a:t>10/01/2017</a:t>
+              <a:t>2017-01-11</a:t>
             </a:fld>
             <a:endParaRPr lang="nl-BE"/>
           </a:p>
@@ -870,7 +870,7 @@
           <a:p>
             <a:fld id="{737C6972-E9CE-4E73-AF9E-95B5E586C978}" type="datetime1">
               <a:rPr lang="nl-BE" smtClean="0"/>
-              <a:t>10/01/2017</a:t>
+              <a:t>2017-01-11</a:t>
             </a:fld>
             <a:endParaRPr lang="nl-BE"/>
           </a:p>
@@ -1050,7 +1050,7 @@
           <a:p>
             <a:fld id="{E76A7134-DD41-4476-8EAA-3B730437DDBA}" type="datetime1">
               <a:rPr lang="nl-BE" smtClean="0"/>
-              <a:t>10/01/2017</a:t>
+              <a:t>2017-01-11</a:t>
             </a:fld>
             <a:endParaRPr lang="nl-BE"/>
           </a:p>
@@ -1220,7 +1220,7 @@
           <a:p>
             <a:fld id="{6A712DDC-5823-4684-B9AB-13238133037F}" type="datetime1">
               <a:rPr lang="nl-BE" smtClean="0"/>
-              <a:t>10/01/2017</a:t>
+              <a:t>2017-01-11</a:t>
             </a:fld>
             <a:endParaRPr lang="nl-BE"/>
           </a:p>
@@ -1466,7 +1466,7 @@
           <a:p>
             <a:fld id="{25C98E6C-43F2-48C1-A878-60E399ADAF2F}" type="datetime1">
               <a:rPr lang="nl-BE" smtClean="0"/>
-              <a:t>10/01/2017</a:t>
+              <a:t>2017-01-11</a:t>
             </a:fld>
             <a:endParaRPr lang="nl-BE"/>
           </a:p>
@@ -1698,7 +1698,7 @@
           <a:p>
             <a:fld id="{68842D03-A048-445C-9971-C2AB088B80A8}" type="datetime1">
               <a:rPr lang="nl-BE" smtClean="0"/>
-              <a:t>10/01/2017</a:t>
+              <a:t>2017-01-11</a:t>
             </a:fld>
             <a:endParaRPr lang="nl-BE"/>
           </a:p>
@@ -2065,7 +2065,7 @@
           <a:p>
             <a:fld id="{0ABF26F5-8313-46CF-9E1C-E4A5B1A405D5}" type="datetime1">
               <a:rPr lang="nl-BE" smtClean="0"/>
-              <a:t>10/01/2017</a:t>
+              <a:t>2017-01-11</a:t>
             </a:fld>
             <a:endParaRPr lang="nl-BE"/>
           </a:p>
@@ -2183,7 +2183,7 @@
           <a:p>
             <a:fld id="{3CD87042-D51F-46CD-A77A-D047938A78D4}" type="datetime1">
               <a:rPr lang="nl-BE" smtClean="0"/>
-              <a:t>10/01/2017</a:t>
+              <a:t>2017-01-11</a:t>
             </a:fld>
             <a:endParaRPr lang="nl-BE"/>
           </a:p>
@@ -2278,7 +2278,7 @@
           <a:p>
             <a:fld id="{DC7432F5-E9F5-4C1F-9A3F-E7415A274E50}" type="datetime1">
               <a:rPr lang="nl-BE" smtClean="0"/>
-              <a:t>10/01/2017</a:t>
+              <a:t>2017-01-11</a:t>
             </a:fld>
             <a:endParaRPr lang="nl-BE"/>
           </a:p>
@@ -2555,7 +2555,7 @@
           <a:p>
             <a:fld id="{A8E1E92E-52FD-4A10-B7BB-621FA570F8E7}" type="datetime1">
               <a:rPr lang="nl-BE" smtClean="0"/>
-              <a:t>10/01/2017</a:t>
+              <a:t>2017-01-11</a:t>
             </a:fld>
             <a:endParaRPr lang="nl-BE"/>
           </a:p>
@@ -2808,7 +2808,7 @@
           <a:p>
             <a:fld id="{7D9E8458-F8C2-496F-A560-F1929A927ED8}" type="datetime1">
               <a:rPr lang="nl-BE" smtClean="0"/>
-              <a:t>10/01/2017</a:t>
+              <a:t>2017-01-11</a:t>
             </a:fld>
             <a:endParaRPr lang="nl-BE"/>
           </a:p>
@@ -3021,7 +3021,7 @@
           <a:p>
             <a:fld id="{ABA2E406-D30D-4CBF-B51D-3D815C4F7FD2}" type="datetime1">
               <a:rPr lang="nl-BE" smtClean="0"/>
-              <a:t>10/01/2017</a:t>
+              <a:t>2017-01-11</a:t>
             </a:fld>
             <a:endParaRPr lang="nl-BE"/>
           </a:p>
@@ -3696,35 +3696,7 @@
                 <a:latin typeface="Courier New" panose="02070309020205020404" pitchFamily="49" charset="0"/>
                 <a:cs typeface="Courier New" panose="02070309020205020404" pitchFamily="49" charset="0"/>
               </a:rPr>
-              <a:t>dmtcp_launch  </a:t>
-            </a:r>
-            <a:r>
-              <a:rPr lang="nl-BE" dirty="0" smtClean="0">
-                <a:latin typeface="Courier New" panose="02070309020205020404" pitchFamily="49" charset="0"/>
-                <a:cs typeface="Courier New" panose="02070309020205020404" pitchFamily="49" charset="0"/>
-              </a:rPr>
-              <a:t>./</a:t>
-            </a:r>
-            <a:r>
-              <a:rPr lang="nl-BE" dirty="0" smtClean="0">
-                <a:latin typeface="Courier New" panose="02070309020205020404" pitchFamily="49" charset="0"/>
-                <a:cs typeface="Courier New" panose="02070309020205020404" pitchFamily="49" charset="0"/>
-              </a:rPr>
-              <a:t>compute</a:t>
-            </a:r>
-            <a:r>
-              <a:rPr lang="nl-BE" dirty="0" smtClean="0">
-                <a:latin typeface="Courier New" panose="02070309020205020404" pitchFamily="49" charset="0"/>
-                <a:cs typeface="Courier New" panose="02070309020205020404" pitchFamily="49" charset="0"/>
-              </a:rPr>
-              <a:t>.exe  out.txt  </a:t>
-            </a:r>
-            <a:r>
-              <a:rPr lang="nl-BE" dirty="0" smtClean="0">
-                <a:latin typeface="Courier New" panose="02070309020205020404" pitchFamily="49" charset="0"/>
-                <a:cs typeface="Courier New" panose="02070309020205020404" pitchFamily="49" charset="0"/>
-              </a:rPr>
-              <a:t>$(( 12*60*100 ))  1</a:t>
+              <a:t>dmtcp_launch  ./compute.exe  out.txt  $(( 12*60*100 ))  1</a:t>
             </a:r>
             <a:endParaRPr lang="nl-BE" dirty="0">
               <a:latin typeface="Courier New" panose="02070309020205020404" pitchFamily="49" charset="0"/>
@@ -3765,11 +3737,25 @@
           <a:lstStyle/>
           <a:p>
             <a:r>
-              <a:rPr lang="nl-BE" dirty="0" err="1" smtClean="0">
-                <a:latin typeface="Courier New" panose="02070309020205020404" pitchFamily="49" charset="0"/>
-                <a:cs typeface="Courier New" panose="02070309020205020404" pitchFamily="49" charset="0"/>
-              </a:rPr>
-              <a:t>wait</a:t>
+              <a:rPr lang="nl-BE" dirty="0">
+                <a:latin typeface="Courier New" panose="02070309020205020404" pitchFamily="49" charset="0"/>
+                <a:cs typeface="Courier New" panose="02070309020205020404" pitchFamily="49" charset="0"/>
+              </a:rPr>
+              <a:t>s</a:t>
+            </a:r>
+            <a:r>
+              <a:rPr lang="nl-BE" dirty="0" smtClean="0">
+                <a:latin typeface="Courier New" panose="02070309020205020404" pitchFamily="49" charset="0"/>
+                <a:cs typeface="Courier New" panose="02070309020205020404" pitchFamily="49" charset="0"/>
+              </a:rPr>
+              <a:t>leep </a:t>
+            </a:r>
+            <a:r>
+              <a:rPr lang="nl-BE" dirty="0" smtClean="0">
+                <a:latin typeface="Courier New" panose="02070309020205020404" pitchFamily="49" charset="0"/>
+                <a:cs typeface="Courier New" panose="02070309020205020404" pitchFamily="49" charset="0"/>
+              </a:rPr>
+              <a:t>5</a:t>
             </a:r>
             <a:endParaRPr lang="nl-BE" dirty="0">
               <a:latin typeface="Courier New" panose="02070309020205020404" pitchFamily="49" charset="0"/>
@@ -3786,10 +3772,10 @@
         </p:nvGrpSpPr>
         <p:grpSpPr>
           <a:xfrm>
-            <a:off x="1193249" y="4278705"/>
-            <a:ext cx="6492611" cy="1157320"/>
+            <a:off x="1452037" y="4304583"/>
+            <a:ext cx="6909520" cy="1157320"/>
             <a:chOff x="810883" y="3974290"/>
-            <a:chExt cx="6492611" cy="1157320"/>
+            <a:chExt cx="6909520" cy="1157320"/>
           </a:xfrm>
         </p:grpSpPr>
         <p:sp>
@@ -3801,7 +3787,7 @@
           <p:spPr>
             <a:xfrm>
               <a:off x="810883" y="4762278"/>
-              <a:ext cx="6492611" cy="369332"/>
+              <a:ext cx="6909520" cy="369332"/>
             </a:xfrm>
             <a:prstGeom prst="rect">
               <a:avLst/>
@@ -3821,7 +3807,7 @@
             <a:p>
               <a:r>
                 <a:rPr lang="en-US" dirty="0" smtClean="0"/>
-                <a:t>ensure daemon (in background) quits before terminating PBS script</a:t>
+                <a:t>give daemon (in background) time to quit before terminating PBS script</a:t>
               </a:r>
               <a:endParaRPr lang="nl-BE" dirty="0">
                 <a:latin typeface="Courier New" panose="02070309020205020404" pitchFamily="49" charset="0"/>
@@ -3840,8 +3826,8 @@
           </p:nvCxnSpPr>
           <p:spPr>
             <a:xfrm flipH="1" flipV="1">
-              <a:off x="1101418" y="3974290"/>
-              <a:ext cx="2955771" cy="787988"/>
+              <a:off x="1101425" y="3974290"/>
+              <a:ext cx="3164218" cy="787988"/>
             </a:xfrm>
             <a:prstGeom prst="straightConnector1">
               <a:avLst/>
@@ -4410,6 +4396,13 @@
             </a:r>
           </a:p>
           <a:p>
+            <a:r>
+              <a:rPr lang="en-US" dirty="0" smtClean="0">
+                <a:latin typeface="Courier New" panose="02070309020205020404" pitchFamily="49" charset="0"/>
+                <a:cs typeface="Courier New" panose="02070309020205020404" pitchFamily="49" charset="0"/>
+              </a:rPr>
+              <a:t>export DMTCP_COORD_HOST=$(hostname)</a:t>
+            </a:r>
             <a:endParaRPr lang="en-US" dirty="0" smtClean="0">
               <a:latin typeface="Courier New" panose="02070309020205020404" pitchFamily="49" charset="0"/>
               <a:cs typeface="Courier New" panose="02070309020205020404" pitchFamily="49" charset="0"/>
@@ -4428,8 +4421,26 @@
                 <a:latin typeface="Courier New" panose="02070309020205020404" pitchFamily="49" charset="0"/>
                 <a:cs typeface="Courier New" panose="02070309020205020404" pitchFamily="49" charset="0"/>
               </a:rPr>
-              <a:t> &amp;</a:t>
-            </a:r>
+              <a:t> </a:t>
+            </a:r>
+            <a:r>
+              <a:rPr lang="en-US" dirty="0" smtClean="0">
+                <a:latin typeface="Courier New" panose="02070309020205020404" pitchFamily="49" charset="0"/>
+                <a:cs typeface="Courier New" panose="02070309020205020404" pitchFamily="49" charset="0"/>
+              </a:rPr>
+              <a:t>--</a:t>
+            </a:r>
+            <a:r>
+              <a:rPr lang="en-US" dirty="0" smtClean="0">
+                <a:latin typeface="Courier New" panose="02070309020205020404" pitchFamily="49" charset="0"/>
+                <a:cs typeface="Courier New" panose="02070309020205020404" pitchFamily="49" charset="0"/>
+              </a:rPr>
+              <a:t>exit-on-last &amp;</a:t>
+            </a:r>
+            <a:endParaRPr lang="en-US" dirty="0" smtClean="0">
+              <a:latin typeface="Courier New" panose="02070309020205020404" pitchFamily="49" charset="0"/>
+              <a:cs typeface="Courier New" panose="02070309020205020404" pitchFamily="49" charset="0"/>
+            </a:endParaRPr>
           </a:p>
           <a:p>
             <a:r>
@@ -4457,21 +4468,7 @@
                 <a:latin typeface="Courier New" panose="02070309020205020404" pitchFamily="49" charset="0"/>
                 <a:cs typeface="Courier New" panose="02070309020205020404" pitchFamily="49" charset="0"/>
               </a:rPr>
-              <a:t>mtcp_launch  </a:t>
-            </a:r>
-            <a:r>
-              <a:rPr lang="nl-BE" dirty="0" smtClean="0">
-                <a:latin typeface="Courier New" panose="02070309020205020404" pitchFamily="49" charset="0"/>
-                <a:cs typeface="Courier New" panose="02070309020205020404" pitchFamily="49" charset="0"/>
-              </a:rPr>
-              <a:t>./compute.exe  out.txt  </a:t>
-            </a:r>
-            <a:r>
-              <a:rPr lang="nl-BE" dirty="0" smtClean="0">
-                <a:latin typeface="Courier New" panose="02070309020205020404" pitchFamily="49" charset="0"/>
-                <a:cs typeface="Courier New" panose="02070309020205020404" pitchFamily="49" charset="0"/>
-              </a:rPr>
-              <a:t>$(( 12*60*100 ))  1</a:t>
+              <a:t>mtcp_launch  ./compute.exe  out.txt  $(( 12*60*100 ))  1</a:t>
             </a:r>
           </a:p>
           <a:p>
@@ -4482,11 +4479,25 @@
           </a:p>
           <a:p>
             <a:r>
+              <a:rPr lang="en-US" dirty="0">
+                <a:latin typeface="Courier New" panose="02070309020205020404" pitchFamily="49" charset="0"/>
+                <a:cs typeface="Courier New" panose="02070309020205020404" pitchFamily="49" charset="0"/>
+              </a:rPr>
+              <a:t>s</a:t>
+            </a:r>
+            <a:r>
               <a:rPr lang="en-US" dirty="0" smtClean="0">
                 <a:latin typeface="Courier New" panose="02070309020205020404" pitchFamily="49" charset="0"/>
                 <a:cs typeface="Courier New" panose="02070309020205020404" pitchFamily="49" charset="0"/>
               </a:rPr>
-              <a:t>wait</a:t>
+              <a:t>leep </a:t>
+            </a:r>
+            <a:r>
+              <a:rPr lang="en-US" dirty="0" smtClean="0">
+                <a:latin typeface="Courier New" panose="02070309020205020404" pitchFamily="49" charset="0"/>
+                <a:cs typeface="Courier New" panose="02070309020205020404" pitchFamily="49" charset="0"/>
+              </a:rPr>
+              <a:t>5</a:t>
             </a:r>
             <a:endParaRPr lang="nl-BE" dirty="0">
               <a:latin typeface="Courier New" panose="02070309020205020404" pitchFamily="49" charset="0"/>
@@ -5424,7 +5435,7 @@
         <p:spPr>
           <a:xfrm>
             <a:off x="628649" y="1690689"/>
-            <a:ext cx="6574407" cy="3416320"/>
+            <a:ext cx="6574407" cy="3693319"/>
           </a:xfrm>
           <a:prstGeom prst="rect">
             <a:avLst/>
@@ -5641,6 +5652,22 @@
                 <a:cs typeface="Courier New" panose="02070309020205020404" pitchFamily="49" charset="0"/>
               </a:rPr>
               <a:t>))</a:t>
+            </a:r>
+          </a:p>
+          <a:p>
+            <a:r>
+              <a:rPr lang="en-US" dirty="0">
+                <a:latin typeface="Courier New" panose="02070309020205020404" pitchFamily="49" charset="0"/>
+                <a:cs typeface="Courier New" panose="02070309020205020404" pitchFamily="49" charset="0"/>
+              </a:rPr>
+              <a:t>e</a:t>
+            </a:r>
+            <a:r>
+              <a:rPr lang="en-US" dirty="0" smtClean="0">
+                <a:latin typeface="Courier New" panose="02070309020205020404" pitchFamily="49" charset="0"/>
+                <a:cs typeface="Courier New" panose="02070309020205020404" pitchFamily="49" charset="0"/>
+              </a:rPr>
+              <a:t>xport DMTCP_COORD_HOST=$(hostname)</a:t>
             </a:r>
           </a:p>
           <a:p>
@@ -7677,21 +7704,7 @@
                 <a:latin typeface="Courier New" panose="02070309020205020404" pitchFamily="49" charset="0"/>
                 <a:cs typeface="Courier New" panose="02070309020205020404" pitchFamily="49" charset="0"/>
               </a:rPr>
-              <a:t>./producer.exe  </a:t>
-            </a:r>
-            <a:r>
-              <a:rPr lang="en-US" dirty="0" smtClean="0">
-                <a:latin typeface="Courier New" panose="02070309020205020404" pitchFamily="49" charset="0"/>
-                <a:cs typeface="Courier New" panose="02070309020205020404" pitchFamily="49" charset="0"/>
-              </a:rPr>
-              <a:t>|  </a:t>
-            </a:r>
-            <a:r>
-              <a:rPr lang="en-US" dirty="0" smtClean="0">
-                <a:latin typeface="Courier New" panose="02070309020205020404" pitchFamily="49" charset="0"/>
-                <a:cs typeface="Courier New" panose="02070309020205020404" pitchFamily="49" charset="0"/>
-              </a:rPr>
-              <a:t>consumer.exe  &gt;  out.txt</a:t>
+              <a:t>./producer.exe  |  consumer.exe  &gt;  out.txt</a:t>
             </a:r>
             <a:endParaRPr lang="nl-BE" dirty="0">
               <a:latin typeface="Courier New" panose="02070309020205020404" pitchFamily="49" charset="0"/>
@@ -8013,6 +8026,13 @@
             </a:r>
           </a:p>
           <a:p>
+            <a:r>
+              <a:rPr lang="en-US" dirty="0" smtClean="0">
+                <a:latin typeface="Courier New" panose="02070309020205020404" pitchFamily="49" charset="0"/>
+                <a:cs typeface="Courier New" panose="02070309020205020404" pitchFamily="49" charset="0"/>
+              </a:rPr>
+              <a:t>export DMTCP_COORD_HOST=$(hostname)</a:t>
+            </a:r>
             <a:endParaRPr lang="en-US" dirty="0" smtClean="0">
               <a:latin typeface="Courier New" panose="02070309020205020404" pitchFamily="49" charset="0"/>
               <a:cs typeface="Courier New" panose="02070309020205020404" pitchFamily="49" charset="0"/>
@@ -8031,7 +8051,14 @@
                 <a:latin typeface="Courier New" panose="02070309020205020404" pitchFamily="49" charset="0"/>
                 <a:cs typeface="Courier New" panose="02070309020205020404" pitchFamily="49" charset="0"/>
               </a:rPr>
-              <a:t> &amp;</a:t>
+              <a:t> --exit-on-last </a:t>
+            </a:r>
+            <a:r>
+              <a:rPr lang="en-US" dirty="0" smtClean="0">
+                <a:latin typeface="Courier New" panose="02070309020205020404" pitchFamily="49" charset="0"/>
+                <a:cs typeface="Courier New" panose="02070309020205020404" pitchFamily="49" charset="0"/>
+              </a:rPr>
+              <a:t>&amp;</a:t>
             </a:r>
           </a:p>
           <a:p>
@@ -8078,11 +8105,25 @@
           </a:p>
           <a:p>
             <a:r>
+              <a:rPr lang="en-US" dirty="0">
+                <a:latin typeface="Courier New" panose="02070309020205020404" pitchFamily="49" charset="0"/>
+                <a:cs typeface="Courier New" panose="02070309020205020404" pitchFamily="49" charset="0"/>
+              </a:rPr>
+              <a:t>s</a:t>
+            </a:r>
+            <a:r>
               <a:rPr lang="en-US" dirty="0" smtClean="0">
                 <a:latin typeface="Courier New" panose="02070309020205020404" pitchFamily="49" charset="0"/>
                 <a:cs typeface="Courier New" panose="02070309020205020404" pitchFamily="49" charset="0"/>
               </a:rPr>
-              <a:t>wait</a:t>
+              <a:t>leep </a:t>
+            </a:r>
+            <a:r>
+              <a:rPr lang="en-US" dirty="0" smtClean="0">
+                <a:latin typeface="Courier New" panose="02070309020205020404" pitchFamily="49" charset="0"/>
+                <a:cs typeface="Courier New" panose="02070309020205020404" pitchFamily="49" charset="0"/>
+              </a:rPr>
+              <a:t>5</a:t>
             </a:r>
             <a:endParaRPr lang="nl-BE" dirty="0">
               <a:latin typeface="Courier New" panose="02070309020205020404" pitchFamily="49" charset="0"/>
@@ -10007,28 +10048,7 @@
                 <a:latin typeface="Courier New" panose="02070309020205020404" pitchFamily="49" charset="0"/>
                 <a:cs typeface="Courier New" panose="02070309020205020404" pitchFamily="49" charset="0"/>
               </a:rPr>
-              <a:t>./</a:t>
-            </a:r>
-            <a:r>
-              <a:rPr lang="nl-BE" dirty="0" smtClean="0">
-                <a:latin typeface="Courier New" panose="02070309020205020404" pitchFamily="49" charset="0"/>
-                <a:cs typeface="Courier New" panose="02070309020205020404" pitchFamily="49" charset="0"/>
-              </a:rPr>
-              <a:t>compute</a:t>
-            </a:r>
-            <a:r>
-              <a:rPr lang="nl-BE" dirty="0" smtClean="0">
-                <a:latin typeface="Courier New" panose="02070309020205020404" pitchFamily="49" charset="0"/>
-                <a:cs typeface="Courier New" panose="02070309020205020404" pitchFamily="49" charset="0"/>
-              </a:rPr>
-              <a:t>.exe  out.txt  </a:t>
-            </a:r>
-            <a:r>
-              <a:rPr lang="nl-BE" dirty="0" smtClean="0">
-                <a:latin typeface="Courier New" panose="02070309020205020404" pitchFamily="49" charset="0"/>
-                <a:cs typeface="Courier New" panose="02070309020205020404" pitchFamily="49" charset="0"/>
-              </a:rPr>
-              <a:t>$(( 12*60*100 ))  1</a:t>
+              <a:t>./compute.exe  out.txt  $(( 12*60*100 ))  1</a:t>
             </a:r>
             <a:endParaRPr lang="nl-BE" dirty="0">
               <a:latin typeface="Courier New" panose="02070309020205020404" pitchFamily="49" charset="0"/>
@@ -10179,11 +10199,7 @@
             </a:r>
             <a:r>
               <a:rPr lang="en-US" sz="2000" dirty="0" smtClean="0"/>
-              <a:t> </a:t>
-            </a:r>
-            <a:r>
-              <a:rPr lang="en-US" sz="2000" dirty="0" smtClean="0"/>
-              <a:t>is unmodified, no libraries/instrumentation required</a:t>
+              <a:t> is unmodified, no libraries/instrumentation required</a:t>
             </a:r>
             <a:endParaRPr lang="nl-BE" sz="1600" dirty="0"/>
           </a:p>
@@ -10416,17 +10432,35 @@
             <a:endParaRPr lang="en-US" dirty="0"/>
           </a:p>
           <a:p>
+            <a:pPr marL="0" indent="0">
+              <a:buNone/>
+            </a:pPr>
+            <a:endParaRPr lang="en-US" dirty="0"/>
+          </a:p>
+          <a:p>
+            <a:r>
+              <a:rPr lang="en-US" dirty="0" smtClean="0"/>
+              <a:t>How often to checkpoint</a:t>
+            </a:r>
+            <a:r>
+              <a:rPr lang="en-US" dirty="0" smtClean="0"/>
+              <a:t>?</a:t>
+            </a:r>
+          </a:p>
+          <a:p>
+            <a:endParaRPr lang="en-US" dirty="0"/>
+          </a:p>
+          <a:p>
+            <a:r>
+              <a:rPr lang="en-US" dirty="0" smtClean="0"/>
+              <a:t>Coordinator host</a:t>
+            </a:r>
+          </a:p>
+          <a:p>
+            <a:endParaRPr lang="en-US" dirty="0"/>
+          </a:p>
+          <a:p>
             <a:endParaRPr lang="en-US" dirty="0" smtClean="0"/>
-          </a:p>
-          <a:p>
-            <a:endParaRPr lang="en-US" dirty="0"/>
-          </a:p>
-          <a:p>
-            <a:r>
-              <a:rPr lang="en-US" dirty="0" smtClean="0"/>
-              <a:t>How often to checkpoint?</a:t>
-            </a:r>
-            <a:endParaRPr lang="nl-BE" dirty="0"/>
           </a:p>
         </p:txBody>
       </p:sp>
@@ -10530,7 +10564,7 @@
         </p:nvSpPr>
         <p:spPr>
           <a:xfrm>
-            <a:off x="988082" y="4465519"/>
+            <a:off x="992811" y="3883173"/>
             <a:ext cx="6574407" cy="369332"/>
           </a:xfrm>
           <a:prstGeom prst="rect">
@@ -10571,10 +10605,10 @@
         </p:nvGrpSpPr>
         <p:grpSpPr>
           <a:xfrm>
-            <a:off x="4373581" y="2875085"/>
-            <a:ext cx="3839000" cy="815913"/>
-            <a:chOff x="810883" y="4315697"/>
-            <a:chExt cx="3839000" cy="815913"/>
+            <a:off x="4873913" y="2785198"/>
+            <a:ext cx="3925030" cy="815912"/>
+            <a:chOff x="1311215" y="4225810"/>
+            <a:chExt cx="3925030" cy="815912"/>
           </a:xfrm>
         </p:grpSpPr>
         <p:sp>
@@ -10585,8 +10619,8 @@
           </p:nvSpPr>
           <p:spPr>
             <a:xfrm>
-              <a:off x="810883" y="4762278"/>
-              <a:ext cx="3839000" cy="369332"/>
+              <a:off x="1311215" y="4672390"/>
+              <a:ext cx="3925030" cy="369332"/>
             </a:xfrm>
             <a:prstGeom prst="rect">
               <a:avLst/>
@@ -10599,7 +10633,7 @@
             </a:ln>
           </p:spPr>
           <p:txBody>
-            <a:bodyPr wrap="none" rtlCol="0">
+            <a:bodyPr wrap="square" rtlCol="0">
               <a:spAutoFit/>
             </a:bodyPr>
             <a:lstStyle/>
@@ -10636,8 +10670,8 @@
           </p:nvCxnSpPr>
           <p:spPr>
             <a:xfrm flipH="1" flipV="1">
-              <a:off x="2389694" y="4315697"/>
-              <a:ext cx="340689" cy="446581"/>
+              <a:off x="2890028" y="4225810"/>
+              <a:ext cx="383702" cy="446580"/>
             </a:xfrm>
             <a:prstGeom prst="straightConnector1">
               <a:avLst/>
@@ -10673,10 +10707,10 @@
         </p:nvGrpSpPr>
         <p:grpSpPr>
           <a:xfrm>
-            <a:off x="4373581" y="4903901"/>
-            <a:ext cx="2539157" cy="815912"/>
-            <a:chOff x="810883" y="4315698"/>
-            <a:chExt cx="2539157" cy="815912"/>
+            <a:off x="6259786" y="4252505"/>
+            <a:ext cx="2539157" cy="482446"/>
+            <a:chOff x="810883" y="4649164"/>
+            <a:chExt cx="2539157" cy="482446"/>
           </a:xfrm>
         </p:grpSpPr>
         <p:sp>
@@ -10726,9 +10760,9 @@
             <p:nvPr/>
           </p:nvCxnSpPr>
           <p:spPr>
-            <a:xfrm flipV="1">
-              <a:off x="2080462" y="4315698"/>
-              <a:ext cx="309242" cy="446580"/>
+            <a:xfrm flipH="1" flipV="1">
+              <a:off x="1667889" y="4649164"/>
+              <a:ext cx="412573" cy="113114"/>
             </a:xfrm>
             <a:prstGeom prst="straightConnector1">
               <a:avLst/>
@@ -10814,6 +10848,163 @@
           </a:p>
         </p:txBody>
       </p:sp>
+      <p:sp>
+        <p:nvSpPr>
+          <p:cNvPr id="17" name="Rectangle 16"/>
+          <p:cNvSpPr/>
+          <p:nvPr/>
+        </p:nvSpPr>
+        <p:spPr>
+          <a:xfrm>
+            <a:off x="988082" y="4940968"/>
+            <a:ext cx="6574407" cy="369332"/>
+          </a:xfrm>
+          <a:prstGeom prst="rect">
+            <a:avLst/>
+          </a:prstGeom>
+          <a:solidFill>
+            <a:schemeClr val="bg1">
+              <a:lumMod val="85000"/>
+            </a:schemeClr>
+          </a:solidFill>
+          <a:ln>
+            <a:solidFill>
+              <a:schemeClr val="tx1"/>
+            </a:solidFill>
+          </a:ln>
+        </p:spPr>
+        <p:txBody>
+          <a:bodyPr wrap="square">
+            <a:spAutoFit/>
+          </a:bodyPr>
+          <a:lstStyle/>
+          <a:p>
+            <a:r>
+              <a:rPr lang="nl-BE" dirty="0" smtClean="0">
+                <a:latin typeface="Courier New" panose="02070309020205020404" pitchFamily="49" charset="0"/>
+                <a:cs typeface="Courier New" panose="02070309020205020404" pitchFamily="49" charset="0"/>
+              </a:rPr>
+              <a:t>export </a:t>
+            </a:r>
+            <a:r>
+              <a:rPr lang="nl-BE" dirty="0" smtClean="0">
+                <a:latin typeface="Courier New" panose="02070309020205020404" pitchFamily="49" charset="0"/>
+                <a:cs typeface="Courier New" panose="02070309020205020404" pitchFamily="49" charset="0"/>
+              </a:rPr>
+              <a:t>DMTCP_COORD_HOST=$(</a:t>
+            </a:r>
+            <a:r>
+              <a:rPr lang="nl-BE" dirty="0" err="1" smtClean="0">
+                <a:latin typeface="Courier New" panose="02070309020205020404" pitchFamily="49" charset="0"/>
+                <a:cs typeface="Courier New" panose="02070309020205020404" pitchFamily="49" charset="0"/>
+              </a:rPr>
+              <a:t>hostname</a:t>
+            </a:r>
+            <a:r>
+              <a:rPr lang="nl-BE" dirty="0" smtClean="0">
+                <a:latin typeface="Courier New" panose="02070309020205020404" pitchFamily="49" charset="0"/>
+                <a:cs typeface="Courier New" panose="02070309020205020404" pitchFamily="49" charset="0"/>
+              </a:rPr>
+              <a:t>)</a:t>
+            </a:r>
+            <a:endParaRPr lang="nl-BE" dirty="0" smtClean="0">
+              <a:latin typeface="Courier New" panose="02070309020205020404" pitchFamily="49" charset="0"/>
+              <a:cs typeface="Courier New" panose="02070309020205020404" pitchFamily="49" charset="0"/>
+            </a:endParaRPr>
+          </a:p>
+        </p:txBody>
+      </p:sp>
+      <p:grpSp>
+        <p:nvGrpSpPr>
+          <p:cNvPr id="19" name="Group 18"/>
+          <p:cNvGrpSpPr/>
+          <p:nvPr/>
+        </p:nvGrpSpPr>
+        <p:grpSpPr>
+          <a:xfrm>
+            <a:off x="5935672" y="5142199"/>
+            <a:ext cx="2037406" cy="672369"/>
+            <a:chOff x="506670" y="4206574"/>
+            <a:chExt cx="2037406" cy="672369"/>
+          </a:xfrm>
+        </p:grpSpPr>
+        <p:sp>
+          <p:nvSpPr>
+            <p:cNvPr id="20" name="TextBox 19"/>
+            <p:cNvSpPr txBox="1"/>
+            <p:nvPr/>
+          </p:nvSpPr>
+          <p:spPr>
+            <a:xfrm>
+              <a:off x="790263" y="4509611"/>
+              <a:ext cx="1753813" cy="369332"/>
+            </a:xfrm>
+            <a:prstGeom prst="rect">
+              <a:avLst/>
+            </a:prstGeom>
+            <a:noFill/>
+            <a:ln>
+              <a:solidFill>
+                <a:schemeClr val="tx1"/>
+              </a:solidFill>
+            </a:ln>
+          </p:spPr>
+          <p:txBody>
+            <a:bodyPr wrap="none" rtlCol="0">
+              <a:spAutoFit/>
+            </a:bodyPr>
+            <a:lstStyle/>
+            <a:p>
+              <a:r>
+                <a:rPr lang="en-US" dirty="0" smtClean="0"/>
+                <a:t>Allows migration</a:t>
+              </a:r>
+              <a:endParaRPr lang="nl-BE" dirty="0">
+                <a:latin typeface="Courier New" panose="02070309020205020404" pitchFamily="49" charset="0"/>
+                <a:cs typeface="Courier New" panose="02070309020205020404" pitchFamily="49" charset="0"/>
+              </a:endParaRPr>
+            </a:p>
+          </p:txBody>
+        </p:sp>
+        <p:cxnSp>
+          <p:nvCxnSpPr>
+            <p:cNvPr id="21" name="Straight Arrow Connector 20"/>
+            <p:cNvCxnSpPr>
+              <a:stCxn id="20" idx="0"/>
+            </p:cNvCxnSpPr>
+            <p:nvPr/>
+          </p:nvCxnSpPr>
+          <p:spPr>
+            <a:xfrm flipH="1" flipV="1">
+              <a:off x="506670" y="4206574"/>
+              <a:ext cx="1160500" cy="303037"/>
+            </a:xfrm>
+            <a:prstGeom prst="straightConnector1">
+              <a:avLst/>
+            </a:prstGeom>
+            <a:ln w="19050">
+              <a:solidFill>
+                <a:schemeClr val="tx1"/>
+              </a:solidFill>
+              <a:tailEnd type="stealth" w="lg" len="lg"/>
+            </a:ln>
+          </p:spPr>
+          <p:style>
+            <a:lnRef idx="1">
+              <a:schemeClr val="accent1"/>
+            </a:lnRef>
+            <a:fillRef idx="0">
+              <a:schemeClr val="accent1"/>
+            </a:fillRef>
+            <a:effectRef idx="0">
+              <a:schemeClr val="accent1"/>
+            </a:effectRef>
+            <a:fontRef idx="minor">
+              <a:schemeClr val="tx1"/>
+            </a:fontRef>
+          </p:style>
+        </p:cxnSp>
+      </p:grpSp>
     </p:spTree>
     <p:extLst>
       <p:ext uri="{BB962C8B-B14F-4D97-AF65-F5344CB8AC3E}">
@@ -10984,7 +11175,7 @@
                                         <p:tgtEl>
                                           <p:spTgt spid="4">
                                             <p:txEl>
-                                              <p:pRg st="4" end="4"/>
+                                              <p:pRg st="3" end="3"/>
                                             </p:txEl>
                                           </p:spTgt>
                                         </p:tgtEl>
@@ -11103,6 +11294,127 @@
                                           </p:stCondLst>
                                         </p:cTn>
                                         <p:tgtEl>
+                                          <p:spTgt spid="4">
+                                            <p:txEl>
+                                              <p:pRg st="5" end="5"/>
+                                            </p:txEl>
+                                          </p:spTgt>
+                                        </p:tgtEl>
+                                        <p:attrNameLst>
+                                          <p:attrName>style.visibility</p:attrName>
+                                        </p:attrNameLst>
+                                      </p:cBhvr>
+                                      <p:to>
+                                        <p:strVal val="visible"/>
+                                      </p:to>
+                                    </p:set>
+                                  </p:childTnLst>
+                                </p:cTn>
+                              </p:par>
+                              <p:par>
+                                <p:cTn id="27" presetID="1" presetClass="entr" presetSubtype="0" fill="hold" grpId="0" nodeType="withEffect">
+                                  <p:stCondLst>
+                                    <p:cond delay="0"/>
+                                  </p:stCondLst>
+                                  <p:childTnLst>
+                                    <p:set>
+                                      <p:cBhvr>
+                                        <p:cTn id="28" dur="1" fill="hold">
+                                          <p:stCondLst>
+                                            <p:cond delay="0"/>
+                                          </p:stCondLst>
+                                        </p:cTn>
+                                        <p:tgtEl>
+                                          <p:spTgt spid="17"/>
+                                        </p:tgtEl>
+                                        <p:attrNameLst>
+                                          <p:attrName>style.visibility</p:attrName>
+                                        </p:attrNameLst>
+                                      </p:cBhvr>
+                                      <p:to>
+                                        <p:strVal val="visible"/>
+                                      </p:to>
+                                    </p:set>
+                                  </p:childTnLst>
+                                </p:cTn>
+                              </p:par>
+                            </p:childTnLst>
+                          </p:cTn>
+                        </p:par>
+                      </p:childTnLst>
+                    </p:cTn>
+                  </p:par>
+                  <p:par>
+                    <p:cTn id="29" fill="hold">
+                      <p:stCondLst>
+                        <p:cond delay="indefinite"/>
+                      </p:stCondLst>
+                      <p:childTnLst>
+                        <p:par>
+                          <p:cTn id="30" fill="hold">
+                            <p:stCondLst>
+                              <p:cond delay="0"/>
+                            </p:stCondLst>
+                            <p:childTnLst>
+                              <p:par>
+                                <p:cTn id="31" presetID="1" presetClass="entr" presetSubtype="0" fill="hold" nodeType="clickEffect">
+                                  <p:stCondLst>
+                                    <p:cond delay="0"/>
+                                  </p:stCondLst>
+                                  <p:childTnLst>
+                                    <p:set>
+                                      <p:cBhvr>
+                                        <p:cTn id="32" dur="1" fill="hold">
+                                          <p:stCondLst>
+                                            <p:cond delay="0"/>
+                                          </p:stCondLst>
+                                        </p:cTn>
+                                        <p:tgtEl>
+                                          <p:spTgt spid="19"/>
+                                        </p:tgtEl>
+                                        <p:attrNameLst>
+                                          <p:attrName>style.visibility</p:attrName>
+                                        </p:attrNameLst>
+                                      </p:cBhvr>
+                                      <p:to>
+                                        <p:strVal val="visible"/>
+                                      </p:to>
+                                    </p:set>
+                                  </p:childTnLst>
+                                </p:cTn>
+                              </p:par>
+                            </p:childTnLst>
+                          </p:cTn>
+                        </p:par>
+                      </p:childTnLst>
+                    </p:cTn>
+                  </p:par>
+                  <p:par>
+                    <p:cTn id="33" fill="hold">
+                      <p:stCondLst>
+                        <p:cond delay="indefinite"/>
+                      </p:stCondLst>
+                      <p:childTnLst>
+                        <p:par>
+                          <p:cTn id="34" fill="hold">
+                            <p:stCondLst>
+                              <p:cond delay="0"/>
+                            </p:stCondLst>
+                            <p:childTnLst>
+                              <p:par>
+                                <p:cTn id="35" presetID="1" presetClass="entr" presetSubtype="0" fill="hold" grpId="0" nodeType="clickEffect">
+                                  <p:stCondLst>
+                                    <p:cond delay="0"/>
+                                  </p:stCondLst>
+                                  <p:childTnLst>
+                                    <p:set>
+                                      <p:cBhvr>
+                                        <p:cTn id="36" dur="1" fill="hold">
+                                          <p:stCondLst>
+                                            <p:cond delay="0"/>
+                                          </p:stCondLst>
+                                        </p:cTn>
+                                        <p:tgtEl>
                                           <p:spTgt spid="14"/>
                                         </p:tgtEl>
                                         <p:attrNameLst>
@@ -11148,6 +11460,7 @@
       <p:bldP spid="5" grpId="0" animBg="1"/>
       <p:bldP spid="6" grpId="0" animBg="1"/>
       <p:bldP spid="14" grpId="0" animBg="1"/>
+      <p:bldP spid="17" grpId="0" animBg="1"/>
     </p:bldLst>
   </p:timing>
 </p:sld>
@@ -11338,8 +11651,26 @@
                 <a:latin typeface="Courier New" panose="02070309020205020404" pitchFamily="49" charset="0"/>
                 <a:cs typeface="Courier New" panose="02070309020205020404" pitchFamily="49" charset="0"/>
               </a:rPr>
-              <a:t> &amp;</a:t>
-            </a:r>
+              <a:t> </a:t>
+            </a:r>
+            <a:r>
+              <a:rPr lang="nl-BE" dirty="0" smtClean="0">
+                <a:latin typeface="Courier New" panose="02070309020205020404" pitchFamily="49" charset="0"/>
+                <a:cs typeface="Courier New" panose="02070309020205020404" pitchFamily="49" charset="0"/>
+              </a:rPr>
+              <a:t>--</a:t>
+            </a:r>
+            <a:r>
+              <a:rPr lang="nl-BE" dirty="0" smtClean="0">
+                <a:latin typeface="Courier New" panose="02070309020205020404" pitchFamily="49" charset="0"/>
+                <a:cs typeface="Courier New" panose="02070309020205020404" pitchFamily="49" charset="0"/>
+              </a:rPr>
+              <a:t>exit-on-last &amp;</a:t>
+            </a:r>
+            <a:endParaRPr lang="nl-BE" dirty="0">
+              <a:latin typeface="Courier New" panose="02070309020205020404" pitchFamily="49" charset="0"/>
+              <a:cs typeface="Courier New" panose="02070309020205020404" pitchFamily="49" charset="0"/>
+            </a:endParaRPr>
           </a:p>
           <a:p>
             <a:r>
@@ -11364,7 +11695,7 @@
         </p:nvGrpSpPr>
         <p:grpSpPr>
           <a:xfrm>
-            <a:off x="3645850" y="4226943"/>
+            <a:off x="3956400" y="4295951"/>
             <a:ext cx="2867580" cy="906531"/>
             <a:chOff x="810883" y="4225079"/>
             <a:chExt cx="2867580" cy="906531"/>

--- a/LinuxTools/Checkpointing/checkpointing.pptx
+++ b/LinuxTools/Checkpointing/checkpointing.pptx
@@ -3737,25 +3737,11 @@
           <a:lstStyle/>
           <a:p>
             <a:r>
-              <a:rPr lang="nl-BE" dirty="0">
-                <a:latin typeface="Courier New" panose="02070309020205020404" pitchFamily="49" charset="0"/>
-                <a:cs typeface="Courier New" panose="02070309020205020404" pitchFamily="49" charset="0"/>
-              </a:rPr>
-              <a:t>s</a:t>
-            </a:r>
-            <a:r>
-              <a:rPr lang="nl-BE" dirty="0" smtClean="0">
-                <a:latin typeface="Courier New" panose="02070309020205020404" pitchFamily="49" charset="0"/>
-                <a:cs typeface="Courier New" panose="02070309020205020404" pitchFamily="49" charset="0"/>
-              </a:rPr>
-              <a:t>leep </a:t>
-            </a:r>
-            <a:r>
-              <a:rPr lang="nl-BE" dirty="0" smtClean="0">
-                <a:latin typeface="Courier New" panose="02070309020205020404" pitchFamily="49" charset="0"/>
-                <a:cs typeface="Courier New" panose="02070309020205020404" pitchFamily="49" charset="0"/>
-              </a:rPr>
-              <a:t>5</a:t>
+              <a:rPr lang="nl-BE" dirty="0" err="1" smtClean="0">
+                <a:latin typeface="Courier New" panose="02070309020205020404" pitchFamily="49" charset="0"/>
+                <a:cs typeface="Courier New" panose="02070309020205020404" pitchFamily="49" charset="0"/>
+              </a:rPr>
+              <a:t>wait</a:t>
             </a:r>
             <a:endParaRPr lang="nl-BE" dirty="0">
               <a:latin typeface="Courier New" panose="02070309020205020404" pitchFamily="49" charset="0"/>
@@ -4479,25 +4465,11 @@
           </a:p>
           <a:p>
             <a:r>
-              <a:rPr lang="en-US" dirty="0">
-                <a:latin typeface="Courier New" panose="02070309020205020404" pitchFamily="49" charset="0"/>
-                <a:cs typeface="Courier New" panose="02070309020205020404" pitchFamily="49" charset="0"/>
-              </a:rPr>
-              <a:t>s</a:t>
-            </a:r>
-            <a:r>
               <a:rPr lang="en-US" dirty="0" smtClean="0">
                 <a:latin typeface="Courier New" panose="02070309020205020404" pitchFamily="49" charset="0"/>
                 <a:cs typeface="Courier New" panose="02070309020205020404" pitchFamily="49" charset="0"/>
               </a:rPr>
-              <a:t>leep </a:t>
-            </a:r>
-            <a:r>
-              <a:rPr lang="en-US" dirty="0" smtClean="0">
-                <a:latin typeface="Courier New" panose="02070309020205020404" pitchFamily="49" charset="0"/>
-                <a:cs typeface="Courier New" panose="02070309020205020404" pitchFamily="49" charset="0"/>
-              </a:rPr>
-              <a:t>5</a:t>
+              <a:t>wait</a:t>
             </a:r>
             <a:endParaRPr lang="nl-BE" dirty="0">
               <a:latin typeface="Courier New" panose="02070309020205020404" pitchFamily="49" charset="0"/>
@@ -8105,25 +8077,11 @@
           </a:p>
           <a:p>
             <a:r>
-              <a:rPr lang="en-US" dirty="0">
-                <a:latin typeface="Courier New" panose="02070309020205020404" pitchFamily="49" charset="0"/>
-                <a:cs typeface="Courier New" panose="02070309020205020404" pitchFamily="49" charset="0"/>
-              </a:rPr>
-              <a:t>s</a:t>
-            </a:r>
-            <a:r>
               <a:rPr lang="en-US" dirty="0" smtClean="0">
                 <a:latin typeface="Courier New" panose="02070309020205020404" pitchFamily="49" charset="0"/>
                 <a:cs typeface="Courier New" panose="02070309020205020404" pitchFamily="49" charset="0"/>
               </a:rPr>
-              <a:t>leep </a:t>
-            </a:r>
-            <a:r>
-              <a:rPr lang="en-US" dirty="0" smtClean="0">
-                <a:latin typeface="Courier New" panose="02070309020205020404" pitchFamily="49" charset="0"/>
-                <a:cs typeface="Courier New" panose="02070309020205020404" pitchFamily="49" charset="0"/>
-              </a:rPr>
-              <a:t>5</a:t>
+              <a:t>wait</a:t>
             </a:r>
             <a:endParaRPr lang="nl-BE" dirty="0">
               <a:latin typeface="Courier New" panose="02070309020205020404" pitchFamily="49" charset="0"/>

--- a/LinuxTools/Checkpointing/checkpointing.pptx
+++ b/LinuxTools/Checkpointing/checkpointing.pptx
@@ -5,7 +5,7 @@
     <p:sldMasterId id="2147483648" r:id="rId1"/>
   </p:sldMasterIdLst>
   <p:notesMasterIdLst>
-    <p:notesMasterId r:id="rId23"/>
+    <p:notesMasterId r:id="rId25"/>
   </p:notesMasterIdLst>
   <p:sldIdLst>
     <p:sldId id="256" r:id="rId2"/>
@@ -27,8 +27,10 @@
     <p:sldId id="272" r:id="rId18"/>
     <p:sldId id="273" r:id="rId19"/>
     <p:sldId id="274" r:id="rId20"/>
-    <p:sldId id="275" r:id="rId21"/>
-    <p:sldId id="276" r:id="rId22"/>
+    <p:sldId id="277" r:id="rId21"/>
+    <p:sldId id="278" r:id="rId22"/>
+    <p:sldId id="275" r:id="rId23"/>
+    <p:sldId id="276" r:id="rId24"/>
   </p:sldIdLst>
   <p:sldSz cx="9144000" cy="6858000" type="screen4x3"/>
   <p:notesSz cx="6858000" cy="9144000"/>
@@ -217,7 +219,7 @@
           <a:p>
             <a:fld id="{6E701E40-F6BA-46ED-B660-6F2F89D811A2}" type="datetimeFigureOut">
               <a:rPr lang="nl-BE" smtClean="0"/>
-              <a:t>2017-01-11</a:t>
+              <a:t>2017-01-18</a:t>
             </a:fld>
             <a:endParaRPr lang="nl-BE"/>
           </a:p>
@@ -700,7 +702,7 @@
           <a:p>
             <a:fld id="{A287BB98-A89C-4C03-80F2-740225F5832C}" type="datetime1">
               <a:rPr lang="nl-BE" smtClean="0"/>
-              <a:t>2017-01-11</a:t>
+              <a:t>2017-01-18</a:t>
             </a:fld>
             <a:endParaRPr lang="nl-BE"/>
           </a:p>
@@ -870,7 +872,7 @@
           <a:p>
             <a:fld id="{737C6972-E9CE-4E73-AF9E-95B5E586C978}" type="datetime1">
               <a:rPr lang="nl-BE" smtClean="0"/>
-              <a:t>2017-01-11</a:t>
+              <a:t>2017-01-18</a:t>
             </a:fld>
             <a:endParaRPr lang="nl-BE"/>
           </a:p>
@@ -1050,7 +1052,7 @@
           <a:p>
             <a:fld id="{E76A7134-DD41-4476-8EAA-3B730437DDBA}" type="datetime1">
               <a:rPr lang="nl-BE" smtClean="0"/>
-              <a:t>2017-01-11</a:t>
+              <a:t>2017-01-18</a:t>
             </a:fld>
             <a:endParaRPr lang="nl-BE"/>
           </a:p>
@@ -1220,7 +1222,7 @@
           <a:p>
             <a:fld id="{6A712DDC-5823-4684-B9AB-13238133037F}" type="datetime1">
               <a:rPr lang="nl-BE" smtClean="0"/>
-              <a:t>2017-01-11</a:t>
+              <a:t>2017-01-18</a:t>
             </a:fld>
             <a:endParaRPr lang="nl-BE"/>
           </a:p>
@@ -1466,7 +1468,7 @@
           <a:p>
             <a:fld id="{25C98E6C-43F2-48C1-A878-60E399ADAF2F}" type="datetime1">
               <a:rPr lang="nl-BE" smtClean="0"/>
-              <a:t>2017-01-11</a:t>
+              <a:t>2017-01-18</a:t>
             </a:fld>
             <a:endParaRPr lang="nl-BE"/>
           </a:p>
@@ -1698,7 +1700,7 @@
           <a:p>
             <a:fld id="{68842D03-A048-445C-9971-C2AB088B80A8}" type="datetime1">
               <a:rPr lang="nl-BE" smtClean="0"/>
-              <a:t>2017-01-11</a:t>
+              <a:t>2017-01-18</a:t>
             </a:fld>
             <a:endParaRPr lang="nl-BE"/>
           </a:p>
@@ -2065,7 +2067,7 @@
           <a:p>
             <a:fld id="{0ABF26F5-8313-46CF-9E1C-E4A5B1A405D5}" type="datetime1">
               <a:rPr lang="nl-BE" smtClean="0"/>
-              <a:t>2017-01-11</a:t>
+              <a:t>2017-01-18</a:t>
             </a:fld>
             <a:endParaRPr lang="nl-BE"/>
           </a:p>
@@ -2183,7 +2185,7 @@
           <a:p>
             <a:fld id="{3CD87042-D51F-46CD-A77A-D047938A78D4}" type="datetime1">
               <a:rPr lang="nl-BE" smtClean="0"/>
-              <a:t>2017-01-11</a:t>
+              <a:t>2017-01-18</a:t>
             </a:fld>
             <a:endParaRPr lang="nl-BE"/>
           </a:p>
@@ -2278,7 +2280,7 @@
           <a:p>
             <a:fld id="{DC7432F5-E9F5-4C1F-9A3F-E7415A274E50}" type="datetime1">
               <a:rPr lang="nl-BE" smtClean="0"/>
-              <a:t>2017-01-11</a:t>
+              <a:t>2017-01-18</a:t>
             </a:fld>
             <a:endParaRPr lang="nl-BE"/>
           </a:p>
@@ -2555,7 +2557,7 @@
           <a:p>
             <a:fld id="{A8E1E92E-52FD-4A10-B7BB-621FA570F8E7}" type="datetime1">
               <a:rPr lang="nl-BE" smtClean="0"/>
-              <a:t>2017-01-11</a:t>
+              <a:t>2017-01-18</a:t>
             </a:fld>
             <a:endParaRPr lang="nl-BE"/>
           </a:p>
@@ -2808,7 +2810,7 @@
           <a:p>
             <a:fld id="{7D9E8458-F8C2-496F-A560-F1929A927ED8}" type="datetime1">
               <a:rPr lang="nl-BE" smtClean="0"/>
-              <a:t>2017-01-11</a:t>
+              <a:t>2017-01-18</a:t>
             </a:fld>
             <a:endParaRPr lang="nl-BE"/>
           </a:p>
@@ -3021,7 +3023,7 @@
           <a:p>
             <a:fld id="{ABA2E406-D30D-4CBF-B51D-3D815C4F7FD2}" type="datetime1">
               <a:rPr lang="nl-BE" smtClean="0"/>
-              <a:t>2017-01-11</a:t>
+              <a:t>2017-01-18</a:t>
             </a:fld>
             <a:endParaRPr lang="nl-BE"/>
           </a:p>
@@ -4389,10 +4391,6 @@
               </a:rPr>
               <a:t>export DMTCP_COORD_HOST=$(hostname)</a:t>
             </a:r>
-            <a:endParaRPr lang="en-US" dirty="0" smtClean="0">
-              <a:latin typeface="Courier New" panose="02070309020205020404" pitchFamily="49" charset="0"/>
-              <a:cs typeface="Courier New" panose="02070309020205020404" pitchFamily="49" charset="0"/>
-            </a:endParaRPr>
           </a:p>
           <a:p>
             <a:r>
@@ -4407,26 +4405,8 @@
                 <a:latin typeface="Courier New" panose="02070309020205020404" pitchFamily="49" charset="0"/>
                 <a:cs typeface="Courier New" panose="02070309020205020404" pitchFamily="49" charset="0"/>
               </a:rPr>
-              <a:t> </a:t>
-            </a:r>
-            <a:r>
-              <a:rPr lang="en-US" dirty="0" smtClean="0">
-                <a:latin typeface="Courier New" panose="02070309020205020404" pitchFamily="49" charset="0"/>
-                <a:cs typeface="Courier New" panose="02070309020205020404" pitchFamily="49" charset="0"/>
-              </a:rPr>
-              <a:t>--</a:t>
-            </a:r>
-            <a:r>
-              <a:rPr lang="en-US" dirty="0" smtClean="0">
-                <a:latin typeface="Courier New" panose="02070309020205020404" pitchFamily="49" charset="0"/>
-                <a:cs typeface="Courier New" panose="02070309020205020404" pitchFamily="49" charset="0"/>
-              </a:rPr>
-              <a:t>exit-on-last &amp;</a:t>
-            </a:r>
-            <a:endParaRPr lang="en-US" dirty="0" smtClean="0">
-              <a:latin typeface="Courier New" panose="02070309020205020404" pitchFamily="49" charset="0"/>
-              <a:cs typeface="Courier New" panose="02070309020205020404" pitchFamily="49" charset="0"/>
-            </a:endParaRPr>
+              <a:t> --exit-on-last &amp;</a:t>
+            </a:r>
           </a:p>
           <a:p>
             <a:r>
@@ -8005,10 +7985,6 @@
               </a:rPr>
               <a:t>export DMTCP_COORD_HOST=$(hostname)</a:t>
             </a:r>
-            <a:endParaRPr lang="en-US" dirty="0" smtClean="0">
-              <a:latin typeface="Courier New" panose="02070309020205020404" pitchFamily="49" charset="0"/>
-              <a:cs typeface="Courier New" panose="02070309020205020404" pitchFamily="49" charset="0"/>
-            </a:endParaRPr>
           </a:p>
           <a:p>
             <a:r>
@@ -8023,14 +7999,7 @@
                 <a:latin typeface="Courier New" panose="02070309020205020404" pitchFamily="49" charset="0"/>
                 <a:cs typeface="Courier New" panose="02070309020205020404" pitchFamily="49" charset="0"/>
               </a:rPr>
-              <a:t> --exit-on-last </a:t>
-            </a:r>
-            <a:r>
-              <a:rPr lang="en-US" dirty="0" smtClean="0">
-                <a:latin typeface="Courier New" panose="02070309020205020404" pitchFamily="49" charset="0"/>
-                <a:cs typeface="Courier New" panose="02070309020205020404" pitchFamily="49" charset="0"/>
-              </a:rPr>
-              <a:t>&amp;</a:t>
+              <a:t> --exit-on-last &amp;</a:t>
             </a:r>
           </a:p>
           <a:p>
@@ -8433,7 +8402,11 @@
           <a:p>
             <a:r>
               <a:rPr lang="en-US" dirty="0" smtClean="0"/>
-              <a:t>Best practices</a:t>
+              <a:t>MPI + </a:t>
+            </a:r>
+            <a:r>
+              <a:rPr lang="en-US" dirty="0" err="1" smtClean="0"/>
+              <a:t>OpenMP</a:t>
             </a:r>
             <a:endParaRPr lang="nl-BE" dirty="0"/>
           </a:p>
@@ -8476,6 +8449,571 @@
             <a:fld id="{0E10C2AD-1307-4F27-A6A5-469AD3C2F368}" type="slidenum">
               <a:rPr lang="nl-BE" smtClean="0"/>
               <a:t>20</a:t>
+            </a:fld>
+            <a:endParaRPr lang="nl-BE"/>
+          </a:p>
+        </p:txBody>
+      </p:sp>
+    </p:spTree>
+    <p:extLst>
+      <p:ext uri="{BB962C8B-B14F-4D97-AF65-F5344CB8AC3E}">
+        <p14:creationId xmlns:p14="http://schemas.microsoft.com/office/powerpoint/2010/main" val="2913503156"/>
+      </p:ext>
+    </p:extLst>
+  </p:cSld>
+  <p:clrMapOvr>
+    <a:masterClrMapping/>
+  </p:clrMapOvr>
+</p:sld>
+</file>
+
+<file path=ppt/slides/slide21.xml><?xml version="1.0" encoding="utf-8"?>
+<p:sld xmlns:a="http://schemas.openxmlformats.org/drawingml/2006/main" xmlns:r="http://schemas.openxmlformats.org/officeDocument/2006/relationships" xmlns:p="http://schemas.openxmlformats.org/presentationml/2006/main">
+  <p:cSld>
+    <p:spTree>
+      <p:nvGrpSpPr>
+        <p:cNvPr id="1" name=""/>
+        <p:cNvGrpSpPr/>
+        <p:nvPr/>
+      </p:nvGrpSpPr>
+      <p:grpSpPr>
+        <a:xfrm>
+          <a:off x="0" y="0"/>
+          <a:ext cx="0" cy="0"/>
+          <a:chOff x="0" y="0"/>
+          <a:chExt cx="0" cy="0"/>
+        </a:xfrm>
+      </p:grpSpPr>
+      <p:sp>
+        <p:nvSpPr>
+          <p:cNvPr id="2" name="Title 1"/>
+          <p:cNvSpPr>
+            <a:spLocks noGrp="1"/>
+          </p:cNvSpPr>
+          <p:nvPr>
+            <p:ph type="title"/>
+          </p:nvPr>
+        </p:nvSpPr>
+        <p:spPr/>
+        <p:txBody>
+          <a:bodyPr/>
+          <a:lstStyle/>
+          <a:p>
+            <a:r>
+              <a:rPr lang="en-US" dirty="0" smtClean="0"/>
+              <a:t>Single-node MPI + </a:t>
+            </a:r>
+            <a:r>
+              <a:rPr lang="en-US" dirty="0" err="1" smtClean="0"/>
+              <a:t>OpenMP</a:t>
+            </a:r>
+            <a:endParaRPr lang="nl-BE" dirty="0"/>
+          </a:p>
+        </p:txBody>
+      </p:sp>
+      <p:sp>
+        <p:nvSpPr>
+          <p:cNvPr id="3" name="Content Placeholder 2"/>
+          <p:cNvSpPr>
+            <a:spLocks noGrp="1"/>
+          </p:cNvSpPr>
+          <p:nvPr>
+            <p:ph idx="1"/>
+          </p:nvPr>
+        </p:nvSpPr>
+        <p:spPr/>
+        <p:txBody>
+          <a:bodyPr/>
+          <a:lstStyle/>
+          <a:p>
+            <a:r>
+              <a:rPr lang="en-US" dirty="0" smtClean="0"/>
+              <a:t>PBS script</a:t>
+            </a:r>
+          </a:p>
+          <a:p>
+            <a:pPr lvl="1"/>
+            <a:r>
+              <a:rPr lang="en-US" dirty="0" smtClean="0"/>
+              <a:t>Start DMTCP coordinator</a:t>
+            </a:r>
+          </a:p>
+          <a:p>
+            <a:pPr lvl="1"/>
+            <a:r>
+              <a:rPr lang="en-US" dirty="0" smtClean="0"/>
+              <a:t>Run application</a:t>
+            </a:r>
+            <a:endParaRPr lang="nl-BE" dirty="0"/>
+          </a:p>
+        </p:txBody>
+      </p:sp>
+      <p:sp>
+        <p:nvSpPr>
+          <p:cNvPr id="4" name="Slide Number Placeholder 3"/>
+          <p:cNvSpPr>
+            <a:spLocks noGrp="1"/>
+          </p:cNvSpPr>
+          <p:nvPr>
+            <p:ph type="sldNum" sz="quarter" idx="12"/>
+          </p:nvPr>
+        </p:nvSpPr>
+        <p:spPr/>
+        <p:txBody>
+          <a:bodyPr/>
+          <a:lstStyle/>
+          <a:p>
+            <a:fld id="{0E10C2AD-1307-4F27-A6A5-469AD3C2F368}" type="slidenum">
+              <a:rPr lang="nl-BE" smtClean="0"/>
+              <a:t>21</a:t>
+            </a:fld>
+            <a:endParaRPr lang="nl-BE"/>
+          </a:p>
+        </p:txBody>
+      </p:sp>
+      <p:sp>
+        <p:nvSpPr>
+          <p:cNvPr id="5" name="Rectangle 4"/>
+          <p:cNvSpPr/>
+          <p:nvPr/>
+        </p:nvSpPr>
+        <p:spPr>
+          <a:xfrm>
+            <a:off x="912243" y="3157179"/>
+            <a:ext cx="6574407" cy="2308324"/>
+          </a:xfrm>
+          <a:prstGeom prst="rect">
+            <a:avLst/>
+          </a:prstGeom>
+          <a:solidFill>
+            <a:schemeClr val="bg1">
+              <a:lumMod val="85000"/>
+            </a:schemeClr>
+          </a:solidFill>
+          <a:ln>
+            <a:solidFill>
+              <a:schemeClr val="tx1"/>
+            </a:solidFill>
+          </a:ln>
+        </p:spPr>
+        <p:txBody>
+          <a:bodyPr wrap="square">
+            <a:spAutoFit/>
+          </a:bodyPr>
+          <a:lstStyle/>
+          <a:p>
+            <a:r>
+              <a:rPr lang="nl-BE" dirty="0" smtClean="0">
+                <a:latin typeface="Courier New" panose="02070309020205020404" pitchFamily="49" charset="0"/>
+                <a:cs typeface="Courier New" panose="02070309020205020404" pitchFamily="49" charset="0"/>
+              </a:rPr>
+              <a:t>#!/bin/</a:t>
+            </a:r>
+            <a:r>
+              <a:rPr lang="nl-BE" dirty="0" err="1" smtClean="0">
+                <a:latin typeface="Courier New" panose="02070309020205020404" pitchFamily="49" charset="0"/>
+                <a:cs typeface="Courier New" panose="02070309020205020404" pitchFamily="49" charset="0"/>
+              </a:rPr>
+              <a:t>bash</a:t>
+            </a:r>
+            <a:endParaRPr lang="nl-BE" dirty="0" smtClean="0">
+              <a:latin typeface="Courier New" panose="02070309020205020404" pitchFamily="49" charset="0"/>
+              <a:cs typeface="Courier New" panose="02070309020205020404" pitchFamily="49" charset="0"/>
+            </a:endParaRPr>
+          </a:p>
+          <a:p>
+            <a:r>
+              <a:rPr lang="nl-BE" dirty="0" smtClean="0">
+                <a:latin typeface="Courier New" panose="02070309020205020404" pitchFamily="49" charset="0"/>
+                <a:cs typeface="Courier New" panose="02070309020205020404" pitchFamily="49" charset="0"/>
+              </a:rPr>
+              <a:t>#PBS -l </a:t>
+            </a:r>
+            <a:r>
+              <a:rPr lang="nl-BE" dirty="0" err="1" smtClean="0">
+                <a:latin typeface="Courier New" panose="02070309020205020404" pitchFamily="49" charset="0"/>
+                <a:cs typeface="Courier New" panose="02070309020205020404" pitchFamily="49" charset="0"/>
+              </a:rPr>
+              <a:t>nodes</a:t>
+            </a:r>
+            <a:r>
+              <a:rPr lang="nl-BE" dirty="0" smtClean="0">
+                <a:latin typeface="Courier New" panose="02070309020205020404" pitchFamily="49" charset="0"/>
+                <a:cs typeface="Courier New" panose="02070309020205020404" pitchFamily="49" charset="0"/>
+              </a:rPr>
+              <a:t>=1:ppn=4</a:t>
+            </a:r>
+            <a:endParaRPr lang="nl-BE" dirty="0" smtClean="0">
+              <a:latin typeface="Courier New" panose="02070309020205020404" pitchFamily="49" charset="0"/>
+              <a:cs typeface="Courier New" panose="02070309020205020404" pitchFamily="49" charset="0"/>
+            </a:endParaRPr>
+          </a:p>
+          <a:p>
+            <a:r>
+              <a:rPr lang="en-US" dirty="0" smtClean="0">
+                <a:latin typeface="Courier New" panose="02070309020205020404" pitchFamily="49" charset="0"/>
+                <a:cs typeface="Courier New" panose="02070309020205020404" pitchFamily="49" charset="0"/>
+              </a:rPr>
+              <a:t>…</a:t>
+            </a:r>
+          </a:p>
+          <a:p>
+            <a:r>
+              <a:rPr lang="en-US" dirty="0" smtClean="0">
+                <a:latin typeface="Courier New" panose="02070309020205020404" pitchFamily="49" charset="0"/>
+                <a:cs typeface="Courier New" panose="02070309020205020404" pitchFamily="49" charset="0"/>
+              </a:rPr>
+              <a:t>export OMP_NUM_THREADS=2</a:t>
+            </a:r>
+            <a:endParaRPr lang="en-US" dirty="0" smtClean="0">
+              <a:latin typeface="Courier New" panose="02070309020205020404" pitchFamily="49" charset="0"/>
+              <a:cs typeface="Courier New" panose="02070309020205020404" pitchFamily="49" charset="0"/>
+            </a:endParaRPr>
+          </a:p>
+          <a:p>
+            <a:r>
+              <a:rPr lang="en-US" dirty="0" err="1" smtClean="0">
+                <a:latin typeface="Courier New" panose="02070309020205020404" pitchFamily="49" charset="0"/>
+                <a:cs typeface="Courier New" panose="02070309020205020404" pitchFamily="49" charset="0"/>
+              </a:rPr>
+              <a:t>dmtcp_launch</a:t>
+            </a:r>
+            <a:r>
+              <a:rPr lang="en-US" dirty="0" smtClean="0">
+                <a:latin typeface="Courier New" panose="02070309020205020404" pitchFamily="49" charset="0"/>
+                <a:cs typeface="Courier New" panose="02070309020205020404" pitchFamily="49" charset="0"/>
+              </a:rPr>
+              <a:t>  --</a:t>
+            </a:r>
+            <a:r>
+              <a:rPr lang="en-US" dirty="0" err="1" smtClean="0">
+                <a:latin typeface="Courier New" panose="02070309020205020404" pitchFamily="49" charset="0"/>
+                <a:cs typeface="Courier New" panose="02070309020205020404" pitchFamily="49" charset="0"/>
+              </a:rPr>
+              <a:t>ib</a:t>
+            </a:r>
+            <a:r>
+              <a:rPr lang="en-US" dirty="0" smtClean="0">
+                <a:latin typeface="Courier New" panose="02070309020205020404" pitchFamily="49" charset="0"/>
+                <a:cs typeface="Courier New" panose="02070309020205020404" pitchFamily="49" charset="0"/>
+              </a:rPr>
+              <a:t>  \</a:t>
+            </a:r>
+          </a:p>
+          <a:p>
+            <a:r>
+              <a:rPr lang="en-US" dirty="0" smtClean="0">
+                <a:latin typeface="Courier New" panose="02070309020205020404" pitchFamily="49" charset="0"/>
+                <a:cs typeface="Courier New" panose="02070309020205020404" pitchFamily="49" charset="0"/>
+              </a:rPr>
+              <a:t>    </a:t>
+            </a:r>
+            <a:r>
+              <a:rPr lang="en-US" dirty="0" err="1" smtClean="0">
+                <a:latin typeface="Courier New" panose="02070309020205020404" pitchFamily="49" charset="0"/>
+                <a:cs typeface="Courier New" panose="02070309020205020404" pitchFamily="49" charset="0"/>
+              </a:rPr>
+              <a:t>mpirun</a:t>
+            </a:r>
+            <a:r>
+              <a:rPr lang="en-US" dirty="0" smtClean="0">
+                <a:latin typeface="Courier New" panose="02070309020205020404" pitchFamily="49" charset="0"/>
+                <a:cs typeface="Courier New" panose="02070309020205020404" pitchFamily="49" charset="0"/>
+              </a:rPr>
+              <a:t>  --map-by ppr:2:socket:PE=2 \</a:t>
+            </a:r>
+          </a:p>
+          <a:p>
+            <a:r>
+              <a:rPr lang="en-US" dirty="0">
+                <a:latin typeface="Courier New" panose="02070309020205020404" pitchFamily="49" charset="0"/>
+                <a:cs typeface="Courier New" panose="02070309020205020404" pitchFamily="49" charset="0"/>
+              </a:rPr>
+              <a:t> </a:t>
+            </a:r>
+            <a:r>
+              <a:rPr lang="en-US" dirty="0" smtClean="0">
+                <a:latin typeface="Courier New" panose="02070309020205020404" pitchFamily="49" charset="0"/>
+                <a:cs typeface="Courier New" panose="02070309020205020404" pitchFamily="49" charset="0"/>
+              </a:rPr>
+              <a:t>       ./pi.exe 1000000000</a:t>
+            </a:r>
+          </a:p>
+          <a:p>
+            <a:r>
+              <a:rPr lang="en-US" dirty="0" smtClean="0">
+                <a:latin typeface="Courier New" panose="02070309020205020404" pitchFamily="49" charset="0"/>
+                <a:cs typeface="Courier New" panose="02070309020205020404" pitchFamily="49" charset="0"/>
+              </a:rPr>
+              <a:t>…</a:t>
+            </a:r>
+            <a:endParaRPr lang="nl-BE" dirty="0" smtClean="0">
+              <a:latin typeface="Courier New" panose="02070309020205020404" pitchFamily="49" charset="0"/>
+              <a:cs typeface="Courier New" panose="02070309020205020404" pitchFamily="49" charset="0"/>
+            </a:endParaRPr>
+          </a:p>
+        </p:txBody>
+      </p:sp>
+      <p:grpSp>
+        <p:nvGrpSpPr>
+          <p:cNvPr id="6" name="Group 5"/>
+          <p:cNvGrpSpPr/>
+          <p:nvPr/>
+        </p:nvGrpSpPr>
+        <p:grpSpPr>
+          <a:xfrm>
+            <a:off x="4172324" y="4856672"/>
+            <a:ext cx="4571251" cy="1108706"/>
+            <a:chOff x="810883" y="4022904"/>
+            <a:chExt cx="4571251" cy="1108706"/>
+          </a:xfrm>
+        </p:grpSpPr>
+        <p:sp>
+          <p:nvSpPr>
+            <p:cNvPr id="7" name="TextBox 6"/>
+            <p:cNvSpPr txBox="1"/>
+            <p:nvPr/>
+          </p:nvSpPr>
+          <p:spPr>
+            <a:xfrm>
+              <a:off x="810883" y="4762278"/>
+              <a:ext cx="4571251" cy="369332"/>
+            </a:xfrm>
+            <a:prstGeom prst="rect">
+              <a:avLst/>
+            </a:prstGeom>
+            <a:noFill/>
+            <a:ln>
+              <a:solidFill>
+                <a:schemeClr val="tx1"/>
+              </a:solidFill>
+            </a:ln>
+          </p:spPr>
+          <p:txBody>
+            <a:bodyPr wrap="none" rtlCol="0">
+              <a:spAutoFit/>
+            </a:bodyPr>
+            <a:lstStyle/>
+            <a:p>
+              <a:r>
+                <a:rPr lang="en-US" dirty="0" err="1" smtClean="0"/>
+                <a:t>OpenMPI</a:t>
+              </a:r>
+              <a:r>
+                <a:rPr lang="en-US" dirty="0" smtClean="0"/>
+                <a:t> 1.8.x: 2 processes, 2 threads/process</a:t>
+              </a:r>
+              <a:endParaRPr lang="nl-BE" dirty="0">
+                <a:latin typeface="Courier New" panose="02070309020205020404" pitchFamily="49" charset="0"/>
+                <a:cs typeface="Courier New" panose="02070309020205020404" pitchFamily="49" charset="0"/>
+              </a:endParaRPr>
+            </a:p>
+          </p:txBody>
+        </p:sp>
+        <p:cxnSp>
+          <p:nvCxnSpPr>
+            <p:cNvPr id="8" name="Straight Arrow Connector 7"/>
+            <p:cNvCxnSpPr>
+              <a:stCxn id="7" idx="0"/>
+            </p:cNvCxnSpPr>
+            <p:nvPr/>
+          </p:nvCxnSpPr>
+          <p:spPr>
+            <a:xfrm flipH="1" flipV="1">
+              <a:off x="2038695" y="4022904"/>
+              <a:ext cx="1057814" cy="739374"/>
+            </a:xfrm>
+            <a:prstGeom prst="straightConnector1">
+              <a:avLst/>
+            </a:prstGeom>
+            <a:ln w="19050">
+              <a:solidFill>
+                <a:schemeClr val="tx1"/>
+              </a:solidFill>
+              <a:tailEnd type="stealth" w="lg" len="lg"/>
+            </a:ln>
+          </p:spPr>
+          <p:style>
+            <a:lnRef idx="1">
+              <a:schemeClr val="accent1"/>
+            </a:lnRef>
+            <a:fillRef idx="0">
+              <a:schemeClr val="accent1"/>
+            </a:fillRef>
+            <a:effectRef idx="0">
+              <a:schemeClr val="accent1"/>
+            </a:effectRef>
+            <a:fontRef idx="minor">
+              <a:schemeClr val="tx1"/>
+            </a:fontRef>
+          </p:style>
+        </p:cxnSp>
+      </p:grpSp>
+    </p:spTree>
+    <p:extLst>
+      <p:ext uri="{BB962C8B-B14F-4D97-AF65-F5344CB8AC3E}">
+        <p14:creationId xmlns:p14="http://schemas.microsoft.com/office/powerpoint/2010/main" val="1030802229"/>
+      </p:ext>
+    </p:extLst>
+  </p:cSld>
+  <p:clrMapOvr>
+    <a:masterClrMapping/>
+  </p:clrMapOvr>
+  <p:timing>
+    <p:tnLst>
+      <p:par>
+        <p:cTn id="1" dur="indefinite" restart="never" nodeType="tmRoot">
+          <p:childTnLst>
+            <p:seq concurrent="1" nextAc="seek">
+              <p:cTn id="2" dur="indefinite" nodeType="mainSeq">
+                <p:childTnLst>
+                  <p:par>
+                    <p:cTn id="3" fill="hold">
+                      <p:stCondLst>
+                        <p:cond delay="indefinite"/>
+                      </p:stCondLst>
+                      <p:childTnLst>
+                        <p:par>
+                          <p:cTn id="4" fill="hold">
+                            <p:stCondLst>
+                              <p:cond delay="0"/>
+                            </p:stCondLst>
+                            <p:childTnLst>
+                              <p:par>
+                                <p:cTn id="5" presetID="1" presetClass="entr" presetSubtype="0" fill="hold" nodeType="clickEffect">
+                                  <p:stCondLst>
+                                    <p:cond delay="0"/>
+                                  </p:stCondLst>
+                                  <p:childTnLst>
+                                    <p:set>
+                                      <p:cBhvr>
+                                        <p:cTn id="6" dur="1" fill="hold">
+                                          <p:stCondLst>
+                                            <p:cond delay="0"/>
+                                          </p:stCondLst>
+                                        </p:cTn>
+                                        <p:tgtEl>
+                                          <p:spTgt spid="6"/>
+                                        </p:tgtEl>
+                                        <p:attrNameLst>
+                                          <p:attrName>style.visibility</p:attrName>
+                                        </p:attrNameLst>
+                                      </p:cBhvr>
+                                      <p:to>
+                                        <p:strVal val="visible"/>
+                                      </p:to>
+                                    </p:set>
+                                  </p:childTnLst>
+                                </p:cTn>
+                              </p:par>
+                            </p:childTnLst>
+                          </p:cTn>
+                        </p:par>
+                      </p:childTnLst>
+                    </p:cTn>
+                  </p:par>
+                </p:childTnLst>
+              </p:cTn>
+              <p:prevCondLst>
+                <p:cond evt="onPrev" delay="0">
+                  <p:tgtEl>
+                    <p:sldTgt/>
+                  </p:tgtEl>
+                </p:cond>
+              </p:prevCondLst>
+              <p:nextCondLst>
+                <p:cond evt="onNext" delay="0">
+                  <p:tgtEl>
+                    <p:sldTgt/>
+                  </p:tgtEl>
+                </p:cond>
+              </p:nextCondLst>
+            </p:seq>
+          </p:childTnLst>
+        </p:cTn>
+      </p:par>
+    </p:tnLst>
+  </p:timing>
+</p:sld>
+</file>
+
+<file path=ppt/slides/slide22.xml><?xml version="1.0" encoding="utf-8"?>
+<p:sld xmlns:a="http://schemas.openxmlformats.org/drawingml/2006/main" xmlns:r="http://schemas.openxmlformats.org/officeDocument/2006/relationships" xmlns:p="http://schemas.openxmlformats.org/presentationml/2006/main">
+  <p:cSld>
+    <p:spTree>
+      <p:nvGrpSpPr>
+        <p:cNvPr id="1" name=""/>
+        <p:cNvGrpSpPr/>
+        <p:nvPr/>
+      </p:nvGrpSpPr>
+      <p:grpSpPr>
+        <a:xfrm>
+          <a:off x="0" y="0"/>
+          <a:ext cx="0" cy="0"/>
+          <a:chOff x="0" y="0"/>
+          <a:chExt cx="0" cy="0"/>
+        </a:xfrm>
+      </p:grpSpPr>
+      <p:sp>
+        <p:nvSpPr>
+          <p:cNvPr id="2" name="Title 1"/>
+          <p:cNvSpPr>
+            <a:spLocks noGrp="1"/>
+          </p:cNvSpPr>
+          <p:nvPr>
+            <p:ph type="title"/>
+          </p:nvPr>
+        </p:nvSpPr>
+        <p:spPr/>
+        <p:txBody>
+          <a:bodyPr/>
+          <a:lstStyle/>
+          <a:p>
+            <a:r>
+              <a:rPr lang="en-US" dirty="0" smtClean="0"/>
+              <a:t>Best practices</a:t>
+            </a:r>
+            <a:endParaRPr lang="nl-BE" dirty="0"/>
+          </a:p>
+        </p:txBody>
+      </p:sp>
+      <p:sp>
+        <p:nvSpPr>
+          <p:cNvPr id="3" name="Text Placeholder 2"/>
+          <p:cNvSpPr>
+            <a:spLocks noGrp="1"/>
+          </p:cNvSpPr>
+          <p:nvPr>
+            <p:ph type="body" idx="1"/>
+          </p:nvPr>
+        </p:nvSpPr>
+        <p:spPr/>
+        <p:txBody>
+          <a:bodyPr/>
+          <a:lstStyle/>
+          <a:p>
+            <a:endParaRPr lang="nl-BE"/>
+          </a:p>
+        </p:txBody>
+      </p:sp>
+      <p:sp>
+        <p:nvSpPr>
+          <p:cNvPr id="4" name="Slide Number Placeholder 3"/>
+          <p:cNvSpPr>
+            <a:spLocks noGrp="1"/>
+          </p:cNvSpPr>
+          <p:nvPr>
+            <p:ph type="sldNum" sz="quarter" idx="12"/>
+          </p:nvPr>
+        </p:nvSpPr>
+        <p:spPr/>
+        <p:txBody>
+          <a:bodyPr/>
+          <a:lstStyle/>
+          <a:p>
+            <a:fld id="{0E10C2AD-1307-4F27-A6A5-469AD3C2F368}" type="slidenum">
+              <a:rPr lang="nl-BE" smtClean="0"/>
+              <a:t>22</a:t>
             </a:fld>
             <a:endParaRPr lang="nl-BE"/>
           </a:p>
@@ -8501,7 +9039,7 @@
 </p:sld>
 </file>
 
-<file path=ppt/slides/slide21.xml><?xml version="1.0" encoding="utf-8"?>
+<file path=ppt/slides/slide23.xml><?xml version="1.0" encoding="utf-8"?>
 <p:sld xmlns:a="http://schemas.openxmlformats.org/drawingml/2006/main" xmlns:r="http://schemas.openxmlformats.org/officeDocument/2006/relationships" xmlns:p="http://schemas.openxmlformats.org/presentationml/2006/main">
   <p:cSld>
     <p:spTree>
@@ -8622,7 +9160,7 @@
           <a:p>
             <a:fld id="{0E10C2AD-1307-4F27-A6A5-469AD3C2F368}" type="slidenum">
               <a:rPr lang="nl-BE" smtClean="0"/>
-              <a:t>21</a:t>
+              <a:t>23</a:t>
             </a:fld>
             <a:endParaRPr lang="nl-BE"/>
           </a:p>
@@ -10398,11 +10936,7 @@
           <a:p>
             <a:r>
               <a:rPr lang="en-US" dirty="0" smtClean="0"/>
-              <a:t>How often to checkpoint</a:t>
-            </a:r>
-            <a:r>
-              <a:rPr lang="en-US" dirty="0" smtClean="0"/>
-              <a:t>?</a:t>
+              <a:t>How often to checkpoint?</a:t>
             </a:r>
           </a:p>
           <a:p>
@@ -10842,33 +11376,22 @@
                 <a:latin typeface="Courier New" panose="02070309020205020404" pitchFamily="49" charset="0"/>
                 <a:cs typeface="Courier New" panose="02070309020205020404" pitchFamily="49" charset="0"/>
               </a:rPr>
-              <a:t>export </a:t>
+              <a:t>export DMTCP_COORD_HOST=$(</a:t>
+            </a:r>
+            <a:r>
+              <a:rPr lang="nl-BE" dirty="0" err="1" smtClean="0">
+                <a:latin typeface="Courier New" panose="02070309020205020404" pitchFamily="49" charset="0"/>
+                <a:cs typeface="Courier New" panose="02070309020205020404" pitchFamily="49" charset="0"/>
+              </a:rPr>
+              <a:t>hostname</a:t>
             </a:r>
             <a:r>
               <a:rPr lang="nl-BE" dirty="0" smtClean="0">
                 <a:latin typeface="Courier New" panose="02070309020205020404" pitchFamily="49" charset="0"/>
                 <a:cs typeface="Courier New" panose="02070309020205020404" pitchFamily="49" charset="0"/>
               </a:rPr>
-              <a:t>DMTCP_COORD_HOST=$(</a:t>
-            </a:r>
-            <a:r>
-              <a:rPr lang="nl-BE" dirty="0" err="1" smtClean="0">
-                <a:latin typeface="Courier New" panose="02070309020205020404" pitchFamily="49" charset="0"/>
-                <a:cs typeface="Courier New" panose="02070309020205020404" pitchFamily="49" charset="0"/>
-              </a:rPr>
-              <a:t>hostname</a:t>
-            </a:r>
-            <a:r>
-              <a:rPr lang="nl-BE" dirty="0" smtClean="0">
-                <a:latin typeface="Courier New" panose="02070309020205020404" pitchFamily="49" charset="0"/>
-                <a:cs typeface="Courier New" panose="02070309020205020404" pitchFamily="49" charset="0"/>
-              </a:rPr>
               <a:t>)</a:t>
             </a:r>
-            <a:endParaRPr lang="nl-BE" dirty="0" smtClean="0">
-              <a:latin typeface="Courier New" panose="02070309020205020404" pitchFamily="49" charset="0"/>
-              <a:cs typeface="Courier New" panose="02070309020205020404" pitchFamily="49" charset="0"/>
-            </a:endParaRPr>
           </a:p>
         </p:txBody>
       </p:sp>
@@ -11616,14 +12139,7 @@
                 <a:latin typeface="Courier New" panose="02070309020205020404" pitchFamily="49" charset="0"/>
                 <a:cs typeface="Courier New" panose="02070309020205020404" pitchFamily="49" charset="0"/>
               </a:rPr>
-              <a:t>--</a:t>
-            </a:r>
-            <a:r>
-              <a:rPr lang="nl-BE" dirty="0" smtClean="0">
-                <a:latin typeface="Courier New" panose="02070309020205020404" pitchFamily="49" charset="0"/>
-                <a:cs typeface="Courier New" panose="02070309020205020404" pitchFamily="49" charset="0"/>
-              </a:rPr>
-              <a:t>exit-on-last &amp;</a:t>
+              <a:t>--exit-on-last &amp;</a:t>
             </a:r>
             <a:endParaRPr lang="nl-BE" dirty="0">
               <a:latin typeface="Courier New" panose="02070309020205020404" pitchFamily="49" charset="0"/>
